--- a/nightcrawlerDemo.pptx
+++ b/nightcrawlerDemo.pptx
@@ -7,13 +7,14 @@
   <p:sldIdLst>
     <p:sldId id="256" r:id="rId2"/>
     <p:sldId id="262" r:id="rId3"/>
-    <p:sldId id="264" r:id="rId4"/>
-    <p:sldId id="261" r:id="rId5"/>
-    <p:sldId id="263" r:id="rId6"/>
-    <p:sldId id="257" r:id="rId7"/>
-    <p:sldId id="258" r:id="rId8"/>
-    <p:sldId id="259" r:id="rId9"/>
-    <p:sldId id="260" r:id="rId10"/>
+    <p:sldId id="261" r:id="rId4"/>
+    <p:sldId id="265" r:id="rId5"/>
+    <p:sldId id="264" r:id="rId6"/>
+    <p:sldId id="263" r:id="rId7"/>
+    <p:sldId id="257" r:id="rId8"/>
+    <p:sldId id="258" r:id="rId9"/>
+    <p:sldId id="259" r:id="rId10"/>
+    <p:sldId id="260" r:id="rId11"/>
   </p:sldIdLst>
   <p:sldSz cx="9144000" cy="6858000" type="screen4x3"/>
   <p:notesSz cx="6858000" cy="9144000"/>
@@ -3673,6 +3674,93 @@
 </p:sld>
 </file>
 
+<file path=ppt/slides/slide10.xml><?xml version="1.0" encoding="utf-8"?>
+<p:sld xmlns:a="http://schemas.openxmlformats.org/drawingml/2006/main" xmlns:r="http://schemas.openxmlformats.org/officeDocument/2006/relationships" xmlns:mc="http://schemas.openxmlformats.org/markup-compatibility/2006" xmlns:mv="urn:schemas-microsoft-com:mac:vml" xmlns:p="http://schemas.openxmlformats.org/presentationml/2006/main" mc:Ignorable="mv" mc:PreserveAttributes="mv:*">
+  <p:cSld>
+    <p:spTree>
+      <p:nvGrpSpPr>
+        <p:cNvPr id="1" name=""/>
+        <p:cNvGrpSpPr/>
+        <p:nvPr/>
+      </p:nvGrpSpPr>
+      <p:grpSpPr>
+        <a:xfrm>
+          <a:off x="0" y="0"/>
+          <a:ext cx="0" cy="0"/>
+          <a:chOff x="0" y="0"/>
+          <a:chExt cx="0" cy="0"/>
+        </a:xfrm>
+      </p:grpSpPr>
+      <p:sp>
+        <p:nvSpPr>
+          <p:cNvPr id="2" name="Title 1"/>
+          <p:cNvSpPr>
+            <a:spLocks noGrp="1"/>
+          </p:cNvSpPr>
+          <p:nvPr>
+            <p:ph type="title"/>
+          </p:nvPr>
+        </p:nvSpPr>
+        <p:spPr/>
+        <p:txBody>
+          <a:bodyPr/>
+          <a:lstStyle/>
+          <a:p>
+            <a:r>
+              <a:rPr lang="en-US" dirty="0" smtClean="0"/>
+              <a:t>Future Directions</a:t>
+            </a:r>
+            <a:endParaRPr lang="en-US" dirty="0"/>
+          </a:p>
+        </p:txBody>
+      </p:sp>
+      <p:sp>
+        <p:nvSpPr>
+          <p:cNvPr id="3" name="Content Placeholder 2"/>
+          <p:cNvSpPr>
+            <a:spLocks noGrp="1"/>
+          </p:cNvSpPr>
+          <p:nvPr>
+            <p:ph idx="1"/>
+          </p:nvPr>
+        </p:nvSpPr>
+        <p:spPr/>
+        <p:txBody>
+          <a:bodyPr/>
+          <a:lstStyle/>
+          <a:p>
+            <a:r>
+              <a:rPr lang="en-US" dirty="0" smtClean="0"/>
+              <a:t>Include </a:t>
+            </a:r>
+            <a:r>
+              <a:rPr lang="en-US" dirty="0" smtClean="0"/>
+              <a:t>more travel service providers (such as Bolt Bus and MTA North)</a:t>
+            </a:r>
+          </a:p>
+          <a:p>
+            <a:r>
+              <a:rPr lang="en-US" dirty="0" smtClean="0"/>
+              <a:t>Improve the speed of the algorithm</a:t>
+            </a:r>
+          </a:p>
+          <a:p>
+            <a:r>
+              <a:rPr lang="en-US" dirty="0" smtClean="0"/>
+              <a:t>Expand to other regions of the country</a:t>
+            </a:r>
+            <a:endParaRPr lang="en-US" dirty="0"/>
+          </a:p>
+        </p:txBody>
+      </p:sp>
+    </p:spTree>
+  </p:cSld>
+  <p:clrMapOvr>
+    <a:masterClrMapping/>
+  </p:clrMapOvr>
+</p:sld>
+</file>
+
 <file path=ppt/slides/slide2.xml><?xml version="1.0" encoding="utf-8"?>
 <p:sld xmlns:a="http://schemas.openxmlformats.org/drawingml/2006/main" xmlns:r="http://schemas.openxmlformats.org/officeDocument/2006/relationships" xmlns:mc="http://schemas.openxmlformats.org/markup-compatibility/2006" xmlns:mv="urn:schemas-microsoft-com:mac:vml" xmlns:p="http://schemas.openxmlformats.org/presentationml/2006/main" mc:Ignorable="mv" mc:PreserveAttributes="mv:*">
   <p:cSld>
@@ -3700,7 +3788,12 @@
             <p:ph type="title"/>
           </p:nvPr>
         </p:nvSpPr>
-        <p:spPr/>
+        <p:spPr>
+          <a:xfrm>
+            <a:off x="457200" y="99568"/>
+            <a:ext cx="8229600" cy="1399032"/>
+          </a:xfrm>
+        </p:spPr>
         <p:txBody>
           <a:bodyPr/>
           <a:lstStyle/>
@@ -3723,15 +3816,58 @@
             <p:ph idx="1"/>
           </p:nvPr>
         </p:nvSpPr>
-        <p:spPr/>
+        <p:spPr>
+          <a:xfrm>
+            <a:off x="457200" y="1206500"/>
+            <a:ext cx="8229600" cy="3022600"/>
+          </a:xfrm>
+        </p:spPr>
         <p:txBody>
           <a:bodyPr/>
           <a:lstStyle/>
           <a:p>
+            <a:r>
+              <a:rPr lang="en-US" dirty="0" smtClean="0"/>
+              <a:t>Compare across modes of transportation to find you the cheapest of fastest routes!</a:t>
+            </a:r>
+          </a:p>
+          <a:p>
+            <a:r>
+              <a:rPr lang="en-US" dirty="0" smtClean="0"/>
+              <a:t>Connect multiple modes of </a:t>
+            </a:r>
+            <a:r>
+              <a:rPr lang="en-US" dirty="0" smtClean="0"/>
+              <a:t>transportation to services routes that require at least one transfer</a:t>
+            </a:r>
             <a:endParaRPr lang="en-US" dirty="0"/>
           </a:p>
         </p:txBody>
       </p:sp>
+      <p:pic>
+        <p:nvPicPr>
+          <p:cNvPr id="5" name="Picture 4"/>
+          <p:cNvPicPr>
+            <a:picLocks noChangeAspect="1"/>
+          </p:cNvPicPr>
+          <p:nvPr/>
+        </p:nvPicPr>
+        <p:blipFill>
+          <a:blip r:embed="rId2"/>
+          <a:stretch>
+            <a:fillRect/>
+          </a:stretch>
+        </p:blipFill>
+        <p:spPr>
+          <a:xfrm>
+            <a:off x="6146800" y="4229100"/>
+            <a:ext cx="2540000" cy="2286000"/>
+          </a:xfrm>
+          <a:prstGeom prst="rect">
+            <a:avLst/>
+          </a:prstGeom>
+        </p:spPr>
+      </p:pic>
     </p:spTree>
   </p:cSld>
   <p:clrMapOvr>
@@ -3774,31 +3910,276 @@
           <a:p>
             <a:r>
               <a:rPr lang="en-US" dirty="0" smtClean="0"/>
-              <a:t>Functionality</a:t>
+              <a:t>Travel Providers</a:t>
             </a:r>
             <a:endParaRPr lang="en-US" dirty="0"/>
           </a:p>
         </p:txBody>
       </p:sp>
-      <p:sp>
-        <p:nvSpPr>
-          <p:cNvPr id="3" name="Content Placeholder 2"/>
-          <p:cNvSpPr>
-            <a:spLocks noGrp="1"/>
-          </p:cNvSpPr>
-          <p:nvPr>
-            <p:ph idx="1"/>
-          </p:nvPr>
-        </p:nvSpPr>
-        <p:spPr/>
-        <p:txBody>
-          <a:bodyPr/>
-          <a:lstStyle/>
-          <a:p>
-            <a:endParaRPr lang="en-US"/>
-          </a:p>
-        </p:txBody>
-      </p:sp>
+      <p:pic>
+        <p:nvPicPr>
+          <p:cNvPr id="5" name="Picture 4"/>
+          <p:cNvPicPr>
+            <a:picLocks noChangeAspect="1"/>
+          </p:cNvPicPr>
+          <p:nvPr/>
+        </p:nvPicPr>
+        <p:blipFill>
+          <a:blip r:embed="rId2"/>
+          <a:stretch>
+            <a:fillRect/>
+          </a:stretch>
+        </p:blipFill>
+        <p:spPr>
+          <a:xfrm>
+            <a:off x="248357" y="1666526"/>
+            <a:ext cx="3976452" cy="1656855"/>
+          </a:xfrm>
+          <a:prstGeom prst="rect">
+            <a:avLst/>
+          </a:prstGeom>
+        </p:spPr>
+      </p:pic>
+      <p:pic>
+        <p:nvPicPr>
+          <p:cNvPr id="6" name="Picture 5"/>
+          <p:cNvPicPr>
+            <a:picLocks noChangeAspect="1"/>
+          </p:cNvPicPr>
+          <p:nvPr/>
+        </p:nvPicPr>
+        <p:blipFill>
+          <a:blip r:embed="rId3"/>
+          <a:stretch>
+            <a:fillRect/>
+          </a:stretch>
+        </p:blipFill>
+        <p:spPr>
+          <a:xfrm>
+            <a:off x="248357" y="5648266"/>
+            <a:ext cx="4092920" cy="1002901"/>
+          </a:xfrm>
+          <a:prstGeom prst="rect">
+            <a:avLst/>
+          </a:prstGeom>
+        </p:spPr>
+      </p:pic>
+      <p:pic>
+        <p:nvPicPr>
+          <p:cNvPr id="7" name="Picture 6"/>
+          <p:cNvPicPr>
+            <a:picLocks noChangeAspect="1"/>
+          </p:cNvPicPr>
+          <p:nvPr/>
+        </p:nvPicPr>
+        <p:blipFill>
+          <a:blip r:embed="rId4"/>
+          <a:stretch>
+            <a:fillRect/>
+          </a:stretch>
+        </p:blipFill>
+        <p:spPr>
+          <a:xfrm>
+            <a:off x="286457" y="3951670"/>
+            <a:ext cx="4054820" cy="1009200"/>
+          </a:xfrm>
+          <a:prstGeom prst="rect">
+            <a:avLst/>
+          </a:prstGeom>
+        </p:spPr>
+      </p:pic>
+      <p:pic>
+        <p:nvPicPr>
+          <p:cNvPr id="8" name="Picture 7"/>
+          <p:cNvPicPr>
+            <a:picLocks noChangeAspect="1"/>
+          </p:cNvPicPr>
+          <p:nvPr/>
+        </p:nvPicPr>
+        <p:blipFill>
+          <a:blip r:embed="rId5"/>
+          <a:stretch>
+            <a:fillRect/>
+          </a:stretch>
+        </p:blipFill>
+        <p:spPr>
+          <a:xfrm>
+            <a:off x="5429063" y="267494"/>
+            <a:ext cx="3665721" cy="1250545"/>
+          </a:xfrm>
+          <a:prstGeom prst="rect">
+            <a:avLst/>
+          </a:prstGeom>
+        </p:spPr>
+      </p:pic>
+      <p:pic>
+        <p:nvPicPr>
+          <p:cNvPr id="9" name="Picture 8"/>
+          <p:cNvPicPr>
+            <a:picLocks noChangeAspect="1"/>
+          </p:cNvPicPr>
+          <p:nvPr/>
+        </p:nvPicPr>
+        <p:blipFill>
+          <a:blip r:embed="rId6"/>
+          <a:stretch>
+            <a:fillRect/>
+          </a:stretch>
+        </p:blipFill>
+        <p:spPr>
+          <a:xfrm>
+            <a:off x="5067274" y="4370713"/>
+            <a:ext cx="1250699" cy="1180313"/>
+          </a:xfrm>
+          <a:prstGeom prst="rect">
+            <a:avLst/>
+          </a:prstGeom>
+        </p:spPr>
+      </p:pic>
+      <p:pic>
+        <p:nvPicPr>
+          <p:cNvPr id="10" name="Picture 9"/>
+          <p:cNvPicPr>
+            <a:picLocks noChangeAspect="1"/>
+          </p:cNvPicPr>
+          <p:nvPr/>
+        </p:nvPicPr>
+        <p:blipFill>
+          <a:blip r:embed="rId7"/>
+          <a:stretch>
+            <a:fillRect/>
+          </a:stretch>
+        </p:blipFill>
+        <p:spPr>
+          <a:xfrm>
+            <a:off x="6409777" y="4370713"/>
+            <a:ext cx="2685007" cy="897303"/>
+          </a:xfrm>
+          <a:prstGeom prst="rect">
+            <a:avLst/>
+          </a:prstGeom>
+        </p:spPr>
+      </p:pic>
+      <p:pic>
+        <p:nvPicPr>
+          <p:cNvPr id="11" name="Picture 10"/>
+          <p:cNvPicPr>
+            <a:picLocks noChangeAspect="1"/>
+          </p:cNvPicPr>
+          <p:nvPr/>
+        </p:nvPicPr>
+        <p:blipFill>
+          <a:blip r:embed="rId8"/>
+          <a:stretch>
+            <a:fillRect/>
+          </a:stretch>
+        </p:blipFill>
+        <p:spPr>
+          <a:xfrm>
+            <a:off x="6020100" y="1796423"/>
+            <a:ext cx="2412636" cy="914681"/>
+          </a:xfrm>
+          <a:prstGeom prst="rect">
+            <a:avLst/>
+          </a:prstGeom>
+        </p:spPr>
+      </p:pic>
+      <p:pic>
+        <p:nvPicPr>
+          <p:cNvPr id="12" name="Picture 11"/>
+          <p:cNvPicPr>
+            <a:picLocks noChangeAspect="1"/>
+          </p:cNvPicPr>
+          <p:nvPr/>
+        </p:nvPicPr>
+        <p:blipFill>
+          <a:blip r:embed="rId9"/>
+          <a:stretch>
+            <a:fillRect/>
+          </a:stretch>
+        </p:blipFill>
+        <p:spPr>
+          <a:xfrm>
+            <a:off x="7226418" y="3011157"/>
+            <a:ext cx="1573751" cy="1180313"/>
+          </a:xfrm>
+          <a:prstGeom prst="rect">
+            <a:avLst/>
+          </a:prstGeom>
+        </p:spPr>
+      </p:pic>
+      <p:pic>
+        <p:nvPicPr>
+          <p:cNvPr id="13" name="Picture 12"/>
+          <p:cNvPicPr>
+            <a:picLocks noChangeAspect="1"/>
+          </p:cNvPicPr>
+          <p:nvPr/>
+        </p:nvPicPr>
+        <p:blipFill>
+          <a:blip r:embed="rId10"/>
+          <a:stretch>
+            <a:fillRect/>
+          </a:stretch>
+        </p:blipFill>
+        <p:spPr>
+          <a:xfrm>
+            <a:off x="4743332" y="5943319"/>
+            <a:ext cx="2451197" cy="760297"/>
+          </a:xfrm>
+          <a:prstGeom prst="rect">
+            <a:avLst/>
+          </a:prstGeom>
+        </p:spPr>
+      </p:pic>
+      <p:pic>
+        <p:nvPicPr>
+          <p:cNvPr id="14" name="Picture 13"/>
+          <p:cNvPicPr>
+            <a:picLocks noChangeAspect="1"/>
+          </p:cNvPicPr>
+          <p:nvPr/>
+        </p:nvPicPr>
+        <p:blipFill>
+          <a:blip r:embed="rId11"/>
+          <a:stretch>
+            <a:fillRect/>
+          </a:stretch>
+        </p:blipFill>
+        <p:spPr>
+          <a:xfrm>
+            <a:off x="5067274" y="2921448"/>
+            <a:ext cx="1600226" cy="1270021"/>
+          </a:xfrm>
+          <a:prstGeom prst="rect">
+            <a:avLst/>
+          </a:prstGeom>
+        </p:spPr>
+      </p:pic>
+      <p:pic>
+        <p:nvPicPr>
+          <p:cNvPr id="15" name="Picture 14"/>
+          <p:cNvPicPr>
+            <a:picLocks noChangeAspect="1"/>
+          </p:cNvPicPr>
+          <p:nvPr/>
+        </p:nvPicPr>
+        <p:blipFill>
+          <a:blip r:embed="rId12"/>
+          <a:stretch>
+            <a:fillRect/>
+          </a:stretch>
+        </p:blipFill>
+        <p:spPr>
+          <a:xfrm>
+            <a:off x="7354884" y="5545791"/>
+            <a:ext cx="1739900" cy="1157825"/>
+          </a:xfrm>
+          <a:prstGeom prst="rect">
+            <a:avLst/>
+          </a:prstGeom>
+        </p:spPr>
+      </p:pic>
     </p:spTree>
   </p:cSld>
   <p:clrMapOvr>
@@ -3834,283 +4215,2061 @@
             <p:ph type="title"/>
           </p:nvPr>
         </p:nvSpPr>
-        <p:spPr/>
+        <p:spPr>
+          <a:xfrm>
+            <a:off x="457200" y="0"/>
+            <a:ext cx="8229600" cy="1219200"/>
+          </a:xfrm>
+        </p:spPr>
         <p:txBody>
           <a:bodyPr/>
           <a:lstStyle/>
           <a:p>
             <a:r>
               <a:rPr lang="en-US" dirty="0" smtClean="0"/>
-              <a:t>Travel Providers</a:t>
+              <a:t>Cities that we serve</a:t>
             </a:r>
             <a:endParaRPr lang="en-US" dirty="0"/>
           </a:p>
         </p:txBody>
       </p:sp>
-      <p:pic>
-        <p:nvPicPr>
-          <p:cNvPr id="5" name="Picture 4"/>
-          <p:cNvPicPr>
-            <a:picLocks noChangeAspect="1"/>
-          </p:cNvPicPr>
+      <p:sp>
+        <p:nvSpPr>
+          <p:cNvPr id="3" name="Content Placeholder 2"/>
+          <p:cNvSpPr>
+            <a:spLocks noGrp="1"/>
+          </p:cNvSpPr>
+          <p:nvPr>
+            <p:ph idx="1"/>
+          </p:nvPr>
+        </p:nvSpPr>
+        <p:spPr>
+          <a:xfrm>
+            <a:off x="0" y="1219200"/>
+            <a:ext cx="2540000" cy="5537200"/>
+          </a:xfrm>
+        </p:spPr>
+        <p:txBody>
+          <a:bodyPr>
+            <a:normAutofit fontScale="85000" lnSpcReduction="20000"/>
+          </a:bodyPr>
+          <a:lstStyle/>
+          <a:p>
+            <a:r>
+              <a:rPr lang="en-US" sz="2000" dirty="0" smtClean="0"/>
+              <a:t>New York</a:t>
+            </a:r>
+          </a:p>
+          <a:p>
+            <a:r>
+              <a:rPr lang="en-US" sz="2000" dirty="0" smtClean="0"/>
+              <a:t>Albany</a:t>
+            </a:r>
+          </a:p>
+          <a:p>
+            <a:r>
+              <a:rPr lang="en-US" sz="2000" dirty="0" smtClean="0"/>
+              <a:t>Amherst</a:t>
+            </a:r>
+          </a:p>
+          <a:p>
+            <a:r>
+              <a:rPr lang="en-US" sz="2000" dirty="0" smtClean="0"/>
+              <a:t>Baltimore</a:t>
+            </a:r>
+          </a:p>
+          <a:p>
+            <a:r>
+              <a:rPr lang="en-US" sz="2000" dirty="0" smtClean="0"/>
+              <a:t>Binghamton</a:t>
+            </a:r>
+          </a:p>
+          <a:p>
+            <a:r>
+              <a:rPr lang="en-US" sz="2000" dirty="0" smtClean="0"/>
+              <a:t>Boston</a:t>
+            </a:r>
+          </a:p>
+          <a:p>
+            <a:r>
+              <a:rPr lang="en-US" sz="2000" dirty="0" smtClean="0"/>
+              <a:t>Buffalo</a:t>
+            </a:r>
+          </a:p>
+          <a:p>
+            <a:r>
+              <a:rPr lang="en-US" sz="2000" dirty="0" smtClean="0"/>
+              <a:t>Buffalo Airport</a:t>
+            </a:r>
+          </a:p>
+          <a:p>
+            <a:r>
+              <a:rPr lang="en-US" sz="2000" dirty="0" smtClean="0"/>
+              <a:t>Burlington</a:t>
+            </a:r>
+          </a:p>
+          <a:p>
+            <a:r>
+              <a:rPr lang="en-US" sz="2000" dirty="0" smtClean="0"/>
+              <a:t>New Brunswick</a:t>
+            </a:r>
+          </a:p>
+          <a:p>
+            <a:r>
+              <a:rPr lang="en-US" sz="2000" dirty="0" smtClean="0"/>
+              <a:t>New Haven</a:t>
+            </a:r>
+          </a:p>
+          <a:p>
+            <a:r>
+              <a:rPr lang="en-US" sz="2000" dirty="0" smtClean="0"/>
+              <a:t>Fair Haven</a:t>
+            </a:r>
+          </a:p>
+          <a:p>
+            <a:r>
+              <a:rPr lang="en-US" sz="2000" dirty="0" smtClean="0"/>
+              <a:t>Harrisburg</a:t>
+            </a:r>
+          </a:p>
+          <a:p>
+            <a:r>
+              <a:rPr lang="en-US" sz="2000" dirty="0" smtClean="0"/>
+              <a:t>Harford</a:t>
+            </a:r>
+          </a:p>
+          <a:p>
+            <a:r>
+              <a:rPr lang="en-US" sz="2000" dirty="0" smtClean="0"/>
+              <a:t>Rochester</a:t>
+            </a:r>
+          </a:p>
+          <a:p>
+            <a:r>
+              <a:rPr lang="en-US" sz="2000" dirty="0" smtClean="0"/>
+              <a:t>Salisbury</a:t>
+            </a:r>
+          </a:p>
+          <a:p>
+            <a:r>
+              <a:rPr lang="en-US" sz="2000" dirty="0" smtClean="0"/>
+              <a:t>Watertown</a:t>
+            </a:r>
+          </a:p>
+          <a:p>
+            <a:r>
+              <a:rPr lang="en-US" sz="2000" dirty="0" smtClean="0"/>
+              <a:t>Worcester</a:t>
+            </a:r>
+          </a:p>
+          <a:p>
+            <a:r>
+              <a:rPr lang="en-US" sz="2000" dirty="0" smtClean="0"/>
+              <a:t>Belfast</a:t>
+            </a:r>
+          </a:p>
+          <a:p>
+            <a:r>
+              <a:rPr lang="en-US" sz="2000" dirty="0" smtClean="0"/>
+              <a:t>Bridgeport</a:t>
+            </a:r>
+          </a:p>
+          <a:p>
+            <a:r>
+              <a:rPr lang="en-US" sz="2000" dirty="0" smtClean="0"/>
+              <a:t>Philadelphia</a:t>
+            </a:r>
+          </a:p>
+          <a:p>
+            <a:endParaRPr lang="en-US" sz="2000" dirty="0" smtClean="0"/>
+          </a:p>
+          <a:p>
+            <a:endParaRPr lang="en-US" sz="2000" dirty="0"/>
+          </a:p>
+        </p:txBody>
+      </p:sp>
+      <p:sp>
+        <p:nvSpPr>
+          <p:cNvPr id="4" name="Content Placeholder 2"/>
+          <p:cNvSpPr txBox="1">
+            <a:spLocks/>
+          </p:cNvSpPr>
           <p:nvPr/>
-        </p:nvPicPr>
-        <p:blipFill>
-          <a:blip r:embed="rId2"/>
-          <a:stretch>
-            <a:fillRect/>
-          </a:stretch>
-        </p:blipFill>
-        <p:spPr>
-          <a:xfrm>
-            <a:off x="248357" y="1666526"/>
-            <a:ext cx="3976452" cy="1656855"/>
+        </p:nvSpPr>
+        <p:spPr>
+          <a:xfrm>
+            <a:off x="2266950" y="1219200"/>
+            <a:ext cx="2628900" cy="5638800"/>
           </a:xfrm>
           <a:prstGeom prst="rect">
             <a:avLst/>
           </a:prstGeom>
         </p:spPr>
-      </p:pic>
-      <p:pic>
-        <p:nvPicPr>
-          <p:cNvPr id="6" name="Picture 5"/>
-          <p:cNvPicPr>
-            <a:picLocks noChangeAspect="1"/>
-          </p:cNvPicPr>
+        <p:txBody>
+          <a:bodyPr vert="horz" anchor="t">
+            <a:normAutofit fontScale="85000" lnSpcReduction="20000"/>
+          </a:bodyPr>
+          <a:lstStyle/>
+          <a:p>
+            <a:pPr marL="448056" marR="0" lvl="0" indent="-384048" algn="l" defTabSz="914400" rtl="0" eaLnBrk="1" fontAlgn="auto" latinLnBrk="0" hangingPunct="1">
+              <a:lnSpc>
+                <a:spcPct val="100000"/>
+              </a:lnSpc>
+              <a:spcBef>
+                <a:spcPct val="20000"/>
+              </a:spcBef>
+              <a:spcAft>
+                <a:spcPts val="0"/>
+              </a:spcAft>
+              <a:buClr>
+                <a:schemeClr val="accent1"/>
+              </a:buClr>
+              <a:buSzPct val="80000"/>
+              <a:buFont typeface="Wingdings 2"/>
+              <a:buChar char=""/>
+              <a:tabLst/>
+              <a:defRPr/>
+            </a:pPr>
+            <a:r>
+              <a:rPr kumimoji="0" lang="en-US" sz="2000" b="0" i="0" u="none" strike="noStrike" kern="1200" cap="none" spc="0" normalizeH="0" baseline="0" noProof="0" dirty="0" smtClean="0">
+                <a:ln>
+                  <a:noFill/>
+                </a:ln>
+                <a:solidFill>
+                  <a:schemeClr val="tx1"/>
+                </a:solidFill>
+                <a:effectLst/>
+                <a:uLnTx/>
+                <a:uFillTx/>
+                <a:latin typeface="+mn-lt"/>
+                <a:ea typeface="+mn-ea"/>
+                <a:cs typeface="+mn-cs"/>
+              </a:rPr>
+              <a:t>Secaucus</a:t>
+            </a:r>
+          </a:p>
+          <a:p>
+            <a:pPr marL="448056" marR="0" lvl="0" indent="-384048" algn="l" defTabSz="914400" rtl="0" eaLnBrk="1" fontAlgn="auto" latinLnBrk="0" hangingPunct="1">
+              <a:lnSpc>
+                <a:spcPct val="100000"/>
+              </a:lnSpc>
+              <a:spcBef>
+                <a:spcPct val="20000"/>
+              </a:spcBef>
+              <a:spcAft>
+                <a:spcPts val="0"/>
+              </a:spcAft>
+              <a:buClr>
+                <a:schemeClr val="accent1"/>
+              </a:buClr>
+              <a:buSzPct val="80000"/>
+              <a:buFont typeface="Wingdings 2"/>
+              <a:buChar char=""/>
+              <a:tabLst/>
+              <a:defRPr/>
+            </a:pPr>
+            <a:r>
+              <a:rPr lang="en-US" sz="2000" dirty="0" smtClean="0"/>
+              <a:t>State College</a:t>
+            </a:r>
+          </a:p>
+          <a:p>
+            <a:pPr marL="448056" marR="0" lvl="0" indent="-384048" algn="l" defTabSz="914400" rtl="0" eaLnBrk="1" fontAlgn="auto" latinLnBrk="0" hangingPunct="1">
+              <a:lnSpc>
+                <a:spcPct val="100000"/>
+              </a:lnSpc>
+              <a:spcBef>
+                <a:spcPct val="20000"/>
+              </a:spcBef>
+              <a:spcAft>
+                <a:spcPts val="0"/>
+              </a:spcAft>
+              <a:buClr>
+                <a:schemeClr val="accent1"/>
+              </a:buClr>
+              <a:buSzPct val="80000"/>
+              <a:buFont typeface="Wingdings 2"/>
+              <a:buChar char=""/>
+              <a:tabLst/>
+              <a:defRPr/>
+            </a:pPr>
+            <a:r>
+              <a:rPr kumimoji="0" lang="en-US" sz="2000" b="0" i="0" u="none" strike="noStrike" kern="1200" cap="none" spc="0" normalizeH="0" baseline="0" noProof="0" dirty="0" smtClean="0">
+                <a:ln>
+                  <a:noFill/>
+                </a:ln>
+                <a:solidFill>
+                  <a:schemeClr val="tx1"/>
+                </a:solidFill>
+                <a:effectLst/>
+                <a:uLnTx/>
+                <a:uFillTx/>
+                <a:latin typeface="+mn-lt"/>
+                <a:ea typeface="+mn-ea"/>
+                <a:cs typeface="+mn-cs"/>
+              </a:rPr>
+              <a:t>Storrs</a:t>
+            </a:r>
+          </a:p>
+          <a:p>
+            <a:pPr marL="448056" marR="0" lvl="0" indent="-384048" algn="l" defTabSz="914400" rtl="0" eaLnBrk="1" fontAlgn="auto" latinLnBrk="0" hangingPunct="1">
+              <a:lnSpc>
+                <a:spcPct val="100000"/>
+              </a:lnSpc>
+              <a:spcBef>
+                <a:spcPct val="20000"/>
+              </a:spcBef>
+              <a:spcAft>
+                <a:spcPts val="0"/>
+              </a:spcAft>
+              <a:buClr>
+                <a:schemeClr val="accent1"/>
+              </a:buClr>
+              <a:buSzPct val="80000"/>
+              <a:buFont typeface="Wingdings 2"/>
+              <a:buChar char=""/>
+              <a:tabLst/>
+              <a:defRPr/>
+            </a:pPr>
+            <a:r>
+              <a:rPr lang="en-US" sz="2000" dirty="0" smtClean="0"/>
+              <a:t>Syracuse</a:t>
+            </a:r>
+          </a:p>
+          <a:p>
+            <a:pPr marL="448056" marR="0" lvl="0" indent="-384048" algn="l" defTabSz="914400" rtl="0" eaLnBrk="1" fontAlgn="auto" latinLnBrk="0" hangingPunct="1">
+              <a:lnSpc>
+                <a:spcPct val="100000"/>
+              </a:lnSpc>
+              <a:spcBef>
+                <a:spcPct val="20000"/>
+              </a:spcBef>
+              <a:spcAft>
+                <a:spcPts val="0"/>
+              </a:spcAft>
+              <a:buClr>
+                <a:schemeClr val="accent1"/>
+              </a:buClr>
+              <a:buSzPct val="80000"/>
+              <a:buFont typeface="Wingdings 2"/>
+              <a:buChar char=""/>
+              <a:tabLst/>
+              <a:defRPr/>
+            </a:pPr>
+            <a:r>
+              <a:rPr kumimoji="0" lang="en-US" sz="2000" b="0" i="0" u="none" strike="noStrike" kern="1200" cap="none" spc="0" normalizeH="0" baseline="0" noProof="0" dirty="0" smtClean="0">
+                <a:ln>
+                  <a:noFill/>
+                </a:ln>
+                <a:solidFill>
+                  <a:schemeClr val="tx1"/>
+                </a:solidFill>
+                <a:effectLst/>
+                <a:uLnTx/>
+                <a:uFillTx/>
+                <a:latin typeface="+mn-lt"/>
+                <a:ea typeface="+mn-ea"/>
+                <a:cs typeface="+mn-cs"/>
+              </a:rPr>
+              <a:t>Washington,</a:t>
+            </a:r>
+            <a:r>
+              <a:rPr kumimoji="0" lang="en-US" sz="2000" b="0" i="0" u="none" strike="noStrike" kern="1200" cap="none" spc="0" normalizeH="0" noProof="0" dirty="0" smtClean="0">
+                <a:ln>
+                  <a:noFill/>
+                </a:ln>
+                <a:solidFill>
+                  <a:schemeClr val="tx1"/>
+                </a:solidFill>
+                <a:effectLst/>
+                <a:uLnTx/>
+                <a:uFillTx/>
+                <a:latin typeface="+mn-lt"/>
+                <a:ea typeface="+mn-ea"/>
+                <a:cs typeface="+mn-cs"/>
+              </a:rPr>
+              <a:t> DC</a:t>
+            </a:r>
+          </a:p>
+          <a:p>
+            <a:pPr marL="448056" marR="0" lvl="0" indent="-384048" algn="l" defTabSz="914400" rtl="0" eaLnBrk="1" fontAlgn="auto" latinLnBrk="0" hangingPunct="1">
+              <a:lnSpc>
+                <a:spcPct val="100000"/>
+              </a:lnSpc>
+              <a:spcBef>
+                <a:spcPct val="20000"/>
+              </a:spcBef>
+              <a:spcAft>
+                <a:spcPts val="0"/>
+              </a:spcAft>
+              <a:buClr>
+                <a:schemeClr val="accent1"/>
+              </a:buClr>
+              <a:buSzPct val="80000"/>
+              <a:buFont typeface="Wingdings 2"/>
+              <a:buChar char=""/>
+              <a:tabLst/>
+              <a:defRPr/>
+            </a:pPr>
+            <a:r>
+              <a:rPr lang="en-US" sz="2000" baseline="0" dirty="0" smtClean="0"/>
+              <a:t>Allentown</a:t>
+            </a:r>
+          </a:p>
+          <a:p>
+            <a:pPr marL="448056" marR="0" lvl="0" indent="-384048" algn="l" defTabSz="914400" rtl="0" eaLnBrk="1" fontAlgn="auto" latinLnBrk="0" hangingPunct="1">
+              <a:lnSpc>
+                <a:spcPct val="100000"/>
+              </a:lnSpc>
+              <a:spcBef>
+                <a:spcPct val="20000"/>
+              </a:spcBef>
+              <a:spcAft>
+                <a:spcPts val="0"/>
+              </a:spcAft>
+              <a:buClr>
+                <a:schemeClr val="accent1"/>
+              </a:buClr>
+              <a:buSzPct val="80000"/>
+              <a:buFont typeface="Wingdings 2"/>
+              <a:buChar char=""/>
+              <a:tabLst/>
+              <a:defRPr/>
+            </a:pPr>
+            <a:r>
+              <a:rPr kumimoji="0" lang="en-US" sz="2000" b="0" i="0" u="none" strike="noStrike" kern="1200" cap="none" spc="0" normalizeH="0" noProof="0" dirty="0" smtClean="0">
+                <a:ln>
+                  <a:noFill/>
+                </a:ln>
+                <a:solidFill>
+                  <a:schemeClr val="tx1"/>
+                </a:solidFill>
+                <a:effectLst/>
+                <a:uLnTx/>
+                <a:uFillTx/>
+                <a:latin typeface="+mn-lt"/>
+                <a:ea typeface="+mn-ea"/>
+                <a:cs typeface="+mn-cs"/>
+              </a:rPr>
+              <a:t>Altoona</a:t>
+            </a:r>
+          </a:p>
+          <a:p>
+            <a:pPr marL="448056" marR="0" lvl="0" indent="-384048" algn="l" defTabSz="914400" rtl="0" eaLnBrk="1" fontAlgn="auto" latinLnBrk="0" hangingPunct="1">
+              <a:lnSpc>
+                <a:spcPct val="100000"/>
+              </a:lnSpc>
+              <a:spcBef>
+                <a:spcPct val="20000"/>
+              </a:spcBef>
+              <a:spcAft>
+                <a:spcPts val="0"/>
+              </a:spcAft>
+              <a:buClr>
+                <a:schemeClr val="accent1"/>
+              </a:buClr>
+              <a:buSzPct val="80000"/>
+              <a:buFont typeface="Wingdings 2"/>
+              <a:buChar char=""/>
+              <a:tabLst/>
+              <a:defRPr/>
+            </a:pPr>
+            <a:r>
+              <a:rPr lang="en-US" sz="2000" baseline="0" dirty="0" smtClean="0"/>
+              <a:t>Atlantic City</a:t>
+            </a:r>
+          </a:p>
+          <a:p>
+            <a:pPr marL="448056" marR="0" lvl="0" indent="-384048" algn="l" defTabSz="914400" rtl="0" eaLnBrk="1" fontAlgn="auto" latinLnBrk="0" hangingPunct="1">
+              <a:lnSpc>
+                <a:spcPct val="100000"/>
+              </a:lnSpc>
+              <a:spcBef>
+                <a:spcPct val="20000"/>
+              </a:spcBef>
+              <a:spcAft>
+                <a:spcPts val="0"/>
+              </a:spcAft>
+              <a:buClr>
+                <a:schemeClr val="accent1"/>
+              </a:buClr>
+              <a:buSzPct val="80000"/>
+              <a:buFont typeface="Wingdings 2"/>
+              <a:buChar char=""/>
+              <a:tabLst/>
+              <a:defRPr/>
+            </a:pPr>
+            <a:r>
+              <a:rPr kumimoji="0" lang="en-US" sz="2000" b="0" i="0" u="none" strike="noStrike" kern="1200" cap="none" spc="0" normalizeH="0" noProof="0" dirty="0" smtClean="0">
+                <a:ln>
+                  <a:noFill/>
+                </a:ln>
+                <a:solidFill>
+                  <a:schemeClr val="tx1"/>
+                </a:solidFill>
+                <a:effectLst/>
+                <a:uLnTx/>
+                <a:uFillTx/>
+                <a:latin typeface="+mn-lt"/>
+                <a:ea typeface="+mn-ea"/>
+                <a:cs typeface="+mn-cs"/>
+              </a:rPr>
+              <a:t>Bangor</a:t>
+            </a:r>
+          </a:p>
+          <a:p>
+            <a:pPr marL="448056" marR="0" lvl="0" indent="-384048" algn="l" defTabSz="914400" rtl="0" eaLnBrk="1" fontAlgn="auto" latinLnBrk="0" hangingPunct="1">
+              <a:lnSpc>
+                <a:spcPct val="100000"/>
+              </a:lnSpc>
+              <a:spcBef>
+                <a:spcPct val="20000"/>
+              </a:spcBef>
+              <a:spcAft>
+                <a:spcPts val="0"/>
+              </a:spcAft>
+              <a:buClr>
+                <a:schemeClr val="accent1"/>
+              </a:buClr>
+              <a:buSzPct val="80000"/>
+              <a:buFont typeface="Wingdings 2"/>
+              <a:buChar char=""/>
+              <a:tabLst/>
+              <a:defRPr/>
+            </a:pPr>
+            <a:r>
+              <a:rPr lang="en-US" sz="2000" baseline="0" dirty="0" smtClean="0"/>
+              <a:t>Bar Harbor</a:t>
+            </a:r>
+          </a:p>
+          <a:p>
+            <a:pPr marL="448056" marR="0" lvl="0" indent="-384048" algn="l" defTabSz="914400" rtl="0" eaLnBrk="1" fontAlgn="auto" latinLnBrk="0" hangingPunct="1">
+              <a:lnSpc>
+                <a:spcPct val="100000"/>
+              </a:lnSpc>
+              <a:spcBef>
+                <a:spcPct val="20000"/>
+              </a:spcBef>
+              <a:spcAft>
+                <a:spcPts val="0"/>
+              </a:spcAft>
+              <a:buClr>
+                <a:schemeClr val="accent1"/>
+              </a:buClr>
+              <a:buSzPct val="80000"/>
+              <a:buFont typeface="Wingdings 2"/>
+              <a:buChar char=""/>
+              <a:tabLst/>
+              <a:defRPr/>
+            </a:pPr>
+            <a:r>
+              <a:rPr kumimoji="0" lang="en-US" sz="2000" b="0" i="0" u="none" strike="noStrike" kern="1200" cap="none" spc="0" normalizeH="0" noProof="0" dirty="0" smtClean="0">
+                <a:ln>
+                  <a:noFill/>
+                </a:ln>
+                <a:solidFill>
+                  <a:schemeClr val="tx1"/>
+                </a:solidFill>
+                <a:effectLst/>
+                <a:uLnTx/>
+                <a:uFillTx/>
+                <a:latin typeface="+mn-lt"/>
+                <a:ea typeface="+mn-ea"/>
+                <a:cs typeface="+mn-cs"/>
+              </a:rPr>
+              <a:t>Bedford</a:t>
+            </a:r>
+          </a:p>
+          <a:p>
+            <a:pPr marL="448056" marR="0" lvl="0" indent="-384048" algn="l" defTabSz="914400" rtl="0" eaLnBrk="1" fontAlgn="auto" latinLnBrk="0" hangingPunct="1">
+              <a:lnSpc>
+                <a:spcPct val="100000"/>
+              </a:lnSpc>
+              <a:spcBef>
+                <a:spcPct val="20000"/>
+              </a:spcBef>
+              <a:spcAft>
+                <a:spcPts val="0"/>
+              </a:spcAft>
+              <a:buClr>
+                <a:schemeClr val="accent1"/>
+              </a:buClr>
+              <a:buSzPct val="80000"/>
+              <a:buFont typeface="Wingdings 2"/>
+              <a:buChar char=""/>
+              <a:tabLst/>
+              <a:defRPr/>
+            </a:pPr>
+            <a:r>
+              <a:rPr lang="en-US" sz="2000" baseline="0" dirty="0" smtClean="0"/>
+              <a:t>Block</a:t>
+            </a:r>
+            <a:r>
+              <a:rPr lang="en-US" sz="2000" dirty="0" smtClean="0"/>
+              <a:t> Island</a:t>
+            </a:r>
+          </a:p>
+          <a:p>
+            <a:pPr marL="448056" marR="0" lvl="0" indent="-384048" algn="l" defTabSz="914400" rtl="0" eaLnBrk="1" fontAlgn="auto" latinLnBrk="0" hangingPunct="1">
+              <a:lnSpc>
+                <a:spcPct val="100000"/>
+              </a:lnSpc>
+              <a:spcBef>
+                <a:spcPct val="20000"/>
+              </a:spcBef>
+              <a:spcAft>
+                <a:spcPts val="0"/>
+              </a:spcAft>
+              <a:buClr>
+                <a:schemeClr val="accent1"/>
+              </a:buClr>
+              <a:buSzPct val="80000"/>
+              <a:buFont typeface="Wingdings 2"/>
+              <a:buChar char=""/>
+              <a:tabLst/>
+              <a:defRPr/>
+            </a:pPr>
+            <a:r>
+              <a:rPr kumimoji="0" lang="en-US" sz="2000" b="0" i="0" u="none" strike="noStrike" kern="1200" cap="none" spc="0" normalizeH="0" baseline="0" noProof="0" dirty="0" smtClean="0">
+                <a:ln>
+                  <a:noFill/>
+                </a:ln>
+                <a:solidFill>
+                  <a:schemeClr val="tx1"/>
+                </a:solidFill>
+                <a:effectLst/>
+                <a:uLnTx/>
+                <a:uFillTx/>
+                <a:latin typeface="+mn-lt"/>
+                <a:ea typeface="+mn-ea"/>
+                <a:cs typeface="+mn-cs"/>
+              </a:rPr>
+              <a:t>Bradford</a:t>
+            </a:r>
+          </a:p>
+          <a:p>
+            <a:pPr marL="448056" marR="0" lvl="0" indent="-384048" algn="l" defTabSz="914400" rtl="0" eaLnBrk="1" fontAlgn="auto" latinLnBrk="0" hangingPunct="1">
+              <a:lnSpc>
+                <a:spcPct val="100000"/>
+              </a:lnSpc>
+              <a:spcBef>
+                <a:spcPct val="20000"/>
+              </a:spcBef>
+              <a:spcAft>
+                <a:spcPts val="0"/>
+              </a:spcAft>
+              <a:buClr>
+                <a:schemeClr val="accent1"/>
+              </a:buClr>
+              <a:buSzPct val="80000"/>
+              <a:buFont typeface="Wingdings 2"/>
+              <a:buChar char=""/>
+              <a:tabLst/>
+              <a:defRPr/>
+            </a:pPr>
+            <a:r>
+              <a:rPr lang="en-US" sz="2000" dirty="0" smtClean="0"/>
+              <a:t>Cumberland</a:t>
+            </a:r>
+          </a:p>
+          <a:p>
+            <a:pPr marL="448056" marR="0" lvl="0" indent="-384048" algn="l" defTabSz="914400" rtl="0" eaLnBrk="1" fontAlgn="auto" latinLnBrk="0" hangingPunct="1">
+              <a:lnSpc>
+                <a:spcPct val="100000"/>
+              </a:lnSpc>
+              <a:spcBef>
+                <a:spcPct val="20000"/>
+              </a:spcBef>
+              <a:spcAft>
+                <a:spcPts val="0"/>
+              </a:spcAft>
+              <a:buClr>
+                <a:schemeClr val="accent1"/>
+              </a:buClr>
+              <a:buSzPct val="80000"/>
+              <a:buFont typeface="Wingdings 2"/>
+              <a:buChar char=""/>
+              <a:tabLst/>
+              <a:defRPr/>
+            </a:pPr>
+            <a:r>
+              <a:rPr kumimoji="0" lang="en-US" sz="2000" b="0" i="0" u="none" strike="noStrike" kern="1200" cap="none" spc="0" normalizeH="0" baseline="0" noProof="0" dirty="0" smtClean="0">
+                <a:ln>
+                  <a:noFill/>
+                </a:ln>
+                <a:solidFill>
+                  <a:schemeClr val="tx1"/>
+                </a:solidFill>
+                <a:effectLst/>
+                <a:uLnTx/>
+                <a:uFillTx/>
+                <a:latin typeface="+mn-lt"/>
+                <a:ea typeface="+mn-ea"/>
+                <a:cs typeface="+mn-cs"/>
+              </a:rPr>
+              <a:t>Dubois</a:t>
+            </a:r>
+          </a:p>
+          <a:p>
+            <a:pPr marL="448056" marR="0" lvl="0" indent="-384048" algn="l" defTabSz="914400" rtl="0" eaLnBrk="1" fontAlgn="auto" latinLnBrk="0" hangingPunct="1">
+              <a:lnSpc>
+                <a:spcPct val="100000"/>
+              </a:lnSpc>
+              <a:spcBef>
+                <a:spcPct val="20000"/>
+              </a:spcBef>
+              <a:spcAft>
+                <a:spcPts val="0"/>
+              </a:spcAft>
+              <a:buClr>
+                <a:schemeClr val="accent1"/>
+              </a:buClr>
+              <a:buSzPct val="80000"/>
+              <a:buFont typeface="Wingdings 2"/>
+              <a:buChar char=""/>
+              <a:tabLst/>
+              <a:defRPr/>
+            </a:pPr>
+            <a:r>
+              <a:rPr lang="en-US" sz="2000" dirty="0" smtClean="0"/>
+              <a:t>Saranac Lake</a:t>
+            </a:r>
+          </a:p>
+          <a:p>
+            <a:pPr marL="448056" marR="0" lvl="0" indent="-384048" algn="l" defTabSz="914400" rtl="0" eaLnBrk="1" fontAlgn="auto" latinLnBrk="0" hangingPunct="1">
+              <a:lnSpc>
+                <a:spcPct val="100000"/>
+              </a:lnSpc>
+              <a:spcBef>
+                <a:spcPct val="20000"/>
+              </a:spcBef>
+              <a:spcAft>
+                <a:spcPts val="0"/>
+              </a:spcAft>
+              <a:buClr>
+                <a:schemeClr val="accent1"/>
+              </a:buClr>
+              <a:buSzPct val="80000"/>
+              <a:buFont typeface="Wingdings 2"/>
+              <a:buChar char=""/>
+              <a:tabLst/>
+              <a:defRPr/>
+            </a:pPr>
+            <a:r>
+              <a:rPr kumimoji="0" lang="en-US" sz="2000" b="0" i="0" u="none" strike="noStrike" kern="1200" cap="none" spc="0" normalizeH="0" baseline="0" noProof="0" dirty="0" smtClean="0">
+                <a:ln>
+                  <a:noFill/>
+                </a:ln>
+                <a:solidFill>
+                  <a:schemeClr val="tx1"/>
+                </a:solidFill>
+                <a:effectLst/>
+                <a:uLnTx/>
+                <a:uFillTx/>
+                <a:latin typeface="+mn-lt"/>
+                <a:ea typeface="+mn-ea"/>
+                <a:cs typeface="+mn-cs"/>
+              </a:rPr>
+              <a:t>Westerly</a:t>
+            </a:r>
+          </a:p>
+          <a:p>
+            <a:pPr marL="448056" marR="0" lvl="0" indent="-384048" algn="l" defTabSz="914400" rtl="0" eaLnBrk="1" fontAlgn="auto" latinLnBrk="0" hangingPunct="1">
+              <a:lnSpc>
+                <a:spcPct val="100000"/>
+              </a:lnSpc>
+              <a:spcBef>
+                <a:spcPct val="20000"/>
+              </a:spcBef>
+              <a:spcAft>
+                <a:spcPts val="0"/>
+              </a:spcAft>
+              <a:buClr>
+                <a:schemeClr val="accent1"/>
+              </a:buClr>
+              <a:buSzPct val="80000"/>
+              <a:buFont typeface="Wingdings 2"/>
+              <a:buChar char=""/>
+              <a:tabLst/>
+              <a:defRPr/>
+            </a:pPr>
+            <a:r>
+              <a:rPr lang="en-US" sz="2000" dirty="0" smtClean="0"/>
+              <a:t>Princeton</a:t>
+            </a:r>
+          </a:p>
+          <a:p>
+            <a:pPr marL="448056" marR="0" lvl="0" indent="-384048" algn="l" defTabSz="914400" rtl="0" eaLnBrk="1" fontAlgn="auto" latinLnBrk="0" hangingPunct="1">
+              <a:lnSpc>
+                <a:spcPct val="100000"/>
+              </a:lnSpc>
+              <a:spcBef>
+                <a:spcPct val="20000"/>
+              </a:spcBef>
+              <a:spcAft>
+                <a:spcPts val="0"/>
+              </a:spcAft>
+              <a:buClr>
+                <a:schemeClr val="accent1"/>
+              </a:buClr>
+              <a:buSzPct val="80000"/>
+              <a:buFont typeface="Wingdings 2"/>
+              <a:buChar char=""/>
+              <a:tabLst/>
+              <a:defRPr/>
+            </a:pPr>
+            <a:r>
+              <a:rPr kumimoji="0" lang="en-US" sz="2000" b="0" i="0" u="none" strike="noStrike" kern="1200" cap="none" spc="0" normalizeH="0" baseline="0" noProof="0" dirty="0" smtClean="0">
+                <a:ln>
+                  <a:noFill/>
+                </a:ln>
+                <a:solidFill>
+                  <a:schemeClr val="tx1"/>
+                </a:solidFill>
+                <a:effectLst/>
+                <a:uLnTx/>
+                <a:uFillTx/>
+                <a:latin typeface="+mn-lt"/>
+                <a:ea typeface="+mn-ea"/>
+                <a:cs typeface="+mn-cs"/>
+              </a:rPr>
+              <a:t>Berlin</a:t>
+            </a:r>
+          </a:p>
+          <a:p>
+            <a:pPr marL="448056" marR="0" lvl="0" indent="-384048" algn="l" defTabSz="914400" rtl="0" eaLnBrk="1" fontAlgn="auto" latinLnBrk="0" hangingPunct="1">
+              <a:lnSpc>
+                <a:spcPct val="100000"/>
+              </a:lnSpc>
+              <a:spcBef>
+                <a:spcPct val="20000"/>
+              </a:spcBef>
+              <a:spcAft>
+                <a:spcPts val="0"/>
+              </a:spcAft>
+              <a:buClr>
+                <a:schemeClr val="accent1"/>
+              </a:buClr>
+              <a:buSzPct val="80000"/>
+              <a:buFont typeface="Wingdings 2"/>
+              <a:buChar char=""/>
+              <a:tabLst/>
+              <a:defRPr/>
+            </a:pPr>
+            <a:r>
+              <a:rPr lang="en-US" sz="2000" dirty="0" smtClean="0"/>
+              <a:t>Concord</a:t>
+            </a:r>
+            <a:endParaRPr kumimoji="0" lang="en-US" sz="2000" b="0" i="0" u="none" strike="noStrike" kern="1200" cap="none" spc="0" normalizeH="0" baseline="0" noProof="0" dirty="0" smtClean="0">
+              <a:ln>
+                <a:noFill/>
+              </a:ln>
+              <a:solidFill>
+                <a:schemeClr val="tx1"/>
+              </a:solidFill>
+              <a:effectLst/>
+              <a:uLnTx/>
+              <a:uFillTx/>
+              <a:latin typeface="+mn-lt"/>
+              <a:ea typeface="+mn-ea"/>
+              <a:cs typeface="+mn-cs"/>
+            </a:endParaRPr>
+          </a:p>
+        </p:txBody>
+      </p:sp>
+      <p:sp>
+        <p:nvSpPr>
+          <p:cNvPr id="5" name="Content Placeholder 2"/>
+          <p:cNvSpPr txBox="1">
+            <a:spLocks/>
+          </p:cNvSpPr>
           <p:nvPr/>
-        </p:nvPicPr>
-        <p:blipFill>
-          <a:blip r:embed="rId3"/>
-          <a:stretch>
-            <a:fillRect/>
-          </a:stretch>
-        </p:blipFill>
-        <p:spPr>
-          <a:xfrm>
-            <a:off x="248357" y="5648266"/>
-            <a:ext cx="4092920" cy="1002901"/>
+        </p:nvSpPr>
+        <p:spPr>
+          <a:xfrm>
+            <a:off x="4743450" y="1219200"/>
+            <a:ext cx="2266950" cy="5537200"/>
           </a:xfrm>
           <a:prstGeom prst="rect">
             <a:avLst/>
           </a:prstGeom>
         </p:spPr>
-      </p:pic>
-      <p:pic>
-        <p:nvPicPr>
-          <p:cNvPr id="7" name="Picture 6"/>
-          <p:cNvPicPr>
-            <a:picLocks noChangeAspect="1"/>
-          </p:cNvPicPr>
+        <p:txBody>
+          <a:bodyPr vert="horz" anchor="t">
+            <a:normAutofit fontScale="85000" lnSpcReduction="20000"/>
+          </a:bodyPr>
+          <a:lstStyle/>
+          <a:p>
+            <a:pPr marL="448056" marR="0" lvl="0" indent="-384048" algn="l" defTabSz="914400" rtl="0" eaLnBrk="1" fontAlgn="auto" latinLnBrk="0" hangingPunct="1">
+              <a:lnSpc>
+                <a:spcPct val="100000"/>
+              </a:lnSpc>
+              <a:spcBef>
+                <a:spcPct val="20000"/>
+              </a:spcBef>
+              <a:spcAft>
+                <a:spcPts val="0"/>
+              </a:spcAft>
+              <a:buClr>
+                <a:schemeClr val="accent1"/>
+              </a:buClr>
+              <a:buSzPct val="80000"/>
+              <a:buFont typeface="Wingdings 2"/>
+              <a:buChar char=""/>
+              <a:tabLst/>
+              <a:defRPr/>
+            </a:pPr>
+            <a:r>
+              <a:rPr lang="en-US" sz="2000" dirty="0" smtClean="0"/>
+              <a:t>Easton</a:t>
+            </a:r>
+          </a:p>
+          <a:p>
+            <a:pPr marL="448056" marR="0" lvl="0" indent="-384048" algn="l" defTabSz="914400" rtl="0" eaLnBrk="1" fontAlgn="auto" latinLnBrk="0" hangingPunct="1">
+              <a:lnSpc>
+                <a:spcPct val="100000"/>
+              </a:lnSpc>
+              <a:spcBef>
+                <a:spcPct val="20000"/>
+              </a:spcBef>
+              <a:spcAft>
+                <a:spcPts val="0"/>
+              </a:spcAft>
+              <a:buClr>
+                <a:schemeClr val="accent1"/>
+              </a:buClr>
+              <a:buSzPct val="80000"/>
+              <a:buFont typeface="Wingdings 2"/>
+              <a:buChar char=""/>
+              <a:tabLst/>
+              <a:defRPr/>
+            </a:pPr>
+            <a:r>
+              <a:rPr kumimoji="0" lang="en-US" sz="2000" b="0" i="0" u="none" strike="noStrike" kern="1200" cap="none" spc="0" normalizeH="0" baseline="0" noProof="0" dirty="0" smtClean="0">
+                <a:ln>
+                  <a:noFill/>
+                </a:ln>
+                <a:solidFill>
+                  <a:schemeClr val="tx1"/>
+                </a:solidFill>
+                <a:effectLst/>
+                <a:uLnTx/>
+                <a:uFillTx/>
+                <a:latin typeface="+mn-lt"/>
+                <a:ea typeface="+mn-ea"/>
+                <a:cs typeface="+mn-cs"/>
+              </a:rPr>
+              <a:t>Endicott</a:t>
+            </a:r>
+          </a:p>
+          <a:p>
+            <a:pPr marL="448056" marR="0" lvl="0" indent="-384048" algn="l" defTabSz="914400" rtl="0" eaLnBrk="1" fontAlgn="auto" latinLnBrk="0" hangingPunct="1">
+              <a:lnSpc>
+                <a:spcPct val="100000"/>
+              </a:lnSpc>
+              <a:spcBef>
+                <a:spcPct val="20000"/>
+              </a:spcBef>
+              <a:spcAft>
+                <a:spcPts val="0"/>
+              </a:spcAft>
+              <a:buClr>
+                <a:schemeClr val="accent1"/>
+              </a:buClr>
+              <a:buSzPct val="80000"/>
+              <a:buFont typeface="Wingdings 2"/>
+              <a:buChar char=""/>
+              <a:tabLst/>
+              <a:defRPr/>
+            </a:pPr>
+            <a:r>
+              <a:rPr lang="en-US" sz="2000" dirty="0" smtClean="0"/>
+              <a:t>Erie</a:t>
+            </a:r>
+          </a:p>
+          <a:p>
+            <a:pPr marL="448056" marR="0" lvl="0" indent="-384048" algn="l" defTabSz="914400" rtl="0" eaLnBrk="1" fontAlgn="auto" latinLnBrk="0" hangingPunct="1">
+              <a:lnSpc>
+                <a:spcPct val="100000"/>
+              </a:lnSpc>
+              <a:spcBef>
+                <a:spcPct val="20000"/>
+              </a:spcBef>
+              <a:spcAft>
+                <a:spcPts val="0"/>
+              </a:spcAft>
+              <a:buClr>
+                <a:schemeClr val="accent1"/>
+              </a:buClr>
+              <a:buSzPct val="80000"/>
+              <a:buFont typeface="Wingdings 2"/>
+              <a:buChar char=""/>
+              <a:tabLst/>
+              <a:defRPr/>
+            </a:pPr>
+            <a:r>
+              <a:rPr lang="en-US" sz="2000" dirty="0" smtClean="0"/>
+              <a:t>Franklin</a:t>
+            </a:r>
+          </a:p>
+          <a:p>
+            <a:pPr marL="448056" marR="0" lvl="0" indent="-384048" algn="l" defTabSz="914400" rtl="0" eaLnBrk="1" fontAlgn="auto" latinLnBrk="0" hangingPunct="1">
+              <a:lnSpc>
+                <a:spcPct val="100000"/>
+              </a:lnSpc>
+              <a:spcBef>
+                <a:spcPct val="20000"/>
+              </a:spcBef>
+              <a:spcAft>
+                <a:spcPts val="0"/>
+              </a:spcAft>
+              <a:buClr>
+                <a:schemeClr val="accent1"/>
+              </a:buClr>
+              <a:buSzPct val="80000"/>
+              <a:buFont typeface="Wingdings 2"/>
+              <a:buChar char=""/>
+              <a:tabLst/>
+              <a:defRPr/>
+            </a:pPr>
+            <a:r>
+              <a:rPr lang="en-US" sz="2000" dirty="0" smtClean="0"/>
+              <a:t>Hagerstown</a:t>
+            </a:r>
+          </a:p>
+          <a:p>
+            <a:pPr marL="448056" marR="0" lvl="0" indent="-384048" algn="l" defTabSz="914400" rtl="0" eaLnBrk="1" fontAlgn="auto" latinLnBrk="0" hangingPunct="1">
+              <a:lnSpc>
+                <a:spcPct val="100000"/>
+              </a:lnSpc>
+              <a:spcBef>
+                <a:spcPct val="20000"/>
+              </a:spcBef>
+              <a:spcAft>
+                <a:spcPts val="0"/>
+              </a:spcAft>
+              <a:buClr>
+                <a:schemeClr val="accent1"/>
+              </a:buClr>
+              <a:buSzPct val="80000"/>
+              <a:buFont typeface="Wingdings 2"/>
+              <a:buChar char=""/>
+              <a:tabLst/>
+              <a:defRPr/>
+            </a:pPr>
+            <a:r>
+              <a:rPr lang="en-US" sz="2000" dirty="0" smtClean="0"/>
+              <a:t>Hanover</a:t>
+            </a:r>
+          </a:p>
+          <a:p>
+            <a:pPr marL="448056" marR="0" lvl="0" indent="-384048" algn="l" defTabSz="914400" rtl="0" eaLnBrk="1" fontAlgn="auto" latinLnBrk="0" hangingPunct="1">
+              <a:lnSpc>
+                <a:spcPct val="100000"/>
+              </a:lnSpc>
+              <a:spcBef>
+                <a:spcPct val="20000"/>
+              </a:spcBef>
+              <a:spcAft>
+                <a:spcPts val="0"/>
+              </a:spcAft>
+              <a:buClr>
+                <a:schemeClr val="accent1"/>
+              </a:buClr>
+              <a:buSzPct val="80000"/>
+              <a:buFont typeface="Wingdings 2"/>
+              <a:buChar char=""/>
+              <a:tabLst/>
+              <a:defRPr/>
+            </a:pPr>
+            <a:r>
+              <a:rPr lang="en-US" sz="2000" dirty="0" smtClean="0"/>
+              <a:t>Hyannis</a:t>
+            </a:r>
+          </a:p>
+          <a:p>
+            <a:pPr marL="448056" marR="0" lvl="0" indent="-384048" algn="l" defTabSz="914400" rtl="0" eaLnBrk="1" fontAlgn="auto" latinLnBrk="0" hangingPunct="1">
+              <a:lnSpc>
+                <a:spcPct val="100000"/>
+              </a:lnSpc>
+              <a:spcBef>
+                <a:spcPct val="20000"/>
+              </a:spcBef>
+              <a:spcAft>
+                <a:spcPts val="0"/>
+              </a:spcAft>
+              <a:buClr>
+                <a:schemeClr val="accent1"/>
+              </a:buClr>
+              <a:buSzPct val="80000"/>
+              <a:buFont typeface="Wingdings 2"/>
+              <a:buChar char=""/>
+              <a:tabLst/>
+              <a:defRPr/>
+            </a:pPr>
+            <a:r>
+              <a:rPr lang="en-US" sz="2000" dirty="0" smtClean="0"/>
+              <a:t>Islip </a:t>
+            </a:r>
+          </a:p>
+          <a:p>
+            <a:pPr marL="448056" marR="0" lvl="0" indent="-384048" algn="l" defTabSz="914400" rtl="0" eaLnBrk="1" fontAlgn="auto" latinLnBrk="0" hangingPunct="1">
+              <a:lnSpc>
+                <a:spcPct val="100000"/>
+              </a:lnSpc>
+              <a:spcBef>
+                <a:spcPct val="20000"/>
+              </a:spcBef>
+              <a:spcAft>
+                <a:spcPts val="0"/>
+              </a:spcAft>
+              <a:buClr>
+                <a:schemeClr val="accent1"/>
+              </a:buClr>
+              <a:buSzPct val="80000"/>
+              <a:buFont typeface="Wingdings 2"/>
+              <a:buChar char=""/>
+              <a:tabLst/>
+              <a:defRPr/>
+            </a:pPr>
+            <a:r>
+              <a:rPr lang="en-US" sz="2000" dirty="0" smtClean="0"/>
+              <a:t>Ithaca</a:t>
+            </a:r>
+          </a:p>
+          <a:p>
+            <a:pPr marL="448056" marR="0" lvl="0" indent="-384048" algn="l" defTabSz="914400" rtl="0" eaLnBrk="1" fontAlgn="auto" latinLnBrk="0" hangingPunct="1">
+              <a:lnSpc>
+                <a:spcPct val="100000"/>
+              </a:lnSpc>
+              <a:spcBef>
+                <a:spcPct val="20000"/>
+              </a:spcBef>
+              <a:spcAft>
+                <a:spcPts val="0"/>
+              </a:spcAft>
+              <a:buClr>
+                <a:schemeClr val="accent1"/>
+              </a:buClr>
+              <a:buSzPct val="80000"/>
+              <a:buFont typeface="Wingdings 2"/>
+              <a:buChar char=""/>
+              <a:tabLst/>
+              <a:defRPr/>
+            </a:pPr>
+            <a:r>
+              <a:rPr lang="en-US" sz="2000" dirty="0" smtClean="0"/>
+              <a:t>Jamestown</a:t>
+            </a:r>
+          </a:p>
+          <a:p>
+            <a:pPr marL="448056" marR="0" lvl="0" indent="-384048" algn="l" defTabSz="914400" rtl="0" eaLnBrk="1" fontAlgn="auto" latinLnBrk="0" hangingPunct="1">
+              <a:lnSpc>
+                <a:spcPct val="100000"/>
+              </a:lnSpc>
+              <a:spcBef>
+                <a:spcPct val="20000"/>
+              </a:spcBef>
+              <a:spcAft>
+                <a:spcPts val="0"/>
+              </a:spcAft>
+              <a:buClr>
+                <a:schemeClr val="accent1"/>
+              </a:buClr>
+              <a:buSzPct val="80000"/>
+              <a:buFont typeface="Wingdings 2"/>
+              <a:buChar char=""/>
+              <a:tabLst/>
+              <a:defRPr/>
+            </a:pPr>
+            <a:r>
+              <a:rPr lang="en-US" sz="2000" dirty="0" smtClean="0"/>
+              <a:t>Johnstown</a:t>
+            </a:r>
+          </a:p>
+          <a:p>
+            <a:pPr marL="448056" marR="0" lvl="0" indent="-384048" algn="l" defTabSz="914400" rtl="0" eaLnBrk="1" fontAlgn="auto" latinLnBrk="0" hangingPunct="1">
+              <a:lnSpc>
+                <a:spcPct val="100000"/>
+              </a:lnSpc>
+              <a:spcBef>
+                <a:spcPct val="20000"/>
+              </a:spcBef>
+              <a:spcAft>
+                <a:spcPts val="0"/>
+              </a:spcAft>
+              <a:buClr>
+                <a:schemeClr val="accent1"/>
+              </a:buClr>
+              <a:buSzPct val="80000"/>
+              <a:buFont typeface="Wingdings 2"/>
+              <a:buChar char=""/>
+              <a:tabLst/>
+              <a:defRPr/>
+            </a:pPr>
+            <a:r>
+              <a:rPr lang="en-US" sz="2000" dirty="0" smtClean="0"/>
+              <a:t>Keene</a:t>
+            </a:r>
+          </a:p>
+          <a:p>
+            <a:pPr marL="448056" marR="0" lvl="0" indent="-384048" algn="l" defTabSz="914400" rtl="0" eaLnBrk="1" fontAlgn="auto" latinLnBrk="0" hangingPunct="1">
+              <a:lnSpc>
+                <a:spcPct val="100000"/>
+              </a:lnSpc>
+              <a:spcBef>
+                <a:spcPct val="20000"/>
+              </a:spcBef>
+              <a:spcAft>
+                <a:spcPts val="0"/>
+              </a:spcAft>
+              <a:buClr>
+                <a:schemeClr val="accent1"/>
+              </a:buClr>
+              <a:buSzPct val="80000"/>
+              <a:buFont typeface="Wingdings 2"/>
+              <a:buChar char=""/>
+              <a:tabLst/>
+              <a:defRPr/>
+            </a:pPr>
+            <a:r>
+              <a:rPr lang="en-US" sz="2000" dirty="0" smtClean="0"/>
+              <a:t>Lancaster</a:t>
+            </a:r>
+          </a:p>
+          <a:p>
+            <a:pPr marL="448056" marR="0" lvl="0" indent="-384048" algn="l" defTabSz="914400" rtl="0" eaLnBrk="1" fontAlgn="auto" latinLnBrk="0" hangingPunct="1">
+              <a:lnSpc>
+                <a:spcPct val="100000"/>
+              </a:lnSpc>
+              <a:spcBef>
+                <a:spcPct val="20000"/>
+              </a:spcBef>
+              <a:spcAft>
+                <a:spcPts val="0"/>
+              </a:spcAft>
+              <a:buClr>
+                <a:schemeClr val="accent1"/>
+              </a:buClr>
+              <a:buSzPct val="80000"/>
+              <a:buFont typeface="Wingdings 2"/>
+              <a:buChar char=""/>
+              <a:tabLst/>
+              <a:defRPr/>
+            </a:pPr>
+            <a:r>
+              <a:rPr lang="en-US" sz="2000" dirty="0" smtClean="0"/>
+              <a:t>Latrobe</a:t>
+            </a:r>
+          </a:p>
+          <a:p>
+            <a:pPr marL="448056" marR="0" lvl="0" indent="-384048" algn="l" defTabSz="914400" rtl="0" eaLnBrk="1" fontAlgn="auto" latinLnBrk="0" hangingPunct="1">
+              <a:lnSpc>
+                <a:spcPct val="100000"/>
+              </a:lnSpc>
+              <a:spcBef>
+                <a:spcPct val="20000"/>
+              </a:spcBef>
+              <a:spcAft>
+                <a:spcPts val="0"/>
+              </a:spcAft>
+              <a:buClr>
+                <a:schemeClr val="accent1"/>
+              </a:buClr>
+              <a:buSzPct val="80000"/>
+              <a:buFont typeface="Wingdings 2"/>
+              <a:buChar char=""/>
+              <a:tabLst/>
+              <a:defRPr/>
+            </a:pPr>
+            <a:r>
+              <a:rPr lang="en-US" sz="2000" dirty="0" smtClean="0"/>
+              <a:t>Manchester</a:t>
+            </a:r>
+          </a:p>
+          <a:p>
+            <a:pPr marL="448056" marR="0" lvl="0" indent="-384048" algn="l" defTabSz="914400" rtl="0" eaLnBrk="1" fontAlgn="auto" latinLnBrk="0" hangingPunct="1">
+              <a:lnSpc>
+                <a:spcPct val="100000"/>
+              </a:lnSpc>
+              <a:spcBef>
+                <a:spcPct val="20000"/>
+              </a:spcBef>
+              <a:spcAft>
+                <a:spcPts val="0"/>
+              </a:spcAft>
+              <a:buClr>
+                <a:schemeClr val="accent1"/>
+              </a:buClr>
+              <a:buSzPct val="80000"/>
+              <a:buFont typeface="Wingdings 2"/>
+              <a:buChar char=""/>
+              <a:tabLst/>
+              <a:defRPr/>
+            </a:pPr>
+            <a:r>
+              <a:rPr lang="en-US" sz="2000" dirty="0" smtClean="0"/>
+              <a:t>Trenton</a:t>
+            </a:r>
+          </a:p>
+          <a:p>
+            <a:pPr marL="448056" marR="0" lvl="0" indent="-384048" algn="l" defTabSz="914400" rtl="0" eaLnBrk="1" fontAlgn="auto" latinLnBrk="0" hangingPunct="1">
+              <a:lnSpc>
+                <a:spcPct val="100000"/>
+              </a:lnSpc>
+              <a:spcBef>
+                <a:spcPct val="20000"/>
+              </a:spcBef>
+              <a:spcAft>
+                <a:spcPts val="0"/>
+              </a:spcAft>
+              <a:buClr>
+                <a:schemeClr val="accent1"/>
+              </a:buClr>
+              <a:buSzPct val="80000"/>
+              <a:buFont typeface="Wingdings 2"/>
+              <a:buChar char=""/>
+              <a:tabLst/>
+              <a:defRPr/>
+            </a:pPr>
+            <a:r>
+              <a:rPr lang="en-US" sz="2000" dirty="0" smtClean="0"/>
+              <a:t>Williamsport</a:t>
+            </a:r>
+          </a:p>
+          <a:p>
+            <a:pPr marL="448056" marR="0" lvl="0" indent="-384048" algn="l" defTabSz="914400" rtl="0" eaLnBrk="1" fontAlgn="auto" latinLnBrk="0" hangingPunct="1">
+              <a:lnSpc>
+                <a:spcPct val="100000"/>
+              </a:lnSpc>
+              <a:spcBef>
+                <a:spcPct val="20000"/>
+              </a:spcBef>
+              <a:spcAft>
+                <a:spcPts val="0"/>
+              </a:spcAft>
+              <a:buClr>
+                <a:schemeClr val="accent1"/>
+              </a:buClr>
+              <a:buSzPct val="80000"/>
+              <a:buFont typeface="Wingdings 2"/>
+              <a:buChar char=""/>
+              <a:tabLst/>
+              <a:defRPr/>
+            </a:pPr>
+            <a:r>
+              <a:rPr lang="en-US" sz="2000" dirty="0" smtClean="0"/>
+              <a:t>Princeton Junction</a:t>
+            </a:r>
+          </a:p>
+          <a:p>
+            <a:pPr marL="448056" marR="0" lvl="0" indent="-384048" algn="l" defTabSz="914400" rtl="0" eaLnBrk="1" fontAlgn="auto" latinLnBrk="0" hangingPunct="1">
+              <a:lnSpc>
+                <a:spcPct val="100000"/>
+              </a:lnSpc>
+              <a:spcBef>
+                <a:spcPct val="20000"/>
+              </a:spcBef>
+              <a:spcAft>
+                <a:spcPts val="0"/>
+              </a:spcAft>
+              <a:buClr>
+                <a:schemeClr val="accent1"/>
+              </a:buClr>
+              <a:buSzPct val="80000"/>
+              <a:buFont typeface="Wingdings 2"/>
+              <a:buChar char=""/>
+              <a:tabLst/>
+              <a:defRPr/>
+            </a:pPr>
+            <a:r>
+              <a:rPr lang="en-US" sz="2000" dirty="0" smtClean="0"/>
+              <a:t>Newark</a:t>
+            </a:r>
+          </a:p>
+        </p:txBody>
+      </p:sp>
+      <p:sp>
+        <p:nvSpPr>
+          <p:cNvPr id="6" name="Content Placeholder 2"/>
+          <p:cNvSpPr txBox="1">
+            <a:spLocks/>
+          </p:cNvSpPr>
           <p:nvPr/>
-        </p:nvPicPr>
-        <p:blipFill>
-          <a:blip r:embed="rId4"/>
-          <a:stretch>
-            <a:fillRect/>
-          </a:stretch>
-        </p:blipFill>
-        <p:spPr>
-          <a:xfrm>
-            <a:off x="286457" y="3951670"/>
-            <a:ext cx="4054820" cy="1009200"/>
+        </p:nvSpPr>
+        <p:spPr>
+          <a:xfrm>
+            <a:off x="6654800" y="1219200"/>
+            <a:ext cx="2489200" cy="5537200"/>
           </a:xfrm>
           <a:prstGeom prst="rect">
             <a:avLst/>
           </a:prstGeom>
         </p:spPr>
-      </p:pic>
-      <p:pic>
-        <p:nvPicPr>
-          <p:cNvPr id="8" name="Picture 7"/>
-          <p:cNvPicPr>
-            <a:picLocks noChangeAspect="1"/>
-          </p:cNvPicPr>
-          <p:nvPr/>
-        </p:nvPicPr>
-        <p:blipFill>
-          <a:blip r:embed="rId5"/>
-          <a:stretch>
-            <a:fillRect/>
-          </a:stretch>
-        </p:blipFill>
-        <p:spPr>
-          <a:xfrm>
-            <a:off x="5429063" y="267494"/>
-            <a:ext cx="3665721" cy="1250545"/>
-          </a:xfrm>
-          <a:prstGeom prst="rect">
-            <a:avLst/>
-          </a:prstGeom>
-        </p:spPr>
-      </p:pic>
-      <p:pic>
-        <p:nvPicPr>
-          <p:cNvPr id="9" name="Picture 8"/>
-          <p:cNvPicPr>
-            <a:picLocks noChangeAspect="1"/>
-          </p:cNvPicPr>
-          <p:nvPr/>
-        </p:nvPicPr>
-        <p:blipFill>
-          <a:blip r:embed="rId6"/>
-          <a:stretch>
-            <a:fillRect/>
-          </a:stretch>
-        </p:blipFill>
-        <p:spPr>
-          <a:xfrm>
-            <a:off x="5067274" y="4370713"/>
-            <a:ext cx="1250699" cy="1180313"/>
-          </a:xfrm>
-          <a:prstGeom prst="rect">
-            <a:avLst/>
-          </a:prstGeom>
-        </p:spPr>
-      </p:pic>
-      <p:pic>
-        <p:nvPicPr>
-          <p:cNvPr id="10" name="Picture 9"/>
-          <p:cNvPicPr>
-            <a:picLocks noChangeAspect="1"/>
-          </p:cNvPicPr>
-          <p:nvPr/>
-        </p:nvPicPr>
-        <p:blipFill>
-          <a:blip r:embed="rId7"/>
-          <a:stretch>
-            <a:fillRect/>
-          </a:stretch>
-        </p:blipFill>
-        <p:spPr>
-          <a:xfrm>
-            <a:off x="6409777" y="4370713"/>
-            <a:ext cx="2685007" cy="897303"/>
-          </a:xfrm>
-          <a:prstGeom prst="rect">
-            <a:avLst/>
-          </a:prstGeom>
-        </p:spPr>
-      </p:pic>
-      <p:pic>
-        <p:nvPicPr>
-          <p:cNvPr id="11" name="Picture 10"/>
-          <p:cNvPicPr>
-            <a:picLocks noChangeAspect="1"/>
-          </p:cNvPicPr>
-          <p:nvPr/>
-        </p:nvPicPr>
-        <p:blipFill>
-          <a:blip r:embed="rId8"/>
-          <a:stretch>
-            <a:fillRect/>
-          </a:stretch>
-        </p:blipFill>
-        <p:spPr>
-          <a:xfrm>
-            <a:off x="6020100" y="1796423"/>
-            <a:ext cx="2412636" cy="914681"/>
-          </a:xfrm>
-          <a:prstGeom prst="rect">
-            <a:avLst/>
-          </a:prstGeom>
-        </p:spPr>
-      </p:pic>
-      <p:pic>
-        <p:nvPicPr>
-          <p:cNvPr id="12" name="Picture 11"/>
-          <p:cNvPicPr>
-            <a:picLocks noChangeAspect="1"/>
-          </p:cNvPicPr>
-          <p:nvPr/>
-        </p:nvPicPr>
-        <p:blipFill>
-          <a:blip r:embed="rId9"/>
-          <a:stretch>
-            <a:fillRect/>
-          </a:stretch>
-        </p:blipFill>
-        <p:spPr>
-          <a:xfrm>
-            <a:off x="7226418" y="3011157"/>
-            <a:ext cx="1573751" cy="1180313"/>
-          </a:xfrm>
-          <a:prstGeom prst="rect">
-            <a:avLst/>
-          </a:prstGeom>
-        </p:spPr>
-      </p:pic>
-      <p:pic>
-        <p:nvPicPr>
-          <p:cNvPr id="13" name="Picture 12"/>
-          <p:cNvPicPr>
-            <a:picLocks noChangeAspect="1"/>
-          </p:cNvPicPr>
-          <p:nvPr/>
-        </p:nvPicPr>
-        <p:blipFill>
-          <a:blip r:embed="rId10"/>
-          <a:stretch>
-            <a:fillRect/>
-          </a:stretch>
-        </p:blipFill>
-        <p:spPr>
-          <a:xfrm>
-            <a:off x="4743332" y="5943319"/>
-            <a:ext cx="2451197" cy="760297"/>
-          </a:xfrm>
-          <a:prstGeom prst="rect">
-            <a:avLst/>
-          </a:prstGeom>
-        </p:spPr>
-      </p:pic>
-      <p:pic>
-        <p:nvPicPr>
-          <p:cNvPr id="14" name="Picture 13"/>
-          <p:cNvPicPr>
-            <a:picLocks noChangeAspect="1"/>
-          </p:cNvPicPr>
-          <p:nvPr/>
-        </p:nvPicPr>
-        <p:blipFill>
-          <a:blip r:embed="rId11"/>
-          <a:stretch>
-            <a:fillRect/>
-          </a:stretch>
-        </p:blipFill>
-        <p:spPr>
-          <a:xfrm>
-            <a:off x="5067274" y="2921448"/>
-            <a:ext cx="1600226" cy="1270021"/>
-          </a:xfrm>
-          <a:prstGeom prst="rect">
-            <a:avLst/>
-          </a:prstGeom>
-        </p:spPr>
-      </p:pic>
-      <p:pic>
-        <p:nvPicPr>
-          <p:cNvPr id="15" name="Picture 14"/>
-          <p:cNvPicPr>
-            <a:picLocks noChangeAspect="1"/>
-          </p:cNvPicPr>
-          <p:nvPr/>
-        </p:nvPicPr>
-        <p:blipFill>
-          <a:blip r:embed="rId12"/>
-          <a:stretch>
-            <a:fillRect/>
-          </a:stretch>
-        </p:blipFill>
-        <p:spPr>
-          <a:xfrm>
-            <a:off x="7354884" y="5545791"/>
-            <a:ext cx="1739900" cy="1157825"/>
-          </a:xfrm>
-          <a:prstGeom prst="rect">
-            <a:avLst/>
-          </a:prstGeom>
-        </p:spPr>
-      </p:pic>
+        <p:txBody>
+          <a:bodyPr vert="horz" anchor="t">
+            <a:normAutofit fontScale="85000" lnSpcReduction="20000"/>
+          </a:bodyPr>
+          <a:lstStyle/>
+          <a:p>
+            <a:pPr marL="448056" marR="0" lvl="0" indent="-384048" algn="l" defTabSz="914400" rtl="0" eaLnBrk="1" fontAlgn="auto" latinLnBrk="0" hangingPunct="1">
+              <a:lnSpc>
+                <a:spcPct val="100000"/>
+              </a:lnSpc>
+              <a:spcBef>
+                <a:spcPct val="20000"/>
+              </a:spcBef>
+              <a:spcAft>
+                <a:spcPts val="0"/>
+              </a:spcAft>
+              <a:buClr>
+                <a:schemeClr val="accent1"/>
+              </a:buClr>
+              <a:buSzPct val="80000"/>
+              <a:buFont typeface="Wingdings 2"/>
+              <a:buChar char=""/>
+              <a:tabLst/>
+              <a:defRPr/>
+            </a:pPr>
+            <a:r>
+              <a:rPr kumimoji="0" lang="en-US" sz="2000" b="0" i="0" u="none" strike="noStrike" kern="1200" cap="none" spc="0" normalizeH="0" baseline="0" noProof="0" dirty="0" smtClean="0">
+                <a:ln>
+                  <a:noFill/>
+                </a:ln>
+                <a:solidFill>
+                  <a:schemeClr val="tx1"/>
+                </a:solidFill>
+                <a:effectLst/>
+                <a:uLnTx/>
+                <a:uFillTx/>
+                <a:latin typeface="+mn-lt"/>
+                <a:ea typeface="+mn-ea"/>
+                <a:cs typeface="+mn-cs"/>
+              </a:rPr>
+              <a:t>Martha’s Vineyard</a:t>
+            </a:r>
+          </a:p>
+          <a:p>
+            <a:pPr marL="448056" marR="0" lvl="0" indent="-384048" algn="l" defTabSz="914400" rtl="0" eaLnBrk="1" fontAlgn="auto" latinLnBrk="0" hangingPunct="1">
+              <a:lnSpc>
+                <a:spcPct val="100000"/>
+              </a:lnSpc>
+              <a:spcBef>
+                <a:spcPct val="20000"/>
+              </a:spcBef>
+              <a:spcAft>
+                <a:spcPts val="0"/>
+              </a:spcAft>
+              <a:buClr>
+                <a:schemeClr val="accent1"/>
+              </a:buClr>
+              <a:buSzPct val="80000"/>
+              <a:buFont typeface="Wingdings 2"/>
+              <a:buChar char=""/>
+              <a:tabLst/>
+              <a:defRPr/>
+            </a:pPr>
+            <a:r>
+              <a:rPr lang="en-US" sz="2000" noProof="0" dirty="0" smtClean="0"/>
+              <a:t>Massena</a:t>
+            </a:r>
+          </a:p>
+          <a:p>
+            <a:pPr marL="448056" marR="0" lvl="0" indent="-384048" algn="l" defTabSz="914400" rtl="0" eaLnBrk="1" fontAlgn="auto" latinLnBrk="0" hangingPunct="1">
+              <a:lnSpc>
+                <a:spcPct val="100000"/>
+              </a:lnSpc>
+              <a:spcBef>
+                <a:spcPct val="20000"/>
+              </a:spcBef>
+              <a:spcAft>
+                <a:spcPts val="0"/>
+              </a:spcAft>
+              <a:buClr>
+                <a:schemeClr val="accent1"/>
+              </a:buClr>
+              <a:buSzPct val="80000"/>
+              <a:buFont typeface="Wingdings 2"/>
+              <a:buChar char=""/>
+              <a:tabLst/>
+              <a:defRPr/>
+            </a:pPr>
+            <a:r>
+              <a:rPr kumimoji="0" lang="en-US" sz="2000" b="0" i="0" u="none" strike="noStrike" kern="1200" cap="none" spc="0" normalizeH="0" baseline="0" dirty="0" smtClean="0">
+                <a:ln>
+                  <a:noFill/>
+                </a:ln>
+                <a:solidFill>
+                  <a:schemeClr val="tx1"/>
+                </a:solidFill>
+                <a:effectLst/>
+                <a:uLnTx/>
+                <a:uFillTx/>
+                <a:latin typeface="+mn-lt"/>
+                <a:ea typeface="+mn-ea"/>
+                <a:cs typeface="+mn-cs"/>
+              </a:rPr>
+              <a:t>Nantucket</a:t>
+            </a:r>
+          </a:p>
+          <a:p>
+            <a:pPr marL="448056" marR="0" lvl="0" indent="-384048" algn="l" defTabSz="914400" rtl="0" eaLnBrk="1" fontAlgn="auto" latinLnBrk="0" hangingPunct="1">
+              <a:lnSpc>
+                <a:spcPct val="100000"/>
+              </a:lnSpc>
+              <a:spcBef>
+                <a:spcPct val="20000"/>
+              </a:spcBef>
+              <a:spcAft>
+                <a:spcPts val="0"/>
+              </a:spcAft>
+              <a:buClr>
+                <a:schemeClr val="accent1"/>
+              </a:buClr>
+              <a:buSzPct val="80000"/>
+              <a:buFont typeface="Wingdings 2"/>
+              <a:buChar char=""/>
+              <a:tabLst/>
+              <a:defRPr/>
+            </a:pPr>
+            <a:r>
+              <a:rPr lang="en-US" sz="2000" noProof="0" dirty="0" smtClean="0"/>
+              <a:t>Newburgh</a:t>
+            </a:r>
+          </a:p>
+          <a:p>
+            <a:pPr marL="448056" marR="0" lvl="0" indent="-384048" algn="l" defTabSz="914400" rtl="0" eaLnBrk="1" fontAlgn="auto" latinLnBrk="0" hangingPunct="1">
+              <a:lnSpc>
+                <a:spcPct val="100000"/>
+              </a:lnSpc>
+              <a:spcBef>
+                <a:spcPct val="20000"/>
+              </a:spcBef>
+              <a:spcAft>
+                <a:spcPts val="0"/>
+              </a:spcAft>
+              <a:buClr>
+                <a:schemeClr val="accent1"/>
+              </a:buClr>
+              <a:buSzPct val="80000"/>
+              <a:buFont typeface="Wingdings 2"/>
+              <a:buChar char=""/>
+              <a:tabLst/>
+              <a:defRPr/>
+            </a:pPr>
+            <a:r>
+              <a:rPr kumimoji="0" lang="en-US" sz="2000" b="0" i="0" u="none" strike="noStrike" kern="1200" cap="none" spc="0" normalizeH="0" baseline="0" dirty="0" smtClean="0">
+                <a:ln>
+                  <a:noFill/>
+                </a:ln>
+                <a:solidFill>
+                  <a:schemeClr val="tx1"/>
+                </a:solidFill>
+                <a:effectLst/>
+                <a:uLnTx/>
+                <a:uFillTx/>
+                <a:latin typeface="+mn-lt"/>
+                <a:ea typeface="+mn-ea"/>
+                <a:cs typeface="+mn-cs"/>
+              </a:rPr>
+              <a:t>Stewart</a:t>
+            </a:r>
+            <a:r>
+              <a:rPr kumimoji="0" lang="en-US" sz="2000" b="0" i="0" u="none" strike="noStrike" kern="1200" cap="none" spc="0" normalizeH="0" dirty="0" smtClean="0">
+                <a:ln>
+                  <a:noFill/>
+                </a:ln>
+                <a:solidFill>
+                  <a:schemeClr val="tx1"/>
+                </a:solidFill>
+                <a:effectLst/>
+                <a:uLnTx/>
+                <a:uFillTx/>
+                <a:latin typeface="+mn-lt"/>
+                <a:ea typeface="+mn-ea"/>
+                <a:cs typeface="+mn-cs"/>
+              </a:rPr>
+              <a:t> Field</a:t>
+            </a:r>
+          </a:p>
+          <a:p>
+            <a:pPr marL="448056" marR="0" lvl="0" indent="-384048" algn="l" defTabSz="914400" rtl="0" eaLnBrk="1" fontAlgn="auto" latinLnBrk="0" hangingPunct="1">
+              <a:lnSpc>
+                <a:spcPct val="100000"/>
+              </a:lnSpc>
+              <a:spcBef>
+                <a:spcPct val="20000"/>
+              </a:spcBef>
+              <a:spcAft>
+                <a:spcPts val="0"/>
+              </a:spcAft>
+              <a:buClr>
+                <a:schemeClr val="accent1"/>
+              </a:buClr>
+              <a:buSzPct val="80000"/>
+              <a:buFont typeface="Wingdings 2"/>
+              <a:buChar char=""/>
+              <a:tabLst/>
+              <a:defRPr/>
+            </a:pPr>
+            <a:r>
+              <a:rPr lang="en-US" sz="2000" baseline="0" noProof="0" dirty="0" smtClean="0"/>
+              <a:t>Ogdensburg</a:t>
+            </a:r>
+          </a:p>
+          <a:p>
+            <a:pPr marL="448056" marR="0" lvl="0" indent="-384048" algn="l" defTabSz="914400" rtl="0" eaLnBrk="1" fontAlgn="auto" latinLnBrk="0" hangingPunct="1">
+              <a:lnSpc>
+                <a:spcPct val="100000"/>
+              </a:lnSpc>
+              <a:spcBef>
+                <a:spcPct val="20000"/>
+              </a:spcBef>
+              <a:spcAft>
+                <a:spcPts val="0"/>
+              </a:spcAft>
+              <a:buClr>
+                <a:schemeClr val="accent1"/>
+              </a:buClr>
+              <a:buSzPct val="80000"/>
+              <a:buFont typeface="Wingdings 2"/>
+              <a:buChar char=""/>
+              <a:tabLst/>
+              <a:defRPr/>
+            </a:pPr>
+            <a:r>
+              <a:rPr kumimoji="0" lang="en-US" sz="2000" b="0" i="0" u="none" strike="noStrike" kern="1200" cap="none" spc="0" normalizeH="0" dirty="0" smtClean="0">
+                <a:ln>
+                  <a:noFill/>
+                </a:ln>
+                <a:solidFill>
+                  <a:schemeClr val="tx1"/>
+                </a:solidFill>
+                <a:effectLst/>
+                <a:uLnTx/>
+                <a:uFillTx/>
+                <a:latin typeface="+mn-lt"/>
+                <a:ea typeface="+mn-ea"/>
+                <a:cs typeface="+mn-cs"/>
+              </a:rPr>
+              <a:t>Plattsburgh</a:t>
+            </a:r>
+          </a:p>
+          <a:p>
+            <a:pPr marL="448056" marR="0" lvl="0" indent="-384048" algn="l" defTabSz="914400" rtl="0" eaLnBrk="1" fontAlgn="auto" latinLnBrk="0" hangingPunct="1">
+              <a:lnSpc>
+                <a:spcPct val="100000"/>
+              </a:lnSpc>
+              <a:spcBef>
+                <a:spcPct val="20000"/>
+              </a:spcBef>
+              <a:spcAft>
+                <a:spcPts val="0"/>
+              </a:spcAft>
+              <a:buClr>
+                <a:schemeClr val="accent1"/>
+              </a:buClr>
+              <a:buSzPct val="80000"/>
+              <a:buFont typeface="Wingdings 2"/>
+              <a:buChar char=""/>
+              <a:tabLst/>
+              <a:defRPr/>
+            </a:pPr>
+            <a:r>
+              <a:rPr lang="en-US" sz="2000" baseline="0" noProof="0" dirty="0" smtClean="0"/>
+              <a:t>Portland</a:t>
+            </a:r>
+          </a:p>
+          <a:p>
+            <a:pPr marL="448056" marR="0" lvl="0" indent="-384048" algn="l" defTabSz="914400" rtl="0" eaLnBrk="1" fontAlgn="auto" latinLnBrk="0" hangingPunct="1">
+              <a:lnSpc>
+                <a:spcPct val="100000"/>
+              </a:lnSpc>
+              <a:spcBef>
+                <a:spcPct val="20000"/>
+              </a:spcBef>
+              <a:spcAft>
+                <a:spcPts val="0"/>
+              </a:spcAft>
+              <a:buClr>
+                <a:schemeClr val="accent1"/>
+              </a:buClr>
+              <a:buSzPct val="80000"/>
+              <a:buFont typeface="Wingdings 2"/>
+              <a:buChar char=""/>
+              <a:tabLst/>
+              <a:defRPr/>
+            </a:pPr>
+            <a:r>
+              <a:rPr kumimoji="0" lang="en-US" sz="2000" b="0" i="0" u="none" strike="noStrike" kern="1200" cap="none" spc="0" normalizeH="0" dirty="0" smtClean="0">
+                <a:ln>
+                  <a:noFill/>
+                </a:ln>
+                <a:solidFill>
+                  <a:schemeClr val="tx1"/>
+                </a:solidFill>
+                <a:effectLst/>
+                <a:uLnTx/>
+                <a:uFillTx/>
+                <a:latin typeface="+mn-lt"/>
+                <a:ea typeface="+mn-ea"/>
+                <a:cs typeface="+mn-cs"/>
+              </a:rPr>
+              <a:t>Poughkeepsie</a:t>
+            </a:r>
+          </a:p>
+          <a:p>
+            <a:pPr marL="448056" marR="0" lvl="0" indent="-384048" algn="l" defTabSz="914400" rtl="0" eaLnBrk="1" fontAlgn="auto" latinLnBrk="0" hangingPunct="1">
+              <a:lnSpc>
+                <a:spcPct val="100000"/>
+              </a:lnSpc>
+              <a:spcBef>
+                <a:spcPct val="20000"/>
+              </a:spcBef>
+              <a:spcAft>
+                <a:spcPts val="0"/>
+              </a:spcAft>
+              <a:buClr>
+                <a:schemeClr val="accent1"/>
+              </a:buClr>
+              <a:buSzPct val="80000"/>
+              <a:buFont typeface="Wingdings 2"/>
+              <a:buChar char=""/>
+              <a:tabLst/>
+              <a:defRPr/>
+            </a:pPr>
+            <a:r>
+              <a:rPr lang="en-US" sz="2000" dirty="0" smtClean="0"/>
+              <a:t>Presque Isle</a:t>
+            </a:r>
+          </a:p>
+          <a:p>
+            <a:pPr marL="448056" marR="0" lvl="0" indent="-384048" algn="l" defTabSz="914400" rtl="0" eaLnBrk="1" fontAlgn="auto" latinLnBrk="0" hangingPunct="1">
+              <a:lnSpc>
+                <a:spcPct val="100000"/>
+              </a:lnSpc>
+              <a:spcBef>
+                <a:spcPct val="20000"/>
+              </a:spcBef>
+              <a:spcAft>
+                <a:spcPts val="0"/>
+              </a:spcAft>
+              <a:buClr>
+                <a:schemeClr val="accent1"/>
+              </a:buClr>
+              <a:buSzPct val="80000"/>
+              <a:buFont typeface="Wingdings 2"/>
+              <a:buChar char=""/>
+              <a:tabLst/>
+              <a:defRPr/>
+            </a:pPr>
+            <a:r>
+              <a:rPr kumimoji="0" lang="en-US" sz="2000" b="0" i="0" u="none" strike="noStrike" kern="1200" cap="none" spc="0" normalizeH="0" dirty="0" smtClean="0">
+                <a:ln>
+                  <a:noFill/>
+                </a:ln>
+                <a:solidFill>
+                  <a:schemeClr val="tx1"/>
+                </a:solidFill>
+                <a:effectLst/>
+                <a:uLnTx/>
+                <a:uFillTx/>
+                <a:latin typeface="+mn-lt"/>
+                <a:ea typeface="+mn-ea"/>
+                <a:cs typeface="+mn-cs"/>
+              </a:rPr>
+              <a:t>Provincetown</a:t>
+            </a:r>
+          </a:p>
+          <a:p>
+            <a:pPr marL="448056" marR="0" lvl="0" indent="-384048" algn="l" defTabSz="914400" rtl="0" eaLnBrk="1" fontAlgn="auto" latinLnBrk="0" hangingPunct="1">
+              <a:lnSpc>
+                <a:spcPct val="100000"/>
+              </a:lnSpc>
+              <a:spcBef>
+                <a:spcPct val="20000"/>
+              </a:spcBef>
+              <a:spcAft>
+                <a:spcPts val="0"/>
+              </a:spcAft>
+              <a:buClr>
+                <a:schemeClr val="accent1"/>
+              </a:buClr>
+              <a:buSzPct val="80000"/>
+              <a:buFont typeface="Wingdings 2"/>
+              <a:buChar char=""/>
+              <a:tabLst/>
+              <a:defRPr/>
+            </a:pPr>
+            <a:r>
+              <a:rPr lang="en-US" sz="2000" dirty="0" smtClean="0"/>
+              <a:t>Reading </a:t>
+            </a:r>
+          </a:p>
+          <a:p>
+            <a:pPr marL="448056" marR="0" lvl="0" indent="-384048" algn="l" defTabSz="914400" rtl="0" eaLnBrk="1" fontAlgn="auto" latinLnBrk="0" hangingPunct="1">
+              <a:lnSpc>
+                <a:spcPct val="100000"/>
+              </a:lnSpc>
+              <a:spcBef>
+                <a:spcPct val="20000"/>
+              </a:spcBef>
+              <a:spcAft>
+                <a:spcPts val="0"/>
+              </a:spcAft>
+              <a:buClr>
+                <a:schemeClr val="accent1"/>
+              </a:buClr>
+              <a:buSzPct val="80000"/>
+              <a:buFont typeface="Wingdings 2"/>
+              <a:buChar char=""/>
+              <a:tabLst/>
+              <a:defRPr/>
+            </a:pPr>
+            <a:r>
+              <a:rPr kumimoji="0" lang="en-US" sz="2000" b="0" i="0" u="none" strike="noStrike" kern="1200" cap="none" spc="0" normalizeH="0" dirty="0" smtClean="0">
+                <a:ln>
+                  <a:noFill/>
+                </a:ln>
+                <a:solidFill>
+                  <a:schemeClr val="tx1"/>
+                </a:solidFill>
+                <a:effectLst/>
+                <a:uLnTx/>
+                <a:uFillTx/>
+                <a:latin typeface="+mn-lt"/>
+                <a:ea typeface="+mn-ea"/>
+                <a:cs typeface="+mn-cs"/>
+              </a:rPr>
+              <a:t>Rockland</a:t>
+            </a:r>
+          </a:p>
+          <a:p>
+            <a:pPr marL="448056" marR="0" lvl="0" indent="-384048" algn="l" defTabSz="914400" rtl="0" eaLnBrk="1" fontAlgn="auto" latinLnBrk="0" hangingPunct="1">
+              <a:lnSpc>
+                <a:spcPct val="100000"/>
+              </a:lnSpc>
+              <a:spcBef>
+                <a:spcPct val="20000"/>
+              </a:spcBef>
+              <a:spcAft>
+                <a:spcPts val="0"/>
+              </a:spcAft>
+              <a:buClr>
+                <a:schemeClr val="accent1"/>
+              </a:buClr>
+              <a:buSzPct val="80000"/>
+              <a:buFont typeface="Wingdings 2"/>
+              <a:buChar char=""/>
+              <a:tabLst/>
+              <a:defRPr/>
+            </a:pPr>
+            <a:r>
+              <a:rPr lang="en-US" sz="2000" dirty="0" smtClean="0"/>
+              <a:t>Rutland</a:t>
+            </a:r>
+          </a:p>
+          <a:p>
+            <a:pPr marL="448056" marR="0" lvl="0" indent="-384048" algn="l" defTabSz="914400" rtl="0" eaLnBrk="1" fontAlgn="auto" latinLnBrk="0" hangingPunct="1">
+              <a:lnSpc>
+                <a:spcPct val="100000"/>
+              </a:lnSpc>
+              <a:spcBef>
+                <a:spcPct val="20000"/>
+              </a:spcBef>
+              <a:spcAft>
+                <a:spcPts val="0"/>
+              </a:spcAft>
+              <a:buClr>
+                <a:schemeClr val="accent1"/>
+              </a:buClr>
+              <a:buSzPct val="80000"/>
+              <a:buFont typeface="Wingdings 2"/>
+              <a:buChar char=""/>
+              <a:tabLst/>
+              <a:defRPr/>
+            </a:pPr>
+            <a:r>
+              <a:rPr kumimoji="0" lang="en-US" sz="2000" b="0" i="0" u="none" strike="noStrike" kern="1200" cap="none" spc="0" normalizeH="0" dirty="0" smtClean="0">
+                <a:ln>
+                  <a:noFill/>
+                </a:ln>
+                <a:solidFill>
+                  <a:schemeClr val="tx1"/>
+                </a:solidFill>
+                <a:effectLst/>
+                <a:uLnTx/>
+                <a:uFillTx/>
+                <a:latin typeface="+mn-lt"/>
+                <a:ea typeface="+mn-ea"/>
+                <a:cs typeface="+mn-cs"/>
+              </a:rPr>
+              <a:t>Utica</a:t>
+            </a:r>
+          </a:p>
+          <a:p>
+            <a:pPr marL="448056" marR="0" lvl="0" indent="-384048" algn="l" defTabSz="914400" rtl="0" eaLnBrk="1" fontAlgn="auto" latinLnBrk="0" hangingPunct="1">
+              <a:lnSpc>
+                <a:spcPct val="100000"/>
+              </a:lnSpc>
+              <a:spcBef>
+                <a:spcPct val="20000"/>
+              </a:spcBef>
+              <a:spcAft>
+                <a:spcPts val="0"/>
+              </a:spcAft>
+              <a:buClr>
+                <a:schemeClr val="accent1"/>
+              </a:buClr>
+              <a:buSzPct val="80000"/>
+              <a:buFont typeface="Wingdings 2"/>
+              <a:buChar char=""/>
+              <a:tabLst/>
+              <a:defRPr/>
+            </a:pPr>
+            <a:r>
+              <a:rPr lang="en-US" sz="2000" dirty="0" smtClean="0"/>
+              <a:t>Windsor Locks</a:t>
+            </a:r>
+          </a:p>
+          <a:p>
+            <a:pPr marL="448056" marR="0" lvl="0" indent="-384048" algn="l" defTabSz="914400" rtl="0" eaLnBrk="1" fontAlgn="auto" latinLnBrk="0" hangingPunct="1">
+              <a:lnSpc>
+                <a:spcPct val="100000"/>
+              </a:lnSpc>
+              <a:spcBef>
+                <a:spcPct val="20000"/>
+              </a:spcBef>
+              <a:spcAft>
+                <a:spcPts val="0"/>
+              </a:spcAft>
+              <a:buClr>
+                <a:schemeClr val="accent1"/>
+              </a:buClr>
+              <a:buSzPct val="80000"/>
+              <a:buFont typeface="Wingdings 2"/>
+              <a:buChar char=""/>
+              <a:tabLst/>
+              <a:defRPr/>
+            </a:pPr>
+            <a:r>
+              <a:rPr kumimoji="0" lang="en-US" sz="2000" b="0" i="0" u="none" strike="noStrike" kern="1200" cap="none" spc="0" normalizeH="0" dirty="0" smtClean="0">
+                <a:ln>
+                  <a:noFill/>
+                </a:ln>
+                <a:solidFill>
+                  <a:schemeClr val="tx1"/>
+                </a:solidFill>
+                <a:effectLst/>
+                <a:uLnTx/>
+                <a:uFillTx/>
+                <a:latin typeface="+mn-lt"/>
+                <a:ea typeface="+mn-ea"/>
+                <a:cs typeface="+mn-cs"/>
+              </a:rPr>
+              <a:t>Amsterdam</a:t>
+            </a:r>
+          </a:p>
+          <a:p>
+            <a:pPr marL="448056" marR="0" lvl="0" indent="-384048" algn="l" defTabSz="914400" rtl="0" eaLnBrk="1" fontAlgn="auto" latinLnBrk="0" hangingPunct="1">
+              <a:lnSpc>
+                <a:spcPct val="100000"/>
+              </a:lnSpc>
+              <a:spcBef>
+                <a:spcPct val="20000"/>
+              </a:spcBef>
+              <a:spcAft>
+                <a:spcPts val="0"/>
+              </a:spcAft>
+              <a:buClr>
+                <a:schemeClr val="accent1"/>
+              </a:buClr>
+              <a:buSzPct val="80000"/>
+              <a:buFont typeface="Wingdings 2"/>
+              <a:buChar char=""/>
+              <a:tabLst/>
+              <a:defRPr/>
+            </a:pPr>
+            <a:r>
+              <a:rPr lang="en-US" sz="2000" dirty="0" smtClean="0"/>
+              <a:t>Brattleboro</a:t>
+            </a:r>
+          </a:p>
+          <a:p>
+            <a:pPr marL="448056" marR="0" lvl="0" indent="-384048" algn="l" defTabSz="914400" rtl="0" eaLnBrk="1" fontAlgn="auto" latinLnBrk="0" hangingPunct="1">
+              <a:lnSpc>
+                <a:spcPct val="100000"/>
+              </a:lnSpc>
+              <a:spcBef>
+                <a:spcPct val="20000"/>
+              </a:spcBef>
+              <a:spcAft>
+                <a:spcPts val="0"/>
+              </a:spcAft>
+              <a:buClr>
+                <a:schemeClr val="accent1"/>
+              </a:buClr>
+              <a:buSzPct val="80000"/>
+              <a:buFont typeface="Wingdings 2"/>
+              <a:buChar char=""/>
+              <a:tabLst/>
+              <a:defRPr/>
+            </a:pPr>
+            <a:r>
+              <a:rPr kumimoji="0" lang="en-US" sz="2000" b="0" i="0" u="none" strike="noStrike" kern="1200" cap="none" spc="0" normalizeH="0" dirty="0" smtClean="0">
+                <a:ln>
+                  <a:noFill/>
+                </a:ln>
+                <a:solidFill>
+                  <a:schemeClr val="tx1"/>
+                </a:solidFill>
+                <a:effectLst/>
+                <a:uLnTx/>
+                <a:uFillTx/>
+                <a:latin typeface="+mn-lt"/>
+                <a:ea typeface="+mn-ea"/>
+                <a:cs typeface="+mn-cs"/>
+              </a:rPr>
+              <a:t>Newark Airport</a:t>
+            </a:r>
+          </a:p>
+          <a:p>
+            <a:pPr marL="448056" marR="0" lvl="0" indent="-384048" algn="l" defTabSz="914400" rtl="0" eaLnBrk="1" fontAlgn="auto" latinLnBrk="0" hangingPunct="1">
+              <a:lnSpc>
+                <a:spcPct val="100000"/>
+              </a:lnSpc>
+              <a:spcBef>
+                <a:spcPct val="20000"/>
+              </a:spcBef>
+              <a:spcAft>
+                <a:spcPts val="0"/>
+              </a:spcAft>
+              <a:buClr>
+                <a:schemeClr val="accent1"/>
+              </a:buClr>
+              <a:buSzPct val="80000"/>
+              <a:buFont typeface="Wingdings 2"/>
+              <a:buChar char=""/>
+              <a:tabLst/>
+              <a:defRPr/>
+            </a:pPr>
+            <a:endParaRPr kumimoji="0" lang="en-US" sz="2000" b="0" i="0" u="none" strike="noStrike" kern="1200" cap="none" spc="0" normalizeH="0" baseline="0" noProof="0" dirty="0">
+              <a:ln>
+                <a:noFill/>
+              </a:ln>
+              <a:solidFill>
+                <a:schemeClr val="tx1"/>
+              </a:solidFill>
+              <a:effectLst/>
+              <a:uLnTx/>
+              <a:uFillTx/>
+              <a:latin typeface="+mn-lt"/>
+              <a:ea typeface="+mn-ea"/>
+              <a:cs typeface="+mn-cs"/>
+            </a:endParaRPr>
+          </a:p>
+        </p:txBody>
+      </p:sp>
     </p:spTree>
   </p:cSld>
   <p:clrMapOvr>
@@ -4153,7 +6312,7 @@
           <a:p>
             <a:r>
               <a:rPr lang="en-US" dirty="0" smtClean="0"/>
-              <a:t>Demo</a:t>
+              <a:t>Functionality</a:t>
             </a:r>
             <a:endParaRPr lang="en-US" dirty="0"/>
           </a:p>
@@ -4174,7 +6333,29 @@
           <a:bodyPr/>
           <a:lstStyle/>
           <a:p>
-            <a:endParaRPr lang="en-US"/>
+            <a:r>
+              <a:rPr lang="en-US" dirty="0" smtClean="0"/>
+              <a:t>Drop down menu for cities in the northeast</a:t>
+            </a:r>
+          </a:p>
+          <a:p>
+            <a:r>
+              <a:rPr lang="en-US" dirty="0" smtClean="0"/>
+              <a:t>Enter time and date preferences</a:t>
+            </a:r>
+          </a:p>
+          <a:p>
+            <a:r>
+              <a:rPr lang="en-US" dirty="0" smtClean="0"/>
+              <a:t>Sort results by cheapest prices, fastest elapsed time, by arrival time or by departure time</a:t>
+            </a:r>
+          </a:p>
+          <a:p>
+            <a:r>
+              <a:rPr lang="en-US" dirty="0" smtClean="0"/>
+              <a:t>Links to book the reservation</a:t>
+            </a:r>
+            <a:endParaRPr lang="en-US" dirty="0"/>
           </a:p>
         </p:txBody>
       </p:sp>
@@ -4220,108 +6401,31 @@
           <a:p>
             <a:r>
               <a:rPr lang="en-US" dirty="0" smtClean="0"/>
-              <a:t>Back-end</a:t>
+              <a:t>Demo</a:t>
             </a:r>
             <a:endParaRPr lang="en-US" dirty="0"/>
           </a:p>
         </p:txBody>
       </p:sp>
-      <p:pic>
-        <p:nvPicPr>
-          <p:cNvPr id="4" name="Picture 3"/>
-          <p:cNvPicPr>
-            <a:picLocks noChangeAspect="1"/>
-          </p:cNvPicPr>
-          <p:nvPr/>
-        </p:nvPicPr>
-        <p:blipFill>
-          <a:blip r:embed="rId2"/>
-          <a:stretch>
-            <a:fillRect/>
-          </a:stretch>
-        </p:blipFill>
-        <p:spPr>
-          <a:xfrm>
-            <a:off x="184757" y="1767112"/>
-            <a:ext cx="4425343" cy="1626613"/>
-          </a:xfrm>
-          <a:prstGeom prst="rect">
-            <a:avLst/>
-          </a:prstGeom>
-        </p:spPr>
-      </p:pic>
-      <p:pic>
-        <p:nvPicPr>
-          <p:cNvPr id="5" name="Picture 4"/>
-          <p:cNvPicPr>
-            <a:picLocks noChangeAspect="1"/>
-          </p:cNvPicPr>
-          <p:nvPr/>
-        </p:nvPicPr>
-        <p:blipFill>
-          <a:blip r:embed="rId3"/>
-          <a:stretch>
-            <a:fillRect/>
-          </a:stretch>
-        </p:blipFill>
-        <p:spPr>
-          <a:xfrm>
-            <a:off x="152400" y="4603750"/>
-            <a:ext cx="4457700" cy="1386101"/>
-          </a:xfrm>
-          <a:prstGeom prst="rect">
-            <a:avLst/>
-          </a:prstGeom>
-        </p:spPr>
-      </p:pic>
-      <p:pic>
-        <p:nvPicPr>
-          <p:cNvPr id="7" name="Picture 6"/>
-          <p:cNvPicPr>
-            <a:picLocks noChangeAspect="1"/>
-          </p:cNvPicPr>
-          <p:nvPr/>
-        </p:nvPicPr>
-        <p:blipFill>
-          <a:blip r:embed="rId4"/>
-          <a:stretch>
-            <a:fillRect/>
-          </a:stretch>
-        </p:blipFill>
-        <p:spPr>
-          <a:xfrm>
-            <a:off x="5232400" y="267494"/>
-            <a:ext cx="3454400" cy="2349500"/>
-          </a:xfrm>
-          <a:prstGeom prst="rect">
-            <a:avLst/>
-          </a:prstGeom>
-        </p:spPr>
-      </p:pic>
-      <p:pic>
-        <p:nvPicPr>
-          <p:cNvPr id="8" name="Picture 7"/>
-          <p:cNvPicPr>
-            <a:picLocks noChangeAspect="1"/>
-          </p:cNvPicPr>
-          <p:nvPr/>
-        </p:nvPicPr>
-        <p:blipFill>
-          <a:blip r:embed="rId5"/>
-          <a:stretch>
-            <a:fillRect/>
-          </a:stretch>
-        </p:blipFill>
-        <p:spPr>
-          <a:xfrm>
-            <a:off x="4844640" y="3393725"/>
-            <a:ext cx="3842160" cy="1600900"/>
-          </a:xfrm>
-          <a:prstGeom prst="rect">
-            <a:avLst/>
-          </a:prstGeom>
-        </p:spPr>
-      </p:pic>
+      <p:sp>
+        <p:nvSpPr>
+          <p:cNvPr id="3" name="Content Placeholder 2"/>
+          <p:cNvSpPr>
+            <a:spLocks noGrp="1"/>
+          </p:cNvSpPr>
+          <p:nvPr>
+            <p:ph idx="1"/>
+          </p:nvPr>
+        </p:nvSpPr>
+        <p:spPr/>
+        <p:txBody>
+          <a:bodyPr/>
+          <a:lstStyle/>
+          <a:p>
+            <a:endParaRPr lang="en-US"/>
+          </a:p>
+        </p:txBody>
+      </p:sp>
     </p:spTree>
   </p:cSld>
   <p:clrMapOvr>
@@ -4364,7 +6468,7 @@
           <a:p>
             <a:r>
               <a:rPr lang="en-US" dirty="0" smtClean="0"/>
-              <a:t>Scraping</a:t>
+              <a:t>Back-end</a:t>
             </a:r>
             <a:endParaRPr lang="en-US" dirty="0"/>
           </a:p>
@@ -4386,224 +6490,86 @@
         </p:blipFill>
         <p:spPr>
           <a:xfrm>
-            <a:off x="1243341" y="2894574"/>
-            <a:ext cx="4914900" cy="1651000"/>
+            <a:off x="184757" y="1767112"/>
+            <a:ext cx="4425343" cy="1626613"/>
           </a:xfrm>
           <a:prstGeom prst="rect">
             <a:avLst/>
           </a:prstGeom>
         </p:spPr>
       </p:pic>
-      <p:sp>
-        <p:nvSpPr>
-          <p:cNvPr id="5" name="TextBox 4"/>
-          <p:cNvSpPr txBox="1"/>
+      <p:pic>
+        <p:nvPicPr>
+          <p:cNvPr id="5" name="Picture 4"/>
+          <p:cNvPicPr>
+            <a:picLocks noChangeAspect="1"/>
+          </p:cNvPicPr>
           <p:nvPr/>
-        </p:nvSpPr>
-        <p:spPr>
-          <a:xfrm>
-            <a:off x="5005759" y="1299604"/>
-            <a:ext cx="3007941" cy="584776"/>
+        </p:nvPicPr>
+        <p:blipFill>
+          <a:blip r:embed="rId3"/>
+          <a:stretch>
+            <a:fillRect/>
+          </a:stretch>
+        </p:blipFill>
+        <p:spPr>
+          <a:xfrm>
+            <a:off x="152400" y="4603750"/>
+            <a:ext cx="4457700" cy="1386101"/>
           </a:xfrm>
           <a:prstGeom prst="rect">
             <a:avLst/>
           </a:prstGeom>
         </p:spPr>
-        <p:style>
-          <a:lnRef idx="1">
-            <a:schemeClr val="accent1"/>
-          </a:lnRef>
-          <a:fillRef idx="2">
-            <a:schemeClr val="accent1"/>
-          </a:fillRef>
-          <a:effectRef idx="1">
-            <a:schemeClr val="accent1"/>
-          </a:effectRef>
-          <a:fontRef idx="minor">
-            <a:schemeClr val="dk1"/>
-          </a:fontRef>
-        </p:style>
-        <p:txBody>
-          <a:bodyPr wrap="square" rtlCol="0">
-            <a:spAutoFit/>
-            <a:scene3d>
-              <a:camera prst="orthographicFront"/>
-              <a:lightRig rig="balanced" dir="t">
-                <a:rot lat="0" lon="0" rev="2100000"/>
-              </a:lightRig>
-            </a:scene3d>
-            <a:sp3d extrusionH="57150" prstMaterial="metal">
-              <a:bevelT w="38100" h="25400"/>
-              <a:contourClr>
-                <a:schemeClr val="bg2"/>
-              </a:contourClr>
-            </a:sp3d>
-          </a:bodyPr>
-          <a:lstStyle/>
-          <a:p>
-            <a:pPr algn="ctr"/>
-            <a:r>
-              <a:rPr lang="en-US" sz="3200" b="1" dirty="0" smtClean="0">
-                <a:ln w="50800"/>
-                <a:solidFill>
-                  <a:schemeClr val="bg1">
-                    <a:shade val="50000"/>
-                  </a:schemeClr>
-                </a:solidFill>
-              </a:rPr>
-              <a:t>POST Requests</a:t>
-            </a:r>
-            <a:endParaRPr lang="en-US" sz="3200" b="1" dirty="0">
-              <a:ln w="50800"/>
-              <a:solidFill>
-                <a:schemeClr val="bg1">
-                  <a:shade val="50000"/>
-                </a:schemeClr>
-              </a:solidFill>
-            </a:endParaRPr>
-          </a:p>
-        </p:txBody>
-      </p:sp>
-      <p:sp>
-        <p:nvSpPr>
-          <p:cNvPr id="10" name="TextBox 9"/>
-          <p:cNvSpPr txBox="1"/>
+      </p:pic>
+      <p:pic>
+        <p:nvPicPr>
+          <p:cNvPr id="7" name="Picture 6"/>
+          <p:cNvPicPr>
+            <a:picLocks noChangeAspect="1"/>
+          </p:cNvPicPr>
           <p:nvPr/>
-        </p:nvSpPr>
-        <p:spPr>
-          <a:xfrm>
-            <a:off x="457200" y="5080273"/>
-            <a:ext cx="3007941" cy="584776"/>
+        </p:nvPicPr>
+        <p:blipFill>
+          <a:blip r:embed="rId4"/>
+          <a:stretch>
+            <a:fillRect/>
+          </a:stretch>
+        </p:blipFill>
+        <p:spPr>
+          <a:xfrm>
+            <a:off x="5232400" y="267494"/>
+            <a:ext cx="3454400" cy="2349500"/>
           </a:xfrm>
           <a:prstGeom prst="rect">
             <a:avLst/>
           </a:prstGeom>
         </p:spPr>
-        <p:style>
-          <a:lnRef idx="1">
-            <a:schemeClr val="accent1"/>
-          </a:lnRef>
-          <a:fillRef idx="2">
-            <a:schemeClr val="accent1"/>
-          </a:fillRef>
-          <a:effectRef idx="1">
-            <a:schemeClr val="accent1"/>
-          </a:effectRef>
-          <a:fontRef idx="minor">
-            <a:schemeClr val="dk1"/>
-          </a:fontRef>
-        </p:style>
-        <p:txBody>
-          <a:bodyPr wrap="square" rtlCol="0">
-            <a:spAutoFit/>
-            <a:scene3d>
-              <a:camera prst="orthographicFront"/>
-              <a:lightRig rig="balanced" dir="t">
-                <a:rot lat="0" lon="0" rev="2100000"/>
-              </a:lightRig>
-            </a:scene3d>
-            <a:sp3d extrusionH="57150" prstMaterial="metal">
-              <a:bevelT w="38100" h="25400"/>
-              <a:contourClr>
-                <a:schemeClr val="bg2"/>
-              </a:contourClr>
-            </a:sp3d>
-          </a:bodyPr>
-          <a:lstStyle/>
-          <a:p>
-            <a:pPr algn="ctr"/>
-            <a:r>
-              <a:rPr lang="en-US" sz="3200" b="1" dirty="0" smtClean="0">
-                <a:ln w="50800"/>
-                <a:solidFill>
-                  <a:schemeClr val="bg1">
-                    <a:shade val="50000"/>
-                  </a:schemeClr>
-                </a:solidFill>
-              </a:rPr>
-              <a:t>GET Requests</a:t>
-            </a:r>
-            <a:endParaRPr lang="en-US" sz="3200" b="1" dirty="0">
-              <a:ln w="50800"/>
-              <a:solidFill>
-                <a:schemeClr val="bg1">
-                  <a:shade val="50000"/>
-                </a:schemeClr>
-              </a:solidFill>
-            </a:endParaRPr>
-          </a:p>
-        </p:txBody>
-      </p:sp>
-      <p:sp>
-        <p:nvSpPr>
-          <p:cNvPr id="11" name="TextBox 10"/>
-          <p:cNvSpPr txBox="1"/>
+      </p:pic>
+      <p:pic>
+        <p:nvPicPr>
+          <p:cNvPr id="8" name="Picture 7"/>
+          <p:cNvPicPr>
+            <a:picLocks noChangeAspect="1"/>
+          </p:cNvPicPr>
           <p:nvPr/>
-        </p:nvSpPr>
-        <p:spPr>
-          <a:xfrm>
-            <a:off x="4197070" y="5372661"/>
-            <a:ext cx="4489730" cy="584776"/>
+        </p:nvPicPr>
+        <p:blipFill>
+          <a:blip r:embed="rId5"/>
+          <a:stretch>
+            <a:fillRect/>
+          </a:stretch>
+        </p:blipFill>
+        <p:spPr>
+          <a:xfrm>
+            <a:off x="4844640" y="3393725"/>
+            <a:ext cx="3842160" cy="1600900"/>
           </a:xfrm>
           <a:prstGeom prst="rect">
             <a:avLst/>
           </a:prstGeom>
         </p:spPr>
-        <p:style>
-          <a:lnRef idx="1">
-            <a:schemeClr val="accent1"/>
-          </a:lnRef>
-          <a:fillRef idx="2">
-            <a:schemeClr val="accent1"/>
-          </a:fillRef>
-          <a:effectRef idx="1">
-            <a:schemeClr val="accent1"/>
-          </a:effectRef>
-          <a:fontRef idx="minor">
-            <a:schemeClr val="dk1"/>
-          </a:fontRef>
-        </p:style>
-        <p:txBody>
-          <a:bodyPr wrap="square" rtlCol="0">
-            <a:spAutoFit/>
-            <a:scene3d>
-              <a:camera prst="orthographicFront"/>
-              <a:lightRig rig="balanced" dir="t">
-                <a:rot lat="0" lon="0" rev="2100000"/>
-              </a:lightRig>
-            </a:scene3d>
-            <a:sp3d extrusionH="57150" prstMaterial="metal">
-              <a:bevelT w="38100" h="25400"/>
-              <a:contourClr>
-                <a:schemeClr val="bg2"/>
-              </a:contourClr>
-            </a:sp3d>
-          </a:bodyPr>
-          <a:lstStyle/>
-          <a:p>
-            <a:pPr algn="ctr"/>
-            <a:r>
-              <a:rPr lang="en-US" sz="3200" b="1" dirty="0" smtClean="0">
-                <a:ln w="50800"/>
-                <a:solidFill>
-                  <a:schemeClr val="bg1">
-                    <a:shade val="50000"/>
-                  </a:schemeClr>
-                </a:solidFill>
-              </a:rPr>
-              <a:t>Regular Expressions</a:t>
-            </a:r>
-            <a:endParaRPr lang="en-US" sz="3200" b="1" dirty="0">
-              <a:ln w="50800"/>
-              <a:solidFill>
-                <a:schemeClr val="bg1">
-                  <a:shade val="50000"/>
-                </a:schemeClr>
-              </a:solidFill>
-            </a:endParaRPr>
-          </a:p>
-        </p:txBody>
-      </p:sp>
+      </p:pic>
     </p:spTree>
   </p:cSld>
   <p:clrMapOvr>
@@ -4646,7 +6612,7 @@
           <a:p>
             <a:r>
               <a:rPr lang="en-US" dirty="0" smtClean="0"/>
-              <a:t>Front-end</a:t>
+              <a:t>Scraping</a:t>
             </a:r>
             <a:endParaRPr lang="en-US" dirty="0"/>
           </a:p>
@@ -4668,110 +6634,224 @@
         </p:blipFill>
         <p:spPr>
           <a:xfrm>
-            <a:off x="235706" y="1791374"/>
-            <a:ext cx="4371118" cy="1602351"/>
+            <a:off x="1243341" y="2894574"/>
+            <a:ext cx="4914900" cy="1651000"/>
           </a:xfrm>
           <a:prstGeom prst="rect">
             <a:avLst/>
           </a:prstGeom>
         </p:spPr>
       </p:pic>
-      <p:pic>
-        <p:nvPicPr>
-          <p:cNvPr id="5" name="Picture 4"/>
-          <p:cNvPicPr>
-            <a:picLocks noChangeAspect="1"/>
-          </p:cNvPicPr>
+      <p:sp>
+        <p:nvSpPr>
+          <p:cNvPr id="5" name="TextBox 4"/>
+          <p:cNvSpPr txBox="1"/>
           <p:nvPr/>
-        </p:nvPicPr>
-        <p:blipFill>
-          <a:blip r:embed="rId3"/>
-          <a:stretch>
-            <a:fillRect/>
-          </a:stretch>
-        </p:blipFill>
-        <p:spPr>
-          <a:xfrm>
-            <a:off x="796824" y="4420472"/>
-            <a:ext cx="3432276" cy="1922075"/>
+        </p:nvSpPr>
+        <p:spPr>
+          <a:xfrm>
+            <a:off x="5005759" y="1299604"/>
+            <a:ext cx="3007941" cy="584776"/>
           </a:xfrm>
           <a:prstGeom prst="rect">
             <a:avLst/>
           </a:prstGeom>
         </p:spPr>
-      </p:pic>
-      <p:pic>
-        <p:nvPicPr>
-          <p:cNvPr id="6" name="Picture 5"/>
-          <p:cNvPicPr>
-            <a:picLocks noChangeAspect="1"/>
-          </p:cNvPicPr>
+        <p:style>
+          <a:lnRef idx="1">
+            <a:schemeClr val="accent1"/>
+          </a:lnRef>
+          <a:fillRef idx="2">
+            <a:schemeClr val="accent1"/>
+          </a:fillRef>
+          <a:effectRef idx="1">
+            <a:schemeClr val="accent1"/>
+          </a:effectRef>
+          <a:fontRef idx="minor">
+            <a:schemeClr val="dk1"/>
+          </a:fontRef>
+        </p:style>
+        <p:txBody>
+          <a:bodyPr wrap="square" rtlCol="0">
+            <a:spAutoFit/>
+            <a:scene3d>
+              <a:camera prst="orthographicFront"/>
+              <a:lightRig rig="balanced" dir="t">
+                <a:rot lat="0" lon="0" rev="2100000"/>
+              </a:lightRig>
+            </a:scene3d>
+            <a:sp3d extrusionH="57150" prstMaterial="metal">
+              <a:bevelT w="38100" h="25400"/>
+              <a:contourClr>
+                <a:schemeClr val="bg2"/>
+              </a:contourClr>
+            </a:sp3d>
+          </a:bodyPr>
+          <a:lstStyle/>
+          <a:p>
+            <a:pPr algn="ctr"/>
+            <a:r>
+              <a:rPr lang="en-US" sz="3200" b="1" dirty="0" smtClean="0">
+                <a:ln w="50800"/>
+                <a:solidFill>
+                  <a:schemeClr val="bg1">
+                    <a:shade val="50000"/>
+                  </a:schemeClr>
+                </a:solidFill>
+              </a:rPr>
+              <a:t>POST Requests</a:t>
+            </a:r>
+            <a:endParaRPr lang="en-US" sz="3200" b="1" dirty="0">
+              <a:ln w="50800"/>
+              <a:solidFill>
+                <a:schemeClr val="bg1">
+                  <a:shade val="50000"/>
+                </a:schemeClr>
+              </a:solidFill>
+            </a:endParaRPr>
+          </a:p>
+        </p:txBody>
+      </p:sp>
+      <p:sp>
+        <p:nvSpPr>
+          <p:cNvPr id="10" name="TextBox 9"/>
+          <p:cNvSpPr txBox="1"/>
           <p:nvPr/>
-        </p:nvPicPr>
-        <p:blipFill>
-          <a:blip r:embed="rId4"/>
-          <a:stretch>
-            <a:fillRect/>
-          </a:stretch>
-        </p:blipFill>
-        <p:spPr>
-          <a:xfrm>
-            <a:off x="6202096" y="421926"/>
-            <a:ext cx="2484703" cy="2029174"/>
+        </p:nvSpPr>
+        <p:spPr>
+          <a:xfrm>
+            <a:off x="457200" y="5080273"/>
+            <a:ext cx="3007941" cy="584776"/>
           </a:xfrm>
           <a:prstGeom prst="rect">
             <a:avLst/>
           </a:prstGeom>
         </p:spPr>
-      </p:pic>
-      <p:pic>
-        <p:nvPicPr>
-          <p:cNvPr id="7" name="Picture 6"/>
-          <p:cNvPicPr>
-            <a:picLocks noChangeAspect="1"/>
-          </p:cNvPicPr>
+        <p:style>
+          <a:lnRef idx="1">
+            <a:schemeClr val="accent1"/>
+          </a:lnRef>
+          <a:fillRef idx="2">
+            <a:schemeClr val="accent1"/>
+          </a:fillRef>
+          <a:effectRef idx="1">
+            <a:schemeClr val="accent1"/>
+          </a:effectRef>
+          <a:fontRef idx="minor">
+            <a:schemeClr val="dk1"/>
+          </a:fontRef>
+        </p:style>
+        <p:txBody>
+          <a:bodyPr wrap="square" rtlCol="0">
+            <a:spAutoFit/>
+            <a:scene3d>
+              <a:camera prst="orthographicFront"/>
+              <a:lightRig rig="balanced" dir="t">
+                <a:rot lat="0" lon="0" rev="2100000"/>
+              </a:lightRig>
+            </a:scene3d>
+            <a:sp3d extrusionH="57150" prstMaterial="metal">
+              <a:bevelT w="38100" h="25400"/>
+              <a:contourClr>
+                <a:schemeClr val="bg2"/>
+              </a:contourClr>
+            </a:sp3d>
+          </a:bodyPr>
+          <a:lstStyle/>
+          <a:p>
+            <a:pPr algn="ctr"/>
+            <a:r>
+              <a:rPr lang="en-US" sz="3200" b="1" dirty="0" smtClean="0">
+                <a:ln w="50800"/>
+                <a:solidFill>
+                  <a:schemeClr val="bg1">
+                    <a:shade val="50000"/>
+                  </a:schemeClr>
+                </a:solidFill>
+              </a:rPr>
+              <a:t>GET Requests</a:t>
+            </a:r>
+            <a:endParaRPr lang="en-US" sz="3200" b="1" dirty="0">
+              <a:ln w="50800"/>
+              <a:solidFill>
+                <a:schemeClr val="bg1">
+                  <a:shade val="50000"/>
+                </a:schemeClr>
+              </a:solidFill>
+            </a:endParaRPr>
+          </a:p>
+        </p:txBody>
+      </p:sp>
+      <p:sp>
+        <p:nvSpPr>
+          <p:cNvPr id="11" name="TextBox 10"/>
+          <p:cNvSpPr txBox="1"/>
           <p:nvPr/>
-        </p:nvPicPr>
-        <p:blipFill>
-          <a:blip r:embed="rId5"/>
-          <a:stretch>
-            <a:fillRect/>
-          </a:stretch>
-        </p:blipFill>
-        <p:spPr>
-          <a:xfrm>
-            <a:off x="5638800" y="2693272"/>
-            <a:ext cx="2095500" cy="1727200"/>
+        </p:nvSpPr>
+        <p:spPr>
+          <a:xfrm>
+            <a:off x="4197070" y="5372661"/>
+            <a:ext cx="4489730" cy="584776"/>
           </a:xfrm>
           <a:prstGeom prst="rect">
             <a:avLst/>
           </a:prstGeom>
         </p:spPr>
-      </p:pic>
-      <p:pic>
-        <p:nvPicPr>
-          <p:cNvPr id="8" name="Picture 7"/>
-          <p:cNvPicPr>
-            <a:picLocks noChangeAspect="1"/>
-          </p:cNvPicPr>
-          <p:nvPr/>
-        </p:nvPicPr>
-        <p:blipFill>
-          <a:blip r:embed="rId6"/>
-          <a:stretch>
-            <a:fillRect/>
-          </a:stretch>
-        </p:blipFill>
-        <p:spPr>
-          <a:xfrm>
-            <a:off x="5895006" y="4703678"/>
-            <a:ext cx="2791794" cy="1638869"/>
-          </a:xfrm>
-          <a:prstGeom prst="rect">
-            <a:avLst/>
-          </a:prstGeom>
-        </p:spPr>
-      </p:pic>
+        <p:style>
+          <a:lnRef idx="1">
+            <a:schemeClr val="accent1"/>
+          </a:lnRef>
+          <a:fillRef idx="2">
+            <a:schemeClr val="accent1"/>
+          </a:fillRef>
+          <a:effectRef idx="1">
+            <a:schemeClr val="accent1"/>
+          </a:effectRef>
+          <a:fontRef idx="minor">
+            <a:schemeClr val="dk1"/>
+          </a:fontRef>
+        </p:style>
+        <p:txBody>
+          <a:bodyPr wrap="square" rtlCol="0">
+            <a:spAutoFit/>
+            <a:scene3d>
+              <a:camera prst="orthographicFront"/>
+              <a:lightRig rig="balanced" dir="t">
+                <a:rot lat="0" lon="0" rev="2100000"/>
+              </a:lightRig>
+            </a:scene3d>
+            <a:sp3d extrusionH="57150" prstMaterial="metal">
+              <a:bevelT w="38100" h="25400"/>
+              <a:contourClr>
+                <a:schemeClr val="bg2"/>
+              </a:contourClr>
+            </a:sp3d>
+          </a:bodyPr>
+          <a:lstStyle/>
+          <a:p>
+            <a:pPr algn="ctr"/>
+            <a:r>
+              <a:rPr lang="en-US" sz="3200" b="1" dirty="0" smtClean="0">
+                <a:ln w="50800"/>
+                <a:solidFill>
+                  <a:schemeClr val="bg1">
+                    <a:shade val="50000"/>
+                  </a:schemeClr>
+                </a:solidFill>
+              </a:rPr>
+              <a:t>Regular Expressions</a:t>
+            </a:r>
+            <a:endParaRPr lang="en-US" sz="3200" b="1" dirty="0">
+              <a:ln w="50800"/>
+              <a:solidFill>
+                <a:schemeClr val="bg1">
+                  <a:shade val="50000"/>
+                </a:schemeClr>
+              </a:solidFill>
+            </a:endParaRPr>
+          </a:p>
+        </p:txBody>
+      </p:sp>
     </p:spTree>
   </p:cSld>
   <p:clrMapOvr>
@@ -4814,31 +6894,132 @@
           <a:p>
             <a:r>
               <a:rPr lang="en-US" dirty="0" smtClean="0"/>
-              <a:t>Future Directions</a:t>
+              <a:t>Front-end</a:t>
             </a:r>
             <a:endParaRPr lang="en-US" dirty="0"/>
           </a:p>
         </p:txBody>
       </p:sp>
-      <p:sp>
-        <p:nvSpPr>
-          <p:cNvPr id="3" name="Content Placeholder 2"/>
-          <p:cNvSpPr>
-            <a:spLocks noGrp="1"/>
-          </p:cNvSpPr>
-          <p:nvPr>
-            <p:ph idx="1"/>
-          </p:nvPr>
-        </p:nvSpPr>
-        <p:spPr/>
-        <p:txBody>
-          <a:bodyPr/>
-          <a:lstStyle/>
-          <a:p>
-            <a:endParaRPr lang="en-US" dirty="0"/>
-          </a:p>
-        </p:txBody>
-      </p:sp>
+      <p:pic>
+        <p:nvPicPr>
+          <p:cNvPr id="4" name="Picture 3"/>
+          <p:cNvPicPr>
+            <a:picLocks noChangeAspect="1"/>
+          </p:cNvPicPr>
+          <p:nvPr/>
+        </p:nvPicPr>
+        <p:blipFill>
+          <a:blip r:embed="rId2"/>
+          <a:stretch>
+            <a:fillRect/>
+          </a:stretch>
+        </p:blipFill>
+        <p:spPr>
+          <a:xfrm>
+            <a:off x="235706" y="1791374"/>
+            <a:ext cx="4371118" cy="1602351"/>
+          </a:xfrm>
+          <a:prstGeom prst="rect">
+            <a:avLst/>
+          </a:prstGeom>
+        </p:spPr>
+      </p:pic>
+      <p:pic>
+        <p:nvPicPr>
+          <p:cNvPr id="5" name="Picture 4"/>
+          <p:cNvPicPr>
+            <a:picLocks noChangeAspect="1"/>
+          </p:cNvPicPr>
+          <p:nvPr/>
+        </p:nvPicPr>
+        <p:blipFill>
+          <a:blip r:embed="rId3"/>
+          <a:stretch>
+            <a:fillRect/>
+          </a:stretch>
+        </p:blipFill>
+        <p:spPr>
+          <a:xfrm>
+            <a:off x="796824" y="4420472"/>
+            <a:ext cx="3432276" cy="1922075"/>
+          </a:xfrm>
+          <a:prstGeom prst="rect">
+            <a:avLst/>
+          </a:prstGeom>
+        </p:spPr>
+      </p:pic>
+      <p:pic>
+        <p:nvPicPr>
+          <p:cNvPr id="6" name="Picture 5"/>
+          <p:cNvPicPr>
+            <a:picLocks noChangeAspect="1"/>
+          </p:cNvPicPr>
+          <p:nvPr/>
+        </p:nvPicPr>
+        <p:blipFill>
+          <a:blip r:embed="rId4"/>
+          <a:stretch>
+            <a:fillRect/>
+          </a:stretch>
+        </p:blipFill>
+        <p:spPr>
+          <a:xfrm>
+            <a:off x="6202096" y="421926"/>
+            <a:ext cx="2484703" cy="2029174"/>
+          </a:xfrm>
+          <a:prstGeom prst="rect">
+            <a:avLst/>
+          </a:prstGeom>
+        </p:spPr>
+      </p:pic>
+      <p:pic>
+        <p:nvPicPr>
+          <p:cNvPr id="7" name="Picture 6"/>
+          <p:cNvPicPr>
+            <a:picLocks noChangeAspect="1"/>
+          </p:cNvPicPr>
+          <p:nvPr/>
+        </p:nvPicPr>
+        <p:blipFill>
+          <a:blip r:embed="rId5"/>
+          <a:stretch>
+            <a:fillRect/>
+          </a:stretch>
+        </p:blipFill>
+        <p:spPr>
+          <a:xfrm>
+            <a:off x="5638800" y="2693272"/>
+            <a:ext cx="2095500" cy="1727200"/>
+          </a:xfrm>
+          <a:prstGeom prst="rect">
+            <a:avLst/>
+          </a:prstGeom>
+        </p:spPr>
+      </p:pic>
+      <p:pic>
+        <p:nvPicPr>
+          <p:cNvPr id="8" name="Picture 7"/>
+          <p:cNvPicPr>
+            <a:picLocks noChangeAspect="1"/>
+          </p:cNvPicPr>
+          <p:nvPr/>
+        </p:nvPicPr>
+        <p:blipFill>
+          <a:blip r:embed="rId6"/>
+          <a:stretch>
+            <a:fillRect/>
+          </a:stretch>
+        </p:blipFill>
+        <p:spPr>
+          <a:xfrm>
+            <a:off x="5895006" y="4703678"/>
+            <a:ext cx="2791794" cy="1638869"/>
+          </a:xfrm>
+          <a:prstGeom prst="rect">
+            <a:avLst/>
+          </a:prstGeom>
+        </p:spPr>
+      </p:pic>
     </p:spTree>
   </p:cSld>
   <p:clrMapOvr>

--- a/nightcrawlerDemo.pptx
+++ b/nightcrawlerDemo.pptx
@@ -336,7 +336,7 @@
             <a:fld id="{D3C9DA85-F9B4-4C45-B8BF-8D4F75AD81D9}" type="datetimeFigureOut">
               <a:rPr lang="en-US" smtClean="0"/>
               <a:pPr/>
-              <a:t>5/8/13</a:t>
+              <a:t>5/9/13</a:t>
             </a:fld>
             <a:endParaRPr lang="en-US"/>
           </a:p>
@@ -525,7 +525,7 @@
             <a:fld id="{D3C9DA85-F9B4-4C45-B8BF-8D4F75AD81D9}" type="datetimeFigureOut">
               <a:rPr lang="en-US" smtClean="0"/>
               <a:pPr/>
-              <a:t>5/8/13</a:t>
+              <a:t>5/9/13</a:t>
             </a:fld>
             <a:endParaRPr lang="en-US"/>
           </a:p>
@@ -702,7 +702,7 @@
             <a:fld id="{D3C9DA85-F9B4-4C45-B8BF-8D4F75AD81D9}" type="datetimeFigureOut">
               <a:rPr lang="en-US" smtClean="0"/>
               <a:pPr/>
-              <a:t>5/8/13</a:t>
+              <a:t>5/9/13</a:t>
             </a:fld>
             <a:endParaRPr lang="en-US"/>
           </a:p>
@@ -884,7 +884,7 @@
             <a:fld id="{D3C9DA85-F9B4-4C45-B8BF-8D4F75AD81D9}" type="datetimeFigureOut">
               <a:rPr lang="en-US" smtClean="0"/>
               <a:pPr/>
-              <a:t>5/8/13</a:t>
+              <a:t>5/9/13</a:t>
             </a:fld>
             <a:endParaRPr lang="en-US"/>
           </a:p>
@@ -1133,7 +1133,7 @@
             <a:fld id="{D3C9DA85-F9B4-4C45-B8BF-8D4F75AD81D9}" type="datetimeFigureOut">
               <a:rPr lang="en-US" smtClean="0"/>
               <a:pPr/>
-              <a:t>5/8/13</a:t>
+              <a:t>5/9/13</a:t>
             </a:fld>
             <a:endParaRPr lang="en-US"/>
           </a:p>
@@ -1609,7 +1609,7 @@
             <a:fld id="{D3C9DA85-F9B4-4C45-B8BF-8D4F75AD81D9}" type="datetimeFigureOut">
               <a:rPr lang="en-US" smtClean="0"/>
               <a:pPr/>
-              <a:t>5/8/13</a:t>
+              <a:t>5/9/13</a:t>
             </a:fld>
             <a:endParaRPr lang="en-US"/>
           </a:p>
@@ -2026,7 +2026,7 @@
             <a:fld id="{D3C9DA85-F9B4-4C45-B8BF-8D4F75AD81D9}" type="datetimeFigureOut">
               <a:rPr lang="en-US" smtClean="0"/>
               <a:pPr/>
-              <a:t>5/8/13</a:t>
+              <a:t>5/9/13</a:t>
             </a:fld>
             <a:endParaRPr lang="en-US"/>
           </a:p>
@@ -2159,7 +2159,7 @@
             <a:fld id="{D3C9DA85-F9B4-4C45-B8BF-8D4F75AD81D9}" type="datetimeFigureOut">
               <a:rPr lang="en-US" smtClean="0"/>
               <a:pPr/>
-              <a:t>5/8/13</a:t>
+              <a:t>5/9/13</a:t>
             </a:fld>
             <a:endParaRPr lang="en-US"/>
           </a:p>
@@ -2256,7 +2256,7 @@
             <a:fld id="{D3C9DA85-F9B4-4C45-B8BF-8D4F75AD81D9}" type="datetimeFigureOut">
               <a:rPr lang="en-US" smtClean="0"/>
               <a:pPr/>
-              <a:t>5/8/13</a:t>
+              <a:t>5/9/13</a:t>
             </a:fld>
             <a:endParaRPr lang="en-US"/>
           </a:p>
@@ -2536,7 +2536,7 @@
             <a:fld id="{D3C9DA85-F9B4-4C45-B8BF-8D4F75AD81D9}" type="datetimeFigureOut">
               <a:rPr lang="en-US" smtClean="0"/>
               <a:pPr/>
-              <a:t>5/8/13</a:t>
+              <a:t>5/9/13</a:t>
             </a:fld>
             <a:endParaRPr lang="en-US"/>
           </a:p>
@@ -2790,7 +2790,7 @@
             <a:fld id="{D3C9DA85-F9B4-4C45-B8BF-8D4F75AD81D9}" type="datetimeFigureOut">
               <a:rPr lang="en-US" smtClean="0"/>
               <a:pPr/>
-              <a:t>5/8/13</a:t>
+              <a:t>5/9/13</a:t>
             </a:fld>
             <a:endParaRPr lang="en-US"/>
           </a:p>
@@ -3164,7 +3164,7 @@
             <a:fld id="{D3C9DA85-F9B4-4C45-B8BF-8D4F75AD81D9}" type="datetimeFigureOut">
               <a:rPr lang="en-US" smtClean="0"/>
               <a:pPr/>
-              <a:t>5/8/13</a:t>
+              <a:t>5/9/13</a:t>
             </a:fld>
             <a:endParaRPr lang="en-US"/>
           </a:p>
@@ -3731,11 +3731,7 @@
           <a:p>
             <a:r>
               <a:rPr lang="en-US" dirty="0" smtClean="0"/>
-              <a:t>Include </a:t>
-            </a:r>
-            <a:r>
-              <a:rPr lang="en-US" dirty="0" smtClean="0"/>
-              <a:t>more travel service providers (such as Bolt Bus and MTA North)</a:t>
+              <a:t>Include more travel service providers (such as Bolt Bus and MTA North)</a:t>
             </a:r>
           </a:p>
           <a:p>
@@ -3834,11 +3830,7 @@
           <a:p>
             <a:r>
               <a:rPr lang="en-US" dirty="0" smtClean="0"/>
-              <a:t>Connect multiple modes of </a:t>
-            </a:r>
-            <a:r>
-              <a:rPr lang="en-US" dirty="0" smtClean="0"/>
-              <a:t>transportation to services routes that require at least one transfer</a:t>
+              <a:t>Connect multiple modes of transportation to services routes that require at least one transfer</a:t>
             </a:r>
             <a:endParaRPr lang="en-US" dirty="0"/>
           </a:p>
@@ -6490,8 +6482,8 @@
         </p:blipFill>
         <p:spPr>
           <a:xfrm>
-            <a:off x="184757" y="1767112"/>
-            <a:ext cx="4425343" cy="1626613"/>
+            <a:off x="184757" y="3588674"/>
+            <a:ext cx="3434743" cy="1262500"/>
           </a:xfrm>
           <a:prstGeom prst="rect">
             <a:avLst/>
@@ -6514,8 +6506,8 @@
         </p:blipFill>
         <p:spPr>
           <a:xfrm>
-            <a:off x="152400" y="4603750"/>
-            <a:ext cx="4457700" cy="1386101"/>
+            <a:off x="184757" y="5361959"/>
+            <a:ext cx="4038600" cy="1255784"/>
           </a:xfrm>
           <a:prstGeom prst="rect">
             <a:avLst/>
@@ -6538,8 +6530,8 @@
         </p:blipFill>
         <p:spPr>
           <a:xfrm>
-            <a:off x="5232400" y="267494"/>
-            <a:ext cx="3454400" cy="2349500"/>
+            <a:off x="5867400" y="267494"/>
+            <a:ext cx="3175000" cy="2159467"/>
           </a:xfrm>
           <a:prstGeom prst="rect">
             <a:avLst/>
@@ -6562,8 +6554,32 @@
         </p:blipFill>
         <p:spPr>
           <a:xfrm>
-            <a:off x="4844640" y="3393725"/>
-            <a:ext cx="3842160" cy="1600900"/>
+            <a:off x="5384800" y="5241910"/>
+            <a:ext cx="3302000" cy="1375833"/>
+          </a:xfrm>
+          <a:prstGeom prst="rect">
+            <a:avLst/>
+          </a:prstGeom>
+        </p:spPr>
+      </p:pic>
+      <p:pic>
+        <p:nvPicPr>
+          <p:cNvPr id="9" name="Picture 8"/>
+          <p:cNvPicPr>
+            <a:picLocks noChangeAspect="1"/>
+          </p:cNvPicPr>
+          <p:nvPr/>
+        </p:nvPicPr>
+        <p:blipFill>
+          <a:blip r:embed="rId6"/>
+          <a:stretch>
+            <a:fillRect/>
+          </a:stretch>
+        </p:blipFill>
+        <p:spPr>
+          <a:xfrm>
+            <a:off x="184757" y="1666526"/>
+            <a:ext cx="5238750" cy="1143594"/>
           </a:xfrm>
           <a:prstGeom prst="rect">
             <a:avLst/>

--- a/nightcrawlerDemo.pptx
+++ b/nightcrawlerDemo.pptx
@@ -4,17 +4,23 @@
   <p:sldMasterIdLst>
     <p:sldMasterId id="2147483660" r:id="rId1"/>
   </p:sldMasterIdLst>
+  <p:notesMasterIdLst>
+    <p:notesMasterId r:id="rId15"/>
+  </p:notesMasterIdLst>
   <p:sldIdLst>
     <p:sldId id="256" r:id="rId2"/>
-    <p:sldId id="262" r:id="rId3"/>
-    <p:sldId id="261" r:id="rId4"/>
-    <p:sldId id="265" r:id="rId5"/>
-    <p:sldId id="264" r:id="rId6"/>
-    <p:sldId id="263" r:id="rId7"/>
-    <p:sldId id="257" r:id="rId8"/>
-    <p:sldId id="258" r:id="rId9"/>
-    <p:sldId id="259" r:id="rId10"/>
-    <p:sldId id="260" r:id="rId11"/>
+    <p:sldId id="266" r:id="rId3"/>
+    <p:sldId id="262" r:id="rId4"/>
+    <p:sldId id="268" r:id="rId5"/>
+    <p:sldId id="261" r:id="rId6"/>
+    <p:sldId id="265" r:id="rId7"/>
+    <p:sldId id="264" r:id="rId8"/>
+    <p:sldId id="263" r:id="rId9"/>
+    <p:sldId id="257" r:id="rId10"/>
+    <p:sldId id="258" r:id="rId11"/>
+    <p:sldId id="259" r:id="rId12"/>
+    <p:sldId id="260" r:id="rId13"/>
+    <p:sldId id="267" r:id="rId14"/>
   </p:sldIdLst>
   <p:sldSz cx="9144000" cy="6858000" type="screen4x3"/>
   <p:notesSz cx="6858000" cy="9144000"/>
@@ -114,6 +120,500 @@
     </a:lvl9pPr>
   </p:defaultTextStyle>
 </p:presentation>
+</file>
+
+<file path=ppt/notesMasters/notesMaster1.xml><?xml version="1.0" encoding="utf-8"?>
+<p:notesMaster xmlns:a="http://schemas.openxmlformats.org/drawingml/2006/main" xmlns:r="http://schemas.openxmlformats.org/officeDocument/2006/relationships" xmlns:mc="http://schemas.openxmlformats.org/markup-compatibility/2006" xmlns:mv="urn:schemas-microsoft-com:mac:vml" xmlns:p="http://schemas.openxmlformats.org/presentationml/2006/main" mc:Ignorable="mv" mc:PreserveAttributes="mv:*">
+  <p:cSld>
+    <p:bg>
+      <p:bgRef idx="1001">
+        <a:schemeClr val="bg1"/>
+      </p:bgRef>
+    </p:bg>
+    <p:spTree>
+      <p:nvGrpSpPr>
+        <p:cNvPr id="1" name=""/>
+        <p:cNvGrpSpPr/>
+        <p:nvPr/>
+      </p:nvGrpSpPr>
+      <p:grpSpPr>
+        <a:xfrm>
+          <a:off x="0" y="0"/>
+          <a:ext cx="0" cy="0"/>
+          <a:chOff x="0" y="0"/>
+          <a:chExt cx="0" cy="0"/>
+        </a:xfrm>
+      </p:grpSpPr>
+      <p:sp>
+        <p:nvSpPr>
+          <p:cNvPr id="2" name="Header Placeholder 1"/>
+          <p:cNvSpPr>
+            <a:spLocks noGrp="1"/>
+          </p:cNvSpPr>
+          <p:nvPr>
+            <p:ph type="hdr" sz="quarter"/>
+          </p:nvPr>
+        </p:nvSpPr>
+        <p:spPr>
+          <a:xfrm>
+            <a:off x="0" y="0"/>
+            <a:ext cx="2971800" cy="457200"/>
+          </a:xfrm>
+          <a:prstGeom prst="rect">
+            <a:avLst/>
+          </a:prstGeom>
+        </p:spPr>
+        <p:txBody>
+          <a:bodyPr vert="horz" lIns="91440" tIns="45720" rIns="91440" bIns="45720" rtlCol="0"/>
+          <a:lstStyle>
+            <a:lvl1pPr algn="l">
+              <a:defRPr sz="1200"/>
+            </a:lvl1pPr>
+          </a:lstStyle>
+          <a:p>
+            <a:endParaRPr lang="en-US"/>
+          </a:p>
+        </p:txBody>
+      </p:sp>
+      <p:sp>
+        <p:nvSpPr>
+          <p:cNvPr id="3" name="Date Placeholder 2"/>
+          <p:cNvSpPr>
+            <a:spLocks noGrp="1"/>
+          </p:cNvSpPr>
+          <p:nvPr>
+            <p:ph type="dt" idx="1"/>
+          </p:nvPr>
+        </p:nvSpPr>
+        <p:spPr>
+          <a:xfrm>
+            <a:off x="3884613" y="0"/>
+            <a:ext cx="2971800" cy="457200"/>
+          </a:xfrm>
+          <a:prstGeom prst="rect">
+            <a:avLst/>
+          </a:prstGeom>
+        </p:spPr>
+        <p:txBody>
+          <a:bodyPr vert="horz" lIns="91440" tIns="45720" rIns="91440" bIns="45720" rtlCol="0"/>
+          <a:lstStyle>
+            <a:lvl1pPr algn="r">
+              <a:defRPr sz="1200"/>
+            </a:lvl1pPr>
+          </a:lstStyle>
+          <a:p>
+            <a:fld id="{5CD382FE-58AC-2D45-80B2-ABE2AF3A920D}" type="datetimeFigureOut">
+              <a:rPr lang="en-US" smtClean="0"/>
+              <a:t>5/9/13</a:t>
+            </a:fld>
+            <a:endParaRPr lang="en-US"/>
+          </a:p>
+        </p:txBody>
+      </p:sp>
+      <p:sp>
+        <p:nvSpPr>
+          <p:cNvPr id="4" name="Slide Image Placeholder 3"/>
+          <p:cNvSpPr>
+            <a:spLocks noGrp="1" noRot="1" noChangeAspect="1"/>
+          </p:cNvSpPr>
+          <p:nvPr>
+            <p:ph type="sldImg" idx="2"/>
+          </p:nvPr>
+        </p:nvSpPr>
+        <p:spPr>
+          <a:xfrm>
+            <a:off x="1143000" y="685800"/>
+            <a:ext cx="4572000" cy="3429000"/>
+          </a:xfrm>
+          <a:prstGeom prst="rect">
+            <a:avLst/>
+          </a:prstGeom>
+          <a:noFill/>
+          <a:ln w="12700">
+            <a:solidFill>
+              <a:prstClr val="black"/>
+            </a:solidFill>
+          </a:ln>
+        </p:spPr>
+        <p:txBody>
+          <a:bodyPr vert="horz" lIns="91440" tIns="45720" rIns="91440" bIns="45720" rtlCol="0" anchor="ctr"/>
+          <a:lstStyle/>
+          <a:p>
+            <a:endParaRPr lang="en-US"/>
+          </a:p>
+        </p:txBody>
+      </p:sp>
+      <p:sp>
+        <p:nvSpPr>
+          <p:cNvPr id="5" name="Notes Placeholder 4"/>
+          <p:cNvSpPr>
+            <a:spLocks noGrp="1"/>
+          </p:cNvSpPr>
+          <p:nvPr>
+            <p:ph type="body" sz="quarter" idx="3"/>
+          </p:nvPr>
+        </p:nvSpPr>
+        <p:spPr>
+          <a:xfrm>
+            <a:off x="685800" y="4343400"/>
+            <a:ext cx="5486400" cy="4114800"/>
+          </a:xfrm>
+          <a:prstGeom prst="rect">
+            <a:avLst/>
+          </a:prstGeom>
+        </p:spPr>
+        <p:txBody>
+          <a:bodyPr vert="horz" lIns="91440" tIns="45720" rIns="91440" bIns="45720" rtlCol="0">
+            <a:normAutofit/>
+          </a:bodyPr>
+          <a:lstStyle/>
+          <a:p>
+            <a:pPr lvl="0"/>
+            <a:r>
+              <a:rPr lang="en-US" smtClean="0"/>
+              <a:t>Click to edit Master text styles</a:t>
+            </a:r>
+          </a:p>
+          <a:p>
+            <a:pPr lvl="1"/>
+            <a:r>
+              <a:rPr lang="en-US" smtClean="0"/>
+              <a:t>Second level</a:t>
+            </a:r>
+          </a:p>
+          <a:p>
+            <a:pPr lvl="2"/>
+            <a:r>
+              <a:rPr lang="en-US" smtClean="0"/>
+              <a:t>Third level</a:t>
+            </a:r>
+          </a:p>
+          <a:p>
+            <a:pPr lvl="3"/>
+            <a:r>
+              <a:rPr lang="en-US" smtClean="0"/>
+              <a:t>Fourth level</a:t>
+            </a:r>
+          </a:p>
+          <a:p>
+            <a:pPr lvl="4"/>
+            <a:r>
+              <a:rPr lang="en-US" smtClean="0"/>
+              <a:t>Fifth level</a:t>
+            </a:r>
+            <a:endParaRPr lang="en-US"/>
+          </a:p>
+        </p:txBody>
+      </p:sp>
+      <p:sp>
+        <p:nvSpPr>
+          <p:cNvPr id="6" name="Footer Placeholder 5"/>
+          <p:cNvSpPr>
+            <a:spLocks noGrp="1"/>
+          </p:cNvSpPr>
+          <p:nvPr>
+            <p:ph type="ftr" sz="quarter" idx="4"/>
+          </p:nvPr>
+        </p:nvSpPr>
+        <p:spPr>
+          <a:xfrm>
+            <a:off x="0" y="8685213"/>
+            <a:ext cx="2971800" cy="457200"/>
+          </a:xfrm>
+          <a:prstGeom prst="rect">
+            <a:avLst/>
+          </a:prstGeom>
+        </p:spPr>
+        <p:txBody>
+          <a:bodyPr vert="horz" lIns="91440" tIns="45720" rIns="91440" bIns="45720" rtlCol="0" anchor="b"/>
+          <a:lstStyle>
+            <a:lvl1pPr algn="l">
+              <a:defRPr sz="1200"/>
+            </a:lvl1pPr>
+          </a:lstStyle>
+          <a:p>
+            <a:endParaRPr lang="en-US"/>
+          </a:p>
+        </p:txBody>
+      </p:sp>
+      <p:sp>
+        <p:nvSpPr>
+          <p:cNvPr id="7" name="Slide Number Placeholder 6"/>
+          <p:cNvSpPr>
+            <a:spLocks noGrp="1"/>
+          </p:cNvSpPr>
+          <p:nvPr>
+            <p:ph type="sldNum" sz="quarter" idx="5"/>
+          </p:nvPr>
+        </p:nvSpPr>
+        <p:spPr>
+          <a:xfrm>
+            <a:off x="3884613" y="8685213"/>
+            <a:ext cx="2971800" cy="457200"/>
+          </a:xfrm>
+          <a:prstGeom prst="rect">
+            <a:avLst/>
+          </a:prstGeom>
+        </p:spPr>
+        <p:txBody>
+          <a:bodyPr vert="horz" lIns="91440" tIns="45720" rIns="91440" bIns="45720" rtlCol="0" anchor="b"/>
+          <a:lstStyle>
+            <a:lvl1pPr algn="r">
+              <a:defRPr sz="1200"/>
+            </a:lvl1pPr>
+          </a:lstStyle>
+          <a:p>
+            <a:fld id="{A33A6D9F-24A0-4A44-B258-0B9A2DA21D88}" type="slidenum">
+              <a:rPr lang="en-US" smtClean="0"/>
+              <a:t>‹#›</a:t>
+            </a:fld>
+            <a:endParaRPr lang="en-US"/>
+          </a:p>
+        </p:txBody>
+      </p:sp>
+    </p:spTree>
+  </p:cSld>
+  <p:clrMap bg1="lt1" tx1="dk1" bg2="lt2" tx2="dk2" accent1="accent1" accent2="accent2" accent3="accent3" accent4="accent4" accent5="accent5" accent6="accent6" hlink="hlink" folHlink="folHlink"/>
+  <p:notesStyle>
+    <a:lvl1pPr marL="0" algn="l" defTabSz="457200" rtl="0" eaLnBrk="1" latinLnBrk="0" hangingPunct="1">
+      <a:defRPr sz="1200" kern="1200">
+        <a:solidFill>
+          <a:schemeClr val="tx1"/>
+        </a:solidFill>
+        <a:latin typeface="+mn-lt"/>
+        <a:ea typeface="+mn-ea"/>
+        <a:cs typeface="+mn-cs"/>
+      </a:defRPr>
+    </a:lvl1pPr>
+    <a:lvl2pPr marL="457200" algn="l" defTabSz="457200" rtl="0" eaLnBrk="1" latinLnBrk="0" hangingPunct="1">
+      <a:defRPr sz="1200" kern="1200">
+        <a:solidFill>
+          <a:schemeClr val="tx1"/>
+        </a:solidFill>
+        <a:latin typeface="+mn-lt"/>
+        <a:ea typeface="+mn-ea"/>
+        <a:cs typeface="+mn-cs"/>
+      </a:defRPr>
+    </a:lvl2pPr>
+    <a:lvl3pPr marL="914400" algn="l" defTabSz="457200" rtl="0" eaLnBrk="1" latinLnBrk="0" hangingPunct="1">
+      <a:defRPr sz="1200" kern="1200">
+        <a:solidFill>
+          <a:schemeClr val="tx1"/>
+        </a:solidFill>
+        <a:latin typeface="+mn-lt"/>
+        <a:ea typeface="+mn-ea"/>
+        <a:cs typeface="+mn-cs"/>
+      </a:defRPr>
+    </a:lvl3pPr>
+    <a:lvl4pPr marL="1371600" algn="l" defTabSz="457200" rtl="0" eaLnBrk="1" latinLnBrk="0" hangingPunct="1">
+      <a:defRPr sz="1200" kern="1200">
+        <a:solidFill>
+          <a:schemeClr val="tx1"/>
+        </a:solidFill>
+        <a:latin typeface="+mn-lt"/>
+        <a:ea typeface="+mn-ea"/>
+        <a:cs typeface="+mn-cs"/>
+      </a:defRPr>
+    </a:lvl4pPr>
+    <a:lvl5pPr marL="1828800" algn="l" defTabSz="457200" rtl="0" eaLnBrk="1" latinLnBrk="0" hangingPunct="1">
+      <a:defRPr sz="1200" kern="1200">
+        <a:solidFill>
+          <a:schemeClr val="tx1"/>
+        </a:solidFill>
+        <a:latin typeface="+mn-lt"/>
+        <a:ea typeface="+mn-ea"/>
+        <a:cs typeface="+mn-cs"/>
+      </a:defRPr>
+    </a:lvl5pPr>
+    <a:lvl6pPr marL="2286000" algn="l" defTabSz="457200" rtl="0" eaLnBrk="1" latinLnBrk="0" hangingPunct="1">
+      <a:defRPr sz="1200" kern="1200">
+        <a:solidFill>
+          <a:schemeClr val="tx1"/>
+        </a:solidFill>
+        <a:latin typeface="+mn-lt"/>
+        <a:ea typeface="+mn-ea"/>
+        <a:cs typeface="+mn-cs"/>
+      </a:defRPr>
+    </a:lvl6pPr>
+    <a:lvl7pPr marL="2743200" algn="l" defTabSz="457200" rtl="0" eaLnBrk="1" latinLnBrk="0" hangingPunct="1">
+      <a:defRPr sz="1200" kern="1200">
+        <a:solidFill>
+          <a:schemeClr val="tx1"/>
+        </a:solidFill>
+        <a:latin typeface="+mn-lt"/>
+        <a:ea typeface="+mn-ea"/>
+        <a:cs typeface="+mn-cs"/>
+      </a:defRPr>
+    </a:lvl7pPr>
+    <a:lvl8pPr marL="3200400" algn="l" defTabSz="457200" rtl="0" eaLnBrk="1" latinLnBrk="0" hangingPunct="1">
+      <a:defRPr sz="1200" kern="1200">
+        <a:solidFill>
+          <a:schemeClr val="tx1"/>
+        </a:solidFill>
+        <a:latin typeface="+mn-lt"/>
+        <a:ea typeface="+mn-ea"/>
+        <a:cs typeface="+mn-cs"/>
+      </a:defRPr>
+    </a:lvl8pPr>
+    <a:lvl9pPr marL="3657600" algn="l" defTabSz="457200" rtl="0" eaLnBrk="1" latinLnBrk="0" hangingPunct="1">
+      <a:defRPr sz="1200" kern="1200">
+        <a:solidFill>
+          <a:schemeClr val="tx1"/>
+        </a:solidFill>
+        <a:latin typeface="+mn-lt"/>
+        <a:ea typeface="+mn-ea"/>
+        <a:cs typeface="+mn-cs"/>
+      </a:defRPr>
+    </a:lvl9pPr>
+  </p:notesStyle>
+</p:notesMaster>
+</file>
+
+<file path=ppt/notesSlides/notesSlide1.xml><?xml version="1.0" encoding="utf-8"?>
+<p:notes xmlns:a="http://schemas.openxmlformats.org/drawingml/2006/main" xmlns:r="http://schemas.openxmlformats.org/officeDocument/2006/relationships" xmlns:mc="http://schemas.openxmlformats.org/markup-compatibility/2006" xmlns:mv="urn:schemas-microsoft-com:mac:vml" xmlns:p="http://schemas.openxmlformats.org/presentationml/2006/main" mc:Ignorable="mv" mc:PreserveAttributes="mv:*">
+  <p:cSld>
+    <p:spTree>
+      <p:nvGrpSpPr>
+        <p:cNvPr id="1" name=""/>
+        <p:cNvGrpSpPr/>
+        <p:nvPr/>
+      </p:nvGrpSpPr>
+      <p:grpSpPr>
+        <a:xfrm>
+          <a:off x="0" y="0"/>
+          <a:ext cx="0" cy="0"/>
+          <a:chOff x="0" y="0"/>
+          <a:chExt cx="0" cy="0"/>
+        </a:xfrm>
+      </p:grpSpPr>
+      <p:sp>
+        <p:nvSpPr>
+          <p:cNvPr id="2" name="Slide Image Placeholder 1"/>
+          <p:cNvSpPr>
+            <a:spLocks noGrp="1" noRot="1" noChangeAspect="1"/>
+          </p:cNvSpPr>
+          <p:nvPr>
+            <p:ph type="sldImg"/>
+          </p:nvPr>
+        </p:nvSpPr>
+        <p:spPr/>
+      </p:sp>
+      <p:sp>
+        <p:nvSpPr>
+          <p:cNvPr id="3" name="Notes Placeholder 2"/>
+          <p:cNvSpPr>
+            <a:spLocks noGrp="1"/>
+          </p:cNvSpPr>
+          <p:nvPr>
+            <p:ph type="body" idx="1"/>
+          </p:nvPr>
+        </p:nvSpPr>
+        <p:spPr/>
+        <p:txBody>
+          <a:bodyPr>
+            <a:normAutofit/>
+          </a:bodyPr>
+          <a:lstStyle/>
+          <a:p>
+            <a:r>
+              <a:rPr lang="en-US" dirty="0" smtClean="0"/>
+              <a:t>Drop</a:t>
+            </a:r>
+            <a:r>
+              <a:rPr lang="en-US" baseline="0" dirty="0" smtClean="0"/>
+              <a:t> down city menu – auto-complete</a:t>
+            </a:r>
+          </a:p>
+          <a:p>
+            <a:r>
+              <a:rPr lang="en-US" baseline="0" dirty="0" smtClean="0"/>
+              <a:t>Date calendar</a:t>
+            </a:r>
+          </a:p>
+          <a:p>
+            <a:r>
+              <a:rPr lang="en-US" baseline="0" dirty="0" smtClean="0"/>
+              <a:t>How you can put in a time or not</a:t>
+            </a:r>
+          </a:p>
+          <a:p>
+            <a:r>
+              <a:rPr lang="en-US" baseline="0" dirty="0" smtClean="0"/>
+              <a:t>Show different optimization mechanisms</a:t>
+            </a:r>
+          </a:p>
+          <a:p>
+            <a:r>
+              <a:rPr lang="en-US" baseline="0" dirty="0" smtClean="0"/>
+              <a:t>Show </a:t>
+            </a:r>
+            <a:r>
+              <a:rPr lang="en-US" baseline="0" dirty="0" err="1" smtClean="0"/>
+              <a:t>multileg</a:t>
+            </a:r>
+            <a:r>
+              <a:rPr lang="en-US" baseline="0" dirty="0" smtClean="0"/>
+              <a:t> and how it works</a:t>
+            </a:r>
+          </a:p>
+          <a:p>
+            <a:r>
+              <a:rPr lang="en-US" baseline="0" dirty="0" smtClean="0"/>
+              <a:t>Show link</a:t>
+            </a:r>
+          </a:p>
+          <a:p>
+            <a:r>
+              <a:rPr lang="en-US" baseline="0" dirty="0" smtClean="0"/>
+              <a:t>Show map</a:t>
+            </a:r>
+          </a:p>
+          <a:p>
+            <a:r>
+              <a:rPr lang="en-US" baseline="0" dirty="0" smtClean="0"/>
+              <a:t>Show overall price and elapsed time</a:t>
+            </a:r>
+          </a:p>
+          <a:p>
+            <a:endParaRPr lang="en-US" baseline="0" dirty="0" smtClean="0"/>
+          </a:p>
+          <a:p>
+            <a:endParaRPr lang="en-US" baseline="0" dirty="0" smtClean="0"/>
+          </a:p>
+          <a:p>
+            <a:endParaRPr lang="en-US" dirty="0"/>
+          </a:p>
+        </p:txBody>
+      </p:sp>
+      <p:sp>
+        <p:nvSpPr>
+          <p:cNvPr id="4" name="Slide Number Placeholder 3"/>
+          <p:cNvSpPr>
+            <a:spLocks noGrp="1"/>
+          </p:cNvSpPr>
+          <p:nvPr>
+            <p:ph type="sldNum" sz="quarter" idx="10"/>
+          </p:nvPr>
+        </p:nvSpPr>
+        <p:spPr/>
+        <p:txBody>
+          <a:bodyPr/>
+          <a:lstStyle/>
+          <a:p>
+            <a:fld id="{A33A6D9F-24A0-4A44-B258-0B9A2DA21D88}" type="slidenum">
+              <a:rPr lang="en-US" smtClean="0"/>
+              <a:t>8</a:t>
+            </a:fld>
+            <a:endParaRPr lang="en-US"/>
+          </a:p>
+        </p:txBody>
+      </p:sp>
+    </p:spTree>
+  </p:cSld>
+  <p:clrMapOvr>
+    <a:masterClrMapping/>
+  </p:clrMapOvr>
+</p:notes>
 </file>
 
 <file path=ppt/slideLayouts/slideLayout1.xml><?xml version="1.0" encoding="utf-8"?>
@@ -3671,6 +4171,16 @@
   <p:clrMapOvr>
     <a:masterClrMapping/>
   </p:clrMapOvr>
+  <p:transition>
+    <p:cover/>
+  </p:transition>
+  <p:timing>
+    <p:tnLst>
+      <p:par>
+        <p:cTn id="1" dur="indefinite" restart="never" nodeType="tmRoot"/>
+      </p:par>
+    </p:tnLst>
+  </p:timing>
 </p:sld>
 </file>
 
@@ -3708,20 +4218,289 @@
           <a:p>
             <a:r>
               <a:rPr lang="en-US" dirty="0" smtClean="0"/>
-              <a:t>Future Directions</a:t>
+              <a:t>Scraping</a:t>
             </a:r>
             <a:endParaRPr lang="en-US" dirty="0"/>
           </a:p>
         </p:txBody>
       </p:sp>
-      <p:sp>
-        <p:nvSpPr>
-          <p:cNvPr id="3" name="Content Placeholder 2"/>
-          <p:cNvSpPr>
-            <a:spLocks noGrp="1"/>
-          </p:cNvSpPr>
-          <p:nvPr>
-            <p:ph idx="1"/>
+      <p:pic>
+        <p:nvPicPr>
+          <p:cNvPr id="4" name="Picture 3"/>
+          <p:cNvPicPr>
+            <a:picLocks noChangeAspect="1"/>
+          </p:cNvPicPr>
+          <p:nvPr/>
+        </p:nvPicPr>
+        <p:blipFill>
+          <a:blip r:embed="rId2"/>
+          <a:stretch>
+            <a:fillRect/>
+          </a:stretch>
+        </p:blipFill>
+        <p:spPr>
+          <a:xfrm>
+            <a:off x="1243341" y="2894574"/>
+            <a:ext cx="4914900" cy="1651000"/>
+          </a:xfrm>
+          <a:prstGeom prst="rect">
+            <a:avLst/>
+          </a:prstGeom>
+        </p:spPr>
+      </p:pic>
+      <p:sp>
+        <p:nvSpPr>
+          <p:cNvPr id="5" name="TextBox 4"/>
+          <p:cNvSpPr txBox="1"/>
+          <p:nvPr/>
+        </p:nvSpPr>
+        <p:spPr>
+          <a:xfrm>
+            <a:off x="5005759" y="1299604"/>
+            <a:ext cx="3007941" cy="584776"/>
+          </a:xfrm>
+          <a:prstGeom prst="rect">
+            <a:avLst/>
+          </a:prstGeom>
+        </p:spPr>
+        <p:style>
+          <a:lnRef idx="1">
+            <a:schemeClr val="accent1"/>
+          </a:lnRef>
+          <a:fillRef idx="2">
+            <a:schemeClr val="accent1"/>
+          </a:fillRef>
+          <a:effectRef idx="1">
+            <a:schemeClr val="accent1"/>
+          </a:effectRef>
+          <a:fontRef idx="minor">
+            <a:schemeClr val="dk1"/>
+          </a:fontRef>
+        </p:style>
+        <p:txBody>
+          <a:bodyPr wrap="square" rtlCol="0">
+            <a:spAutoFit/>
+            <a:scene3d>
+              <a:camera prst="orthographicFront"/>
+              <a:lightRig rig="balanced" dir="t">
+                <a:rot lat="0" lon="0" rev="2100000"/>
+              </a:lightRig>
+            </a:scene3d>
+            <a:sp3d extrusionH="57150" prstMaterial="metal">
+              <a:bevelT w="38100" h="25400"/>
+              <a:contourClr>
+                <a:schemeClr val="bg2"/>
+              </a:contourClr>
+            </a:sp3d>
+          </a:bodyPr>
+          <a:lstStyle/>
+          <a:p>
+            <a:pPr algn="ctr"/>
+            <a:r>
+              <a:rPr lang="en-US" sz="3200" b="1" dirty="0" smtClean="0">
+                <a:ln w="50800"/>
+                <a:solidFill>
+                  <a:schemeClr val="bg1">
+                    <a:shade val="50000"/>
+                  </a:schemeClr>
+                </a:solidFill>
+              </a:rPr>
+              <a:t>POST Requests</a:t>
+            </a:r>
+            <a:endParaRPr lang="en-US" sz="3200" b="1" dirty="0">
+              <a:ln w="50800"/>
+              <a:solidFill>
+                <a:schemeClr val="bg1">
+                  <a:shade val="50000"/>
+                </a:schemeClr>
+              </a:solidFill>
+            </a:endParaRPr>
+          </a:p>
+        </p:txBody>
+      </p:sp>
+      <p:sp>
+        <p:nvSpPr>
+          <p:cNvPr id="10" name="TextBox 9"/>
+          <p:cNvSpPr txBox="1"/>
+          <p:nvPr/>
+        </p:nvSpPr>
+        <p:spPr>
+          <a:xfrm>
+            <a:off x="457200" y="5080273"/>
+            <a:ext cx="3007941" cy="584776"/>
+          </a:xfrm>
+          <a:prstGeom prst="rect">
+            <a:avLst/>
+          </a:prstGeom>
+        </p:spPr>
+        <p:style>
+          <a:lnRef idx="1">
+            <a:schemeClr val="accent1"/>
+          </a:lnRef>
+          <a:fillRef idx="2">
+            <a:schemeClr val="accent1"/>
+          </a:fillRef>
+          <a:effectRef idx="1">
+            <a:schemeClr val="accent1"/>
+          </a:effectRef>
+          <a:fontRef idx="minor">
+            <a:schemeClr val="dk1"/>
+          </a:fontRef>
+        </p:style>
+        <p:txBody>
+          <a:bodyPr wrap="square" rtlCol="0">
+            <a:spAutoFit/>
+            <a:scene3d>
+              <a:camera prst="orthographicFront"/>
+              <a:lightRig rig="balanced" dir="t">
+                <a:rot lat="0" lon="0" rev="2100000"/>
+              </a:lightRig>
+            </a:scene3d>
+            <a:sp3d extrusionH="57150" prstMaterial="metal">
+              <a:bevelT w="38100" h="25400"/>
+              <a:contourClr>
+                <a:schemeClr val="bg2"/>
+              </a:contourClr>
+            </a:sp3d>
+          </a:bodyPr>
+          <a:lstStyle/>
+          <a:p>
+            <a:pPr algn="ctr"/>
+            <a:r>
+              <a:rPr lang="en-US" sz="3200" b="1" dirty="0" smtClean="0">
+                <a:ln w="50800"/>
+                <a:solidFill>
+                  <a:schemeClr val="bg1">
+                    <a:shade val="50000"/>
+                  </a:schemeClr>
+                </a:solidFill>
+              </a:rPr>
+              <a:t>GET Requests</a:t>
+            </a:r>
+            <a:endParaRPr lang="en-US" sz="3200" b="1" dirty="0">
+              <a:ln w="50800"/>
+              <a:solidFill>
+                <a:schemeClr val="bg1">
+                  <a:shade val="50000"/>
+                </a:schemeClr>
+              </a:solidFill>
+            </a:endParaRPr>
+          </a:p>
+        </p:txBody>
+      </p:sp>
+      <p:sp>
+        <p:nvSpPr>
+          <p:cNvPr id="11" name="TextBox 10"/>
+          <p:cNvSpPr txBox="1"/>
+          <p:nvPr/>
+        </p:nvSpPr>
+        <p:spPr>
+          <a:xfrm>
+            <a:off x="4197070" y="5372661"/>
+            <a:ext cx="4489730" cy="584776"/>
+          </a:xfrm>
+          <a:prstGeom prst="rect">
+            <a:avLst/>
+          </a:prstGeom>
+        </p:spPr>
+        <p:style>
+          <a:lnRef idx="1">
+            <a:schemeClr val="accent1"/>
+          </a:lnRef>
+          <a:fillRef idx="2">
+            <a:schemeClr val="accent1"/>
+          </a:fillRef>
+          <a:effectRef idx="1">
+            <a:schemeClr val="accent1"/>
+          </a:effectRef>
+          <a:fontRef idx="minor">
+            <a:schemeClr val="dk1"/>
+          </a:fontRef>
+        </p:style>
+        <p:txBody>
+          <a:bodyPr wrap="square" rtlCol="0">
+            <a:spAutoFit/>
+            <a:scene3d>
+              <a:camera prst="orthographicFront"/>
+              <a:lightRig rig="balanced" dir="t">
+                <a:rot lat="0" lon="0" rev="2100000"/>
+              </a:lightRig>
+            </a:scene3d>
+            <a:sp3d extrusionH="57150" prstMaterial="metal">
+              <a:bevelT w="38100" h="25400"/>
+              <a:contourClr>
+                <a:schemeClr val="bg2"/>
+              </a:contourClr>
+            </a:sp3d>
+          </a:bodyPr>
+          <a:lstStyle/>
+          <a:p>
+            <a:pPr algn="ctr"/>
+            <a:r>
+              <a:rPr lang="en-US" sz="3200" b="1" dirty="0" smtClean="0">
+                <a:ln w="50800"/>
+                <a:solidFill>
+                  <a:schemeClr val="bg1">
+                    <a:shade val="50000"/>
+                  </a:schemeClr>
+                </a:solidFill>
+              </a:rPr>
+              <a:t>Regular Expressions</a:t>
+            </a:r>
+            <a:endParaRPr lang="en-US" sz="3200" b="1" dirty="0">
+              <a:ln w="50800"/>
+              <a:solidFill>
+                <a:schemeClr val="bg1">
+                  <a:shade val="50000"/>
+                </a:schemeClr>
+              </a:solidFill>
+            </a:endParaRPr>
+          </a:p>
+        </p:txBody>
+      </p:sp>
+    </p:spTree>
+  </p:cSld>
+  <p:clrMapOvr>
+    <a:masterClrMapping/>
+  </p:clrMapOvr>
+  <p:transition>
+    <p:cover/>
+  </p:transition>
+  <p:timing>
+    <p:tnLst>
+      <p:par>
+        <p:cTn id="1" dur="indefinite" restart="never" nodeType="tmRoot"/>
+      </p:par>
+    </p:tnLst>
+  </p:timing>
+</p:sld>
+</file>
+
+<file path=ppt/slides/slide11.xml><?xml version="1.0" encoding="utf-8"?>
+<p:sld xmlns:a="http://schemas.openxmlformats.org/drawingml/2006/main" xmlns:r="http://schemas.openxmlformats.org/officeDocument/2006/relationships" xmlns:mc="http://schemas.openxmlformats.org/markup-compatibility/2006" xmlns:mv="urn:schemas-microsoft-com:mac:vml" xmlns:p="http://schemas.openxmlformats.org/presentationml/2006/main" mc:Ignorable="mv" mc:PreserveAttributes="mv:*">
+  <p:cSld>
+    <p:spTree>
+      <p:nvGrpSpPr>
+        <p:cNvPr id="1" name=""/>
+        <p:cNvGrpSpPr/>
+        <p:nvPr/>
+      </p:nvGrpSpPr>
+      <p:grpSpPr>
+        <a:xfrm>
+          <a:off x="0" y="0"/>
+          <a:ext cx="0" cy="0"/>
+          <a:chOff x="0" y="0"/>
+          <a:chExt cx="0" cy="0"/>
+        </a:xfrm>
+      </p:grpSpPr>
+      <p:sp>
+        <p:nvSpPr>
+          <p:cNvPr id="2" name="Title 1"/>
+          <p:cNvSpPr>
+            <a:spLocks noGrp="1"/>
+          </p:cNvSpPr>
+          <p:nvPr>
+            <p:ph type="title"/>
           </p:nvPr>
         </p:nvSpPr>
         <p:spPr/>
@@ -3731,6 +4510,207 @@
           <a:p>
             <a:r>
               <a:rPr lang="en-US" dirty="0" smtClean="0"/>
+              <a:t>Front-end</a:t>
+            </a:r>
+            <a:endParaRPr lang="en-US" dirty="0"/>
+          </a:p>
+        </p:txBody>
+      </p:sp>
+      <p:pic>
+        <p:nvPicPr>
+          <p:cNvPr id="4" name="Picture 3"/>
+          <p:cNvPicPr>
+            <a:picLocks noChangeAspect="1"/>
+          </p:cNvPicPr>
+          <p:nvPr/>
+        </p:nvPicPr>
+        <p:blipFill>
+          <a:blip r:embed="rId2"/>
+          <a:stretch>
+            <a:fillRect/>
+          </a:stretch>
+        </p:blipFill>
+        <p:spPr>
+          <a:xfrm>
+            <a:off x="235706" y="1791374"/>
+            <a:ext cx="4371118" cy="1602351"/>
+          </a:xfrm>
+          <a:prstGeom prst="rect">
+            <a:avLst/>
+          </a:prstGeom>
+        </p:spPr>
+      </p:pic>
+      <p:pic>
+        <p:nvPicPr>
+          <p:cNvPr id="5" name="Picture 4"/>
+          <p:cNvPicPr>
+            <a:picLocks noChangeAspect="1"/>
+          </p:cNvPicPr>
+          <p:nvPr/>
+        </p:nvPicPr>
+        <p:blipFill>
+          <a:blip r:embed="rId3"/>
+          <a:stretch>
+            <a:fillRect/>
+          </a:stretch>
+        </p:blipFill>
+        <p:spPr>
+          <a:xfrm>
+            <a:off x="796824" y="4420472"/>
+            <a:ext cx="3432276" cy="1922075"/>
+          </a:xfrm>
+          <a:prstGeom prst="rect">
+            <a:avLst/>
+          </a:prstGeom>
+        </p:spPr>
+      </p:pic>
+      <p:pic>
+        <p:nvPicPr>
+          <p:cNvPr id="6" name="Picture 5"/>
+          <p:cNvPicPr>
+            <a:picLocks noChangeAspect="1"/>
+          </p:cNvPicPr>
+          <p:nvPr/>
+        </p:nvPicPr>
+        <p:blipFill>
+          <a:blip r:embed="rId4"/>
+          <a:stretch>
+            <a:fillRect/>
+          </a:stretch>
+        </p:blipFill>
+        <p:spPr>
+          <a:xfrm>
+            <a:off x="6202096" y="421926"/>
+            <a:ext cx="2484703" cy="2029174"/>
+          </a:xfrm>
+          <a:prstGeom prst="rect">
+            <a:avLst/>
+          </a:prstGeom>
+        </p:spPr>
+      </p:pic>
+      <p:pic>
+        <p:nvPicPr>
+          <p:cNvPr id="7" name="Picture 6"/>
+          <p:cNvPicPr>
+            <a:picLocks noChangeAspect="1"/>
+          </p:cNvPicPr>
+          <p:nvPr/>
+        </p:nvPicPr>
+        <p:blipFill>
+          <a:blip r:embed="rId5"/>
+          <a:stretch>
+            <a:fillRect/>
+          </a:stretch>
+        </p:blipFill>
+        <p:spPr>
+          <a:xfrm>
+            <a:off x="5638800" y="2693272"/>
+            <a:ext cx="2095500" cy="1727200"/>
+          </a:xfrm>
+          <a:prstGeom prst="rect">
+            <a:avLst/>
+          </a:prstGeom>
+        </p:spPr>
+      </p:pic>
+      <p:pic>
+        <p:nvPicPr>
+          <p:cNvPr id="8" name="Picture 7"/>
+          <p:cNvPicPr>
+            <a:picLocks noChangeAspect="1"/>
+          </p:cNvPicPr>
+          <p:nvPr/>
+        </p:nvPicPr>
+        <p:blipFill>
+          <a:blip r:embed="rId6"/>
+          <a:stretch>
+            <a:fillRect/>
+          </a:stretch>
+        </p:blipFill>
+        <p:spPr>
+          <a:xfrm>
+            <a:off x="5895006" y="4703678"/>
+            <a:ext cx="2791794" cy="1638869"/>
+          </a:xfrm>
+          <a:prstGeom prst="rect">
+            <a:avLst/>
+          </a:prstGeom>
+        </p:spPr>
+      </p:pic>
+    </p:spTree>
+  </p:cSld>
+  <p:clrMapOvr>
+    <a:masterClrMapping/>
+  </p:clrMapOvr>
+  <p:transition>
+    <p:cover/>
+  </p:transition>
+  <p:timing>
+    <p:tnLst>
+      <p:par>
+        <p:cTn id="1" dur="indefinite" restart="never" nodeType="tmRoot"/>
+      </p:par>
+    </p:tnLst>
+  </p:timing>
+</p:sld>
+</file>
+
+<file path=ppt/slides/slide12.xml><?xml version="1.0" encoding="utf-8"?>
+<p:sld xmlns:a="http://schemas.openxmlformats.org/drawingml/2006/main" xmlns:r="http://schemas.openxmlformats.org/officeDocument/2006/relationships" xmlns:mc="http://schemas.openxmlformats.org/markup-compatibility/2006" xmlns:mv="urn:schemas-microsoft-com:mac:vml" xmlns:p="http://schemas.openxmlformats.org/presentationml/2006/main" mc:Ignorable="mv" mc:PreserveAttributes="mv:*">
+  <p:cSld>
+    <p:spTree>
+      <p:nvGrpSpPr>
+        <p:cNvPr id="1" name=""/>
+        <p:cNvGrpSpPr/>
+        <p:nvPr/>
+      </p:nvGrpSpPr>
+      <p:grpSpPr>
+        <a:xfrm>
+          <a:off x="0" y="0"/>
+          <a:ext cx="0" cy="0"/>
+          <a:chOff x="0" y="0"/>
+          <a:chExt cx="0" cy="0"/>
+        </a:xfrm>
+      </p:grpSpPr>
+      <p:sp>
+        <p:nvSpPr>
+          <p:cNvPr id="2" name="Title 1"/>
+          <p:cNvSpPr>
+            <a:spLocks noGrp="1"/>
+          </p:cNvSpPr>
+          <p:nvPr>
+            <p:ph type="title"/>
+          </p:nvPr>
+        </p:nvSpPr>
+        <p:spPr/>
+        <p:txBody>
+          <a:bodyPr/>
+          <a:lstStyle/>
+          <a:p>
+            <a:r>
+              <a:rPr lang="en-US" dirty="0" smtClean="0"/>
+              <a:t>Future Directions</a:t>
+            </a:r>
+            <a:endParaRPr lang="en-US" dirty="0"/>
+          </a:p>
+        </p:txBody>
+      </p:sp>
+      <p:sp>
+        <p:nvSpPr>
+          <p:cNvPr id="3" name="Content Placeholder 2"/>
+          <p:cNvSpPr>
+            <a:spLocks noGrp="1"/>
+          </p:cNvSpPr>
+          <p:nvPr>
+            <p:ph idx="1"/>
+          </p:nvPr>
+        </p:nvSpPr>
+        <p:spPr/>
+        <p:txBody>
+          <a:bodyPr/>
+          <a:lstStyle/>
+          <a:p>
+            <a:r>
+              <a:rPr lang="en-US" dirty="0" smtClean="0"/>
               <a:t>Include more travel service providers (such as Bolt Bus and MTA North)</a:t>
             </a:r>
           </a:p>
@@ -3745,6 +4725,101 @@
               <a:rPr lang="en-US" dirty="0" smtClean="0"/>
               <a:t>Expand to other regions of the country</a:t>
             </a:r>
+            <a:endParaRPr lang="en-US" dirty="0"/>
+          </a:p>
+        </p:txBody>
+      </p:sp>
+    </p:spTree>
+  </p:cSld>
+  <p:clrMapOvr>
+    <a:masterClrMapping/>
+  </p:clrMapOvr>
+  <p:transition>
+    <p:cover/>
+  </p:transition>
+  <p:timing>
+    <p:tnLst>
+      <p:par>
+        <p:cTn id="1" dur="indefinite" restart="never" nodeType="tmRoot"/>
+      </p:par>
+    </p:tnLst>
+  </p:timing>
+</p:sld>
+</file>
+
+<file path=ppt/slides/slide13.xml><?xml version="1.0" encoding="utf-8"?>
+<p:sld xmlns:a="http://schemas.openxmlformats.org/drawingml/2006/main" xmlns:r="http://schemas.openxmlformats.org/officeDocument/2006/relationships" xmlns:mc="http://schemas.openxmlformats.org/markup-compatibility/2006" xmlns:mv="urn:schemas-microsoft-com:mac:vml" xmlns:p="http://schemas.openxmlformats.org/presentationml/2006/main" mc:Ignorable="mv" mc:PreserveAttributes="mv:*">
+  <p:cSld>
+    <p:spTree>
+      <p:nvGrpSpPr>
+        <p:cNvPr id="1" name=""/>
+        <p:cNvGrpSpPr/>
+        <p:nvPr/>
+      </p:nvGrpSpPr>
+      <p:grpSpPr>
+        <a:xfrm>
+          <a:off x="0" y="0"/>
+          <a:ext cx="0" cy="0"/>
+          <a:chOff x="0" y="0"/>
+          <a:chExt cx="0" cy="0"/>
+        </a:xfrm>
+      </p:grpSpPr>
+      <p:sp>
+        <p:nvSpPr>
+          <p:cNvPr id="2" name="Title 1"/>
+          <p:cNvSpPr>
+            <a:spLocks noGrp="1"/>
+          </p:cNvSpPr>
+          <p:nvPr>
+            <p:ph type="title"/>
+          </p:nvPr>
+        </p:nvSpPr>
+        <p:spPr/>
+        <p:txBody>
+          <a:bodyPr/>
+          <a:lstStyle/>
+          <a:p>
+            <a:r>
+              <a:rPr lang="en-US" dirty="0" smtClean="0"/>
+              <a:t>Challenges</a:t>
+            </a:r>
+            <a:endParaRPr lang="en-US" dirty="0"/>
+          </a:p>
+        </p:txBody>
+      </p:sp>
+      <p:sp>
+        <p:nvSpPr>
+          <p:cNvPr id="3" name="Content Placeholder 2"/>
+          <p:cNvSpPr>
+            <a:spLocks noGrp="1"/>
+          </p:cNvSpPr>
+          <p:nvPr>
+            <p:ph idx="1"/>
+          </p:nvPr>
+        </p:nvSpPr>
+        <p:spPr/>
+        <p:txBody>
+          <a:bodyPr/>
+          <a:lstStyle/>
+          <a:p>
+            <a:r>
+              <a:rPr lang="en-US" dirty="0" smtClean="0"/>
+              <a:t>Beautiful Soup</a:t>
+            </a:r>
+          </a:p>
+          <a:p>
+            <a:r>
+              <a:rPr lang="en-US" dirty="0" smtClean="0"/>
+              <a:t>AWS Deployment</a:t>
+            </a:r>
+          </a:p>
+          <a:p>
+            <a:r>
+              <a:rPr lang="en-US" dirty="0" smtClean="0"/>
+              <a:t>Message passing between front end and back end</a:t>
+            </a:r>
+          </a:p>
+          <a:p>
             <a:endParaRPr lang="en-US" dirty="0"/>
           </a:p>
         </p:txBody>
@@ -3784,53 +4859,14 @@
             <p:ph type="title"/>
           </p:nvPr>
         </p:nvSpPr>
-        <p:spPr>
-          <a:xfrm>
-            <a:off x="457200" y="99568"/>
-            <a:ext cx="8229600" cy="1399032"/>
-          </a:xfrm>
-        </p:spPr>
+        <p:spPr/>
         <p:txBody>
           <a:bodyPr/>
           <a:lstStyle/>
           <a:p>
             <a:r>
               <a:rPr lang="en-US" dirty="0" smtClean="0"/>
-              <a:t>Purpose</a:t>
-            </a:r>
-            <a:endParaRPr lang="en-US" dirty="0"/>
-          </a:p>
-        </p:txBody>
-      </p:sp>
-      <p:sp>
-        <p:nvSpPr>
-          <p:cNvPr id="3" name="Content Placeholder 2"/>
-          <p:cNvSpPr>
-            <a:spLocks noGrp="1"/>
-          </p:cNvSpPr>
-          <p:nvPr>
-            <p:ph idx="1"/>
-          </p:nvPr>
-        </p:nvSpPr>
-        <p:spPr>
-          <a:xfrm>
-            <a:off x="457200" y="1206500"/>
-            <a:ext cx="8229600" cy="3022600"/>
-          </a:xfrm>
-        </p:spPr>
-        <p:txBody>
-          <a:bodyPr/>
-          <a:lstStyle/>
-          <a:p>
-            <a:r>
-              <a:rPr lang="en-US" dirty="0" smtClean="0"/>
-              <a:t>Compare across modes of transportation to find you the cheapest of fastest routes!</a:t>
-            </a:r>
-          </a:p>
-          <a:p>
-            <a:r>
-              <a:rPr lang="en-US" dirty="0" smtClean="0"/>
-              <a:t>Connect multiple modes of transportation to services routes that require at least one transfer</a:t>
+              <a:t>Our Logo</a:t>
             </a:r>
             <a:endParaRPr lang="en-US" dirty="0"/>
           </a:p>
@@ -3838,7 +4874,7 @@
       </p:sp>
       <p:pic>
         <p:nvPicPr>
-          <p:cNvPr id="5" name="Picture 4"/>
+          <p:cNvPr id="4" name="Picture 3"/>
           <p:cNvPicPr>
             <a:picLocks noChangeAspect="1"/>
           </p:cNvPicPr>
@@ -3852,8 +4888,32 @@
         </p:blipFill>
         <p:spPr>
           <a:xfrm>
-            <a:off x="6146800" y="4229100"/>
-            <a:ext cx="2540000" cy="2286000"/>
+            <a:off x="807308" y="2489200"/>
+            <a:ext cx="1705123" cy="1879600"/>
+          </a:xfrm>
+          <a:prstGeom prst="rect">
+            <a:avLst/>
+          </a:prstGeom>
+        </p:spPr>
+      </p:pic>
+      <p:pic>
+        <p:nvPicPr>
+          <p:cNvPr id="6" name="Picture 5"/>
+          <p:cNvPicPr>
+            <a:picLocks noChangeAspect="1"/>
+          </p:cNvPicPr>
+          <p:nvPr/>
+        </p:nvPicPr>
+        <p:blipFill>
+          <a:blip r:embed="rId3"/>
+          <a:stretch>
+            <a:fillRect/>
+          </a:stretch>
+        </p:blipFill>
+        <p:spPr>
+          <a:xfrm>
+            <a:off x="2335236" y="2489200"/>
+            <a:ext cx="6629400" cy="1879600"/>
           </a:xfrm>
           <a:prstGeom prst="rect">
             <a:avLst/>
@@ -3865,6 +4925,16 @@
   <p:clrMapOvr>
     <a:masterClrMapping/>
   </p:clrMapOvr>
+  <p:transition>
+    <p:cover/>
+  </p:transition>
+  <p:timing>
+    <p:tnLst>
+      <p:par>
+        <p:cTn id="1" dur="indefinite" restart="never" nodeType="tmRoot"/>
+      </p:par>
+    </p:tnLst>
+  </p:timing>
 </p:sld>
 </file>
 
@@ -3895,16 +4965,76 @@
             <p:ph type="title"/>
           </p:nvPr>
         </p:nvSpPr>
-        <p:spPr/>
+        <p:spPr>
+          <a:xfrm>
+            <a:off x="457200" y="799084"/>
+            <a:ext cx="8229600" cy="1399032"/>
+          </a:xfrm>
+        </p:spPr>
         <p:txBody>
           <a:bodyPr/>
           <a:lstStyle/>
           <a:p>
             <a:r>
               <a:rPr lang="en-US" dirty="0" smtClean="0"/>
-              <a:t>Travel Providers</a:t>
+              <a:t>Purpose</a:t>
             </a:r>
             <a:endParaRPr lang="en-US" dirty="0"/>
+          </a:p>
+        </p:txBody>
+      </p:sp>
+      <p:sp>
+        <p:nvSpPr>
+          <p:cNvPr id="3" name="Content Placeholder 2"/>
+          <p:cNvSpPr>
+            <a:spLocks noGrp="1"/>
+          </p:cNvSpPr>
+          <p:nvPr>
+            <p:ph idx="1"/>
+          </p:nvPr>
+        </p:nvSpPr>
+        <p:spPr>
+          <a:xfrm>
+            <a:off x="457200" y="2717800"/>
+            <a:ext cx="8229600" cy="3529164"/>
+          </a:xfrm>
+        </p:spPr>
+        <p:txBody>
+          <a:bodyPr>
+            <a:normAutofit/>
+          </a:bodyPr>
+          <a:lstStyle/>
+          <a:p>
+            <a:r>
+              <a:rPr lang="en-US" dirty="0" smtClean="0"/>
+              <a:t>Compare across modes of transportation to find you the cheapest</a:t>
+            </a:r>
+            <a:r>
+              <a:rPr lang="en-US" dirty="0" smtClean="0"/>
+              <a:t> </a:t>
+            </a:r>
+            <a:r>
+              <a:rPr lang="en-US" dirty="0" smtClean="0"/>
+              <a:t>and</a:t>
+            </a:r>
+            <a:r>
+              <a:rPr lang="en-US" dirty="0" smtClean="0"/>
+              <a:t> </a:t>
+            </a:r>
+            <a:r>
+              <a:rPr lang="en-US" dirty="0" smtClean="0"/>
+              <a:t>fastest routes!</a:t>
+            </a:r>
+          </a:p>
+          <a:p>
+            <a:r>
+              <a:rPr lang="en-US" dirty="0" smtClean="0"/>
+              <a:t>Connect multiple modes of transportation to services routes that require at least one </a:t>
+            </a:r>
+            <a:r>
+              <a:rPr lang="en-US" dirty="0" smtClean="0"/>
+              <a:t>transfer across modes of transportation</a:t>
+            </a:r>
           </a:p>
         </p:txBody>
       </p:sp>
@@ -3924,248 +5054,8 @@
         </p:blipFill>
         <p:spPr>
           <a:xfrm>
-            <a:off x="248357" y="1666526"/>
-            <a:ext cx="3976452" cy="1656855"/>
-          </a:xfrm>
-          <a:prstGeom prst="rect">
-            <a:avLst/>
-          </a:prstGeom>
-        </p:spPr>
-      </p:pic>
-      <p:pic>
-        <p:nvPicPr>
-          <p:cNvPr id="6" name="Picture 5"/>
-          <p:cNvPicPr>
-            <a:picLocks noChangeAspect="1"/>
-          </p:cNvPicPr>
-          <p:nvPr/>
-        </p:nvPicPr>
-        <p:blipFill>
-          <a:blip r:embed="rId3"/>
-          <a:stretch>
-            <a:fillRect/>
-          </a:stretch>
-        </p:blipFill>
-        <p:spPr>
-          <a:xfrm>
-            <a:off x="248357" y="5648266"/>
-            <a:ext cx="4092920" cy="1002901"/>
-          </a:xfrm>
-          <a:prstGeom prst="rect">
-            <a:avLst/>
-          </a:prstGeom>
-        </p:spPr>
-      </p:pic>
-      <p:pic>
-        <p:nvPicPr>
-          <p:cNvPr id="7" name="Picture 6"/>
-          <p:cNvPicPr>
-            <a:picLocks noChangeAspect="1"/>
-          </p:cNvPicPr>
-          <p:nvPr/>
-        </p:nvPicPr>
-        <p:blipFill>
-          <a:blip r:embed="rId4"/>
-          <a:stretch>
-            <a:fillRect/>
-          </a:stretch>
-        </p:blipFill>
-        <p:spPr>
-          <a:xfrm>
-            <a:off x="286457" y="3951670"/>
-            <a:ext cx="4054820" cy="1009200"/>
-          </a:xfrm>
-          <a:prstGeom prst="rect">
-            <a:avLst/>
-          </a:prstGeom>
-        </p:spPr>
-      </p:pic>
-      <p:pic>
-        <p:nvPicPr>
-          <p:cNvPr id="8" name="Picture 7"/>
-          <p:cNvPicPr>
-            <a:picLocks noChangeAspect="1"/>
-          </p:cNvPicPr>
-          <p:nvPr/>
-        </p:nvPicPr>
-        <p:blipFill>
-          <a:blip r:embed="rId5"/>
-          <a:stretch>
-            <a:fillRect/>
-          </a:stretch>
-        </p:blipFill>
-        <p:spPr>
-          <a:xfrm>
-            <a:off x="5429063" y="267494"/>
-            <a:ext cx="3665721" cy="1250545"/>
-          </a:xfrm>
-          <a:prstGeom prst="rect">
-            <a:avLst/>
-          </a:prstGeom>
-        </p:spPr>
-      </p:pic>
-      <p:pic>
-        <p:nvPicPr>
-          <p:cNvPr id="9" name="Picture 8"/>
-          <p:cNvPicPr>
-            <a:picLocks noChangeAspect="1"/>
-          </p:cNvPicPr>
-          <p:nvPr/>
-        </p:nvPicPr>
-        <p:blipFill>
-          <a:blip r:embed="rId6"/>
-          <a:stretch>
-            <a:fillRect/>
-          </a:stretch>
-        </p:blipFill>
-        <p:spPr>
-          <a:xfrm>
-            <a:off x="5067274" y="4370713"/>
-            <a:ext cx="1250699" cy="1180313"/>
-          </a:xfrm>
-          <a:prstGeom prst="rect">
-            <a:avLst/>
-          </a:prstGeom>
-        </p:spPr>
-      </p:pic>
-      <p:pic>
-        <p:nvPicPr>
-          <p:cNvPr id="10" name="Picture 9"/>
-          <p:cNvPicPr>
-            <a:picLocks noChangeAspect="1"/>
-          </p:cNvPicPr>
-          <p:nvPr/>
-        </p:nvPicPr>
-        <p:blipFill>
-          <a:blip r:embed="rId7"/>
-          <a:stretch>
-            <a:fillRect/>
-          </a:stretch>
-        </p:blipFill>
-        <p:spPr>
-          <a:xfrm>
-            <a:off x="6409777" y="4370713"/>
-            <a:ext cx="2685007" cy="897303"/>
-          </a:xfrm>
-          <a:prstGeom prst="rect">
-            <a:avLst/>
-          </a:prstGeom>
-        </p:spPr>
-      </p:pic>
-      <p:pic>
-        <p:nvPicPr>
-          <p:cNvPr id="11" name="Picture 10"/>
-          <p:cNvPicPr>
-            <a:picLocks noChangeAspect="1"/>
-          </p:cNvPicPr>
-          <p:nvPr/>
-        </p:nvPicPr>
-        <p:blipFill>
-          <a:blip r:embed="rId8"/>
-          <a:stretch>
-            <a:fillRect/>
-          </a:stretch>
-        </p:blipFill>
-        <p:spPr>
-          <a:xfrm>
-            <a:off x="6020100" y="1796423"/>
-            <a:ext cx="2412636" cy="914681"/>
-          </a:xfrm>
-          <a:prstGeom prst="rect">
-            <a:avLst/>
-          </a:prstGeom>
-        </p:spPr>
-      </p:pic>
-      <p:pic>
-        <p:nvPicPr>
-          <p:cNvPr id="12" name="Picture 11"/>
-          <p:cNvPicPr>
-            <a:picLocks noChangeAspect="1"/>
-          </p:cNvPicPr>
-          <p:nvPr/>
-        </p:nvPicPr>
-        <p:blipFill>
-          <a:blip r:embed="rId9"/>
-          <a:stretch>
-            <a:fillRect/>
-          </a:stretch>
-        </p:blipFill>
-        <p:spPr>
-          <a:xfrm>
-            <a:off x="7226418" y="3011157"/>
-            <a:ext cx="1573751" cy="1180313"/>
-          </a:xfrm>
-          <a:prstGeom prst="rect">
-            <a:avLst/>
-          </a:prstGeom>
-        </p:spPr>
-      </p:pic>
-      <p:pic>
-        <p:nvPicPr>
-          <p:cNvPr id="13" name="Picture 12"/>
-          <p:cNvPicPr>
-            <a:picLocks noChangeAspect="1"/>
-          </p:cNvPicPr>
-          <p:nvPr/>
-        </p:nvPicPr>
-        <p:blipFill>
-          <a:blip r:embed="rId10"/>
-          <a:stretch>
-            <a:fillRect/>
-          </a:stretch>
-        </p:blipFill>
-        <p:spPr>
-          <a:xfrm>
-            <a:off x="4743332" y="5943319"/>
-            <a:ext cx="2451197" cy="760297"/>
-          </a:xfrm>
-          <a:prstGeom prst="rect">
-            <a:avLst/>
-          </a:prstGeom>
-        </p:spPr>
-      </p:pic>
-      <p:pic>
-        <p:nvPicPr>
-          <p:cNvPr id="14" name="Picture 13"/>
-          <p:cNvPicPr>
-            <a:picLocks noChangeAspect="1"/>
-          </p:cNvPicPr>
-          <p:nvPr/>
-        </p:nvPicPr>
-        <p:blipFill>
-          <a:blip r:embed="rId11"/>
-          <a:stretch>
-            <a:fillRect/>
-          </a:stretch>
-        </p:blipFill>
-        <p:spPr>
-          <a:xfrm>
-            <a:off x="5067274" y="2921448"/>
-            <a:ext cx="1600226" cy="1270021"/>
-          </a:xfrm>
-          <a:prstGeom prst="rect">
-            <a:avLst/>
-          </a:prstGeom>
-        </p:spPr>
-      </p:pic>
-      <p:pic>
-        <p:nvPicPr>
-          <p:cNvPr id="15" name="Picture 14"/>
-          <p:cNvPicPr>
-            <a:picLocks noChangeAspect="1"/>
-          </p:cNvPicPr>
-          <p:nvPr/>
-        </p:nvPicPr>
-        <p:blipFill>
-          <a:blip r:embed="rId12"/>
-          <a:stretch>
-            <a:fillRect/>
-          </a:stretch>
-        </p:blipFill>
-        <p:spPr>
-          <a:xfrm>
-            <a:off x="7354884" y="5545791"/>
-            <a:ext cx="1739900" cy="1157825"/>
+            <a:off x="6146800" y="355600"/>
+            <a:ext cx="2540000" cy="2286000"/>
           </a:xfrm>
           <a:prstGeom prst="rect">
             <a:avLst/>
@@ -4177,6 +5067,16 @@
   <p:clrMapOvr>
     <a:masterClrMapping/>
   </p:clrMapOvr>
+  <p:transition>
+    <p:cover/>
+  </p:transition>
+  <p:timing>
+    <p:tnLst>
+      <p:par>
+        <p:cTn id="1" dur="indefinite" restart="never" nodeType="tmRoot"/>
+      </p:par>
+    </p:tnLst>
+  </p:timing>
 </p:sld>
 </file>
 
@@ -4207,6 +5107,410 @@
             <p:ph type="title"/>
           </p:nvPr>
         </p:nvSpPr>
+        <p:spPr/>
+        <p:txBody>
+          <a:bodyPr/>
+          <a:lstStyle/>
+          <a:p>
+            <a:r>
+              <a:rPr lang="en-US" dirty="0" smtClean="0"/>
+              <a:t>Examples of Target Audience</a:t>
+            </a:r>
+            <a:endParaRPr lang="en-US" dirty="0"/>
+          </a:p>
+        </p:txBody>
+      </p:sp>
+      <p:sp>
+        <p:nvSpPr>
+          <p:cNvPr id="3" name="Content Placeholder 2"/>
+          <p:cNvSpPr>
+            <a:spLocks noGrp="1"/>
+          </p:cNvSpPr>
+          <p:nvPr>
+            <p:ph idx="1"/>
+          </p:nvPr>
+        </p:nvSpPr>
+        <p:spPr/>
+        <p:txBody>
+          <a:bodyPr/>
+          <a:lstStyle/>
+          <a:p>
+            <a:r>
+              <a:rPr lang="en-US" dirty="0" smtClean="0"/>
+              <a:t>College students on a budget</a:t>
+            </a:r>
+          </a:p>
+          <a:p>
+            <a:r>
+              <a:rPr lang="en-US" dirty="0" smtClean="0"/>
+              <a:t>Businessmen who value their time</a:t>
+            </a:r>
+          </a:p>
+          <a:p>
+            <a:r>
+              <a:rPr lang="en-US" dirty="0" smtClean="0"/>
+              <a:t>Travelers unfamiliar with the area</a:t>
+            </a:r>
+          </a:p>
+        </p:txBody>
+      </p:sp>
+    </p:spTree>
+  </p:cSld>
+  <p:clrMapOvr>
+    <a:masterClrMapping/>
+  </p:clrMapOvr>
+</p:sld>
+</file>
+
+<file path=ppt/slides/slide5.xml><?xml version="1.0" encoding="utf-8"?>
+<p:sld xmlns:a="http://schemas.openxmlformats.org/drawingml/2006/main" xmlns:r="http://schemas.openxmlformats.org/officeDocument/2006/relationships" xmlns:mc="http://schemas.openxmlformats.org/markup-compatibility/2006" xmlns:mv="urn:schemas-microsoft-com:mac:vml" xmlns:p="http://schemas.openxmlformats.org/presentationml/2006/main" mc:Ignorable="mv" mc:PreserveAttributes="mv:*">
+  <p:cSld>
+    <p:spTree>
+      <p:nvGrpSpPr>
+        <p:cNvPr id="1" name=""/>
+        <p:cNvGrpSpPr/>
+        <p:nvPr/>
+      </p:nvGrpSpPr>
+      <p:grpSpPr>
+        <a:xfrm>
+          <a:off x="0" y="0"/>
+          <a:ext cx="0" cy="0"/>
+          <a:chOff x="0" y="0"/>
+          <a:chExt cx="0" cy="0"/>
+        </a:xfrm>
+      </p:grpSpPr>
+      <p:sp>
+        <p:nvSpPr>
+          <p:cNvPr id="2" name="Title 1"/>
+          <p:cNvSpPr>
+            <a:spLocks noGrp="1"/>
+          </p:cNvSpPr>
+          <p:nvPr>
+            <p:ph type="title"/>
+          </p:nvPr>
+        </p:nvSpPr>
+        <p:spPr/>
+        <p:txBody>
+          <a:bodyPr/>
+          <a:lstStyle/>
+          <a:p>
+            <a:r>
+              <a:rPr lang="en-US" dirty="0" smtClean="0"/>
+              <a:t>Travel Providers</a:t>
+            </a:r>
+            <a:endParaRPr lang="en-US" dirty="0"/>
+          </a:p>
+        </p:txBody>
+      </p:sp>
+      <p:pic>
+        <p:nvPicPr>
+          <p:cNvPr id="5" name="Picture 4"/>
+          <p:cNvPicPr>
+            <a:picLocks noChangeAspect="1"/>
+          </p:cNvPicPr>
+          <p:nvPr/>
+        </p:nvPicPr>
+        <p:blipFill>
+          <a:blip r:embed="rId2"/>
+          <a:stretch>
+            <a:fillRect/>
+          </a:stretch>
+        </p:blipFill>
+        <p:spPr>
+          <a:xfrm>
+            <a:off x="248357" y="1666526"/>
+            <a:ext cx="3976452" cy="1656855"/>
+          </a:xfrm>
+          <a:prstGeom prst="rect">
+            <a:avLst/>
+          </a:prstGeom>
+        </p:spPr>
+      </p:pic>
+      <p:pic>
+        <p:nvPicPr>
+          <p:cNvPr id="6" name="Picture 5"/>
+          <p:cNvPicPr>
+            <a:picLocks noChangeAspect="1"/>
+          </p:cNvPicPr>
+          <p:nvPr/>
+        </p:nvPicPr>
+        <p:blipFill>
+          <a:blip r:embed="rId3"/>
+          <a:stretch>
+            <a:fillRect/>
+          </a:stretch>
+        </p:blipFill>
+        <p:spPr>
+          <a:xfrm>
+            <a:off x="248357" y="5648266"/>
+            <a:ext cx="4092920" cy="1002901"/>
+          </a:xfrm>
+          <a:prstGeom prst="rect">
+            <a:avLst/>
+          </a:prstGeom>
+        </p:spPr>
+      </p:pic>
+      <p:pic>
+        <p:nvPicPr>
+          <p:cNvPr id="7" name="Picture 6"/>
+          <p:cNvPicPr>
+            <a:picLocks noChangeAspect="1"/>
+          </p:cNvPicPr>
+          <p:nvPr/>
+        </p:nvPicPr>
+        <p:blipFill>
+          <a:blip r:embed="rId4"/>
+          <a:stretch>
+            <a:fillRect/>
+          </a:stretch>
+        </p:blipFill>
+        <p:spPr>
+          <a:xfrm>
+            <a:off x="286457" y="3951670"/>
+            <a:ext cx="4054820" cy="1009200"/>
+          </a:xfrm>
+          <a:prstGeom prst="rect">
+            <a:avLst/>
+          </a:prstGeom>
+        </p:spPr>
+      </p:pic>
+      <p:pic>
+        <p:nvPicPr>
+          <p:cNvPr id="8" name="Picture 7"/>
+          <p:cNvPicPr>
+            <a:picLocks noChangeAspect="1"/>
+          </p:cNvPicPr>
+          <p:nvPr/>
+        </p:nvPicPr>
+        <p:blipFill>
+          <a:blip r:embed="rId5"/>
+          <a:stretch>
+            <a:fillRect/>
+          </a:stretch>
+        </p:blipFill>
+        <p:spPr>
+          <a:xfrm>
+            <a:off x="5429063" y="267494"/>
+            <a:ext cx="3665721" cy="1250545"/>
+          </a:xfrm>
+          <a:prstGeom prst="rect">
+            <a:avLst/>
+          </a:prstGeom>
+        </p:spPr>
+      </p:pic>
+      <p:pic>
+        <p:nvPicPr>
+          <p:cNvPr id="9" name="Picture 8"/>
+          <p:cNvPicPr>
+            <a:picLocks noChangeAspect="1"/>
+          </p:cNvPicPr>
+          <p:nvPr/>
+        </p:nvPicPr>
+        <p:blipFill>
+          <a:blip r:embed="rId6"/>
+          <a:stretch>
+            <a:fillRect/>
+          </a:stretch>
+        </p:blipFill>
+        <p:spPr>
+          <a:xfrm>
+            <a:off x="5067274" y="4370713"/>
+            <a:ext cx="1250699" cy="1180313"/>
+          </a:xfrm>
+          <a:prstGeom prst="rect">
+            <a:avLst/>
+          </a:prstGeom>
+        </p:spPr>
+      </p:pic>
+      <p:pic>
+        <p:nvPicPr>
+          <p:cNvPr id="10" name="Picture 9"/>
+          <p:cNvPicPr>
+            <a:picLocks noChangeAspect="1"/>
+          </p:cNvPicPr>
+          <p:nvPr/>
+        </p:nvPicPr>
+        <p:blipFill>
+          <a:blip r:embed="rId7"/>
+          <a:stretch>
+            <a:fillRect/>
+          </a:stretch>
+        </p:blipFill>
+        <p:spPr>
+          <a:xfrm>
+            <a:off x="6409777" y="4370713"/>
+            <a:ext cx="2685007" cy="897303"/>
+          </a:xfrm>
+          <a:prstGeom prst="rect">
+            <a:avLst/>
+          </a:prstGeom>
+        </p:spPr>
+      </p:pic>
+      <p:pic>
+        <p:nvPicPr>
+          <p:cNvPr id="11" name="Picture 10"/>
+          <p:cNvPicPr>
+            <a:picLocks noChangeAspect="1"/>
+          </p:cNvPicPr>
+          <p:nvPr/>
+        </p:nvPicPr>
+        <p:blipFill>
+          <a:blip r:embed="rId8"/>
+          <a:stretch>
+            <a:fillRect/>
+          </a:stretch>
+        </p:blipFill>
+        <p:spPr>
+          <a:xfrm>
+            <a:off x="6020100" y="1796423"/>
+            <a:ext cx="2412636" cy="914681"/>
+          </a:xfrm>
+          <a:prstGeom prst="rect">
+            <a:avLst/>
+          </a:prstGeom>
+        </p:spPr>
+      </p:pic>
+      <p:pic>
+        <p:nvPicPr>
+          <p:cNvPr id="12" name="Picture 11"/>
+          <p:cNvPicPr>
+            <a:picLocks noChangeAspect="1"/>
+          </p:cNvPicPr>
+          <p:nvPr/>
+        </p:nvPicPr>
+        <p:blipFill>
+          <a:blip r:embed="rId9"/>
+          <a:stretch>
+            <a:fillRect/>
+          </a:stretch>
+        </p:blipFill>
+        <p:spPr>
+          <a:xfrm>
+            <a:off x="7226418" y="3011157"/>
+            <a:ext cx="1573751" cy="1180313"/>
+          </a:xfrm>
+          <a:prstGeom prst="rect">
+            <a:avLst/>
+          </a:prstGeom>
+        </p:spPr>
+      </p:pic>
+      <p:pic>
+        <p:nvPicPr>
+          <p:cNvPr id="13" name="Picture 12"/>
+          <p:cNvPicPr>
+            <a:picLocks noChangeAspect="1"/>
+          </p:cNvPicPr>
+          <p:nvPr/>
+        </p:nvPicPr>
+        <p:blipFill>
+          <a:blip r:embed="rId10"/>
+          <a:stretch>
+            <a:fillRect/>
+          </a:stretch>
+        </p:blipFill>
+        <p:spPr>
+          <a:xfrm>
+            <a:off x="4743332" y="5943319"/>
+            <a:ext cx="2451197" cy="760297"/>
+          </a:xfrm>
+          <a:prstGeom prst="rect">
+            <a:avLst/>
+          </a:prstGeom>
+        </p:spPr>
+      </p:pic>
+      <p:pic>
+        <p:nvPicPr>
+          <p:cNvPr id="14" name="Picture 13"/>
+          <p:cNvPicPr>
+            <a:picLocks noChangeAspect="1"/>
+          </p:cNvPicPr>
+          <p:nvPr/>
+        </p:nvPicPr>
+        <p:blipFill>
+          <a:blip r:embed="rId11"/>
+          <a:stretch>
+            <a:fillRect/>
+          </a:stretch>
+        </p:blipFill>
+        <p:spPr>
+          <a:xfrm>
+            <a:off x="5067274" y="2921448"/>
+            <a:ext cx="1600226" cy="1270021"/>
+          </a:xfrm>
+          <a:prstGeom prst="rect">
+            <a:avLst/>
+          </a:prstGeom>
+        </p:spPr>
+      </p:pic>
+      <p:pic>
+        <p:nvPicPr>
+          <p:cNvPr id="15" name="Picture 14"/>
+          <p:cNvPicPr>
+            <a:picLocks noChangeAspect="1"/>
+          </p:cNvPicPr>
+          <p:nvPr/>
+        </p:nvPicPr>
+        <p:blipFill>
+          <a:blip r:embed="rId12"/>
+          <a:stretch>
+            <a:fillRect/>
+          </a:stretch>
+        </p:blipFill>
+        <p:spPr>
+          <a:xfrm>
+            <a:off x="7354884" y="5545791"/>
+            <a:ext cx="1739900" cy="1157825"/>
+          </a:xfrm>
+          <a:prstGeom prst="rect">
+            <a:avLst/>
+          </a:prstGeom>
+        </p:spPr>
+      </p:pic>
+    </p:spTree>
+  </p:cSld>
+  <p:clrMapOvr>
+    <a:masterClrMapping/>
+  </p:clrMapOvr>
+  <p:transition>
+    <p:cover/>
+  </p:transition>
+  <p:timing>
+    <p:tnLst>
+      <p:par>
+        <p:cTn id="1" dur="indefinite" restart="never" nodeType="tmRoot"/>
+      </p:par>
+    </p:tnLst>
+  </p:timing>
+</p:sld>
+</file>
+
+<file path=ppt/slides/slide6.xml><?xml version="1.0" encoding="utf-8"?>
+<p:sld xmlns:a="http://schemas.openxmlformats.org/drawingml/2006/main" xmlns:r="http://schemas.openxmlformats.org/officeDocument/2006/relationships" xmlns:mc="http://schemas.openxmlformats.org/markup-compatibility/2006" xmlns:mv="urn:schemas-microsoft-com:mac:vml" xmlns:p="http://schemas.openxmlformats.org/presentationml/2006/main" mc:Ignorable="mv" mc:PreserveAttributes="mv:*">
+  <p:cSld>
+    <p:spTree>
+      <p:nvGrpSpPr>
+        <p:cNvPr id="1" name=""/>
+        <p:cNvGrpSpPr/>
+        <p:nvPr/>
+      </p:nvGrpSpPr>
+      <p:grpSpPr>
+        <a:xfrm>
+          <a:off x="0" y="0"/>
+          <a:ext cx="0" cy="0"/>
+          <a:chOff x="0" y="0"/>
+          <a:chExt cx="0" cy="0"/>
+        </a:xfrm>
+      </p:grpSpPr>
+      <p:sp>
+        <p:nvSpPr>
+          <p:cNvPr id="2" name="Title 1"/>
+          <p:cNvSpPr>
+            <a:spLocks noGrp="1"/>
+          </p:cNvSpPr>
+          <p:nvPr>
+            <p:ph type="title"/>
+          </p:nvPr>
+        </p:nvSpPr>
         <p:spPr>
           <a:xfrm>
             <a:off x="457200" y="0"/>
@@ -5051,6 +6355,44 @@
             <a:r>
               <a:rPr lang="en-US" sz="2000" dirty="0" smtClean="0"/>
               <a:t>Concord</a:t>
+            </a:r>
+          </a:p>
+          <a:p>
+            <a:pPr marL="448056" marR="0" lvl="0" indent="-384048" algn="l" defTabSz="914400" rtl="0" eaLnBrk="1" fontAlgn="auto" latinLnBrk="0" hangingPunct="1">
+              <a:lnSpc>
+                <a:spcPct val="100000"/>
+              </a:lnSpc>
+              <a:spcBef>
+                <a:spcPct val="20000"/>
+              </a:spcBef>
+              <a:spcAft>
+                <a:spcPts val="0"/>
+              </a:spcAft>
+              <a:buClr>
+                <a:schemeClr val="accent1"/>
+              </a:buClr>
+              <a:buSzPct val="80000"/>
+              <a:buFont typeface="Wingdings 2"/>
+              <a:buChar char=""/>
+              <a:tabLst/>
+              <a:defRPr/>
+            </a:pPr>
+            <a:r>
+              <a:rPr kumimoji="0" lang="en-US" sz="2000" b="0" i="0" u="none" strike="noStrike" kern="1200" cap="none" spc="0" normalizeH="0" baseline="0" noProof="0" dirty="0" smtClean="0">
+                <a:ln>
+                  <a:noFill/>
+                </a:ln>
+                <a:solidFill>
+                  <a:schemeClr val="tx1"/>
+                </a:solidFill>
+                <a:effectLst/>
+                <a:uLnTx/>
+                <a:uFillTx/>
+                <a:latin typeface="+mn-lt"/>
+                <a:ea typeface="+mn-ea"/>
+                <a:cs typeface="+mn-cs"/>
+              </a:rPr>
+              <a:t>Providence</a:t>
             </a:r>
             <a:endParaRPr kumimoji="0" lang="en-US" sz="2000" b="0" i="0" u="none" strike="noStrike" kern="1200" cap="none" spc="0" normalizeH="0" baseline="0" noProof="0" dirty="0" smtClean="0">
               <a:ln>
@@ -6267,162 +7609,16 @@
   <p:clrMapOvr>
     <a:masterClrMapping/>
   </p:clrMapOvr>
-</p:sld>
-</file>
-
-<file path=ppt/slides/slide5.xml><?xml version="1.0" encoding="utf-8"?>
-<p:sld xmlns:a="http://schemas.openxmlformats.org/drawingml/2006/main" xmlns:r="http://schemas.openxmlformats.org/officeDocument/2006/relationships" xmlns:mc="http://schemas.openxmlformats.org/markup-compatibility/2006" xmlns:mv="urn:schemas-microsoft-com:mac:vml" xmlns:p="http://schemas.openxmlformats.org/presentationml/2006/main" mc:Ignorable="mv" mc:PreserveAttributes="mv:*">
-  <p:cSld>
-    <p:spTree>
-      <p:nvGrpSpPr>
-        <p:cNvPr id="1" name=""/>
-        <p:cNvGrpSpPr/>
-        <p:nvPr/>
-      </p:nvGrpSpPr>
-      <p:grpSpPr>
-        <a:xfrm>
-          <a:off x="0" y="0"/>
-          <a:ext cx="0" cy="0"/>
-          <a:chOff x="0" y="0"/>
-          <a:chExt cx="0" cy="0"/>
-        </a:xfrm>
-      </p:grpSpPr>
-      <p:sp>
-        <p:nvSpPr>
-          <p:cNvPr id="2" name="Title 1"/>
-          <p:cNvSpPr>
-            <a:spLocks noGrp="1"/>
-          </p:cNvSpPr>
-          <p:nvPr>
-            <p:ph type="title"/>
-          </p:nvPr>
-        </p:nvSpPr>
-        <p:spPr/>
-        <p:txBody>
-          <a:bodyPr/>
-          <a:lstStyle/>
-          <a:p>
-            <a:r>
-              <a:rPr lang="en-US" dirty="0" smtClean="0"/>
-              <a:t>Functionality</a:t>
-            </a:r>
-            <a:endParaRPr lang="en-US" dirty="0"/>
-          </a:p>
-        </p:txBody>
-      </p:sp>
-      <p:sp>
-        <p:nvSpPr>
-          <p:cNvPr id="3" name="Content Placeholder 2"/>
-          <p:cNvSpPr>
-            <a:spLocks noGrp="1"/>
-          </p:cNvSpPr>
-          <p:nvPr>
-            <p:ph idx="1"/>
-          </p:nvPr>
-        </p:nvSpPr>
-        <p:spPr/>
-        <p:txBody>
-          <a:bodyPr/>
-          <a:lstStyle/>
-          <a:p>
-            <a:r>
-              <a:rPr lang="en-US" dirty="0" smtClean="0"/>
-              <a:t>Drop down menu for cities in the northeast</a:t>
-            </a:r>
-          </a:p>
-          <a:p>
-            <a:r>
-              <a:rPr lang="en-US" dirty="0" smtClean="0"/>
-              <a:t>Enter time and date preferences</a:t>
-            </a:r>
-          </a:p>
-          <a:p>
-            <a:r>
-              <a:rPr lang="en-US" dirty="0" smtClean="0"/>
-              <a:t>Sort results by cheapest prices, fastest elapsed time, by arrival time or by departure time</a:t>
-            </a:r>
-          </a:p>
-          <a:p>
-            <a:r>
-              <a:rPr lang="en-US" dirty="0" smtClean="0"/>
-              <a:t>Links to book the reservation</a:t>
-            </a:r>
-            <a:endParaRPr lang="en-US" dirty="0"/>
-          </a:p>
-        </p:txBody>
-      </p:sp>
-    </p:spTree>
-  </p:cSld>
-  <p:clrMapOvr>
-    <a:masterClrMapping/>
-  </p:clrMapOvr>
-</p:sld>
-</file>
-
-<file path=ppt/slides/slide6.xml><?xml version="1.0" encoding="utf-8"?>
-<p:sld xmlns:a="http://schemas.openxmlformats.org/drawingml/2006/main" xmlns:r="http://schemas.openxmlformats.org/officeDocument/2006/relationships" xmlns:mc="http://schemas.openxmlformats.org/markup-compatibility/2006" xmlns:mv="urn:schemas-microsoft-com:mac:vml" xmlns:p="http://schemas.openxmlformats.org/presentationml/2006/main" mc:Ignorable="mv" mc:PreserveAttributes="mv:*">
-  <p:cSld>
-    <p:spTree>
-      <p:nvGrpSpPr>
-        <p:cNvPr id="1" name=""/>
-        <p:cNvGrpSpPr/>
-        <p:nvPr/>
-      </p:nvGrpSpPr>
-      <p:grpSpPr>
-        <a:xfrm>
-          <a:off x="0" y="0"/>
-          <a:ext cx="0" cy="0"/>
-          <a:chOff x="0" y="0"/>
-          <a:chExt cx="0" cy="0"/>
-        </a:xfrm>
-      </p:grpSpPr>
-      <p:sp>
-        <p:nvSpPr>
-          <p:cNvPr id="2" name="Title 1"/>
-          <p:cNvSpPr>
-            <a:spLocks noGrp="1"/>
-          </p:cNvSpPr>
-          <p:nvPr>
-            <p:ph type="title"/>
-          </p:nvPr>
-        </p:nvSpPr>
-        <p:spPr/>
-        <p:txBody>
-          <a:bodyPr/>
-          <a:lstStyle/>
-          <a:p>
-            <a:r>
-              <a:rPr lang="en-US" dirty="0" smtClean="0"/>
-              <a:t>Demo</a:t>
-            </a:r>
-            <a:endParaRPr lang="en-US" dirty="0"/>
-          </a:p>
-        </p:txBody>
-      </p:sp>
-      <p:sp>
-        <p:nvSpPr>
-          <p:cNvPr id="3" name="Content Placeholder 2"/>
-          <p:cNvSpPr>
-            <a:spLocks noGrp="1"/>
-          </p:cNvSpPr>
-          <p:nvPr>
-            <p:ph idx="1"/>
-          </p:nvPr>
-        </p:nvSpPr>
-        <p:spPr/>
-        <p:txBody>
-          <a:bodyPr/>
-          <a:lstStyle/>
-          <a:p>
-            <a:endParaRPr lang="en-US"/>
-          </a:p>
-        </p:txBody>
-      </p:sp>
-    </p:spTree>
-  </p:cSld>
-  <p:clrMapOvr>
-    <a:masterClrMapping/>
-  </p:clrMapOvr>
+  <p:transition>
+    <p:cover/>
+  </p:transition>
+  <p:timing>
+    <p:tnLst>
+      <p:par>
+        <p:cTn id="1" dur="indefinite" restart="never" nodeType="tmRoot"/>
+      </p:par>
+    </p:tnLst>
+  </p:timing>
 </p:sld>
 </file>
 
@@ -6453,144 +7649,95 @@
             <p:ph type="title"/>
           </p:nvPr>
         </p:nvSpPr>
-        <p:spPr/>
+        <p:spPr>
+          <a:xfrm>
+            <a:off x="457200" y="63023"/>
+            <a:ext cx="8229600" cy="1399032"/>
+          </a:xfrm>
+        </p:spPr>
         <p:txBody>
           <a:bodyPr/>
           <a:lstStyle/>
           <a:p>
             <a:r>
               <a:rPr lang="en-US" dirty="0" smtClean="0"/>
-              <a:t>Back-end</a:t>
+              <a:t>Functionality</a:t>
             </a:r>
             <a:endParaRPr lang="en-US" dirty="0"/>
           </a:p>
         </p:txBody>
       </p:sp>
-      <p:pic>
-        <p:nvPicPr>
-          <p:cNvPr id="4" name="Picture 3"/>
-          <p:cNvPicPr>
-            <a:picLocks noChangeAspect="1"/>
-          </p:cNvPicPr>
-          <p:nvPr/>
-        </p:nvPicPr>
-        <p:blipFill>
-          <a:blip r:embed="rId2"/>
-          <a:stretch>
-            <a:fillRect/>
-          </a:stretch>
-        </p:blipFill>
-        <p:spPr>
-          <a:xfrm>
-            <a:off x="184757" y="3588674"/>
-            <a:ext cx="3434743" cy="1262500"/>
-          </a:xfrm>
-          <a:prstGeom prst="rect">
-            <a:avLst/>
-          </a:prstGeom>
-        </p:spPr>
-      </p:pic>
-      <p:pic>
-        <p:nvPicPr>
-          <p:cNvPr id="5" name="Picture 4"/>
-          <p:cNvPicPr>
-            <a:picLocks noChangeAspect="1"/>
-          </p:cNvPicPr>
-          <p:nvPr/>
-        </p:nvPicPr>
-        <p:blipFill>
-          <a:blip r:embed="rId3"/>
-          <a:stretch>
-            <a:fillRect/>
-          </a:stretch>
-        </p:blipFill>
-        <p:spPr>
-          <a:xfrm>
-            <a:off x="184757" y="5361959"/>
-            <a:ext cx="4038600" cy="1255784"/>
-          </a:xfrm>
-          <a:prstGeom prst="rect">
-            <a:avLst/>
-          </a:prstGeom>
-        </p:spPr>
-      </p:pic>
-      <p:pic>
-        <p:nvPicPr>
-          <p:cNvPr id="7" name="Picture 6"/>
-          <p:cNvPicPr>
-            <a:picLocks noChangeAspect="1"/>
-          </p:cNvPicPr>
-          <p:nvPr/>
-        </p:nvPicPr>
-        <p:blipFill>
-          <a:blip r:embed="rId4"/>
-          <a:stretch>
-            <a:fillRect/>
-          </a:stretch>
-        </p:blipFill>
-        <p:spPr>
-          <a:xfrm>
-            <a:off x="5867400" y="267494"/>
-            <a:ext cx="3175000" cy="2159467"/>
-          </a:xfrm>
-          <a:prstGeom prst="rect">
-            <a:avLst/>
-          </a:prstGeom>
-        </p:spPr>
-      </p:pic>
-      <p:pic>
-        <p:nvPicPr>
-          <p:cNvPr id="8" name="Picture 7"/>
-          <p:cNvPicPr>
-            <a:picLocks noChangeAspect="1"/>
-          </p:cNvPicPr>
-          <p:nvPr/>
-        </p:nvPicPr>
-        <p:blipFill>
-          <a:blip r:embed="rId5"/>
-          <a:stretch>
-            <a:fillRect/>
-          </a:stretch>
-        </p:blipFill>
-        <p:spPr>
-          <a:xfrm>
-            <a:off x="5384800" y="5241910"/>
-            <a:ext cx="3302000" cy="1375833"/>
-          </a:xfrm>
-          <a:prstGeom prst="rect">
-            <a:avLst/>
-          </a:prstGeom>
-        </p:spPr>
-      </p:pic>
-      <p:pic>
-        <p:nvPicPr>
-          <p:cNvPr id="9" name="Picture 8"/>
-          <p:cNvPicPr>
-            <a:picLocks noChangeAspect="1"/>
-          </p:cNvPicPr>
-          <p:nvPr/>
-        </p:nvPicPr>
-        <p:blipFill>
-          <a:blip r:embed="rId6"/>
-          <a:stretch>
-            <a:fillRect/>
-          </a:stretch>
-        </p:blipFill>
-        <p:spPr>
-          <a:xfrm>
-            <a:off x="184757" y="1666526"/>
-            <a:ext cx="5238750" cy="1143594"/>
-          </a:xfrm>
-          <a:prstGeom prst="rect">
-            <a:avLst/>
-          </a:prstGeom>
-        </p:spPr>
-      </p:pic>
+      <p:sp>
+        <p:nvSpPr>
+          <p:cNvPr id="3" name="Content Placeholder 2"/>
+          <p:cNvSpPr>
+            <a:spLocks noGrp="1"/>
+          </p:cNvSpPr>
+          <p:nvPr>
+            <p:ph idx="1"/>
+          </p:nvPr>
+        </p:nvSpPr>
+        <p:spPr>
+          <a:xfrm>
+            <a:off x="457200" y="1462055"/>
+            <a:ext cx="8229600" cy="4992753"/>
+          </a:xfrm>
+        </p:spPr>
+        <p:txBody>
+          <a:bodyPr/>
+          <a:lstStyle/>
+          <a:p>
+            <a:r>
+              <a:rPr lang="en-US" dirty="0" smtClean="0"/>
+              <a:t>Drop down menu for cities in the northeast</a:t>
+            </a:r>
+          </a:p>
+          <a:p>
+            <a:r>
+              <a:rPr lang="en-US" dirty="0" smtClean="0"/>
+              <a:t>Enter time and date preferences</a:t>
+            </a:r>
+          </a:p>
+          <a:p>
+            <a:r>
+              <a:rPr lang="en-US" dirty="0" smtClean="0"/>
+              <a:t>Sort results by cheapest prices, fastest elapsed time, by arrival time or by departure time</a:t>
+            </a:r>
+          </a:p>
+          <a:p>
+            <a:r>
+              <a:rPr lang="en-US" dirty="0" smtClean="0"/>
+              <a:t>Links to </a:t>
+            </a:r>
+            <a:r>
+              <a:rPr lang="en-US" dirty="0" smtClean="0"/>
+              <a:t>book reservations</a:t>
+            </a:r>
+          </a:p>
+          <a:p>
+            <a:r>
+              <a:rPr lang="en-US" dirty="0" smtClean="0"/>
+              <a:t>Maps to display routes</a:t>
+            </a:r>
+            <a:endParaRPr lang="en-US" dirty="0"/>
+          </a:p>
+        </p:txBody>
+      </p:sp>
     </p:spTree>
   </p:cSld>
   <p:clrMapOvr>
     <a:masterClrMapping/>
   </p:clrMapOvr>
+  <p:transition>
+    <p:cover/>
+  </p:transition>
+  <p:timing>
+    <p:tnLst>
+      <p:par>
+        <p:cTn id="1" dur="indefinite" restart="never" nodeType="tmRoot"/>
+      </p:par>
+    </p:tnLst>
+  </p:timing>
 </p:sld>
 </file>
 
@@ -6621,250 +7768,22 @@
             <p:ph type="title"/>
           </p:nvPr>
         </p:nvSpPr>
-        <p:spPr/>
+        <p:spPr>
+          <a:xfrm>
+            <a:off x="457200" y="1666526"/>
+            <a:ext cx="8229600" cy="1399032"/>
+          </a:xfrm>
+        </p:spPr>
         <p:txBody>
           <a:bodyPr/>
           <a:lstStyle/>
           <a:p>
-            <a:r>
-              <a:rPr lang="en-US" dirty="0" smtClean="0"/>
-              <a:t>Scraping</a:t>
-            </a:r>
-            <a:endParaRPr lang="en-US" dirty="0"/>
-          </a:p>
-        </p:txBody>
-      </p:sp>
-      <p:pic>
-        <p:nvPicPr>
-          <p:cNvPr id="4" name="Picture 3"/>
-          <p:cNvPicPr>
-            <a:picLocks noChangeAspect="1"/>
-          </p:cNvPicPr>
-          <p:nvPr/>
-        </p:nvPicPr>
-        <p:blipFill>
-          <a:blip r:embed="rId2"/>
-          <a:stretch>
-            <a:fillRect/>
-          </a:stretch>
-        </p:blipFill>
-        <p:spPr>
-          <a:xfrm>
-            <a:off x="1243341" y="2894574"/>
-            <a:ext cx="4914900" cy="1651000"/>
-          </a:xfrm>
-          <a:prstGeom prst="rect">
-            <a:avLst/>
-          </a:prstGeom>
-        </p:spPr>
-      </p:pic>
-      <p:sp>
-        <p:nvSpPr>
-          <p:cNvPr id="5" name="TextBox 4"/>
-          <p:cNvSpPr txBox="1"/>
-          <p:nvPr/>
-        </p:nvSpPr>
-        <p:spPr>
-          <a:xfrm>
-            <a:off x="5005759" y="1299604"/>
-            <a:ext cx="3007941" cy="584776"/>
-          </a:xfrm>
-          <a:prstGeom prst="rect">
-            <a:avLst/>
-          </a:prstGeom>
-        </p:spPr>
-        <p:style>
-          <a:lnRef idx="1">
-            <a:schemeClr val="accent1"/>
-          </a:lnRef>
-          <a:fillRef idx="2">
-            <a:schemeClr val="accent1"/>
-          </a:fillRef>
-          <a:effectRef idx="1">
-            <a:schemeClr val="accent1"/>
-          </a:effectRef>
-          <a:fontRef idx="minor">
-            <a:schemeClr val="dk1"/>
-          </a:fontRef>
-        </p:style>
-        <p:txBody>
-          <a:bodyPr wrap="square" rtlCol="0">
-            <a:spAutoFit/>
-            <a:scene3d>
-              <a:camera prst="orthographicFront"/>
-              <a:lightRig rig="balanced" dir="t">
-                <a:rot lat="0" lon="0" rev="2100000"/>
-              </a:lightRig>
-            </a:scene3d>
-            <a:sp3d extrusionH="57150" prstMaterial="metal">
-              <a:bevelT w="38100" h="25400"/>
-              <a:contourClr>
-                <a:schemeClr val="bg2"/>
-              </a:contourClr>
-            </a:sp3d>
-          </a:bodyPr>
-          <a:lstStyle/>
-          <a:p>
             <a:pPr algn="ctr"/>
             <a:r>
-              <a:rPr lang="en-US" sz="3200" b="1" dirty="0" smtClean="0">
-                <a:ln w="50800"/>
-                <a:solidFill>
-                  <a:schemeClr val="bg1">
-                    <a:shade val="50000"/>
-                  </a:schemeClr>
-                </a:solidFill>
-              </a:rPr>
-              <a:t>POST Requests</a:t>
-            </a:r>
-            <a:endParaRPr lang="en-US" sz="3200" b="1" dirty="0">
-              <a:ln w="50800"/>
-              <a:solidFill>
-                <a:schemeClr val="bg1">
-                  <a:shade val="50000"/>
-                </a:schemeClr>
-              </a:solidFill>
-            </a:endParaRPr>
-          </a:p>
-        </p:txBody>
-      </p:sp>
-      <p:sp>
-        <p:nvSpPr>
-          <p:cNvPr id="10" name="TextBox 9"/>
-          <p:cNvSpPr txBox="1"/>
-          <p:nvPr/>
-        </p:nvSpPr>
-        <p:spPr>
-          <a:xfrm>
-            <a:off x="457200" y="5080273"/>
-            <a:ext cx="3007941" cy="584776"/>
-          </a:xfrm>
-          <a:prstGeom prst="rect">
-            <a:avLst/>
-          </a:prstGeom>
-        </p:spPr>
-        <p:style>
-          <a:lnRef idx="1">
-            <a:schemeClr val="accent1"/>
-          </a:lnRef>
-          <a:fillRef idx="2">
-            <a:schemeClr val="accent1"/>
-          </a:fillRef>
-          <a:effectRef idx="1">
-            <a:schemeClr val="accent1"/>
-          </a:effectRef>
-          <a:fontRef idx="minor">
-            <a:schemeClr val="dk1"/>
-          </a:fontRef>
-        </p:style>
-        <p:txBody>
-          <a:bodyPr wrap="square" rtlCol="0">
-            <a:spAutoFit/>
-            <a:scene3d>
-              <a:camera prst="orthographicFront"/>
-              <a:lightRig rig="balanced" dir="t">
-                <a:rot lat="0" lon="0" rev="2100000"/>
-              </a:lightRig>
-            </a:scene3d>
-            <a:sp3d extrusionH="57150" prstMaterial="metal">
-              <a:bevelT w="38100" h="25400"/>
-              <a:contourClr>
-                <a:schemeClr val="bg2"/>
-              </a:contourClr>
-            </a:sp3d>
-          </a:bodyPr>
-          <a:lstStyle/>
-          <a:p>
-            <a:pPr algn="ctr"/>
-            <a:r>
-              <a:rPr lang="en-US" sz="3200" b="1" dirty="0" smtClean="0">
-                <a:ln w="50800"/>
-                <a:solidFill>
-                  <a:schemeClr val="bg1">
-                    <a:shade val="50000"/>
-                  </a:schemeClr>
-                </a:solidFill>
-              </a:rPr>
-              <a:t>GET Requests</a:t>
-            </a:r>
-            <a:endParaRPr lang="en-US" sz="3200" b="1" dirty="0">
-              <a:ln w="50800"/>
-              <a:solidFill>
-                <a:schemeClr val="bg1">
-                  <a:shade val="50000"/>
-                </a:schemeClr>
-              </a:solidFill>
-            </a:endParaRPr>
-          </a:p>
-        </p:txBody>
-      </p:sp>
-      <p:sp>
-        <p:nvSpPr>
-          <p:cNvPr id="11" name="TextBox 10"/>
-          <p:cNvSpPr txBox="1"/>
-          <p:nvPr/>
-        </p:nvSpPr>
-        <p:spPr>
-          <a:xfrm>
-            <a:off x="4197070" y="5372661"/>
-            <a:ext cx="4489730" cy="584776"/>
-          </a:xfrm>
-          <a:prstGeom prst="rect">
-            <a:avLst/>
-          </a:prstGeom>
-        </p:spPr>
-        <p:style>
-          <a:lnRef idx="1">
-            <a:schemeClr val="accent1"/>
-          </a:lnRef>
-          <a:fillRef idx="2">
-            <a:schemeClr val="accent1"/>
-          </a:fillRef>
-          <a:effectRef idx="1">
-            <a:schemeClr val="accent1"/>
-          </a:effectRef>
-          <a:fontRef idx="minor">
-            <a:schemeClr val="dk1"/>
-          </a:fontRef>
-        </p:style>
-        <p:txBody>
-          <a:bodyPr wrap="square" rtlCol="0">
-            <a:spAutoFit/>
-            <a:scene3d>
-              <a:camera prst="orthographicFront"/>
-              <a:lightRig rig="balanced" dir="t">
-                <a:rot lat="0" lon="0" rev="2100000"/>
-              </a:lightRig>
-            </a:scene3d>
-            <a:sp3d extrusionH="57150" prstMaterial="metal">
-              <a:bevelT w="38100" h="25400"/>
-              <a:contourClr>
-                <a:schemeClr val="bg2"/>
-              </a:contourClr>
-            </a:sp3d>
-          </a:bodyPr>
-          <a:lstStyle/>
-          <a:p>
-            <a:pPr algn="ctr"/>
-            <a:r>
-              <a:rPr lang="en-US" sz="3200" b="1" dirty="0" smtClean="0">
-                <a:ln w="50800"/>
-                <a:solidFill>
-                  <a:schemeClr val="bg1">
-                    <a:shade val="50000"/>
-                  </a:schemeClr>
-                </a:solidFill>
-              </a:rPr>
-              <a:t>Regular Expressions</a:t>
-            </a:r>
-            <a:endParaRPr lang="en-US" sz="3200" b="1" dirty="0">
-              <a:ln w="50800"/>
-              <a:solidFill>
-                <a:schemeClr val="bg1">
-                  <a:shade val="50000"/>
-                </a:schemeClr>
-              </a:solidFill>
-            </a:endParaRPr>
+              <a:rPr lang="en-US" sz="8000" dirty="0" smtClean="0"/>
+              <a:t>Demo</a:t>
+            </a:r>
+            <a:endParaRPr lang="en-US" sz="8000" dirty="0"/>
           </a:p>
         </p:txBody>
       </p:sp>
@@ -6873,6 +7792,16 @@
   <p:clrMapOvr>
     <a:masterClrMapping/>
   </p:clrMapOvr>
+  <p:transition>
+    <p:cover/>
+  </p:transition>
+  <p:timing>
+    <p:tnLst>
+      <p:par>
+        <p:cTn id="1" dur="indefinite" restart="never" nodeType="tmRoot"/>
+      </p:par>
+    </p:tnLst>
+  </p:timing>
 </p:sld>
 </file>
 
@@ -6910,7 +7839,7 @@
           <a:p>
             <a:r>
               <a:rPr lang="en-US" dirty="0" smtClean="0"/>
-              <a:t>Front-end</a:t>
+              <a:t>Back-end</a:t>
             </a:r>
             <a:endParaRPr lang="en-US" dirty="0"/>
           </a:p>
@@ -6932,8 +7861,8 @@
         </p:blipFill>
         <p:spPr>
           <a:xfrm>
-            <a:off x="235706" y="1791374"/>
-            <a:ext cx="4371118" cy="1602351"/>
+            <a:off x="184757" y="3588674"/>
+            <a:ext cx="3434743" cy="1262500"/>
           </a:xfrm>
           <a:prstGeom prst="rect">
             <a:avLst/>
@@ -6956,8 +7885,8 @@
         </p:blipFill>
         <p:spPr>
           <a:xfrm>
-            <a:off x="796824" y="4420472"/>
-            <a:ext cx="3432276" cy="1922075"/>
+            <a:off x="184757" y="5134280"/>
+            <a:ext cx="4038600" cy="1255784"/>
           </a:xfrm>
           <a:prstGeom prst="rect">
             <a:avLst/>
@@ -6966,7 +7895,7 @@
       </p:pic>
       <p:pic>
         <p:nvPicPr>
-          <p:cNvPr id="6" name="Picture 5"/>
+          <p:cNvPr id="7" name="Picture 6"/>
           <p:cNvPicPr>
             <a:picLocks noChangeAspect="1"/>
           </p:cNvPicPr>
@@ -6980,8 +7909,8 @@
         </p:blipFill>
         <p:spPr>
           <a:xfrm>
-            <a:off x="6202096" y="421926"/>
-            <a:ext cx="2484703" cy="2029174"/>
+            <a:off x="6129746" y="267495"/>
+            <a:ext cx="2912653" cy="1981032"/>
           </a:xfrm>
           <a:prstGeom prst="rect">
             <a:avLst/>
@@ -6990,7 +7919,7 @@
       </p:pic>
       <p:pic>
         <p:nvPicPr>
-          <p:cNvPr id="7" name="Picture 6"/>
+          <p:cNvPr id="8" name="Picture 7"/>
           <p:cNvPicPr>
             <a:picLocks noChangeAspect="1"/>
           </p:cNvPicPr>
@@ -7004,8 +7933,8 @@
         </p:blipFill>
         <p:spPr>
           <a:xfrm>
-            <a:off x="5638800" y="2693272"/>
-            <a:ext cx="2095500" cy="1727200"/>
+            <a:off x="6129745" y="2400881"/>
+            <a:ext cx="2912653" cy="1213605"/>
           </a:xfrm>
           <a:prstGeom prst="rect">
             <a:avLst/>
@@ -7014,7 +7943,7 @@
       </p:pic>
       <p:pic>
         <p:nvPicPr>
-          <p:cNvPr id="8" name="Picture 7"/>
+          <p:cNvPr id="9" name="Picture 8"/>
           <p:cNvPicPr>
             <a:picLocks noChangeAspect="1"/>
           </p:cNvPicPr>
@@ -7028,8 +7957,56 @@
         </p:blipFill>
         <p:spPr>
           <a:xfrm>
-            <a:off x="5895006" y="4703678"/>
-            <a:ext cx="2791794" cy="1638869"/>
+            <a:off x="457200" y="1555027"/>
+            <a:ext cx="5238750" cy="1143594"/>
+          </a:xfrm>
+          <a:prstGeom prst="rect">
+            <a:avLst/>
+          </a:prstGeom>
+        </p:spPr>
+      </p:pic>
+      <p:pic>
+        <p:nvPicPr>
+          <p:cNvPr id="10" name="Picture 9"/>
+          <p:cNvPicPr>
+            <a:picLocks noChangeAspect="1"/>
+          </p:cNvPicPr>
+          <p:nvPr/>
+        </p:nvPicPr>
+        <p:blipFill>
+          <a:blip r:embed="rId7"/>
+          <a:stretch>
+            <a:fillRect/>
+          </a:stretch>
+        </p:blipFill>
+        <p:spPr>
+          <a:xfrm>
+            <a:off x="3958948" y="3019444"/>
+            <a:ext cx="1908452" cy="1831730"/>
+          </a:xfrm>
+          <a:prstGeom prst="rect">
+            <a:avLst/>
+          </a:prstGeom>
+        </p:spPr>
+      </p:pic>
+      <p:pic>
+        <p:nvPicPr>
+          <p:cNvPr id="11" name="Picture 10"/>
+          <p:cNvPicPr>
+            <a:picLocks noChangeAspect="1"/>
+          </p:cNvPicPr>
+          <p:nvPr/>
+        </p:nvPicPr>
+        <p:blipFill>
+          <a:blip r:embed="rId8"/>
+          <a:stretch>
+            <a:fillRect/>
+          </a:stretch>
+        </p:blipFill>
+        <p:spPr>
+          <a:xfrm>
+            <a:off x="4396712" y="4956158"/>
+            <a:ext cx="4290088" cy="1673015"/>
           </a:xfrm>
           <a:prstGeom prst="rect">
             <a:avLst/>
@@ -7041,6 +8018,16 @@
   <p:clrMapOvr>
     <a:masterClrMapping/>
   </p:clrMapOvr>
+  <p:transition>
+    <p:cover/>
+  </p:transition>
+  <p:timing>
+    <p:tnLst>
+      <p:par>
+        <p:cTn id="1" dur="indefinite" restart="never" nodeType="tmRoot"/>
+      </p:par>
+    </p:tnLst>
+  </p:timing>
 </p:sld>
 </file>
 
@@ -7367,4 +8354,322 @@
   </a:objectDefaults>
   <a:extraClrSchemeLst/>
 </a:theme>
+</file>
+
+<file path=ppt/theme/theme2.xml><?xml version="1.0" encoding="utf-8"?>
+<a:theme xmlns:a="http://schemas.openxmlformats.org/drawingml/2006/main" name="Office Theme">
+  <a:themeElements>
+    <a:clrScheme name="Office">
+      <a:dk1>
+        <a:sysClr val="windowText" lastClr="000000"/>
+      </a:dk1>
+      <a:lt1>
+        <a:sysClr val="window" lastClr="FFFFFF"/>
+      </a:lt1>
+      <a:dk2>
+        <a:srgbClr val="1F497D"/>
+      </a:dk2>
+      <a:lt2>
+        <a:srgbClr val="EEECE1"/>
+      </a:lt2>
+      <a:accent1>
+        <a:srgbClr val="4F81BD"/>
+      </a:accent1>
+      <a:accent2>
+        <a:srgbClr val="C0504D"/>
+      </a:accent2>
+      <a:accent3>
+        <a:srgbClr val="9BBB59"/>
+      </a:accent3>
+      <a:accent4>
+        <a:srgbClr val="8064A2"/>
+      </a:accent4>
+      <a:accent5>
+        <a:srgbClr val="4BACC6"/>
+      </a:accent5>
+      <a:accent6>
+        <a:srgbClr val="F79646"/>
+      </a:accent6>
+      <a:hlink>
+        <a:srgbClr val="0000FF"/>
+      </a:hlink>
+      <a:folHlink>
+        <a:srgbClr val="800080"/>
+      </a:folHlink>
+    </a:clrScheme>
+    <a:fontScheme name="Office">
+      <a:majorFont>
+        <a:latin typeface="Calibri"/>
+        <a:ea typeface=""/>
+        <a:cs typeface=""/>
+        <a:font script="Jpan" typeface="ＭＳ Ｐゴシック"/>
+        <a:font script="Hang" typeface="맑은 고딕"/>
+        <a:font script="Hans" typeface="宋体"/>
+        <a:font script="Hant" typeface="新細明體"/>
+        <a:font script="Arab" typeface="Times New Roman"/>
+        <a:font script="Hebr" typeface="Times New Roman"/>
+        <a:font script="Thai" typeface="Angsana New"/>
+        <a:font script="Ethi" typeface="Nyala"/>
+        <a:font script="Beng" typeface="Vrinda"/>
+        <a:font script="Gujr" typeface="Shruti"/>
+        <a:font script="Khmr" typeface="MoolBoran"/>
+        <a:font script="Knda" typeface="Tunga"/>
+        <a:font script="Guru" typeface="Raavi"/>
+        <a:font script="Cans" typeface="Euphemia"/>
+        <a:font script="Cher" typeface="Plantagenet Cherokee"/>
+        <a:font script="Yiii" typeface="Microsoft Yi Baiti"/>
+        <a:font script="Tibt" typeface="Microsoft Himalaya"/>
+        <a:font script="Thaa" typeface="MV Boli"/>
+        <a:font script="Deva" typeface="Mangal"/>
+        <a:font script="Telu" typeface="Gautami"/>
+        <a:font script="Taml" typeface="Latha"/>
+        <a:font script="Syrc" typeface="Estrangelo Edessa"/>
+        <a:font script="Orya" typeface="Kalinga"/>
+        <a:font script="Mlym" typeface="Kartika"/>
+        <a:font script="Laoo" typeface="DokChampa"/>
+        <a:font script="Sinh" typeface="Iskoola Pota"/>
+        <a:font script="Mong" typeface="Mongolian Baiti"/>
+        <a:font script="Viet" typeface="Times New Roman"/>
+        <a:font script="Uigh" typeface="Microsoft Uighur"/>
+      </a:majorFont>
+      <a:minorFont>
+        <a:latin typeface="Calibri"/>
+        <a:ea typeface=""/>
+        <a:cs typeface=""/>
+        <a:font script="Jpan" typeface="ＭＳ Ｐゴシック"/>
+        <a:font script="Hang" typeface="맑은 고딕"/>
+        <a:font script="Hans" typeface="宋体"/>
+        <a:font script="Hant" typeface="新細明體"/>
+        <a:font script="Arab" typeface="Arial"/>
+        <a:font script="Hebr" typeface="Arial"/>
+        <a:font script="Thai" typeface="Cordia New"/>
+        <a:font script="Ethi" typeface="Nyala"/>
+        <a:font script="Beng" typeface="Vrinda"/>
+        <a:font script="Gujr" typeface="Shruti"/>
+        <a:font script="Khmr" typeface="DaunPenh"/>
+        <a:font script="Knda" typeface="Tunga"/>
+        <a:font script="Guru" typeface="Raavi"/>
+        <a:font script="Cans" typeface="Euphemia"/>
+        <a:font script="Cher" typeface="Plantagenet Cherokee"/>
+        <a:font script="Yiii" typeface="Microsoft Yi Baiti"/>
+        <a:font script="Tibt" typeface="Microsoft Himalaya"/>
+        <a:font script="Thaa" typeface="MV Boli"/>
+        <a:font script="Deva" typeface="Mangal"/>
+        <a:font script="Telu" typeface="Gautami"/>
+        <a:font script="Taml" typeface="Latha"/>
+        <a:font script="Syrc" typeface="Estrangelo Edessa"/>
+        <a:font script="Orya" typeface="Kalinga"/>
+        <a:font script="Mlym" typeface="Kartika"/>
+        <a:font script="Laoo" typeface="DokChampa"/>
+        <a:font script="Sinh" typeface="Iskoola Pota"/>
+        <a:font script="Mong" typeface="Mongolian Baiti"/>
+        <a:font script="Viet" typeface="Arial"/>
+        <a:font script="Uigh" typeface="Microsoft Uighur"/>
+      </a:minorFont>
+    </a:fontScheme>
+    <a:fmtScheme name="Office">
+      <a:fillStyleLst>
+        <a:solidFill>
+          <a:schemeClr val="phClr"/>
+        </a:solidFill>
+        <a:gradFill rotWithShape="1">
+          <a:gsLst>
+            <a:gs pos="0">
+              <a:schemeClr val="phClr">
+                <a:tint val="50000"/>
+                <a:satMod val="300000"/>
+              </a:schemeClr>
+            </a:gs>
+            <a:gs pos="35000">
+              <a:schemeClr val="phClr">
+                <a:tint val="37000"/>
+                <a:satMod val="300000"/>
+              </a:schemeClr>
+            </a:gs>
+            <a:gs pos="100000">
+              <a:schemeClr val="phClr">
+                <a:tint val="15000"/>
+                <a:satMod val="350000"/>
+              </a:schemeClr>
+            </a:gs>
+          </a:gsLst>
+          <a:lin ang="16200000" scaled="1"/>
+        </a:gradFill>
+        <a:gradFill rotWithShape="1">
+          <a:gsLst>
+            <a:gs pos="0">
+              <a:schemeClr val="phClr">
+                <a:tint val="100000"/>
+                <a:shade val="100000"/>
+                <a:satMod val="130000"/>
+              </a:schemeClr>
+            </a:gs>
+            <a:gs pos="100000">
+              <a:schemeClr val="phClr">
+                <a:tint val="50000"/>
+                <a:shade val="100000"/>
+                <a:satMod val="350000"/>
+              </a:schemeClr>
+            </a:gs>
+          </a:gsLst>
+          <a:lin ang="16200000" scaled="0"/>
+        </a:gradFill>
+      </a:fillStyleLst>
+      <a:lnStyleLst>
+        <a:ln w="9525" cap="flat" cmpd="sng" algn="ctr">
+          <a:solidFill>
+            <a:schemeClr val="phClr">
+              <a:shade val="95000"/>
+              <a:satMod val="105000"/>
+            </a:schemeClr>
+          </a:solidFill>
+          <a:prstDash val="solid"/>
+        </a:ln>
+        <a:ln w="25400" cap="flat" cmpd="sng" algn="ctr">
+          <a:solidFill>
+            <a:schemeClr val="phClr"/>
+          </a:solidFill>
+          <a:prstDash val="solid"/>
+        </a:ln>
+        <a:ln w="38100" cap="flat" cmpd="sng" algn="ctr">
+          <a:solidFill>
+            <a:schemeClr val="phClr"/>
+          </a:solidFill>
+          <a:prstDash val="solid"/>
+        </a:ln>
+      </a:lnStyleLst>
+      <a:effectStyleLst>
+        <a:effectStyle>
+          <a:effectLst>
+            <a:outerShdw blurRad="40000" dist="20000" dir="5400000" rotWithShape="0">
+              <a:srgbClr val="000000">
+                <a:alpha val="38000"/>
+              </a:srgbClr>
+            </a:outerShdw>
+          </a:effectLst>
+        </a:effectStyle>
+        <a:effectStyle>
+          <a:effectLst>
+            <a:outerShdw blurRad="40000" dist="23000" dir="5400000" rotWithShape="0">
+              <a:srgbClr val="000000">
+                <a:alpha val="35000"/>
+              </a:srgbClr>
+            </a:outerShdw>
+          </a:effectLst>
+        </a:effectStyle>
+        <a:effectStyle>
+          <a:effectLst>
+            <a:outerShdw blurRad="40000" dist="23000" dir="5400000" rotWithShape="0">
+              <a:srgbClr val="000000">
+                <a:alpha val="35000"/>
+              </a:srgbClr>
+            </a:outerShdw>
+          </a:effectLst>
+          <a:scene3d>
+            <a:camera prst="orthographicFront">
+              <a:rot lat="0" lon="0" rev="0"/>
+            </a:camera>
+            <a:lightRig rig="threePt" dir="t">
+              <a:rot lat="0" lon="0" rev="1200000"/>
+            </a:lightRig>
+          </a:scene3d>
+          <a:sp3d>
+            <a:bevelT w="63500" h="25400"/>
+          </a:sp3d>
+        </a:effectStyle>
+      </a:effectStyleLst>
+      <a:bgFillStyleLst>
+        <a:solidFill>
+          <a:schemeClr val="phClr"/>
+        </a:solidFill>
+        <a:gradFill rotWithShape="1">
+          <a:gsLst>
+            <a:gs pos="0">
+              <a:schemeClr val="phClr">
+                <a:tint val="40000"/>
+                <a:satMod val="350000"/>
+              </a:schemeClr>
+            </a:gs>
+            <a:gs pos="40000">
+              <a:schemeClr val="phClr">
+                <a:tint val="45000"/>
+                <a:shade val="99000"/>
+                <a:satMod val="350000"/>
+              </a:schemeClr>
+            </a:gs>
+            <a:gs pos="100000">
+              <a:schemeClr val="phClr">
+                <a:shade val="20000"/>
+                <a:satMod val="255000"/>
+              </a:schemeClr>
+            </a:gs>
+          </a:gsLst>
+          <a:path path="circle">
+            <a:fillToRect l="50000" t="-80000" r="50000" b="180000"/>
+          </a:path>
+        </a:gradFill>
+        <a:gradFill rotWithShape="1">
+          <a:gsLst>
+            <a:gs pos="0">
+              <a:schemeClr val="phClr">
+                <a:tint val="80000"/>
+                <a:satMod val="300000"/>
+              </a:schemeClr>
+            </a:gs>
+            <a:gs pos="100000">
+              <a:schemeClr val="phClr">
+                <a:shade val="30000"/>
+                <a:satMod val="200000"/>
+              </a:schemeClr>
+            </a:gs>
+          </a:gsLst>
+          <a:path path="circle">
+            <a:fillToRect l="50000" t="50000" r="50000" b="50000"/>
+          </a:path>
+        </a:gradFill>
+      </a:bgFillStyleLst>
+    </a:fmtScheme>
+  </a:themeElements>
+  <a:objectDefaults>
+    <a:spDef>
+      <a:spPr/>
+      <a:bodyPr/>
+      <a:lstStyle/>
+      <a:style>
+        <a:lnRef idx="1">
+          <a:schemeClr val="accent1"/>
+        </a:lnRef>
+        <a:fillRef idx="3">
+          <a:schemeClr val="accent1"/>
+        </a:fillRef>
+        <a:effectRef idx="2">
+          <a:schemeClr val="accent1"/>
+        </a:effectRef>
+        <a:fontRef idx="minor">
+          <a:schemeClr val="lt1"/>
+        </a:fontRef>
+      </a:style>
+    </a:spDef>
+    <a:lnDef>
+      <a:spPr/>
+      <a:bodyPr/>
+      <a:lstStyle/>
+      <a:style>
+        <a:lnRef idx="2">
+          <a:schemeClr val="accent1"/>
+        </a:lnRef>
+        <a:fillRef idx="0">
+          <a:schemeClr val="accent1"/>
+        </a:fillRef>
+        <a:effectRef idx="1">
+          <a:schemeClr val="accent1"/>
+        </a:effectRef>
+        <a:fontRef idx="minor">
+          <a:schemeClr val="tx1"/>
+        </a:fontRef>
+      </a:style>
+    </a:lnDef>
+  </a:objectDefaults>
+  <a:extraClrSchemeLst/>
+</a:theme>
 </file>
--- a/nightcrawlerDemo.pptx
+++ b/nightcrawlerDemo.pptx
@@ -5,22 +5,23 @@
     <p:sldMasterId id="2147483660" r:id="rId1"/>
   </p:sldMasterIdLst>
   <p:notesMasterIdLst>
-    <p:notesMasterId r:id="rId15"/>
+    <p:notesMasterId r:id="rId16"/>
   </p:notesMasterIdLst>
   <p:sldIdLst>
     <p:sldId id="256" r:id="rId2"/>
-    <p:sldId id="266" r:id="rId3"/>
+    <p:sldId id="269" r:id="rId3"/>
     <p:sldId id="262" r:id="rId4"/>
     <p:sldId id="268" r:id="rId5"/>
-    <p:sldId id="261" r:id="rId6"/>
-    <p:sldId id="265" r:id="rId7"/>
-    <p:sldId id="264" r:id="rId8"/>
-    <p:sldId id="263" r:id="rId9"/>
-    <p:sldId id="257" r:id="rId10"/>
-    <p:sldId id="258" r:id="rId11"/>
-    <p:sldId id="259" r:id="rId12"/>
-    <p:sldId id="260" r:id="rId13"/>
-    <p:sldId id="267" r:id="rId14"/>
+    <p:sldId id="266" r:id="rId6"/>
+    <p:sldId id="261" r:id="rId7"/>
+    <p:sldId id="265" r:id="rId8"/>
+    <p:sldId id="264" r:id="rId9"/>
+    <p:sldId id="263" r:id="rId10"/>
+    <p:sldId id="257" r:id="rId11"/>
+    <p:sldId id="258" r:id="rId12"/>
+    <p:sldId id="259" r:id="rId13"/>
+    <p:sldId id="260" r:id="rId14"/>
+    <p:sldId id="267" r:id="rId15"/>
   </p:sldIdLst>
   <p:sldSz cx="9144000" cy="6858000" type="screen4x3"/>
   <p:notesSz cx="6858000" cy="9144000"/>
@@ -204,7 +205,8 @@
           <a:p>
             <a:fld id="{5CD382FE-58AC-2D45-80B2-ABE2AF3A920D}" type="datetimeFigureOut">
               <a:rPr lang="en-US" smtClean="0"/>
-              <a:t>5/9/13</a:t>
+              <a:pPr/>
+              <a:t>5/11/13</a:t>
             </a:fld>
             <a:endParaRPr lang="en-US"/>
           </a:p>
@@ -365,6 +367,7 @@
           <a:p>
             <a:fld id="{A33A6D9F-24A0-4A44-B258-0B9A2DA21D88}" type="slidenum">
               <a:rPr lang="en-US" smtClean="0"/>
+              <a:pPr/>
               <a:t>‹#›</a:t>
             </a:fld>
             <a:endParaRPr lang="en-US"/>
@@ -602,7 +605,8 @@
           <a:p>
             <a:fld id="{A33A6D9F-24A0-4A44-B258-0B9A2DA21D88}" type="slidenum">
               <a:rPr lang="en-US" smtClean="0"/>
-              <a:t>8</a:t>
+              <a:pPr/>
+              <a:t>9</a:t>
             </a:fld>
             <a:endParaRPr lang="en-US"/>
           </a:p>
@@ -836,7 +840,7 @@
             <a:fld id="{D3C9DA85-F9B4-4C45-B8BF-8D4F75AD81D9}" type="datetimeFigureOut">
               <a:rPr lang="en-US" smtClean="0"/>
               <a:pPr/>
-              <a:t>5/9/13</a:t>
+              <a:t>5/11/13</a:t>
             </a:fld>
             <a:endParaRPr lang="en-US"/>
           </a:p>
@@ -1025,7 +1029,7 @@
             <a:fld id="{D3C9DA85-F9B4-4C45-B8BF-8D4F75AD81D9}" type="datetimeFigureOut">
               <a:rPr lang="en-US" smtClean="0"/>
               <a:pPr/>
-              <a:t>5/9/13</a:t>
+              <a:t>5/11/13</a:t>
             </a:fld>
             <a:endParaRPr lang="en-US"/>
           </a:p>
@@ -1202,7 +1206,7 @@
             <a:fld id="{D3C9DA85-F9B4-4C45-B8BF-8D4F75AD81D9}" type="datetimeFigureOut">
               <a:rPr lang="en-US" smtClean="0"/>
               <a:pPr/>
-              <a:t>5/9/13</a:t>
+              <a:t>5/11/13</a:t>
             </a:fld>
             <a:endParaRPr lang="en-US"/>
           </a:p>
@@ -1384,7 +1388,7 @@
             <a:fld id="{D3C9DA85-F9B4-4C45-B8BF-8D4F75AD81D9}" type="datetimeFigureOut">
               <a:rPr lang="en-US" smtClean="0"/>
               <a:pPr/>
-              <a:t>5/9/13</a:t>
+              <a:t>5/11/13</a:t>
             </a:fld>
             <a:endParaRPr lang="en-US"/>
           </a:p>
@@ -1633,7 +1637,7 @@
             <a:fld id="{D3C9DA85-F9B4-4C45-B8BF-8D4F75AD81D9}" type="datetimeFigureOut">
               <a:rPr lang="en-US" smtClean="0"/>
               <a:pPr/>
-              <a:t>5/9/13</a:t>
+              <a:t>5/11/13</a:t>
             </a:fld>
             <a:endParaRPr lang="en-US"/>
           </a:p>
@@ -2109,7 +2113,7 @@
             <a:fld id="{D3C9DA85-F9B4-4C45-B8BF-8D4F75AD81D9}" type="datetimeFigureOut">
               <a:rPr lang="en-US" smtClean="0"/>
               <a:pPr/>
-              <a:t>5/9/13</a:t>
+              <a:t>5/11/13</a:t>
             </a:fld>
             <a:endParaRPr lang="en-US"/>
           </a:p>
@@ -2526,7 +2530,7 @@
             <a:fld id="{D3C9DA85-F9B4-4C45-B8BF-8D4F75AD81D9}" type="datetimeFigureOut">
               <a:rPr lang="en-US" smtClean="0"/>
               <a:pPr/>
-              <a:t>5/9/13</a:t>
+              <a:t>5/11/13</a:t>
             </a:fld>
             <a:endParaRPr lang="en-US"/>
           </a:p>
@@ -2659,7 +2663,7 @@
             <a:fld id="{D3C9DA85-F9B4-4C45-B8BF-8D4F75AD81D9}" type="datetimeFigureOut">
               <a:rPr lang="en-US" smtClean="0"/>
               <a:pPr/>
-              <a:t>5/9/13</a:t>
+              <a:t>5/11/13</a:t>
             </a:fld>
             <a:endParaRPr lang="en-US"/>
           </a:p>
@@ -2756,7 +2760,7 @@
             <a:fld id="{D3C9DA85-F9B4-4C45-B8BF-8D4F75AD81D9}" type="datetimeFigureOut">
               <a:rPr lang="en-US" smtClean="0"/>
               <a:pPr/>
-              <a:t>5/9/13</a:t>
+              <a:t>5/11/13</a:t>
             </a:fld>
             <a:endParaRPr lang="en-US"/>
           </a:p>
@@ -3036,7 +3040,7 @@
             <a:fld id="{D3C9DA85-F9B4-4C45-B8BF-8D4F75AD81D9}" type="datetimeFigureOut">
               <a:rPr lang="en-US" smtClean="0"/>
               <a:pPr/>
-              <a:t>5/9/13</a:t>
+              <a:t>5/11/13</a:t>
             </a:fld>
             <a:endParaRPr lang="en-US"/>
           </a:p>
@@ -3290,7 +3294,7 @@
             <a:fld id="{D3C9DA85-F9B4-4C45-B8BF-8D4F75AD81D9}" type="datetimeFigureOut">
               <a:rPr lang="en-US" smtClean="0"/>
               <a:pPr/>
-              <a:t>5/9/13</a:t>
+              <a:t>5/11/13</a:t>
             </a:fld>
             <a:endParaRPr lang="en-US"/>
           </a:p>
@@ -3664,7 +3668,7 @@
             <a:fld id="{D3C9DA85-F9B4-4C45-B8BF-8D4F75AD81D9}" type="datetimeFigureOut">
               <a:rPr lang="en-US" smtClean="0"/>
               <a:pPr/>
-              <a:t>5/9/13</a:t>
+              <a:t>5/11/13</a:t>
             </a:fld>
             <a:endParaRPr lang="en-US"/>
           </a:p>
@@ -4166,6 +4170,36 @@
           </a:prstGeom>
         </p:spPr>
       </p:pic>
+      <p:sp>
+        <p:nvSpPr>
+          <p:cNvPr id="5" name="TextBox 4"/>
+          <p:cNvSpPr txBox="1"/>
+          <p:nvPr/>
+        </p:nvSpPr>
+        <p:spPr>
+          <a:xfrm>
+            <a:off x="3994460" y="4269858"/>
+            <a:ext cx="4012868" cy="369332"/>
+          </a:xfrm>
+          <a:prstGeom prst="rect">
+            <a:avLst/>
+          </a:prstGeom>
+          <a:noFill/>
+        </p:spPr>
+        <p:txBody>
+          <a:bodyPr wrap="square" rtlCol="0">
+            <a:spAutoFit/>
+          </a:bodyPr>
+          <a:lstStyle/>
+          <a:p>
+            <a:r>
+              <a:rPr lang="en-US" dirty="0" smtClean="0"/>
+              <a:t>Faster, Cheaper, Smarter Travel</a:t>
+            </a:r>
+            <a:endParaRPr lang="en-US" dirty="0"/>
+          </a:p>
+        </p:txBody>
+      </p:sp>
     </p:spTree>
   </p:cSld>
   <p:clrMapOvr>
@@ -4218,7 +4252,7 @@
           <a:p>
             <a:r>
               <a:rPr lang="en-US" dirty="0" smtClean="0"/>
-              <a:t>Scraping</a:t>
+              <a:t>Back-end</a:t>
             </a:r>
             <a:endParaRPr lang="en-US" dirty="0"/>
           </a:p>
@@ -4240,224 +4274,158 @@
         </p:blipFill>
         <p:spPr>
           <a:xfrm>
-            <a:off x="1243341" y="2894574"/>
-            <a:ext cx="4914900" cy="1651000"/>
+            <a:off x="184757" y="3588674"/>
+            <a:ext cx="3434743" cy="1262500"/>
           </a:xfrm>
           <a:prstGeom prst="rect">
             <a:avLst/>
           </a:prstGeom>
         </p:spPr>
       </p:pic>
-      <p:sp>
-        <p:nvSpPr>
-          <p:cNvPr id="5" name="TextBox 4"/>
-          <p:cNvSpPr txBox="1"/>
+      <p:pic>
+        <p:nvPicPr>
+          <p:cNvPr id="5" name="Picture 4"/>
+          <p:cNvPicPr>
+            <a:picLocks noChangeAspect="1"/>
+          </p:cNvPicPr>
           <p:nvPr/>
-        </p:nvSpPr>
-        <p:spPr>
-          <a:xfrm>
-            <a:off x="5005759" y="1299604"/>
-            <a:ext cx="3007941" cy="584776"/>
+        </p:nvPicPr>
+        <p:blipFill>
+          <a:blip r:embed="rId3"/>
+          <a:stretch>
+            <a:fillRect/>
+          </a:stretch>
+        </p:blipFill>
+        <p:spPr>
+          <a:xfrm>
+            <a:off x="184757" y="5134280"/>
+            <a:ext cx="4038600" cy="1255784"/>
           </a:xfrm>
           <a:prstGeom prst="rect">
             <a:avLst/>
           </a:prstGeom>
         </p:spPr>
-        <p:style>
-          <a:lnRef idx="1">
-            <a:schemeClr val="accent1"/>
-          </a:lnRef>
-          <a:fillRef idx="2">
-            <a:schemeClr val="accent1"/>
-          </a:fillRef>
-          <a:effectRef idx="1">
-            <a:schemeClr val="accent1"/>
-          </a:effectRef>
-          <a:fontRef idx="minor">
-            <a:schemeClr val="dk1"/>
-          </a:fontRef>
-        </p:style>
-        <p:txBody>
-          <a:bodyPr wrap="square" rtlCol="0">
-            <a:spAutoFit/>
-            <a:scene3d>
-              <a:camera prst="orthographicFront"/>
-              <a:lightRig rig="balanced" dir="t">
-                <a:rot lat="0" lon="0" rev="2100000"/>
-              </a:lightRig>
-            </a:scene3d>
-            <a:sp3d extrusionH="57150" prstMaterial="metal">
-              <a:bevelT w="38100" h="25400"/>
-              <a:contourClr>
-                <a:schemeClr val="bg2"/>
-              </a:contourClr>
-            </a:sp3d>
-          </a:bodyPr>
-          <a:lstStyle/>
-          <a:p>
-            <a:pPr algn="ctr"/>
-            <a:r>
-              <a:rPr lang="en-US" sz="3200" b="1" dirty="0" smtClean="0">
-                <a:ln w="50800"/>
-                <a:solidFill>
-                  <a:schemeClr val="bg1">
-                    <a:shade val="50000"/>
-                  </a:schemeClr>
-                </a:solidFill>
-              </a:rPr>
-              <a:t>POST Requests</a:t>
-            </a:r>
-            <a:endParaRPr lang="en-US" sz="3200" b="1" dirty="0">
-              <a:ln w="50800"/>
-              <a:solidFill>
-                <a:schemeClr val="bg1">
-                  <a:shade val="50000"/>
-                </a:schemeClr>
-              </a:solidFill>
-            </a:endParaRPr>
-          </a:p>
-        </p:txBody>
-      </p:sp>
-      <p:sp>
-        <p:nvSpPr>
-          <p:cNvPr id="10" name="TextBox 9"/>
-          <p:cNvSpPr txBox="1"/>
+      </p:pic>
+      <p:pic>
+        <p:nvPicPr>
+          <p:cNvPr id="7" name="Picture 6"/>
+          <p:cNvPicPr>
+            <a:picLocks noChangeAspect="1"/>
+          </p:cNvPicPr>
           <p:nvPr/>
-        </p:nvSpPr>
-        <p:spPr>
-          <a:xfrm>
-            <a:off x="457200" y="5080273"/>
-            <a:ext cx="3007941" cy="584776"/>
+        </p:nvPicPr>
+        <p:blipFill>
+          <a:blip r:embed="rId4"/>
+          <a:stretch>
+            <a:fillRect/>
+          </a:stretch>
+        </p:blipFill>
+        <p:spPr>
+          <a:xfrm>
+            <a:off x="6129746" y="267495"/>
+            <a:ext cx="2912653" cy="1981032"/>
           </a:xfrm>
           <a:prstGeom prst="rect">
             <a:avLst/>
           </a:prstGeom>
         </p:spPr>
-        <p:style>
-          <a:lnRef idx="1">
-            <a:schemeClr val="accent1"/>
-          </a:lnRef>
-          <a:fillRef idx="2">
-            <a:schemeClr val="accent1"/>
-          </a:fillRef>
-          <a:effectRef idx="1">
-            <a:schemeClr val="accent1"/>
-          </a:effectRef>
-          <a:fontRef idx="minor">
-            <a:schemeClr val="dk1"/>
-          </a:fontRef>
-        </p:style>
-        <p:txBody>
-          <a:bodyPr wrap="square" rtlCol="0">
-            <a:spAutoFit/>
-            <a:scene3d>
-              <a:camera prst="orthographicFront"/>
-              <a:lightRig rig="balanced" dir="t">
-                <a:rot lat="0" lon="0" rev="2100000"/>
-              </a:lightRig>
-            </a:scene3d>
-            <a:sp3d extrusionH="57150" prstMaterial="metal">
-              <a:bevelT w="38100" h="25400"/>
-              <a:contourClr>
-                <a:schemeClr val="bg2"/>
-              </a:contourClr>
-            </a:sp3d>
-          </a:bodyPr>
-          <a:lstStyle/>
-          <a:p>
-            <a:pPr algn="ctr"/>
-            <a:r>
-              <a:rPr lang="en-US" sz="3200" b="1" dirty="0" smtClean="0">
-                <a:ln w="50800"/>
-                <a:solidFill>
-                  <a:schemeClr val="bg1">
-                    <a:shade val="50000"/>
-                  </a:schemeClr>
-                </a:solidFill>
-              </a:rPr>
-              <a:t>GET Requests</a:t>
-            </a:r>
-            <a:endParaRPr lang="en-US" sz="3200" b="1" dirty="0">
-              <a:ln w="50800"/>
-              <a:solidFill>
-                <a:schemeClr val="bg1">
-                  <a:shade val="50000"/>
-                </a:schemeClr>
-              </a:solidFill>
-            </a:endParaRPr>
-          </a:p>
-        </p:txBody>
-      </p:sp>
-      <p:sp>
-        <p:nvSpPr>
-          <p:cNvPr id="11" name="TextBox 10"/>
-          <p:cNvSpPr txBox="1"/>
+      </p:pic>
+      <p:pic>
+        <p:nvPicPr>
+          <p:cNvPr id="8" name="Picture 7"/>
+          <p:cNvPicPr>
+            <a:picLocks noChangeAspect="1"/>
+          </p:cNvPicPr>
           <p:nvPr/>
-        </p:nvSpPr>
-        <p:spPr>
-          <a:xfrm>
-            <a:off x="4197070" y="5372661"/>
-            <a:ext cx="4489730" cy="584776"/>
+        </p:nvPicPr>
+        <p:blipFill>
+          <a:blip r:embed="rId5"/>
+          <a:stretch>
+            <a:fillRect/>
+          </a:stretch>
+        </p:blipFill>
+        <p:spPr>
+          <a:xfrm>
+            <a:off x="6129745" y="2400881"/>
+            <a:ext cx="2912653" cy="1213605"/>
           </a:xfrm>
           <a:prstGeom prst="rect">
             <a:avLst/>
           </a:prstGeom>
         </p:spPr>
-        <p:style>
-          <a:lnRef idx="1">
-            <a:schemeClr val="accent1"/>
-          </a:lnRef>
-          <a:fillRef idx="2">
-            <a:schemeClr val="accent1"/>
-          </a:fillRef>
-          <a:effectRef idx="1">
-            <a:schemeClr val="accent1"/>
-          </a:effectRef>
-          <a:fontRef idx="minor">
-            <a:schemeClr val="dk1"/>
-          </a:fontRef>
-        </p:style>
-        <p:txBody>
-          <a:bodyPr wrap="square" rtlCol="0">
-            <a:spAutoFit/>
-            <a:scene3d>
-              <a:camera prst="orthographicFront"/>
-              <a:lightRig rig="balanced" dir="t">
-                <a:rot lat="0" lon="0" rev="2100000"/>
-              </a:lightRig>
-            </a:scene3d>
-            <a:sp3d extrusionH="57150" prstMaterial="metal">
-              <a:bevelT w="38100" h="25400"/>
-              <a:contourClr>
-                <a:schemeClr val="bg2"/>
-              </a:contourClr>
-            </a:sp3d>
-          </a:bodyPr>
-          <a:lstStyle/>
-          <a:p>
-            <a:pPr algn="ctr"/>
-            <a:r>
-              <a:rPr lang="en-US" sz="3200" b="1" dirty="0" smtClean="0">
-                <a:ln w="50800"/>
-                <a:solidFill>
-                  <a:schemeClr val="bg1">
-                    <a:shade val="50000"/>
-                  </a:schemeClr>
-                </a:solidFill>
-              </a:rPr>
-              <a:t>Regular Expressions</a:t>
-            </a:r>
-            <a:endParaRPr lang="en-US" sz="3200" b="1" dirty="0">
-              <a:ln w="50800"/>
-              <a:solidFill>
-                <a:schemeClr val="bg1">
-                  <a:shade val="50000"/>
-                </a:schemeClr>
-              </a:solidFill>
-            </a:endParaRPr>
-          </a:p>
-        </p:txBody>
-      </p:sp>
+      </p:pic>
+      <p:pic>
+        <p:nvPicPr>
+          <p:cNvPr id="9" name="Picture 8"/>
+          <p:cNvPicPr>
+            <a:picLocks noChangeAspect="1"/>
+          </p:cNvPicPr>
+          <p:nvPr/>
+        </p:nvPicPr>
+        <p:blipFill>
+          <a:blip r:embed="rId6"/>
+          <a:stretch>
+            <a:fillRect/>
+          </a:stretch>
+        </p:blipFill>
+        <p:spPr>
+          <a:xfrm>
+            <a:off x="457200" y="1555027"/>
+            <a:ext cx="5238750" cy="1143594"/>
+          </a:xfrm>
+          <a:prstGeom prst="rect">
+            <a:avLst/>
+          </a:prstGeom>
+        </p:spPr>
+      </p:pic>
+      <p:pic>
+        <p:nvPicPr>
+          <p:cNvPr id="10" name="Picture 9"/>
+          <p:cNvPicPr>
+            <a:picLocks noChangeAspect="1"/>
+          </p:cNvPicPr>
+          <p:nvPr/>
+        </p:nvPicPr>
+        <p:blipFill>
+          <a:blip r:embed="rId7"/>
+          <a:stretch>
+            <a:fillRect/>
+          </a:stretch>
+        </p:blipFill>
+        <p:spPr>
+          <a:xfrm>
+            <a:off x="3958948" y="3019444"/>
+            <a:ext cx="1908452" cy="1831730"/>
+          </a:xfrm>
+          <a:prstGeom prst="rect">
+            <a:avLst/>
+          </a:prstGeom>
+        </p:spPr>
+      </p:pic>
+      <p:pic>
+        <p:nvPicPr>
+          <p:cNvPr id="11" name="Picture 10"/>
+          <p:cNvPicPr>
+            <a:picLocks noChangeAspect="1"/>
+          </p:cNvPicPr>
+          <p:nvPr/>
+        </p:nvPicPr>
+        <p:blipFill>
+          <a:blip r:embed="rId8"/>
+          <a:stretch>
+            <a:fillRect/>
+          </a:stretch>
+        </p:blipFill>
+        <p:spPr>
+          <a:xfrm>
+            <a:off x="4396712" y="4956158"/>
+            <a:ext cx="4290088" cy="1673015"/>
+          </a:xfrm>
+          <a:prstGeom prst="rect">
+            <a:avLst/>
+          </a:prstGeom>
+        </p:spPr>
+      </p:pic>
     </p:spTree>
   </p:cSld>
   <p:clrMapOvr>
@@ -4510,7 +4478,7 @@
           <a:p>
             <a:r>
               <a:rPr lang="en-US" dirty="0" smtClean="0"/>
-              <a:t>Front-end</a:t>
+              <a:t>Scraping</a:t>
             </a:r>
             <a:endParaRPr lang="en-US" dirty="0"/>
           </a:p>
@@ -4532,110 +4500,224 @@
         </p:blipFill>
         <p:spPr>
           <a:xfrm>
-            <a:off x="235706" y="1791374"/>
-            <a:ext cx="4371118" cy="1602351"/>
+            <a:off x="1243341" y="2894574"/>
+            <a:ext cx="4914900" cy="1651000"/>
           </a:xfrm>
           <a:prstGeom prst="rect">
             <a:avLst/>
           </a:prstGeom>
         </p:spPr>
       </p:pic>
-      <p:pic>
-        <p:nvPicPr>
-          <p:cNvPr id="5" name="Picture 4"/>
-          <p:cNvPicPr>
-            <a:picLocks noChangeAspect="1"/>
-          </p:cNvPicPr>
+      <p:sp>
+        <p:nvSpPr>
+          <p:cNvPr id="5" name="TextBox 4"/>
+          <p:cNvSpPr txBox="1"/>
           <p:nvPr/>
-        </p:nvPicPr>
-        <p:blipFill>
-          <a:blip r:embed="rId3"/>
-          <a:stretch>
-            <a:fillRect/>
-          </a:stretch>
-        </p:blipFill>
-        <p:spPr>
-          <a:xfrm>
-            <a:off x="796824" y="4420472"/>
-            <a:ext cx="3432276" cy="1922075"/>
+        </p:nvSpPr>
+        <p:spPr>
+          <a:xfrm>
+            <a:off x="5005759" y="1299604"/>
+            <a:ext cx="3007941" cy="584776"/>
           </a:xfrm>
           <a:prstGeom prst="rect">
             <a:avLst/>
           </a:prstGeom>
         </p:spPr>
-      </p:pic>
-      <p:pic>
-        <p:nvPicPr>
-          <p:cNvPr id="6" name="Picture 5"/>
-          <p:cNvPicPr>
-            <a:picLocks noChangeAspect="1"/>
-          </p:cNvPicPr>
+        <p:style>
+          <a:lnRef idx="1">
+            <a:schemeClr val="accent1"/>
+          </a:lnRef>
+          <a:fillRef idx="2">
+            <a:schemeClr val="accent1"/>
+          </a:fillRef>
+          <a:effectRef idx="1">
+            <a:schemeClr val="accent1"/>
+          </a:effectRef>
+          <a:fontRef idx="minor">
+            <a:schemeClr val="dk1"/>
+          </a:fontRef>
+        </p:style>
+        <p:txBody>
+          <a:bodyPr wrap="square" rtlCol="0">
+            <a:spAutoFit/>
+            <a:scene3d>
+              <a:camera prst="orthographicFront"/>
+              <a:lightRig rig="balanced" dir="t">
+                <a:rot lat="0" lon="0" rev="2100000"/>
+              </a:lightRig>
+            </a:scene3d>
+            <a:sp3d extrusionH="57150" prstMaterial="metal">
+              <a:bevelT w="38100" h="25400"/>
+              <a:contourClr>
+                <a:schemeClr val="bg2"/>
+              </a:contourClr>
+            </a:sp3d>
+          </a:bodyPr>
+          <a:lstStyle/>
+          <a:p>
+            <a:pPr algn="ctr"/>
+            <a:r>
+              <a:rPr lang="en-US" sz="3200" b="1" dirty="0" smtClean="0">
+                <a:ln w="50800"/>
+                <a:solidFill>
+                  <a:schemeClr val="bg1">
+                    <a:shade val="50000"/>
+                  </a:schemeClr>
+                </a:solidFill>
+              </a:rPr>
+              <a:t>POST Requests</a:t>
+            </a:r>
+            <a:endParaRPr lang="en-US" sz="3200" b="1" dirty="0">
+              <a:ln w="50800"/>
+              <a:solidFill>
+                <a:schemeClr val="bg1">
+                  <a:shade val="50000"/>
+                </a:schemeClr>
+              </a:solidFill>
+            </a:endParaRPr>
+          </a:p>
+        </p:txBody>
+      </p:sp>
+      <p:sp>
+        <p:nvSpPr>
+          <p:cNvPr id="10" name="TextBox 9"/>
+          <p:cNvSpPr txBox="1"/>
           <p:nvPr/>
-        </p:nvPicPr>
-        <p:blipFill>
-          <a:blip r:embed="rId4"/>
-          <a:stretch>
-            <a:fillRect/>
-          </a:stretch>
-        </p:blipFill>
-        <p:spPr>
-          <a:xfrm>
-            <a:off x="6202096" y="421926"/>
-            <a:ext cx="2484703" cy="2029174"/>
+        </p:nvSpPr>
+        <p:spPr>
+          <a:xfrm>
+            <a:off x="457200" y="5080273"/>
+            <a:ext cx="3007941" cy="584776"/>
           </a:xfrm>
           <a:prstGeom prst="rect">
             <a:avLst/>
           </a:prstGeom>
         </p:spPr>
-      </p:pic>
-      <p:pic>
-        <p:nvPicPr>
-          <p:cNvPr id="7" name="Picture 6"/>
-          <p:cNvPicPr>
-            <a:picLocks noChangeAspect="1"/>
-          </p:cNvPicPr>
+        <p:style>
+          <a:lnRef idx="1">
+            <a:schemeClr val="accent1"/>
+          </a:lnRef>
+          <a:fillRef idx="2">
+            <a:schemeClr val="accent1"/>
+          </a:fillRef>
+          <a:effectRef idx="1">
+            <a:schemeClr val="accent1"/>
+          </a:effectRef>
+          <a:fontRef idx="minor">
+            <a:schemeClr val="dk1"/>
+          </a:fontRef>
+        </p:style>
+        <p:txBody>
+          <a:bodyPr wrap="square" rtlCol="0">
+            <a:spAutoFit/>
+            <a:scene3d>
+              <a:camera prst="orthographicFront"/>
+              <a:lightRig rig="balanced" dir="t">
+                <a:rot lat="0" lon="0" rev="2100000"/>
+              </a:lightRig>
+            </a:scene3d>
+            <a:sp3d extrusionH="57150" prstMaterial="metal">
+              <a:bevelT w="38100" h="25400"/>
+              <a:contourClr>
+                <a:schemeClr val="bg2"/>
+              </a:contourClr>
+            </a:sp3d>
+          </a:bodyPr>
+          <a:lstStyle/>
+          <a:p>
+            <a:pPr algn="ctr"/>
+            <a:r>
+              <a:rPr lang="en-US" sz="3200" b="1" dirty="0" smtClean="0">
+                <a:ln w="50800"/>
+                <a:solidFill>
+                  <a:schemeClr val="bg1">
+                    <a:shade val="50000"/>
+                  </a:schemeClr>
+                </a:solidFill>
+              </a:rPr>
+              <a:t>GET Requests</a:t>
+            </a:r>
+            <a:endParaRPr lang="en-US" sz="3200" b="1" dirty="0">
+              <a:ln w="50800"/>
+              <a:solidFill>
+                <a:schemeClr val="bg1">
+                  <a:shade val="50000"/>
+                </a:schemeClr>
+              </a:solidFill>
+            </a:endParaRPr>
+          </a:p>
+        </p:txBody>
+      </p:sp>
+      <p:sp>
+        <p:nvSpPr>
+          <p:cNvPr id="11" name="TextBox 10"/>
+          <p:cNvSpPr txBox="1"/>
           <p:nvPr/>
-        </p:nvPicPr>
-        <p:blipFill>
-          <a:blip r:embed="rId5"/>
-          <a:stretch>
-            <a:fillRect/>
-          </a:stretch>
-        </p:blipFill>
-        <p:spPr>
-          <a:xfrm>
-            <a:off x="5638800" y="2693272"/>
-            <a:ext cx="2095500" cy="1727200"/>
+        </p:nvSpPr>
+        <p:spPr>
+          <a:xfrm>
+            <a:off x="4197070" y="5372661"/>
+            <a:ext cx="4489730" cy="584776"/>
           </a:xfrm>
           <a:prstGeom prst="rect">
             <a:avLst/>
           </a:prstGeom>
         </p:spPr>
-      </p:pic>
-      <p:pic>
-        <p:nvPicPr>
-          <p:cNvPr id="8" name="Picture 7"/>
-          <p:cNvPicPr>
-            <a:picLocks noChangeAspect="1"/>
-          </p:cNvPicPr>
-          <p:nvPr/>
-        </p:nvPicPr>
-        <p:blipFill>
-          <a:blip r:embed="rId6"/>
-          <a:stretch>
-            <a:fillRect/>
-          </a:stretch>
-        </p:blipFill>
-        <p:spPr>
-          <a:xfrm>
-            <a:off x="5895006" y="4703678"/>
-            <a:ext cx="2791794" cy="1638869"/>
-          </a:xfrm>
-          <a:prstGeom prst="rect">
-            <a:avLst/>
-          </a:prstGeom>
-        </p:spPr>
-      </p:pic>
+        <p:style>
+          <a:lnRef idx="1">
+            <a:schemeClr val="accent1"/>
+          </a:lnRef>
+          <a:fillRef idx="2">
+            <a:schemeClr val="accent1"/>
+          </a:fillRef>
+          <a:effectRef idx="1">
+            <a:schemeClr val="accent1"/>
+          </a:effectRef>
+          <a:fontRef idx="minor">
+            <a:schemeClr val="dk1"/>
+          </a:fontRef>
+        </p:style>
+        <p:txBody>
+          <a:bodyPr wrap="square" rtlCol="0">
+            <a:spAutoFit/>
+            <a:scene3d>
+              <a:camera prst="orthographicFront"/>
+              <a:lightRig rig="balanced" dir="t">
+                <a:rot lat="0" lon="0" rev="2100000"/>
+              </a:lightRig>
+            </a:scene3d>
+            <a:sp3d extrusionH="57150" prstMaterial="metal">
+              <a:bevelT w="38100" h="25400"/>
+              <a:contourClr>
+                <a:schemeClr val="bg2"/>
+              </a:contourClr>
+            </a:sp3d>
+          </a:bodyPr>
+          <a:lstStyle/>
+          <a:p>
+            <a:pPr algn="ctr"/>
+            <a:r>
+              <a:rPr lang="en-US" sz="3200" b="1" dirty="0" smtClean="0">
+                <a:ln w="50800"/>
+                <a:solidFill>
+                  <a:schemeClr val="bg1">
+                    <a:shade val="50000"/>
+                  </a:schemeClr>
+                </a:solidFill>
+              </a:rPr>
+              <a:t>Regular Expressions</a:t>
+            </a:r>
+            <a:endParaRPr lang="en-US" sz="3200" b="1" dirty="0">
+              <a:ln w="50800"/>
+              <a:solidFill>
+                <a:schemeClr val="bg1">
+                  <a:shade val="50000"/>
+                </a:schemeClr>
+              </a:solidFill>
+            </a:endParaRPr>
+          </a:p>
+        </p:txBody>
+      </p:sp>
     </p:spTree>
   </p:cSld>
   <p:clrMapOvr>
@@ -4688,47 +4770,132 @@
           <a:p>
             <a:r>
               <a:rPr lang="en-US" dirty="0" smtClean="0"/>
-              <a:t>Future Directions</a:t>
+              <a:t>Front-end</a:t>
             </a:r>
             <a:endParaRPr lang="en-US" dirty="0"/>
           </a:p>
         </p:txBody>
       </p:sp>
-      <p:sp>
-        <p:nvSpPr>
-          <p:cNvPr id="3" name="Content Placeholder 2"/>
-          <p:cNvSpPr>
-            <a:spLocks noGrp="1"/>
-          </p:cNvSpPr>
-          <p:nvPr>
-            <p:ph idx="1"/>
-          </p:nvPr>
-        </p:nvSpPr>
-        <p:spPr/>
-        <p:txBody>
-          <a:bodyPr/>
-          <a:lstStyle/>
-          <a:p>
-            <a:r>
-              <a:rPr lang="en-US" dirty="0" smtClean="0"/>
-              <a:t>Include more travel service providers (such as Bolt Bus and MTA North)</a:t>
-            </a:r>
-          </a:p>
-          <a:p>
-            <a:r>
-              <a:rPr lang="en-US" dirty="0" smtClean="0"/>
-              <a:t>Improve the speed of the algorithm</a:t>
-            </a:r>
-          </a:p>
-          <a:p>
-            <a:r>
-              <a:rPr lang="en-US" dirty="0" smtClean="0"/>
-              <a:t>Expand to other regions of the country</a:t>
-            </a:r>
-            <a:endParaRPr lang="en-US" dirty="0"/>
-          </a:p>
-        </p:txBody>
-      </p:sp>
+      <p:pic>
+        <p:nvPicPr>
+          <p:cNvPr id="4" name="Picture 3"/>
+          <p:cNvPicPr>
+            <a:picLocks noChangeAspect="1"/>
+          </p:cNvPicPr>
+          <p:nvPr/>
+        </p:nvPicPr>
+        <p:blipFill>
+          <a:blip r:embed="rId2"/>
+          <a:stretch>
+            <a:fillRect/>
+          </a:stretch>
+        </p:blipFill>
+        <p:spPr>
+          <a:xfrm>
+            <a:off x="235706" y="1791374"/>
+            <a:ext cx="4371118" cy="1602351"/>
+          </a:xfrm>
+          <a:prstGeom prst="rect">
+            <a:avLst/>
+          </a:prstGeom>
+        </p:spPr>
+      </p:pic>
+      <p:pic>
+        <p:nvPicPr>
+          <p:cNvPr id="5" name="Picture 4"/>
+          <p:cNvPicPr>
+            <a:picLocks noChangeAspect="1"/>
+          </p:cNvPicPr>
+          <p:nvPr/>
+        </p:nvPicPr>
+        <p:blipFill>
+          <a:blip r:embed="rId3"/>
+          <a:stretch>
+            <a:fillRect/>
+          </a:stretch>
+        </p:blipFill>
+        <p:spPr>
+          <a:xfrm>
+            <a:off x="796824" y="4420472"/>
+            <a:ext cx="3432276" cy="1922075"/>
+          </a:xfrm>
+          <a:prstGeom prst="rect">
+            <a:avLst/>
+          </a:prstGeom>
+        </p:spPr>
+      </p:pic>
+      <p:pic>
+        <p:nvPicPr>
+          <p:cNvPr id="6" name="Picture 5"/>
+          <p:cNvPicPr>
+            <a:picLocks noChangeAspect="1"/>
+          </p:cNvPicPr>
+          <p:nvPr/>
+        </p:nvPicPr>
+        <p:blipFill>
+          <a:blip r:embed="rId4"/>
+          <a:stretch>
+            <a:fillRect/>
+          </a:stretch>
+        </p:blipFill>
+        <p:spPr>
+          <a:xfrm>
+            <a:off x="6202096" y="421926"/>
+            <a:ext cx="2484703" cy="2029174"/>
+          </a:xfrm>
+          <a:prstGeom prst="rect">
+            <a:avLst/>
+          </a:prstGeom>
+        </p:spPr>
+      </p:pic>
+      <p:pic>
+        <p:nvPicPr>
+          <p:cNvPr id="7" name="Picture 6"/>
+          <p:cNvPicPr>
+            <a:picLocks noChangeAspect="1"/>
+          </p:cNvPicPr>
+          <p:nvPr/>
+        </p:nvPicPr>
+        <p:blipFill>
+          <a:blip r:embed="rId5"/>
+          <a:stretch>
+            <a:fillRect/>
+          </a:stretch>
+        </p:blipFill>
+        <p:spPr>
+          <a:xfrm>
+            <a:off x="5638800" y="2693272"/>
+            <a:ext cx="2095500" cy="1727200"/>
+          </a:xfrm>
+          <a:prstGeom prst="rect">
+            <a:avLst/>
+          </a:prstGeom>
+        </p:spPr>
+      </p:pic>
+      <p:pic>
+        <p:nvPicPr>
+          <p:cNvPr id="8" name="Picture 7"/>
+          <p:cNvPicPr>
+            <a:picLocks noChangeAspect="1"/>
+          </p:cNvPicPr>
+          <p:nvPr/>
+        </p:nvPicPr>
+        <p:blipFill>
+          <a:blip r:embed="rId6"/>
+          <a:stretch>
+            <a:fillRect/>
+          </a:stretch>
+        </p:blipFill>
+        <p:spPr>
+          <a:xfrm>
+            <a:off x="5895006" y="4703678"/>
+            <a:ext cx="2791794" cy="1638869"/>
+          </a:xfrm>
+          <a:prstGeom prst="rect">
+            <a:avLst/>
+          </a:prstGeom>
+        </p:spPr>
+      </p:pic>
     </p:spTree>
   </p:cSld>
   <p:clrMapOvr>
@@ -4781,7 +4948,7 @@
           <a:p>
             <a:r>
               <a:rPr lang="en-US" dirty="0" smtClean="0"/>
-              <a:t>Challenges</a:t>
+              <a:t>Future Directions</a:t>
             </a:r>
             <a:endParaRPr lang="en-US" dirty="0"/>
           </a:p>
@@ -4804,22 +4971,26 @@
           <a:p>
             <a:r>
               <a:rPr lang="en-US" dirty="0" smtClean="0"/>
-              <a:t>Beautiful Soup</a:t>
+              <a:t>Include more travel service providers (such as Bolt Bus and MTA North)</a:t>
             </a:r>
           </a:p>
           <a:p>
             <a:r>
               <a:rPr lang="en-US" dirty="0" smtClean="0"/>
-              <a:t>AWS Deployment</a:t>
+              <a:t>Improve the speed of the algorithm</a:t>
             </a:r>
           </a:p>
           <a:p>
             <a:r>
               <a:rPr lang="en-US" dirty="0" smtClean="0"/>
-              <a:t>Message passing between front end and back end</a:t>
-            </a:r>
-          </a:p>
-          <a:p>
+              <a:t>Expand to other regions of the country</a:t>
+            </a:r>
+          </a:p>
+          <a:p>
+            <a:r>
+              <a:rPr lang="en-US" dirty="0" smtClean="0"/>
+              <a:t>Compare to cost of driving</a:t>
+            </a:r>
             <a:endParaRPr lang="en-US" dirty="0"/>
           </a:p>
         </p:txBody>
@@ -4829,6 +5000,108 @@
   <p:clrMapOvr>
     <a:masterClrMapping/>
   </p:clrMapOvr>
+  <p:transition>
+    <p:cover/>
+  </p:transition>
+  <p:timing>
+    <p:tnLst>
+      <p:par>
+        <p:cTn id="1" dur="indefinite" restart="never" nodeType="tmRoot"/>
+      </p:par>
+    </p:tnLst>
+  </p:timing>
+</p:sld>
+</file>
+
+<file path=ppt/slides/slide14.xml><?xml version="1.0" encoding="utf-8"?>
+<p:sld xmlns:a="http://schemas.openxmlformats.org/drawingml/2006/main" xmlns:r="http://schemas.openxmlformats.org/officeDocument/2006/relationships" xmlns:mc="http://schemas.openxmlformats.org/markup-compatibility/2006" xmlns:mv="urn:schemas-microsoft-com:mac:vml" xmlns:p="http://schemas.openxmlformats.org/presentationml/2006/main" mc:Ignorable="mv" mc:PreserveAttributes="mv:*">
+  <p:cSld>
+    <p:spTree>
+      <p:nvGrpSpPr>
+        <p:cNvPr id="1" name=""/>
+        <p:cNvGrpSpPr/>
+        <p:nvPr/>
+      </p:nvGrpSpPr>
+      <p:grpSpPr>
+        <a:xfrm>
+          <a:off x="0" y="0"/>
+          <a:ext cx="0" cy="0"/>
+          <a:chOff x="0" y="0"/>
+          <a:chExt cx="0" cy="0"/>
+        </a:xfrm>
+      </p:grpSpPr>
+      <p:sp>
+        <p:nvSpPr>
+          <p:cNvPr id="2" name="Title 1"/>
+          <p:cNvSpPr>
+            <a:spLocks noGrp="1"/>
+          </p:cNvSpPr>
+          <p:nvPr>
+            <p:ph type="title"/>
+          </p:nvPr>
+        </p:nvSpPr>
+        <p:spPr/>
+        <p:txBody>
+          <a:bodyPr/>
+          <a:lstStyle/>
+          <a:p>
+            <a:r>
+              <a:rPr lang="en-US" dirty="0" smtClean="0"/>
+              <a:t>Challenges</a:t>
+            </a:r>
+            <a:endParaRPr lang="en-US" dirty="0"/>
+          </a:p>
+        </p:txBody>
+      </p:sp>
+      <p:sp>
+        <p:nvSpPr>
+          <p:cNvPr id="3" name="Content Placeholder 2"/>
+          <p:cNvSpPr>
+            <a:spLocks noGrp="1"/>
+          </p:cNvSpPr>
+          <p:nvPr>
+            <p:ph idx="1"/>
+          </p:nvPr>
+        </p:nvSpPr>
+        <p:spPr/>
+        <p:txBody>
+          <a:bodyPr/>
+          <a:lstStyle/>
+          <a:p>
+            <a:r>
+              <a:rPr lang="en-US" dirty="0" smtClean="0"/>
+              <a:t>Beautiful Soup</a:t>
+            </a:r>
+          </a:p>
+          <a:p>
+            <a:r>
+              <a:rPr lang="en-US" dirty="0" smtClean="0"/>
+              <a:t>AWS Deployment</a:t>
+            </a:r>
+          </a:p>
+          <a:p>
+            <a:r>
+              <a:rPr lang="en-US" dirty="0" smtClean="0"/>
+              <a:t>Message passing between front end and back end</a:t>
+            </a:r>
+          </a:p>
+          <a:p>
+            <a:endParaRPr lang="en-US" dirty="0"/>
+          </a:p>
+        </p:txBody>
+      </p:sp>
+    </p:spTree>
+  </p:cSld>
+  <p:clrMapOvr>
+    <a:masterClrMapping/>
+  </p:clrMapOvr>
+  <p:timing>
+    <p:tnLst>
+      <p:par>
+        <p:cTn id="1" dur="indefinite" restart="never" nodeType="tmRoot"/>
+      </p:par>
+    </p:tnLst>
+  </p:timing>
 </p:sld>
 </file>
 
@@ -4866,75 +5139,40 @@
           <a:p>
             <a:r>
               <a:rPr lang="en-US" dirty="0" smtClean="0"/>
-              <a:t>Our Logo</a:t>
+              <a:t>Problem</a:t>
             </a:r>
             <a:endParaRPr lang="en-US" dirty="0"/>
           </a:p>
         </p:txBody>
       </p:sp>
-      <p:pic>
-        <p:nvPicPr>
-          <p:cNvPr id="4" name="Picture 3"/>
-          <p:cNvPicPr>
-            <a:picLocks noChangeAspect="1"/>
-          </p:cNvPicPr>
-          <p:nvPr/>
-        </p:nvPicPr>
-        <p:blipFill>
-          <a:blip r:embed="rId2"/>
-          <a:stretch>
-            <a:fillRect/>
-          </a:stretch>
-        </p:blipFill>
-        <p:spPr>
-          <a:xfrm>
-            <a:off x="807308" y="2489200"/>
-            <a:ext cx="1705123" cy="1879600"/>
-          </a:xfrm>
-          <a:prstGeom prst="rect">
-            <a:avLst/>
-          </a:prstGeom>
-        </p:spPr>
-      </p:pic>
-      <p:pic>
-        <p:nvPicPr>
-          <p:cNvPr id="6" name="Picture 5"/>
-          <p:cNvPicPr>
-            <a:picLocks noChangeAspect="1"/>
-          </p:cNvPicPr>
-          <p:nvPr/>
-        </p:nvPicPr>
-        <p:blipFill>
-          <a:blip r:embed="rId3"/>
-          <a:stretch>
-            <a:fillRect/>
-          </a:stretch>
-        </p:blipFill>
-        <p:spPr>
-          <a:xfrm>
-            <a:off x="2335236" y="2489200"/>
-            <a:ext cx="6629400" cy="1879600"/>
-          </a:xfrm>
-          <a:prstGeom prst="rect">
-            <a:avLst/>
-          </a:prstGeom>
-        </p:spPr>
-      </p:pic>
+      <p:sp>
+        <p:nvSpPr>
+          <p:cNvPr id="3" name="Content Placeholder 2"/>
+          <p:cNvSpPr>
+            <a:spLocks noGrp="1"/>
+          </p:cNvSpPr>
+          <p:nvPr>
+            <p:ph idx="1"/>
+          </p:nvPr>
+        </p:nvSpPr>
+        <p:spPr/>
+        <p:txBody>
+          <a:bodyPr/>
+          <a:lstStyle/>
+          <a:p>
+            <a:r>
+              <a:rPr lang="en-US" dirty="0" smtClean="0"/>
+              <a:t>No comprehensive comparison between all modes of transportation</a:t>
+            </a:r>
+            <a:endParaRPr lang="en-US" dirty="0"/>
+          </a:p>
+        </p:txBody>
+      </p:sp>
     </p:spTree>
   </p:cSld>
   <p:clrMapOvr>
     <a:masterClrMapping/>
   </p:clrMapOvr>
-  <p:transition>
-    <p:cover/>
-  </p:transition>
-  <p:timing>
-    <p:tnLst>
-      <p:par>
-        <p:cTn id="1" dur="indefinite" restart="never" nodeType="tmRoot"/>
-      </p:par>
-    </p:tnLst>
-  </p:timing>
 </p:sld>
 </file>
 
@@ -5007,33 +5245,13 @@
           <a:p>
             <a:r>
               <a:rPr lang="en-US" dirty="0" smtClean="0"/>
-              <a:t>Compare across modes of transportation to find you the cheapest</a:t>
-            </a:r>
+              <a:t>Compare across modes of transportation to find you the cheapest and fastest routes!</a:t>
+            </a:r>
+          </a:p>
+          <a:p>
             <a:r>
               <a:rPr lang="en-US" dirty="0" smtClean="0"/>
-              <a:t> </a:t>
-            </a:r>
-            <a:r>
-              <a:rPr lang="en-US" dirty="0" smtClean="0"/>
-              <a:t>and</a:t>
-            </a:r>
-            <a:r>
-              <a:rPr lang="en-US" dirty="0" smtClean="0"/>
-              <a:t> </a:t>
-            </a:r>
-            <a:r>
-              <a:rPr lang="en-US" dirty="0" smtClean="0"/>
-              <a:t>fastest routes!</a:t>
-            </a:r>
-          </a:p>
-          <a:p>
-            <a:r>
-              <a:rPr lang="en-US" dirty="0" smtClean="0"/>
-              <a:t>Connect multiple modes of transportation to services routes that require at least one </a:t>
-            </a:r>
-            <a:r>
-              <a:rPr lang="en-US" dirty="0" smtClean="0"/>
-              <a:t>transfer across modes of transportation</a:t>
+              <a:t>Connect multiple modes of transportation to services routes that require at least one transfer across modes of transportation</a:t>
             </a:r>
           </a:p>
         </p:txBody>
@@ -5159,6 +5377,13 @@
   <p:clrMapOvr>
     <a:masterClrMapping/>
   </p:clrMapOvr>
+  <p:timing>
+    <p:tnLst>
+      <p:par>
+        <p:cTn id="1" dur="indefinite" restart="never" nodeType="tmRoot"/>
+      </p:par>
+    </p:tnLst>
+  </p:timing>
 </p:sld>
 </file>
 
@@ -5196,276 +5421,75 @@
           <a:p>
             <a:r>
               <a:rPr lang="en-US" dirty="0" smtClean="0"/>
-              <a:t>Travel Providers</a:t>
+              <a:t>Our Logo</a:t>
             </a:r>
             <a:endParaRPr lang="en-US" dirty="0"/>
           </a:p>
         </p:txBody>
       </p:sp>
-      <p:pic>
-        <p:nvPicPr>
-          <p:cNvPr id="5" name="Picture 4"/>
-          <p:cNvPicPr>
-            <a:picLocks noChangeAspect="1"/>
-          </p:cNvPicPr>
+      <p:grpSp>
+        <p:nvGrpSpPr>
+          <p:cNvPr id="5" name="Group 4"/>
+          <p:cNvGrpSpPr/>
           <p:nvPr/>
-        </p:nvPicPr>
-        <p:blipFill>
-          <a:blip r:embed="rId2"/>
-          <a:stretch>
-            <a:fillRect/>
-          </a:stretch>
-        </p:blipFill>
-        <p:spPr>
-          <a:xfrm>
-            <a:off x="248357" y="1666526"/>
-            <a:ext cx="3976452" cy="1656855"/>
-          </a:xfrm>
-          <a:prstGeom prst="rect">
-            <a:avLst/>
-          </a:prstGeom>
-        </p:spPr>
-      </p:pic>
-      <p:pic>
-        <p:nvPicPr>
-          <p:cNvPr id="6" name="Picture 5"/>
-          <p:cNvPicPr>
-            <a:picLocks noChangeAspect="1"/>
-          </p:cNvPicPr>
-          <p:nvPr/>
-        </p:nvPicPr>
-        <p:blipFill>
-          <a:blip r:embed="rId3"/>
-          <a:stretch>
-            <a:fillRect/>
-          </a:stretch>
-        </p:blipFill>
-        <p:spPr>
-          <a:xfrm>
-            <a:off x="248357" y="5648266"/>
-            <a:ext cx="4092920" cy="1002901"/>
-          </a:xfrm>
-          <a:prstGeom prst="rect">
-            <a:avLst/>
-          </a:prstGeom>
-        </p:spPr>
-      </p:pic>
-      <p:pic>
-        <p:nvPicPr>
-          <p:cNvPr id="7" name="Picture 6"/>
-          <p:cNvPicPr>
-            <a:picLocks noChangeAspect="1"/>
-          </p:cNvPicPr>
-          <p:nvPr/>
-        </p:nvPicPr>
-        <p:blipFill>
-          <a:blip r:embed="rId4"/>
-          <a:stretch>
-            <a:fillRect/>
-          </a:stretch>
-        </p:blipFill>
-        <p:spPr>
-          <a:xfrm>
-            <a:off x="286457" y="3951670"/>
-            <a:ext cx="4054820" cy="1009200"/>
-          </a:xfrm>
-          <a:prstGeom prst="rect">
-            <a:avLst/>
-          </a:prstGeom>
-        </p:spPr>
-      </p:pic>
-      <p:pic>
-        <p:nvPicPr>
-          <p:cNvPr id="8" name="Picture 7"/>
-          <p:cNvPicPr>
-            <a:picLocks noChangeAspect="1"/>
-          </p:cNvPicPr>
-          <p:nvPr/>
-        </p:nvPicPr>
-        <p:blipFill>
-          <a:blip r:embed="rId5"/>
-          <a:stretch>
-            <a:fillRect/>
-          </a:stretch>
-        </p:blipFill>
-        <p:spPr>
-          <a:xfrm>
-            <a:off x="5429063" y="267494"/>
-            <a:ext cx="3665721" cy="1250545"/>
-          </a:xfrm>
-          <a:prstGeom prst="rect">
-            <a:avLst/>
-          </a:prstGeom>
-        </p:spPr>
-      </p:pic>
-      <p:pic>
-        <p:nvPicPr>
-          <p:cNvPr id="9" name="Picture 8"/>
-          <p:cNvPicPr>
-            <a:picLocks noChangeAspect="1"/>
-          </p:cNvPicPr>
-          <p:nvPr/>
-        </p:nvPicPr>
-        <p:blipFill>
-          <a:blip r:embed="rId6"/>
-          <a:stretch>
-            <a:fillRect/>
-          </a:stretch>
-        </p:blipFill>
-        <p:spPr>
-          <a:xfrm>
-            <a:off x="5067274" y="4370713"/>
-            <a:ext cx="1250699" cy="1180313"/>
-          </a:xfrm>
-          <a:prstGeom prst="rect">
-            <a:avLst/>
-          </a:prstGeom>
-        </p:spPr>
-      </p:pic>
-      <p:pic>
-        <p:nvPicPr>
-          <p:cNvPr id="10" name="Picture 9"/>
-          <p:cNvPicPr>
-            <a:picLocks noChangeAspect="1"/>
-          </p:cNvPicPr>
-          <p:nvPr/>
-        </p:nvPicPr>
-        <p:blipFill>
-          <a:blip r:embed="rId7"/>
-          <a:stretch>
-            <a:fillRect/>
-          </a:stretch>
-        </p:blipFill>
-        <p:spPr>
-          <a:xfrm>
-            <a:off x="6409777" y="4370713"/>
-            <a:ext cx="2685007" cy="897303"/>
-          </a:xfrm>
-          <a:prstGeom prst="rect">
-            <a:avLst/>
-          </a:prstGeom>
-        </p:spPr>
-      </p:pic>
-      <p:pic>
-        <p:nvPicPr>
-          <p:cNvPr id="11" name="Picture 10"/>
-          <p:cNvPicPr>
-            <a:picLocks noChangeAspect="1"/>
-          </p:cNvPicPr>
-          <p:nvPr/>
-        </p:nvPicPr>
-        <p:blipFill>
-          <a:blip r:embed="rId8"/>
-          <a:stretch>
-            <a:fillRect/>
-          </a:stretch>
-        </p:blipFill>
-        <p:spPr>
-          <a:xfrm>
-            <a:off x="6020100" y="1796423"/>
-            <a:ext cx="2412636" cy="914681"/>
-          </a:xfrm>
-          <a:prstGeom prst="rect">
-            <a:avLst/>
-          </a:prstGeom>
-        </p:spPr>
-      </p:pic>
-      <p:pic>
-        <p:nvPicPr>
-          <p:cNvPr id="12" name="Picture 11"/>
-          <p:cNvPicPr>
-            <a:picLocks noChangeAspect="1"/>
-          </p:cNvPicPr>
-          <p:nvPr/>
-        </p:nvPicPr>
-        <p:blipFill>
-          <a:blip r:embed="rId9"/>
-          <a:stretch>
-            <a:fillRect/>
-          </a:stretch>
-        </p:blipFill>
-        <p:spPr>
-          <a:xfrm>
-            <a:off x="7226418" y="3011157"/>
-            <a:ext cx="1573751" cy="1180313"/>
-          </a:xfrm>
-          <a:prstGeom prst="rect">
-            <a:avLst/>
-          </a:prstGeom>
-        </p:spPr>
-      </p:pic>
-      <p:pic>
-        <p:nvPicPr>
-          <p:cNvPr id="13" name="Picture 12"/>
-          <p:cNvPicPr>
-            <a:picLocks noChangeAspect="1"/>
-          </p:cNvPicPr>
-          <p:nvPr/>
-        </p:nvPicPr>
-        <p:blipFill>
-          <a:blip r:embed="rId10"/>
-          <a:stretch>
-            <a:fillRect/>
-          </a:stretch>
-        </p:blipFill>
-        <p:spPr>
-          <a:xfrm>
-            <a:off x="4743332" y="5943319"/>
-            <a:ext cx="2451197" cy="760297"/>
-          </a:xfrm>
-          <a:prstGeom prst="rect">
-            <a:avLst/>
-          </a:prstGeom>
-        </p:spPr>
-      </p:pic>
-      <p:pic>
-        <p:nvPicPr>
-          <p:cNvPr id="14" name="Picture 13"/>
-          <p:cNvPicPr>
-            <a:picLocks noChangeAspect="1"/>
-          </p:cNvPicPr>
-          <p:nvPr/>
-        </p:nvPicPr>
-        <p:blipFill>
-          <a:blip r:embed="rId11"/>
-          <a:stretch>
-            <a:fillRect/>
-          </a:stretch>
-        </p:blipFill>
-        <p:spPr>
-          <a:xfrm>
-            <a:off x="5067274" y="2921448"/>
-            <a:ext cx="1600226" cy="1270021"/>
-          </a:xfrm>
-          <a:prstGeom prst="rect">
-            <a:avLst/>
-          </a:prstGeom>
-        </p:spPr>
-      </p:pic>
-      <p:pic>
-        <p:nvPicPr>
-          <p:cNvPr id="15" name="Picture 14"/>
-          <p:cNvPicPr>
-            <a:picLocks noChangeAspect="1"/>
-          </p:cNvPicPr>
-          <p:nvPr/>
-        </p:nvPicPr>
-        <p:blipFill>
-          <a:blip r:embed="rId12"/>
-          <a:stretch>
-            <a:fillRect/>
-          </a:stretch>
-        </p:blipFill>
-        <p:spPr>
-          <a:xfrm>
-            <a:off x="7354884" y="5545791"/>
-            <a:ext cx="1739900" cy="1157825"/>
-          </a:xfrm>
-          <a:prstGeom prst="rect">
-            <a:avLst/>
-          </a:prstGeom>
-        </p:spPr>
-      </p:pic>
+        </p:nvGrpSpPr>
+        <p:grpSpPr>
+          <a:xfrm>
+            <a:off x="807308" y="2489200"/>
+            <a:ext cx="8157328" cy="1879600"/>
+            <a:chOff x="807308" y="2489200"/>
+            <a:chExt cx="8157328" cy="1879600"/>
+          </a:xfrm>
+        </p:grpSpPr>
+        <p:pic>
+          <p:nvPicPr>
+            <p:cNvPr id="4" name="Picture 3"/>
+            <p:cNvPicPr>
+              <a:picLocks noChangeAspect="1"/>
+            </p:cNvPicPr>
+            <p:nvPr/>
+          </p:nvPicPr>
+          <p:blipFill>
+            <a:blip r:embed="rId2"/>
+            <a:stretch>
+              <a:fillRect/>
+            </a:stretch>
+          </p:blipFill>
+          <p:spPr>
+            <a:xfrm>
+              <a:off x="807308" y="2489200"/>
+              <a:ext cx="1705123" cy="1879600"/>
+            </a:xfrm>
+            <a:prstGeom prst="rect">
+              <a:avLst/>
+            </a:prstGeom>
+          </p:spPr>
+        </p:pic>
+        <p:pic>
+          <p:nvPicPr>
+            <p:cNvPr id="6" name="Picture 5"/>
+            <p:cNvPicPr>
+              <a:picLocks noChangeAspect="1"/>
+            </p:cNvPicPr>
+            <p:nvPr/>
+          </p:nvPicPr>
+          <p:blipFill>
+            <a:blip r:embed="rId3"/>
+            <a:stretch>
+              <a:fillRect/>
+            </a:stretch>
+          </p:blipFill>
+          <p:spPr>
+            <a:xfrm>
+              <a:off x="2335236" y="2489200"/>
+              <a:ext cx="6629400" cy="1879600"/>
+            </a:xfrm>
+            <a:prstGeom prst="rect">
+              <a:avLst/>
+            </a:prstGeom>
+          </p:spPr>
+        </p:pic>
+      </p:grpSp>
     </p:spTree>
   </p:cSld>
   <p:clrMapOvr>
@@ -5511,2099 +5535,283 @@
             <p:ph type="title"/>
           </p:nvPr>
         </p:nvSpPr>
-        <p:spPr>
-          <a:xfrm>
-            <a:off x="457200" y="0"/>
-            <a:ext cx="8229600" cy="1219200"/>
-          </a:xfrm>
-        </p:spPr>
+        <p:spPr/>
         <p:txBody>
           <a:bodyPr/>
           <a:lstStyle/>
           <a:p>
             <a:r>
               <a:rPr lang="en-US" dirty="0" smtClean="0"/>
-              <a:t>Cities that we serve</a:t>
+              <a:t>Travel Providers</a:t>
             </a:r>
             <a:endParaRPr lang="en-US" dirty="0"/>
           </a:p>
         </p:txBody>
       </p:sp>
-      <p:sp>
-        <p:nvSpPr>
-          <p:cNvPr id="3" name="Content Placeholder 2"/>
-          <p:cNvSpPr>
-            <a:spLocks noGrp="1"/>
-          </p:cNvSpPr>
-          <p:nvPr>
-            <p:ph idx="1"/>
-          </p:nvPr>
-        </p:nvSpPr>
-        <p:spPr>
-          <a:xfrm>
-            <a:off x="0" y="1219200"/>
-            <a:ext cx="2540000" cy="5537200"/>
-          </a:xfrm>
-        </p:spPr>
-        <p:txBody>
-          <a:bodyPr>
-            <a:normAutofit fontScale="85000" lnSpcReduction="20000"/>
-          </a:bodyPr>
-          <a:lstStyle/>
-          <a:p>
-            <a:r>
-              <a:rPr lang="en-US" sz="2000" dirty="0" smtClean="0"/>
-              <a:t>New York</a:t>
-            </a:r>
-          </a:p>
-          <a:p>
-            <a:r>
-              <a:rPr lang="en-US" sz="2000" dirty="0" smtClean="0"/>
-              <a:t>Albany</a:t>
-            </a:r>
-          </a:p>
-          <a:p>
-            <a:r>
-              <a:rPr lang="en-US" sz="2000" dirty="0" smtClean="0"/>
-              <a:t>Amherst</a:t>
-            </a:r>
-          </a:p>
-          <a:p>
-            <a:r>
-              <a:rPr lang="en-US" sz="2000" dirty="0" smtClean="0"/>
-              <a:t>Baltimore</a:t>
-            </a:r>
-          </a:p>
-          <a:p>
-            <a:r>
-              <a:rPr lang="en-US" sz="2000" dirty="0" smtClean="0"/>
-              <a:t>Binghamton</a:t>
-            </a:r>
-          </a:p>
-          <a:p>
-            <a:r>
-              <a:rPr lang="en-US" sz="2000" dirty="0" smtClean="0"/>
-              <a:t>Boston</a:t>
-            </a:r>
-          </a:p>
-          <a:p>
-            <a:r>
-              <a:rPr lang="en-US" sz="2000" dirty="0" smtClean="0"/>
-              <a:t>Buffalo</a:t>
-            </a:r>
-          </a:p>
-          <a:p>
-            <a:r>
-              <a:rPr lang="en-US" sz="2000" dirty="0" smtClean="0"/>
-              <a:t>Buffalo Airport</a:t>
-            </a:r>
-          </a:p>
-          <a:p>
-            <a:r>
-              <a:rPr lang="en-US" sz="2000" dirty="0" smtClean="0"/>
-              <a:t>Burlington</a:t>
-            </a:r>
-          </a:p>
-          <a:p>
-            <a:r>
-              <a:rPr lang="en-US" sz="2000" dirty="0" smtClean="0"/>
-              <a:t>New Brunswick</a:t>
-            </a:r>
-          </a:p>
-          <a:p>
-            <a:r>
-              <a:rPr lang="en-US" sz="2000" dirty="0" smtClean="0"/>
-              <a:t>New Haven</a:t>
-            </a:r>
-          </a:p>
-          <a:p>
-            <a:r>
-              <a:rPr lang="en-US" sz="2000" dirty="0" smtClean="0"/>
-              <a:t>Fair Haven</a:t>
-            </a:r>
-          </a:p>
-          <a:p>
-            <a:r>
-              <a:rPr lang="en-US" sz="2000" dirty="0" smtClean="0"/>
-              <a:t>Harrisburg</a:t>
-            </a:r>
-          </a:p>
-          <a:p>
-            <a:r>
-              <a:rPr lang="en-US" sz="2000" dirty="0" smtClean="0"/>
-              <a:t>Harford</a:t>
-            </a:r>
-          </a:p>
-          <a:p>
-            <a:r>
-              <a:rPr lang="en-US" sz="2000" dirty="0" smtClean="0"/>
-              <a:t>Rochester</a:t>
-            </a:r>
-          </a:p>
-          <a:p>
-            <a:r>
-              <a:rPr lang="en-US" sz="2000" dirty="0" smtClean="0"/>
-              <a:t>Salisbury</a:t>
-            </a:r>
-          </a:p>
-          <a:p>
-            <a:r>
-              <a:rPr lang="en-US" sz="2000" dirty="0" smtClean="0"/>
-              <a:t>Watertown</a:t>
-            </a:r>
-          </a:p>
-          <a:p>
-            <a:r>
-              <a:rPr lang="en-US" sz="2000" dirty="0" smtClean="0"/>
-              <a:t>Worcester</a:t>
-            </a:r>
-          </a:p>
-          <a:p>
-            <a:r>
-              <a:rPr lang="en-US" sz="2000" dirty="0" smtClean="0"/>
-              <a:t>Belfast</a:t>
-            </a:r>
-          </a:p>
-          <a:p>
-            <a:r>
-              <a:rPr lang="en-US" sz="2000" dirty="0" smtClean="0"/>
-              <a:t>Bridgeport</a:t>
-            </a:r>
-          </a:p>
-          <a:p>
-            <a:r>
-              <a:rPr lang="en-US" sz="2000" dirty="0" smtClean="0"/>
-              <a:t>Philadelphia</a:t>
-            </a:r>
-          </a:p>
-          <a:p>
-            <a:endParaRPr lang="en-US" sz="2000" dirty="0" smtClean="0"/>
-          </a:p>
-          <a:p>
-            <a:endParaRPr lang="en-US" sz="2000" dirty="0"/>
-          </a:p>
-        </p:txBody>
-      </p:sp>
-      <p:sp>
-        <p:nvSpPr>
-          <p:cNvPr id="4" name="Content Placeholder 2"/>
-          <p:cNvSpPr txBox="1">
-            <a:spLocks/>
-          </p:cNvSpPr>
+      <p:pic>
+        <p:nvPicPr>
+          <p:cNvPr id="5" name="Picture 4"/>
+          <p:cNvPicPr>
+            <a:picLocks noChangeAspect="1"/>
+          </p:cNvPicPr>
           <p:nvPr/>
-        </p:nvSpPr>
-        <p:spPr>
-          <a:xfrm>
-            <a:off x="2266950" y="1219200"/>
-            <a:ext cx="2628900" cy="5638800"/>
+        </p:nvPicPr>
+        <p:blipFill>
+          <a:blip r:embed="rId2"/>
+          <a:stretch>
+            <a:fillRect/>
+          </a:stretch>
+        </p:blipFill>
+        <p:spPr>
+          <a:xfrm>
+            <a:off x="248357" y="1666526"/>
+            <a:ext cx="3976452" cy="1656855"/>
           </a:xfrm>
           <a:prstGeom prst="rect">
             <a:avLst/>
           </a:prstGeom>
         </p:spPr>
-        <p:txBody>
-          <a:bodyPr vert="horz" anchor="t">
-            <a:normAutofit fontScale="85000" lnSpcReduction="20000"/>
-          </a:bodyPr>
-          <a:lstStyle/>
-          <a:p>
-            <a:pPr marL="448056" marR="0" lvl="0" indent="-384048" algn="l" defTabSz="914400" rtl="0" eaLnBrk="1" fontAlgn="auto" latinLnBrk="0" hangingPunct="1">
-              <a:lnSpc>
-                <a:spcPct val="100000"/>
-              </a:lnSpc>
-              <a:spcBef>
-                <a:spcPct val="20000"/>
-              </a:spcBef>
-              <a:spcAft>
-                <a:spcPts val="0"/>
-              </a:spcAft>
-              <a:buClr>
-                <a:schemeClr val="accent1"/>
-              </a:buClr>
-              <a:buSzPct val="80000"/>
-              <a:buFont typeface="Wingdings 2"/>
-              <a:buChar char=""/>
-              <a:tabLst/>
-              <a:defRPr/>
-            </a:pPr>
-            <a:r>
-              <a:rPr kumimoji="0" lang="en-US" sz="2000" b="0" i="0" u="none" strike="noStrike" kern="1200" cap="none" spc="0" normalizeH="0" baseline="0" noProof="0" dirty="0" smtClean="0">
-                <a:ln>
-                  <a:noFill/>
-                </a:ln>
-                <a:solidFill>
-                  <a:schemeClr val="tx1"/>
-                </a:solidFill>
-                <a:effectLst/>
-                <a:uLnTx/>
-                <a:uFillTx/>
-                <a:latin typeface="+mn-lt"/>
-                <a:ea typeface="+mn-ea"/>
-                <a:cs typeface="+mn-cs"/>
-              </a:rPr>
-              <a:t>Secaucus</a:t>
-            </a:r>
-          </a:p>
-          <a:p>
-            <a:pPr marL="448056" marR="0" lvl="0" indent="-384048" algn="l" defTabSz="914400" rtl="0" eaLnBrk="1" fontAlgn="auto" latinLnBrk="0" hangingPunct="1">
-              <a:lnSpc>
-                <a:spcPct val="100000"/>
-              </a:lnSpc>
-              <a:spcBef>
-                <a:spcPct val="20000"/>
-              </a:spcBef>
-              <a:spcAft>
-                <a:spcPts val="0"/>
-              </a:spcAft>
-              <a:buClr>
-                <a:schemeClr val="accent1"/>
-              </a:buClr>
-              <a:buSzPct val="80000"/>
-              <a:buFont typeface="Wingdings 2"/>
-              <a:buChar char=""/>
-              <a:tabLst/>
-              <a:defRPr/>
-            </a:pPr>
-            <a:r>
-              <a:rPr lang="en-US" sz="2000" dirty="0" smtClean="0"/>
-              <a:t>State College</a:t>
-            </a:r>
-          </a:p>
-          <a:p>
-            <a:pPr marL="448056" marR="0" lvl="0" indent="-384048" algn="l" defTabSz="914400" rtl="0" eaLnBrk="1" fontAlgn="auto" latinLnBrk="0" hangingPunct="1">
-              <a:lnSpc>
-                <a:spcPct val="100000"/>
-              </a:lnSpc>
-              <a:spcBef>
-                <a:spcPct val="20000"/>
-              </a:spcBef>
-              <a:spcAft>
-                <a:spcPts val="0"/>
-              </a:spcAft>
-              <a:buClr>
-                <a:schemeClr val="accent1"/>
-              </a:buClr>
-              <a:buSzPct val="80000"/>
-              <a:buFont typeface="Wingdings 2"/>
-              <a:buChar char=""/>
-              <a:tabLst/>
-              <a:defRPr/>
-            </a:pPr>
-            <a:r>
-              <a:rPr kumimoji="0" lang="en-US" sz="2000" b="0" i="0" u="none" strike="noStrike" kern="1200" cap="none" spc="0" normalizeH="0" baseline="0" noProof="0" dirty="0" smtClean="0">
-                <a:ln>
-                  <a:noFill/>
-                </a:ln>
-                <a:solidFill>
-                  <a:schemeClr val="tx1"/>
-                </a:solidFill>
-                <a:effectLst/>
-                <a:uLnTx/>
-                <a:uFillTx/>
-                <a:latin typeface="+mn-lt"/>
-                <a:ea typeface="+mn-ea"/>
-                <a:cs typeface="+mn-cs"/>
-              </a:rPr>
-              <a:t>Storrs</a:t>
-            </a:r>
-          </a:p>
-          <a:p>
-            <a:pPr marL="448056" marR="0" lvl="0" indent="-384048" algn="l" defTabSz="914400" rtl="0" eaLnBrk="1" fontAlgn="auto" latinLnBrk="0" hangingPunct="1">
-              <a:lnSpc>
-                <a:spcPct val="100000"/>
-              </a:lnSpc>
-              <a:spcBef>
-                <a:spcPct val="20000"/>
-              </a:spcBef>
-              <a:spcAft>
-                <a:spcPts val="0"/>
-              </a:spcAft>
-              <a:buClr>
-                <a:schemeClr val="accent1"/>
-              </a:buClr>
-              <a:buSzPct val="80000"/>
-              <a:buFont typeface="Wingdings 2"/>
-              <a:buChar char=""/>
-              <a:tabLst/>
-              <a:defRPr/>
-            </a:pPr>
-            <a:r>
-              <a:rPr lang="en-US" sz="2000" dirty="0" smtClean="0"/>
-              <a:t>Syracuse</a:t>
-            </a:r>
-          </a:p>
-          <a:p>
-            <a:pPr marL="448056" marR="0" lvl="0" indent="-384048" algn="l" defTabSz="914400" rtl="0" eaLnBrk="1" fontAlgn="auto" latinLnBrk="0" hangingPunct="1">
-              <a:lnSpc>
-                <a:spcPct val="100000"/>
-              </a:lnSpc>
-              <a:spcBef>
-                <a:spcPct val="20000"/>
-              </a:spcBef>
-              <a:spcAft>
-                <a:spcPts val="0"/>
-              </a:spcAft>
-              <a:buClr>
-                <a:schemeClr val="accent1"/>
-              </a:buClr>
-              <a:buSzPct val="80000"/>
-              <a:buFont typeface="Wingdings 2"/>
-              <a:buChar char=""/>
-              <a:tabLst/>
-              <a:defRPr/>
-            </a:pPr>
-            <a:r>
-              <a:rPr kumimoji="0" lang="en-US" sz="2000" b="0" i="0" u="none" strike="noStrike" kern="1200" cap="none" spc="0" normalizeH="0" baseline="0" noProof="0" dirty="0" smtClean="0">
-                <a:ln>
-                  <a:noFill/>
-                </a:ln>
-                <a:solidFill>
-                  <a:schemeClr val="tx1"/>
-                </a:solidFill>
-                <a:effectLst/>
-                <a:uLnTx/>
-                <a:uFillTx/>
-                <a:latin typeface="+mn-lt"/>
-                <a:ea typeface="+mn-ea"/>
-                <a:cs typeface="+mn-cs"/>
-              </a:rPr>
-              <a:t>Washington,</a:t>
-            </a:r>
-            <a:r>
-              <a:rPr kumimoji="0" lang="en-US" sz="2000" b="0" i="0" u="none" strike="noStrike" kern="1200" cap="none" spc="0" normalizeH="0" noProof="0" dirty="0" smtClean="0">
-                <a:ln>
-                  <a:noFill/>
-                </a:ln>
-                <a:solidFill>
-                  <a:schemeClr val="tx1"/>
-                </a:solidFill>
-                <a:effectLst/>
-                <a:uLnTx/>
-                <a:uFillTx/>
-                <a:latin typeface="+mn-lt"/>
-                <a:ea typeface="+mn-ea"/>
-                <a:cs typeface="+mn-cs"/>
-              </a:rPr>
-              <a:t> DC</a:t>
-            </a:r>
-          </a:p>
-          <a:p>
-            <a:pPr marL="448056" marR="0" lvl="0" indent="-384048" algn="l" defTabSz="914400" rtl="0" eaLnBrk="1" fontAlgn="auto" latinLnBrk="0" hangingPunct="1">
-              <a:lnSpc>
-                <a:spcPct val="100000"/>
-              </a:lnSpc>
-              <a:spcBef>
-                <a:spcPct val="20000"/>
-              </a:spcBef>
-              <a:spcAft>
-                <a:spcPts val="0"/>
-              </a:spcAft>
-              <a:buClr>
-                <a:schemeClr val="accent1"/>
-              </a:buClr>
-              <a:buSzPct val="80000"/>
-              <a:buFont typeface="Wingdings 2"/>
-              <a:buChar char=""/>
-              <a:tabLst/>
-              <a:defRPr/>
-            </a:pPr>
-            <a:r>
-              <a:rPr lang="en-US" sz="2000" baseline="0" dirty="0" smtClean="0"/>
-              <a:t>Allentown</a:t>
-            </a:r>
-          </a:p>
-          <a:p>
-            <a:pPr marL="448056" marR="0" lvl="0" indent="-384048" algn="l" defTabSz="914400" rtl="0" eaLnBrk="1" fontAlgn="auto" latinLnBrk="0" hangingPunct="1">
-              <a:lnSpc>
-                <a:spcPct val="100000"/>
-              </a:lnSpc>
-              <a:spcBef>
-                <a:spcPct val="20000"/>
-              </a:spcBef>
-              <a:spcAft>
-                <a:spcPts val="0"/>
-              </a:spcAft>
-              <a:buClr>
-                <a:schemeClr val="accent1"/>
-              </a:buClr>
-              <a:buSzPct val="80000"/>
-              <a:buFont typeface="Wingdings 2"/>
-              <a:buChar char=""/>
-              <a:tabLst/>
-              <a:defRPr/>
-            </a:pPr>
-            <a:r>
-              <a:rPr kumimoji="0" lang="en-US" sz="2000" b="0" i="0" u="none" strike="noStrike" kern="1200" cap="none" spc="0" normalizeH="0" noProof="0" dirty="0" smtClean="0">
-                <a:ln>
-                  <a:noFill/>
-                </a:ln>
-                <a:solidFill>
-                  <a:schemeClr val="tx1"/>
-                </a:solidFill>
-                <a:effectLst/>
-                <a:uLnTx/>
-                <a:uFillTx/>
-                <a:latin typeface="+mn-lt"/>
-                <a:ea typeface="+mn-ea"/>
-                <a:cs typeface="+mn-cs"/>
-              </a:rPr>
-              <a:t>Altoona</a:t>
-            </a:r>
-          </a:p>
-          <a:p>
-            <a:pPr marL="448056" marR="0" lvl="0" indent="-384048" algn="l" defTabSz="914400" rtl="0" eaLnBrk="1" fontAlgn="auto" latinLnBrk="0" hangingPunct="1">
-              <a:lnSpc>
-                <a:spcPct val="100000"/>
-              </a:lnSpc>
-              <a:spcBef>
-                <a:spcPct val="20000"/>
-              </a:spcBef>
-              <a:spcAft>
-                <a:spcPts val="0"/>
-              </a:spcAft>
-              <a:buClr>
-                <a:schemeClr val="accent1"/>
-              </a:buClr>
-              <a:buSzPct val="80000"/>
-              <a:buFont typeface="Wingdings 2"/>
-              <a:buChar char=""/>
-              <a:tabLst/>
-              <a:defRPr/>
-            </a:pPr>
-            <a:r>
-              <a:rPr lang="en-US" sz="2000" baseline="0" dirty="0" smtClean="0"/>
-              <a:t>Atlantic City</a:t>
-            </a:r>
-          </a:p>
-          <a:p>
-            <a:pPr marL="448056" marR="0" lvl="0" indent="-384048" algn="l" defTabSz="914400" rtl="0" eaLnBrk="1" fontAlgn="auto" latinLnBrk="0" hangingPunct="1">
-              <a:lnSpc>
-                <a:spcPct val="100000"/>
-              </a:lnSpc>
-              <a:spcBef>
-                <a:spcPct val="20000"/>
-              </a:spcBef>
-              <a:spcAft>
-                <a:spcPts val="0"/>
-              </a:spcAft>
-              <a:buClr>
-                <a:schemeClr val="accent1"/>
-              </a:buClr>
-              <a:buSzPct val="80000"/>
-              <a:buFont typeface="Wingdings 2"/>
-              <a:buChar char=""/>
-              <a:tabLst/>
-              <a:defRPr/>
-            </a:pPr>
-            <a:r>
-              <a:rPr kumimoji="0" lang="en-US" sz="2000" b="0" i="0" u="none" strike="noStrike" kern="1200" cap="none" spc="0" normalizeH="0" noProof="0" dirty="0" smtClean="0">
-                <a:ln>
-                  <a:noFill/>
-                </a:ln>
-                <a:solidFill>
-                  <a:schemeClr val="tx1"/>
-                </a:solidFill>
-                <a:effectLst/>
-                <a:uLnTx/>
-                <a:uFillTx/>
-                <a:latin typeface="+mn-lt"/>
-                <a:ea typeface="+mn-ea"/>
-                <a:cs typeface="+mn-cs"/>
-              </a:rPr>
-              <a:t>Bangor</a:t>
-            </a:r>
-          </a:p>
-          <a:p>
-            <a:pPr marL="448056" marR="0" lvl="0" indent="-384048" algn="l" defTabSz="914400" rtl="0" eaLnBrk="1" fontAlgn="auto" latinLnBrk="0" hangingPunct="1">
-              <a:lnSpc>
-                <a:spcPct val="100000"/>
-              </a:lnSpc>
-              <a:spcBef>
-                <a:spcPct val="20000"/>
-              </a:spcBef>
-              <a:spcAft>
-                <a:spcPts val="0"/>
-              </a:spcAft>
-              <a:buClr>
-                <a:schemeClr val="accent1"/>
-              </a:buClr>
-              <a:buSzPct val="80000"/>
-              <a:buFont typeface="Wingdings 2"/>
-              <a:buChar char=""/>
-              <a:tabLst/>
-              <a:defRPr/>
-            </a:pPr>
-            <a:r>
-              <a:rPr lang="en-US" sz="2000" baseline="0" dirty="0" smtClean="0"/>
-              <a:t>Bar Harbor</a:t>
-            </a:r>
-          </a:p>
-          <a:p>
-            <a:pPr marL="448056" marR="0" lvl="0" indent="-384048" algn="l" defTabSz="914400" rtl="0" eaLnBrk="1" fontAlgn="auto" latinLnBrk="0" hangingPunct="1">
-              <a:lnSpc>
-                <a:spcPct val="100000"/>
-              </a:lnSpc>
-              <a:spcBef>
-                <a:spcPct val="20000"/>
-              </a:spcBef>
-              <a:spcAft>
-                <a:spcPts val="0"/>
-              </a:spcAft>
-              <a:buClr>
-                <a:schemeClr val="accent1"/>
-              </a:buClr>
-              <a:buSzPct val="80000"/>
-              <a:buFont typeface="Wingdings 2"/>
-              <a:buChar char=""/>
-              <a:tabLst/>
-              <a:defRPr/>
-            </a:pPr>
-            <a:r>
-              <a:rPr kumimoji="0" lang="en-US" sz="2000" b="0" i="0" u="none" strike="noStrike" kern="1200" cap="none" spc="0" normalizeH="0" noProof="0" dirty="0" smtClean="0">
-                <a:ln>
-                  <a:noFill/>
-                </a:ln>
-                <a:solidFill>
-                  <a:schemeClr val="tx1"/>
-                </a:solidFill>
-                <a:effectLst/>
-                <a:uLnTx/>
-                <a:uFillTx/>
-                <a:latin typeface="+mn-lt"/>
-                <a:ea typeface="+mn-ea"/>
-                <a:cs typeface="+mn-cs"/>
-              </a:rPr>
-              <a:t>Bedford</a:t>
-            </a:r>
-          </a:p>
-          <a:p>
-            <a:pPr marL="448056" marR="0" lvl="0" indent="-384048" algn="l" defTabSz="914400" rtl="0" eaLnBrk="1" fontAlgn="auto" latinLnBrk="0" hangingPunct="1">
-              <a:lnSpc>
-                <a:spcPct val="100000"/>
-              </a:lnSpc>
-              <a:spcBef>
-                <a:spcPct val="20000"/>
-              </a:spcBef>
-              <a:spcAft>
-                <a:spcPts val="0"/>
-              </a:spcAft>
-              <a:buClr>
-                <a:schemeClr val="accent1"/>
-              </a:buClr>
-              <a:buSzPct val="80000"/>
-              <a:buFont typeface="Wingdings 2"/>
-              <a:buChar char=""/>
-              <a:tabLst/>
-              <a:defRPr/>
-            </a:pPr>
-            <a:r>
-              <a:rPr lang="en-US" sz="2000" baseline="0" dirty="0" smtClean="0"/>
-              <a:t>Block</a:t>
-            </a:r>
-            <a:r>
-              <a:rPr lang="en-US" sz="2000" dirty="0" smtClean="0"/>
-              <a:t> Island</a:t>
-            </a:r>
-          </a:p>
-          <a:p>
-            <a:pPr marL="448056" marR="0" lvl="0" indent="-384048" algn="l" defTabSz="914400" rtl="0" eaLnBrk="1" fontAlgn="auto" latinLnBrk="0" hangingPunct="1">
-              <a:lnSpc>
-                <a:spcPct val="100000"/>
-              </a:lnSpc>
-              <a:spcBef>
-                <a:spcPct val="20000"/>
-              </a:spcBef>
-              <a:spcAft>
-                <a:spcPts val="0"/>
-              </a:spcAft>
-              <a:buClr>
-                <a:schemeClr val="accent1"/>
-              </a:buClr>
-              <a:buSzPct val="80000"/>
-              <a:buFont typeface="Wingdings 2"/>
-              <a:buChar char=""/>
-              <a:tabLst/>
-              <a:defRPr/>
-            </a:pPr>
-            <a:r>
-              <a:rPr kumimoji="0" lang="en-US" sz="2000" b="0" i="0" u="none" strike="noStrike" kern="1200" cap="none" spc="0" normalizeH="0" baseline="0" noProof="0" dirty="0" smtClean="0">
-                <a:ln>
-                  <a:noFill/>
-                </a:ln>
-                <a:solidFill>
-                  <a:schemeClr val="tx1"/>
-                </a:solidFill>
-                <a:effectLst/>
-                <a:uLnTx/>
-                <a:uFillTx/>
-                <a:latin typeface="+mn-lt"/>
-                <a:ea typeface="+mn-ea"/>
-                <a:cs typeface="+mn-cs"/>
-              </a:rPr>
-              <a:t>Bradford</a:t>
-            </a:r>
-          </a:p>
-          <a:p>
-            <a:pPr marL="448056" marR="0" lvl="0" indent="-384048" algn="l" defTabSz="914400" rtl="0" eaLnBrk="1" fontAlgn="auto" latinLnBrk="0" hangingPunct="1">
-              <a:lnSpc>
-                <a:spcPct val="100000"/>
-              </a:lnSpc>
-              <a:spcBef>
-                <a:spcPct val="20000"/>
-              </a:spcBef>
-              <a:spcAft>
-                <a:spcPts val="0"/>
-              </a:spcAft>
-              <a:buClr>
-                <a:schemeClr val="accent1"/>
-              </a:buClr>
-              <a:buSzPct val="80000"/>
-              <a:buFont typeface="Wingdings 2"/>
-              <a:buChar char=""/>
-              <a:tabLst/>
-              <a:defRPr/>
-            </a:pPr>
-            <a:r>
-              <a:rPr lang="en-US" sz="2000" dirty="0" smtClean="0"/>
-              <a:t>Cumberland</a:t>
-            </a:r>
-          </a:p>
-          <a:p>
-            <a:pPr marL="448056" marR="0" lvl="0" indent="-384048" algn="l" defTabSz="914400" rtl="0" eaLnBrk="1" fontAlgn="auto" latinLnBrk="0" hangingPunct="1">
-              <a:lnSpc>
-                <a:spcPct val="100000"/>
-              </a:lnSpc>
-              <a:spcBef>
-                <a:spcPct val="20000"/>
-              </a:spcBef>
-              <a:spcAft>
-                <a:spcPts val="0"/>
-              </a:spcAft>
-              <a:buClr>
-                <a:schemeClr val="accent1"/>
-              </a:buClr>
-              <a:buSzPct val="80000"/>
-              <a:buFont typeface="Wingdings 2"/>
-              <a:buChar char=""/>
-              <a:tabLst/>
-              <a:defRPr/>
-            </a:pPr>
-            <a:r>
-              <a:rPr kumimoji="0" lang="en-US" sz="2000" b="0" i="0" u="none" strike="noStrike" kern="1200" cap="none" spc="0" normalizeH="0" baseline="0" noProof="0" dirty="0" smtClean="0">
-                <a:ln>
-                  <a:noFill/>
-                </a:ln>
-                <a:solidFill>
-                  <a:schemeClr val="tx1"/>
-                </a:solidFill>
-                <a:effectLst/>
-                <a:uLnTx/>
-                <a:uFillTx/>
-                <a:latin typeface="+mn-lt"/>
-                <a:ea typeface="+mn-ea"/>
-                <a:cs typeface="+mn-cs"/>
-              </a:rPr>
-              <a:t>Dubois</a:t>
-            </a:r>
-          </a:p>
-          <a:p>
-            <a:pPr marL="448056" marR="0" lvl="0" indent="-384048" algn="l" defTabSz="914400" rtl="0" eaLnBrk="1" fontAlgn="auto" latinLnBrk="0" hangingPunct="1">
-              <a:lnSpc>
-                <a:spcPct val="100000"/>
-              </a:lnSpc>
-              <a:spcBef>
-                <a:spcPct val="20000"/>
-              </a:spcBef>
-              <a:spcAft>
-                <a:spcPts val="0"/>
-              </a:spcAft>
-              <a:buClr>
-                <a:schemeClr val="accent1"/>
-              </a:buClr>
-              <a:buSzPct val="80000"/>
-              <a:buFont typeface="Wingdings 2"/>
-              <a:buChar char=""/>
-              <a:tabLst/>
-              <a:defRPr/>
-            </a:pPr>
-            <a:r>
-              <a:rPr lang="en-US" sz="2000" dirty="0" smtClean="0"/>
-              <a:t>Saranac Lake</a:t>
-            </a:r>
-          </a:p>
-          <a:p>
-            <a:pPr marL="448056" marR="0" lvl="0" indent="-384048" algn="l" defTabSz="914400" rtl="0" eaLnBrk="1" fontAlgn="auto" latinLnBrk="0" hangingPunct="1">
-              <a:lnSpc>
-                <a:spcPct val="100000"/>
-              </a:lnSpc>
-              <a:spcBef>
-                <a:spcPct val="20000"/>
-              </a:spcBef>
-              <a:spcAft>
-                <a:spcPts val="0"/>
-              </a:spcAft>
-              <a:buClr>
-                <a:schemeClr val="accent1"/>
-              </a:buClr>
-              <a:buSzPct val="80000"/>
-              <a:buFont typeface="Wingdings 2"/>
-              <a:buChar char=""/>
-              <a:tabLst/>
-              <a:defRPr/>
-            </a:pPr>
-            <a:r>
-              <a:rPr kumimoji="0" lang="en-US" sz="2000" b="0" i="0" u="none" strike="noStrike" kern="1200" cap="none" spc="0" normalizeH="0" baseline="0" noProof="0" dirty="0" smtClean="0">
-                <a:ln>
-                  <a:noFill/>
-                </a:ln>
-                <a:solidFill>
-                  <a:schemeClr val="tx1"/>
-                </a:solidFill>
-                <a:effectLst/>
-                <a:uLnTx/>
-                <a:uFillTx/>
-                <a:latin typeface="+mn-lt"/>
-                <a:ea typeface="+mn-ea"/>
-                <a:cs typeface="+mn-cs"/>
-              </a:rPr>
-              <a:t>Westerly</a:t>
-            </a:r>
-          </a:p>
-          <a:p>
-            <a:pPr marL="448056" marR="0" lvl="0" indent="-384048" algn="l" defTabSz="914400" rtl="0" eaLnBrk="1" fontAlgn="auto" latinLnBrk="0" hangingPunct="1">
-              <a:lnSpc>
-                <a:spcPct val="100000"/>
-              </a:lnSpc>
-              <a:spcBef>
-                <a:spcPct val="20000"/>
-              </a:spcBef>
-              <a:spcAft>
-                <a:spcPts val="0"/>
-              </a:spcAft>
-              <a:buClr>
-                <a:schemeClr val="accent1"/>
-              </a:buClr>
-              <a:buSzPct val="80000"/>
-              <a:buFont typeface="Wingdings 2"/>
-              <a:buChar char=""/>
-              <a:tabLst/>
-              <a:defRPr/>
-            </a:pPr>
-            <a:r>
-              <a:rPr lang="en-US" sz="2000" dirty="0" smtClean="0"/>
-              <a:t>Princeton</a:t>
-            </a:r>
-          </a:p>
-          <a:p>
-            <a:pPr marL="448056" marR="0" lvl="0" indent="-384048" algn="l" defTabSz="914400" rtl="0" eaLnBrk="1" fontAlgn="auto" latinLnBrk="0" hangingPunct="1">
-              <a:lnSpc>
-                <a:spcPct val="100000"/>
-              </a:lnSpc>
-              <a:spcBef>
-                <a:spcPct val="20000"/>
-              </a:spcBef>
-              <a:spcAft>
-                <a:spcPts val="0"/>
-              </a:spcAft>
-              <a:buClr>
-                <a:schemeClr val="accent1"/>
-              </a:buClr>
-              <a:buSzPct val="80000"/>
-              <a:buFont typeface="Wingdings 2"/>
-              <a:buChar char=""/>
-              <a:tabLst/>
-              <a:defRPr/>
-            </a:pPr>
-            <a:r>
-              <a:rPr kumimoji="0" lang="en-US" sz="2000" b="0" i="0" u="none" strike="noStrike" kern="1200" cap="none" spc="0" normalizeH="0" baseline="0" noProof="0" dirty="0" smtClean="0">
-                <a:ln>
-                  <a:noFill/>
-                </a:ln>
-                <a:solidFill>
-                  <a:schemeClr val="tx1"/>
-                </a:solidFill>
-                <a:effectLst/>
-                <a:uLnTx/>
-                <a:uFillTx/>
-                <a:latin typeface="+mn-lt"/>
-                <a:ea typeface="+mn-ea"/>
-                <a:cs typeface="+mn-cs"/>
-              </a:rPr>
-              <a:t>Berlin</a:t>
-            </a:r>
-          </a:p>
-          <a:p>
-            <a:pPr marL="448056" marR="0" lvl="0" indent="-384048" algn="l" defTabSz="914400" rtl="0" eaLnBrk="1" fontAlgn="auto" latinLnBrk="0" hangingPunct="1">
-              <a:lnSpc>
-                <a:spcPct val="100000"/>
-              </a:lnSpc>
-              <a:spcBef>
-                <a:spcPct val="20000"/>
-              </a:spcBef>
-              <a:spcAft>
-                <a:spcPts val="0"/>
-              </a:spcAft>
-              <a:buClr>
-                <a:schemeClr val="accent1"/>
-              </a:buClr>
-              <a:buSzPct val="80000"/>
-              <a:buFont typeface="Wingdings 2"/>
-              <a:buChar char=""/>
-              <a:tabLst/>
-              <a:defRPr/>
-            </a:pPr>
-            <a:r>
-              <a:rPr lang="en-US" sz="2000" dirty="0" smtClean="0"/>
-              <a:t>Concord</a:t>
-            </a:r>
-          </a:p>
-          <a:p>
-            <a:pPr marL="448056" marR="0" lvl="0" indent="-384048" algn="l" defTabSz="914400" rtl="0" eaLnBrk="1" fontAlgn="auto" latinLnBrk="0" hangingPunct="1">
-              <a:lnSpc>
-                <a:spcPct val="100000"/>
-              </a:lnSpc>
-              <a:spcBef>
-                <a:spcPct val="20000"/>
-              </a:spcBef>
-              <a:spcAft>
-                <a:spcPts val="0"/>
-              </a:spcAft>
-              <a:buClr>
-                <a:schemeClr val="accent1"/>
-              </a:buClr>
-              <a:buSzPct val="80000"/>
-              <a:buFont typeface="Wingdings 2"/>
-              <a:buChar char=""/>
-              <a:tabLst/>
-              <a:defRPr/>
-            </a:pPr>
-            <a:r>
-              <a:rPr kumimoji="0" lang="en-US" sz="2000" b="0" i="0" u="none" strike="noStrike" kern="1200" cap="none" spc="0" normalizeH="0" baseline="0" noProof="0" dirty="0" smtClean="0">
-                <a:ln>
-                  <a:noFill/>
-                </a:ln>
-                <a:solidFill>
-                  <a:schemeClr val="tx1"/>
-                </a:solidFill>
-                <a:effectLst/>
-                <a:uLnTx/>
-                <a:uFillTx/>
-                <a:latin typeface="+mn-lt"/>
-                <a:ea typeface="+mn-ea"/>
-                <a:cs typeface="+mn-cs"/>
-              </a:rPr>
-              <a:t>Providence</a:t>
-            </a:r>
-            <a:endParaRPr kumimoji="0" lang="en-US" sz="2000" b="0" i="0" u="none" strike="noStrike" kern="1200" cap="none" spc="0" normalizeH="0" baseline="0" noProof="0" dirty="0" smtClean="0">
-              <a:ln>
-                <a:noFill/>
-              </a:ln>
-              <a:solidFill>
-                <a:schemeClr val="tx1"/>
-              </a:solidFill>
-              <a:effectLst/>
-              <a:uLnTx/>
-              <a:uFillTx/>
-              <a:latin typeface="+mn-lt"/>
-              <a:ea typeface="+mn-ea"/>
-              <a:cs typeface="+mn-cs"/>
-            </a:endParaRPr>
-          </a:p>
-        </p:txBody>
-      </p:sp>
-      <p:sp>
-        <p:nvSpPr>
-          <p:cNvPr id="5" name="Content Placeholder 2"/>
-          <p:cNvSpPr txBox="1">
-            <a:spLocks/>
-          </p:cNvSpPr>
+      </p:pic>
+      <p:pic>
+        <p:nvPicPr>
+          <p:cNvPr id="6" name="Picture 5"/>
+          <p:cNvPicPr>
+            <a:picLocks noChangeAspect="1"/>
+          </p:cNvPicPr>
           <p:nvPr/>
-        </p:nvSpPr>
-        <p:spPr>
-          <a:xfrm>
-            <a:off x="4743450" y="1219200"/>
-            <a:ext cx="2266950" cy="5537200"/>
+        </p:nvPicPr>
+        <p:blipFill>
+          <a:blip r:embed="rId3"/>
+          <a:stretch>
+            <a:fillRect/>
+          </a:stretch>
+        </p:blipFill>
+        <p:spPr>
+          <a:xfrm>
+            <a:off x="248357" y="5648266"/>
+            <a:ext cx="4092920" cy="1002901"/>
           </a:xfrm>
           <a:prstGeom prst="rect">
             <a:avLst/>
           </a:prstGeom>
         </p:spPr>
-        <p:txBody>
-          <a:bodyPr vert="horz" anchor="t">
-            <a:normAutofit fontScale="85000" lnSpcReduction="20000"/>
-          </a:bodyPr>
-          <a:lstStyle/>
-          <a:p>
-            <a:pPr marL="448056" marR="0" lvl="0" indent="-384048" algn="l" defTabSz="914400" rtl="0" eaLnBrk="1" fontAlgn="auto" latinLnBrk="0" hangingPunct="1">
-              <a:lnSpc>
-                <a:spcPct val="100000"/>
-              </a:lnSpc>
-              <a:spcBef>
-                <a:spcPct val="20000"/>
-              </a:spcBef>
-              <a:spcAft>
-                <a:spcPts val="0"/>
-              </a:spcAft>
-              <a:buClr>
-                <a:schemeClr val="accent1"/>
-              </a:buClr>
-              <a:buSzPct val="80000"/>
-              <a:buFont typeface="Wingdings 2"/>
-              <a:buChar char=""/>
-              <a:tabLst/>
-              <a:defRPr/>
-            </a:pPr>
-            <a:r>
-              <a:rPr lang="en-US" sz="2000" dirty="0" smtClean="0"/>
-              <a:t>Easton</a:t>
-            </a:r>
-          </a:p>
-          <a:p>
-            <a:pPr marL="448056" marR="0" lvl="0" indent="-384048" algn="l" defTabSz="914400" rtl="0" eaLnBrk="1" fontAlgn="auto" latinLnBrk="0" hangingPunct="1">
-              <a:lnSpc>
-                <a:spcPct val="100000"/>
-              </a:lnSpc>
-              <a:spcBef>
-                <a:spcPct val="20000"/>
-              </a:spcBef>
-              <a:spcAft>
-                <a:spcPts val="0"/>
-              </a:spcAft>
-              <a:buClr>
-                <a:schemeClr val="accent1"/>
-              </a:buClr>
-              <a:buSzPct val="80000"/>
-              <a:buFont typeface="Wingdings 2"/>
-              <a:buChar char=""/>
-              <a:tabLst/>
-              <a:defRPr/>
-            </a:pPr>
-            <a:r>
-              <a:rPr kumimoji="0" lang="en-US" sz="2000" b="0" i="0" u="none" strike="noStrike" kern="1200" cap="none" spc="0" normalizeH="0" baseline="0" noProof="0" dirty="0" smtClean="0">
-                <a:ln>
-                  <a:noFill/>
-                </a:ln>
-                <a:solidFill>
-                  <a:schemeClr val="tx1"/>
-                </a:solidFill>
-                <a:effectLst/>
-                <a:uLnTx/>
-                <a:uFillTx/>
-                <a:latin typeface="+mn-lt"/>
-                <a:ea typeface="+mn-ea"/>
-                <a:cs typeface="+mn-cs"/>
-              </a:rPr>
-              <a:t>Endicott</a:t>
-            </a:r>
-          </a:p>
-          <a:p>
-            <a:pPr marL="448056" marR="0" lvl="0" indent="-384048" algn="l" defTabSz="914400" rtl="0" eaLnBrk="1" fontAlgn="auto" latinLnBrk="0" hangingPunct="1">
-              <a:lnSpc>
-                <a:spcPct val="100000"/>
-              </a:lnSpc>
-              <a:spcBef>
-                <a:spcPct val="20000"/>
-              </a:spcBef>
-              <a:spcAft>
-                <a:spcPts val="0"/>
-              </a:spcAft>
-              <a:buClr>
-                <a:schemeClr val="accent1"/>
-              </a:buClr>
-              <a:buSzPct val="80000"/>
-              <a:buFont typeface="Wingdings 2"/>
-              <a:buChar char=""/>
-              <a:tabLst/>
-              <a:defRPr/>
-            </a:pPr>
-            <a:r>
-              <a:rPr lang="en-US" sz="2000" dirty="0" smtClean="0"/>
-              <a:t>Erie</a:t>
-            </a:r>
-          </a:p>
-          <a:p>
-            <a:pPr marL="448056" marR="0" lvl="0" indent="-384048" algn="l" defTabSz="914400" rtl="0" eaLnBrk="1" fontAlgn="auto" latinLnBrk="0" hangingPunct="1">
-              <a:lnSpc>
-                <a:spcPct val="100000"/>
-              </a:lnSpc>
-              <a:spcBef>
-                <a:spcPct val="20000"/>
-              </a:spcBef>
-              <a:spcAft>
-                <a:spcPts val="0"/>
-              </a:spcAft>
-              <a:buClr>
-                <a:schemeClr val="accent1"/>
-              </a:buClr>
-              <a:buSzPct val="80000"/>
-              <a:buFont typeface="Wingdings 2"/>
-              <a:buChar char=""/>
-              <a:tabLst/>
-              <a:defRPr/>
-            </a:pPr>
-            <a:r>
-              <a:rPr lang="en-US" sz="2000" dirty="0" smtClean="0"/>
-              <a:t>Franklin</a:t>
-            </a:r>
-          </a:p>
-          <a:p>
-            <a:pPr marL="448056" marR="0" lvl="0" indent="-384048" algn="l" defTabSz="914400" rtl="0" eaLnBrk="1" fontAlgn="auto" latinLnBrk="0" hangingPunct="1">
-              <a:lnSpc>
-                <a:spcPct val="100000"/>
-              </a:lnSpc>
-              <a:spcBef>
-                <a:spcPct val="20000"/>
-              </a:spcBef>
-              <a:spcAft>
-                <a:spcPts val="0"/>
-              </a:spcAft>
-              <a:buClr>
-                <a:schemeClr val="accent1"/>
-              </a:buClr>
-              <a:buSzPct val="80000"/>
-              <a:buFont typeface="Wingdings 2"/>
-              <a:buChar char=""/>
-              <a:tabLst/>
-              <a:defRPr/>
-            </a:pPr>
-            <a:r>
-              <a:rPr lang="en-US" sz="2000" dirty="0" smtClean="0"/>
-              <a:t>Hagerstown</a:t>
-            </a:r>
-          </a:p>
-          <a:p>
-            <a:pPr marL="448056" marR="0" lvl="0" indent="-384048" algn="l" defTabSz="914400" rtl="0" eaLnBrk="1" fontAlgn="auto" latinLnBrk="0" hangingPunct="1">
-              <a:lnSpc>
-                <a:spcPct val="100000"/>
-              </a:lnSpc>
-              <a:spcBef>
-                <a:spcPct val="20000"/>
-              </a:spcBef>
-              <a:spcAft>
-                <a:spcPts val="0"/>
-              </a:spcAft>
-              <a:buClr>
-                <a:schemeClr val="accent1"/>
-              </a:buClr>
-              <a:buSzPct val="80000"/>
-              <a:buFont typeface="Wingdings 2"/>
-              <a:buChar char=""/>
-              <a:tabLst/>
-              <a:defRPr/>
-            </a:pPr>
-            <a:r>
-              <a:rPr lang="en-US" sz="2000" dirty="0" smtClean="0"/>
-              <a:t>Hanover</a:t>
-            </a:r>
-          </a:p>
-          <a:p>
-            <a:pPr marL="448056" marR="0" lvl="0" indent="-384048" algn="l" defTabSz="914400" rtl="0" eaLnBrk="1" fontAlgn="auto" latinLnBrk="0" hangingPunct="1">
-              <a:lnSpc>
-                <a:spcPct val="100000"/>
-              </a:lnSpc>
-              <a:spcBef>
-                <a:spcPct val="20000"/>
-              </a:spcBef>
-              <a:spcAft>
-                <a:spcPts val="0"/>
-              </a:spcAft>
-              <a:buClr>
-                <a:schemeClr val="accent1"/>
-              </a:buClr>
-              <a:buSzPct val="80000"/>
-              <a:buFont typeface="Wingdings 2"/>
-              <a:buChar char=""/>
-              <a:tabLst/>
-              <a:defRPr/>
-            </a:pPr>
-            <a:r>
-              <a:rPr lang="en-US" sz="2000" dirty="0" smtClean="0"/>
-              <a:t>Hyannis</a:t>
-            </a:r>
-          </a:p>
-          <a:p>
-            <a:pPr marL="448056" marR="0" lvl="0" indent="-384048" algn="l" defTabSz="914400" rtl="0" eaLnBrk="1" fontAlgn="auto" latinLnBrk="0" hangingPunct="1">
-              <a:lnSpc>
-                <a:spcPct val="100000"/>
-              </a:lnSpc>
-              <a:spcBef>
-                <a:spcPct val="20000"/>
-              </a:spcBef>
-              <a:spcAft>
-                <a:spcPts val="0"/>
-              </a:spcAft>
-              <a:buClr>
-                <a:schemeClr val="accent1"/>
-              </a:buClr>
-              <a:buSzPct val="80000"/>
-              <a:buFont typeface="Wingdings 2"/>
-              <a:buChar char=""/>
-              <a:tabLst/>
-              <a:defRPr/>
-            </a:pPr>
-            <a:r>
-              <a:rPr lang="en-US" sz="2000" dirty="0" smtClean="0"/>
-              <a:t>Islip </a:t>
-            </a:r>
-          </a:p>
-          <a:p>
-            <a:pPr marL="448056" marR="0" lvl="0" indent="-384048" algn="l" defTabSz="914400" rtl="0" eaLnBrk="1" fontAlgn="auto" latinLnBrk="0" hangingPunct="1">
-              <a:lnSpc>
-                <a:spcPct val="100000"/>
-              </a:lnSpc>
-              <a:spcBef>
-                <a:spcPct val="20000"/>
-              </a:spcBef>
-              <a:spcAft>
-                <a:spcPts val="0"/>
-              </a:spcAft>
-              <a:buClr>
-                <a:schemeClr val="accent1"/>
-              </a:buClr>
-              <a:buSzPct val="80000"/>
-              <a:buFont typeface="Wingdings 2"/>
-              <a:buChar char=""/>
-              <a:tabLst/>
-              <a:defRPr/>
-            </a:pPr>
-            <a:r>
-              <a:rPr lang="en-US" sz="2000" dirty="0" smtClean="0"/>
-              <a:t>Ithaca</a:t>
-            </a:r>
-          </a:p>
-          <a:p>
-            <a:pPr marL="448056" marR="0" lvl="0" indent="-384048" algn="l" defTabSz="914400" rtl="0" eaLnBrk="1" fontAlgn="auto" latinLnBrk="0" hangingPunct="1">
-              <a:lnSpc>
-                <a:spcPct val="100000"/>
-              </a:lnSpc>
-              <a:spcBef>
-                <a:spcPct val="20000"/>
-              </a:spcBef>
-              <a:spcAft>
-                <a:spcPts val="0"/>
-              </a:spcAft>
-              <a:buClr>
-                <a:schemeClr val="accent1"/>
-              </a:buClr>
-              <a:buSzPct val="80000"/>
-              <a:buFont typeface="Wingdings 2"/>
-              <a:buChar char=""/>
-              <a:tabLst/>
-              <a:defRPr/>
-            </a:pPr>
-            <a:r>
-              <a:rPr lang="en-US" sz="2000" dirty="0" smtClean="0"/>
-              <a:t>Jamestown</a:t>
-            </a:r>
-          </a:p>
-          <a:p>
-            <a:pPr marL="448056" marR="0" lvl="0" indent="-384048" algn="l" defTabSz="914400" rtl="0" eaLnBrk="1" fontAlgn="auto" latinLnBrk="0" hangingPunct="1">
-              <a:lnSpc>
-                <a:spcPct val="100000"/>
-              </a:lnSpc>
-              <a:spcBef>
-                <a:spcPct val="20000"/>
-              </a:spcBef>
-              <a:spcAft>
-                <a:spcPts val="0"/>
-              </a:spcAft>
-              <a:buClr>
-                <a:schemeClr val="accent1"/>
-              </a:buClr>
-              <a:buSzPct val="80000"/>
-              <a:buFont typeface="Wingdings 2"/>
-              <a:buChar char=""/>
-              <a:tabLst/>
-              <a:defRPr/>
-            </a:pPr>
-            <a:r>
-              <a:rPr lang="en-US" sz="2000" dirty="0" smtClean="0"/>
-              <a:t>Johnstown</a:t>
-            </a:r>
-          </a:p>
-          <a:p>
-            <a:pPr marL="448056" marR="0" lvl="0" indent="-384048" algn="l" defTabSz="914400" rtl="0" eaLnBrk="1" fontAlgn="auto" latinLnBrk="0" hangingPunct="1">
-              <a:lnSpc>
-                <a:spcPct val="100000"/>
-              </a:lnSpc>
-              <a:spcBef>
-                <a:spcPct val="20000"/>
-              </a:spcBef>
-              <a:spcAft>
-                <a:spcPts val="0"/>
-              </a:spcAft>
-              <a:buClr>
-                <a:schemeClr val="accent1"/>
-              </a:buClr>
-              <a:buSzPct val="80000"/>
-              <a:buFont typeface="Wingdings 2"/>
-              <a:buChar char=""/>
-              <a:tabLst/>
-              <a:defRPr/>
-            </a:pPr>
-            <a:r>
-              <a:rPr lang="en-US" sz="2000" dirty="0" smtClean="0"/>
-              <a:t>Keene</a:t>
-            </a:r>
-          </a:p>
-          <a:p>
-            <a:pPr marL="448056" marR="0" lvl="0" indent="-384048" algn="l" defTabSz="914400" rtl="0" eaLnBrk="1" fontAlgn="auto" latinLnBrk="0" hangingPunct="1">
-              <a:lnSpc>
-                <a:spcPct val="100000"/>
-              </a:lnSpc>
-              <a:spcBef>
-                <a:spcPct val="20000"/>
-              </a:spcBef>
-              <a:spcAft>
-                <a:spcPts val="0"/>
-              </a:spcAft>
-              <a:buClr>
-                <a:schemeClr val="accent1"/>
-              </a:buClr>
-              <a:buSzPct val="80000"/>
-              <a:buFont typeface="Wingdings 2"/>
-              <a:buChar char=""/>
-              <a:tabLst/>
-              <a:defRPr/>
-            </a:pPr>
-            <a:r>
-              <a:rPr lang="en-US" sz="2000" dirty="0" smtClean="0"/>
-              <a:t>Lancaster</a:t>
-            </a:r>
-          </a:p>
-          <a:p>
-            <a:pPr marL="448056" marR="0" lvl="0" indent="-384048" algn="l" defTabSz="914400" rtl="0" eaLnBrk="1" fontAlgn="auto" latinLnBrk="0" hangingPunct="1">
-              <a:lnSpc>
-                <a:spcPct val="100000"/>
-              </a:lnSpc>
-              <a:spcBef>
-                <a:spcPct val="20000"/>
-              </a:spcBef>
-              <a:spcAft>
-                <a:spcPts val="0"/>
-              </a:spcAft>
-              <a:buClr>
-                <a:schemeClr val="accent1"/>
-              </a:buClr>
-              <a:buSzPct val="80000"/>
-              <a:buFont typeface="Wingdings 2"/>
-              <a:buChar char=""/>
-              <a:tabLst/>
-              <a:defRPr/>
-            </a:pPr>
-            <a:r>
-              <a:rPr lang="en-US" sz="2000" dirty="0" smtClean="0"/>
-              <a:t>Latrobe</a:t>
-            </a:r>
-          </a:p>
-          <a:p>
-            <a:pPr marL="448056" marR="0" lvl="0" indent="-384048" algn="l" defTabSz="914400" rtl="0" eaLnBrk="1" fontAlgn="auto" latinLnBrk="0" hangingPunct="1">
-              <a:lnSpc>
-                <a:spcPct val="100000"/>
-              </a:lnSpc>
-              <a:spcBef>
-                <a:spcPct val="20000"/>
-              </a:spcBef>
-              <a:spcAft>
-                <a:spcPts val="0"/>
-              </a:spcAft>
-              <a:buClr>
-                <a:schemeClr val="accent1"/>
-              </a:buClr>
-              <a:buSzPct val="80000"/>
-              <a:buFont typeface="Wingdings 2"/>
-              <a:buChar char=""/>
-              <a:tabLst/>
-              <a:defRPr/>
-            </a:pPr>
-            <a:r>
-              <a:rPr lang="en-US" sz="2000" dirty="0" smtClean="0"/>
-              <a:t>Manchester</a:t>
-            </a:r>
-          </a:p>
-          <a:p>
-            <a:pPr marL="448056" marR="0" lvl="0" indent="-384048" algn="l" defTabSz="914400" rtl="0" eaLnBrk="1" fontAlgn="auto" latinLnBrk="0" hangingPunct="1">
-              <a:lnSpc>
-                <a:spcPct val="100000"/>
-              </a:lnSpc>
-              <a:spcBef>
-                <a:spcPct val="20000"/>
-              </a:spcBef>
-              <a:spcAft>
-                <a:spcPts val="0"/>
-              </a:spcAft>
-              <a:buClr>
-                <a:schemeClr val="accent1"/>
-              </a:buClr>
-              <a:buSzPct val="80000"/>
-              <a:buFont typeface="Wingdings 2"/>
-              <a:buChar char=""/>
-              <a:tabLst/>
-              <a:defRPr/>
-            </a:pPr>
-            <a:r>
-              <a:rPr lang="en-US" sz="2000" dirty="0" smtClean="0"/>
-              <a:t>Trenton</a:t>
-            </a:r>
-          </a:p>
-          <a:p>
-            <a:pPr marL="448056" marR="0" lvl="0" indent="-384048" algn="l" defTabSz="914400" rtl="0" eaLnBrk="1" fontAlgn="auto" latinLnBrk="0" hangingPunct="1">
-              <a:lnSpc>
-                <a:spcPct val="100000"/>
-              </a:lnSpc>
-              <a:spcBef>
-                <a:spcPct val="20000"/>
-              </a:spcBef>
-              <a:spcAft>
-                <a:spcPts val="0"/>
-              </a:spcAft>
-              <a:buClr>
-                <a:schemeClr val="accent1"/>
-              </a:buClr>
-              <a:buSzPct val="80000"/>
-              <a:buFont typeface="Wingdings 2"/>
-              <a:buChar char=""/>
-              <a:tabLst/>
-              <a:defRPr/>
-            </a:pPr>
-            <a:r>
-              <a:rPr lang="en-US" sz="2000" dirty="0" smtClean="0"/>
-              <a:t>Williamsport</a:t>
-            </a:r>
-          </a:p>
-          <a:p>
-            <a:pPr marL="448056" marR="0" lvl="0" indent="-384048" algn="l" defTabSz="914400" rtl="0" eaLnBrk="1" fontAlgn="auto" latinLnBrk="0" hangingPunct="1">
-              <a:lnSpc>
-                <a:spcPct val="100000"/>
-              </a:lnSpc>
-              <a:spcBef>
-                <a:spcPct val="20000"/>
-              </a:spcBef>
-              <a:spcAft>
-                <a:spcPts val="0"/>
-              </a:spcAft>
-              <a:buClr>
-                <a:schemeClr val="accent1"/>
-              </a:buClr>
-              <a:buSzPct val="80000"/>
-              <a:buFont typeface="Wingdings 2"/>
-              <a:buChar char=""/>
-              <a:tabLst/>
-              <a:defRPr/>
-            </a:pPr>
-            <a:r>
-              <a:rPr lang="en-US" sz="2000" dirty="0" smtClean="0"/>
-              <a:t>Princeton Junction</a:t>
-            </a:r>
-          </a:p>
-          <a:p>
-            <a:pPr marL="448056" marR="0" lvl="0" indent="-384048" algn="l" defTabSz="914400" rtl="0" eaLnBrk="1" fontAlgn="auto" latinLnBrk="0" hangingPunct="1">
-              <a:lnSpc>
-                <a:spcPct val="100000"/>
-              </a:lnSpc>
-              <a:spcBef>
-                <a:spcPct val="20000"/>
-              </a:spcBef>
-              <a:spcAft>
-                <a:spcPts val="0"/>
-              </a:spcAft>
-              <a:buClr>
-                <a:schemeClr val="accent1"/>
-              </a:buClr>
-              <a:buSzPct val="80000"/>
-              <a:buFont typeface="Wingdings 2"/>
-              <a:buChar char=""/>
-              <a:tabLst/>
-              <a:defRPr/>
-            </a:pPr>
-            <a:r>
-              <a:rPr lang="en-US" sz="2000" dirty="0" smtClean="0"/>
-              <a:t>Newark</a:t>
-            </a:r>
-          </a:p>
-        </p:txBody>
-      </p:sp>
-      <p:sp>
-        <p:nvSpPr>
-          <p:cNvPr id="6" name="Content Placeholder 2"/>
-          <p:cNvSpPr txBox="1">
-            <a:spLocks/>
-          </p:cNvSpPr>
+      </p:pic>
+      <p:pic>
+        <p:nvPicPr>
+          <p:cNvPr id="7" name="Picture 6"/>
+          <p:cNvPicPr>
+            <a:picLocks noChangeAspect="1"/>
+          </p:cNvPicPr>
           <p:nvPr/>
-        </p:nvSpPr>
-        <p:spPr>
-          <a:xfrm>
-            <a:off x="6654800" y="1219200"/>
-            <a:ext cx="2489200" cy="5537200"/>
+        </p:nvPicPr>
+        <p:blipFill>
+          <a:blip r:embed="rId4"/>
+          <a:stretch>
+            <a:fillRect/>
+          </a:stretch>
+        </p:blipFill>
+        <p:spPr>
+          <a:xfrm>
+            <a:off x="286457" y="3951670"/>
+            <a:ext cx="4054820" cy="1009200"/>
           </a:xfrm>
           <a:prstGeom prst="rect">
             <a:avLst/>
           </a:prstGeom>
         </p:spPr>
-        <p:txBody>
-          <a:bodyPr vert="horz" anchor="t">
-            <a:normAutofit fontScale="85000" lnSpcReduction="20000"/>
-          </a:bodyPr>
-          <a:lstStyle/>
-          <a:p>
-            <a:pPr marL="448056" marR="0" lvl="0" indent="-384048" algn="l" defTabSz="914400" rtl="0" eaLnBrk="1" fontAlgn="auto" latinLnBrk="0" hangingPunct="1">
-              <a:lnSpc>
-                <a:spcPct val="100000"/>
-              </a:lnSpc>
-              <a:spcBef>
-                <a:spcPct val="20000"/>
-              </a:spcBef>
-              <a:spcAft>
-                <a:spcPts val="0"/>
-              </a:spcAft>
-              <a:buClr>
-                <a:schemeClr val="accent1"/>
-              </a:buClr>
-              <a:buSzPct val="80000"/>
-              <a:buFont typeface="Wingdings 2"/>
-              <a:buChar char=""/>
-              <a:tabLst/>
-              <a:defRPr/>
-            </a:pPr>
-            <a:r>
-              <a:rPr kumimoji="0" lang="en-US" sz="2000" b="0" i="0" u="none" strike="noStrike" kern="1200" cap="none" spc="0" normalizeH="0" baseline="0" noProof="0" dirty="0" smtClean="0">
-                <a:ln>
-                  <a:noFill/>
-                </a:ln>
-                <a:solidFill>
-                  <a:schemeClr val="tx1"/>
-                </a:solidFill>
-                <a:effectLst/>
-                <a:uLnTx/>
-                <a:uFillTx/>
-                <a:latin typeface="+mn-lt"/>
-                <a:ea typeface="+mn-ea"/>
-                <a:cs typeface="+mn-cs"/>
-              </a:rPr>
-              <a:t>Martha’s Vineyard</a:t>
-            </a:r>
-          </a:p>
-          <a:p>
-            <a:pPr marL="448056" marR="0" lvl="0" indent="-384048" algn="l" defTabSz="914400" rtl="0" eaLnBrk="1" fontAlgn="auto" latinLnBrk="0" hangingPunct="1">
-              <a:lnSpc>
-                <a:spcPct val="100000"/>
-              </a:lnSpc>
-              <a:spcBef>
-                <a:spcPct val="20000"/>
-              </a:spcBef>
-              <a:spcAft>
-                <a:spcPts val="0"/>
-              </a:spcAft>
-              <a:buClr>
-                <a:schemeClr val="accent1"/>
-              </a:buClr>
-              <a:buSzPct val="80000"/>
-              <a:buFont typeface="Wingdings 2"/>
-              <a:buChar char=""/>
-              <a:tabLst/>
-              <a:defRPr/>
-            </a:pPr>
-            <a:r>
-              <a:rPr lang="en-US" sz="2000" noProof="0" dirty="0" smtClean="0"/>
-              <a:t>Massena</a:t>
-            </a:r>
-          </a:p>
-          <a:p>
-            <a:pPr marL="448056" marR="0" lvl="0" indent="-384048" algn="l" defTabSz="914400" rtl="0" eaLnBrk="1" fontAlgn="auto" latinLnBrk="0" hangingPunct="1">
-              <a:lnSpc>
-                <a:spcPct val="100000"/>
-              </a:lnSpc>
-              <a:spcBef>
-                <a:spcPct val="20000"/>
-              </a:spcBef>
-              <a:spcAft>
-                <a:spcPts val="0"/>
-              </a:spcAft>
-              <a:buClr>
-                <a:schemeClr val="accent1"/>
-              </a:buClr>
-              <a:buSzPct val="80000"/>
-              <a:buFont typeface="Wingdings 2"/>
-              <a:buChar char=""/>
-              <a:tabLst/>
-              <a:defRPr/>
-            </a:pPr>
-            <a:r>
-              <a:rPr kumimoji="0" lang="en-US" sz="2000" b="0" i="0" u="none" strike="noStrike" kern="1200" cap="none" spc="0" normalizeH="0" baseline="0" dirty="0" smtClean="0">
-                <a:ln>
-                  <a:noFill/>
-                </a:ln>
-                <a:solidFill>
-                  <a:schemeClr val="tx1"/>
-                </a:solidFill>
-                <a:effectLst/>
-                <a:uLnTx/>
-                <a:uFillTx/>
-                <a:latin typeface="+mn-lt"/>
-                <a:ea typeface="+mn-ea"/>
-                <a:cs typeface="+mn-cs"/>
-              </a:rPr>
-              <a:t>Nantucket</a:t>
-            </a:r>
-          </a:p>
-          <a:p>
-            <a:pPr marL="448056" marR="0" lvl="0" indent="-384048" algn="l" defTabSz="914400" rtl="0" eaLnBrk="1" fontAlgn="auto" latinLnBrk="0" hangingPunct="1">
-              <a:lnSpc>
-                <a:spcPct val="100000"/>
-              </a:lnSpc>
-              <a:spcBef>
-                <a:spcPct val="20000"/>
-              </a:spcBef>
-              <a:spcAft>
-                <a:spcPts val="0"/>
-              </a:spcAft>
-              <a:buClr>
-                <a:schemeClr val="accent1"/>
-              </a:buClr>
-              <a:buSzPct val="80000"/>
-              <a:buFont typeface="Wingdings 2"/>
-              <a:buChar char=""/>
-              <a:tabLst/>
-              <a:defRPr/>
-            </a:pPr>
-            <a:r>
-              <a:rPr lang="en-US" sz="2000" noProof="0" dirty="0" smtClean="0"/>
-              <a:t>Newburgh</a:t>
-            </a:r>
-          </a:p>
-          <a:p>
-            <a:pPr marL="448056" marR="0" lvl="0" indent="-384048" algn="l" defTabSz="914400" rtl="0" eaLnBrk="1" fontAlgn="auto" latinLnBrk="0" hangingPunct="1">
-              <a:lnSpc>
-                <a:spcPct val="100000"/>
-              </a:lnSpc>
-              <a:spcBef>
-                <a:spcPct val="20000"/>
-              </a:spcBef>
-              <a:spcAft>
-                <a:spcPts val="0"/>
-              </a:spcAft>
-              <a:buClr>
-                <a:schemeClr val="accent1"/>
-              </a:buClr>
-              <a:buSzPct val="80000"/>
-              <a:buFont typeface="Wingdings 2"/>
-              <a:buChar char=""/>
-              <a:tabLst/>
-              <a:defRPr/>
-            </a:pPr>
-            <a:r>
-              <a:rPr kumimoji="0" lang="en-US" sz="2000" b="0" i="0" u="none" strike="noStrike" kern="1200" cap="none" spc="0" normalizeH="0" baseline="0" dirty="0" smtClean="0">
-                <a:ln>
-                  <a:noFill/>
-                </a:ln>
-                <a:solidFill>
-                  <a:schemeClr val="tx1"/>
-                </a:solidFill>
-                <a:effectLst/>
-                <a:uLnTx/>
-                <a:uFillTx/>
-                <a:latin typeface="+mn-lt"/>
-                <a:ea typeface="+mn-ea"/>
-                <a:cs typeface="+mn-cs"/>
-              </a:rPr>
-              <a:t>Stewart</a:t>
-            </a:r>
-            <a:r>
-              <a:rPr kumimoji="0" lang="en-US" sz="2000" b="0" i="0" u="none" strike="noStrike" kern="1200" cap="none" spc="0" normalizeH="0" dirty="0" smtClean="0">
-                <a:ln>
-                  <a:noFill/>
-                </a:ln>
-                <a:solidFill>
-                  <a:schemeClr val="tx1"/>
-                </a:solidFill>
-                <a:effectLst/>
-                <a:uLnTx/>
-                <a:uFillTx/>
-                <a:latin typeface="+mn-lt"/>
-                <a:ea typeface="+mn-ea"/>
-                <a:cs typeface="+mn-cs"/>
-              </a:rPr>
-              <a:t> Field</a:t>
-            </a:r>
-          </a:p>
-          <a:p>
-            <a:pPr marL="448056" marR="0" lvl="0" indent="-384048" algn="l" defTabSz="914400" rtl="0" eaLnBrk="1" fontAlgn="auto" latinLnBrk="0" hangingPunct="1">
-              <a:lnSpc>
-                <a:spcPct val="100000"/>
-              </a:lnSpc>
-              <a:spcBef>
-                <a:spcPct val="20000"/>
-              </a:spcBef>
-              <a:spcAft>
-                <a:spcPts val="0"/>
-              </a:spcAft>
-              <a:buClr>
-                <a:schemeClr val="accent1"/>
-              </a:buClr>
-              <a:buSzPct val="80000"/>
-              <a:buFont typeface="Wingdings 2"/>
-              <a:buChar char=""/>
-              <a:tabLst/>
-              <a:defRPr/>
-            </a:pPr>
-            <a:r>
-              <a:rPr lang="en-US" sz="2000" baseline="0" noProof="0" dirty="0" smtClean="0"/>
-              <a:t>Ogdensburg</a:t>
-            </a:r>
-          </a:p>
-          <a:p>
-            <a:pPr marL="448056" marR="0" lvl="0" indent="-384048" algn="l" defTabSz="914400" rtl="0" eaLnBrk="1" fontAlgn="auto" latinLnBrk="0" hangingPunct="1">
-              <a:lnSpc>
-                <a:spcPct val="100000"/>
-              </a:lnSpc>
-              <a:spcBef>
-                <a:spcPct val="20000"/>
-              </a:spcBef>
-              <a:spcAft>
-                <a:spcPts val="0"/>
-              </a:spcAft>
-              <a:buClr>
-                <a:schemeClr val="accent1"/>
-              </a:buClr>
-              <a:buSzPct val="80000"/>
-              <a:buFont typeface="Wingdings 2"/>
-              <a:buChar char=""/>
-              <a:tabLst/>
-              <a:defRPr/>
-            </a:pPr>
-            <a:r>
-              <a:rPr kumimoji="0" lang="en-US" sz="2000" b="0" i="0" u="none" strike="noStrike" kern="1200" cap="none" spc="0" normalizeH="0" dirty="0" smtClean="0">
-                <a:ln>
-                  <a:noFill/>
-                </a:ln>
-                <a:solidFill>
-                  <a:schemeClr val="tx1"/>
-                </a:solidFill>
-                <a:effectLst/>
-                <a:uLnTx/>
-                <a:uFillTx/>
-                <a:latin typeface="+mn-lt"/>
-                <a:ea typeface="+mn-ea"/>
-                <a:cs typeface="+mn-cs"/>
-              </a:rPr>
-              <a:t>Plattsburgh</a:t>
-            </a:r>
-          </a:p>
-          <a:p>
-            <a:pPr marL="448056" marR="0" lvl="0" indent="-384048" algn="l" defTabSz="914400" rtl="0" eaLnBrk="1" fontAlgn="auto" latinLnBrk="0" hangingPunct="1">
-              <a:lnSpc>
-                <a:spcPct val="100000"/>
-              </a:lnSpc>
-              <a:spcBef>
-                <a:spcPct val="20000"/>
-              </a:spcBef>
-              <a:spcAft>
-                <a:spcPts val="0"/>
-              </a:spcAft>
-              <a:buClr>
-                <a:schemeClr val="accent1"/>
-              </a:buClr>
-              <a:buSzPct val="80000"/>
-              <a:buFont typeface="Wingdings 2"/>
-              <a:buChar char=""/>
-              <a:tabLst/>
-              <a:defRPr/>
-            </a:pPr>
-            <a:r>
-              <a:rPr lang="en-US" sz="2000" baseline="0" noProof="0" dirty="0" smtClean="0"/>
-              <a:t>Portland</a:t>
-            </a:r>
-          </a:p>
-          <a:p>
-            <a:pPr marL="448056" marR="0" lvl="0" indent="-384048" algn="l" defTabSz="914400" rtl="0" eaLnBrk="1" fontAlgn="auto" latinLnBrk="0" hangingPunct="1">
-              <a:lnSpc>
-                <a:spcPct val="100000"/>
-              </a:lnSpc>
-              <a:spcBef>
-                <a:spcPct val="20000"/>
-              </a:spcBef>
-              <a:spcAft>
-                <a:spcPts val="0"/>
-              </a:spcAft>
-              <a:buClr>
-                <a:schemeClr val="accent1"/>
-              </a:buClr>
-              <a:buSzPct val="80000"/>
-              <a:buFont typeface="Wingdings 2"/>
-              <a:buChar char=""/>
-              <a:tabLst/>
-              <a:defRPr/>
-            </a:pPr>
-            <a:r>
-              <a:rPr kumimoji="0" lang="en-US" sz="2000" b="0" i="0" u="none" strike="noStrike" kern="1200" cap="none" spc="0" normalizeH="0" dirty="0" smtClean="0">
-                <a:ln>
-                  <a:noFill/>
-                </a:ln>
-                <a:solidFill>
-                  <a:schemeClr val="tx1"/>
-                </a:solidFill>
-                <a:effectLst/>
-                <a:uLnTx/>
-                <a:uFillTx/>
-                <a:latin typeface="+mn-lt"/>
-                <a:ea typeface="+mn-ea"/>
-                <a:cs typeface="+mn-cs"/>
-              </a:rPr>
-              <a:t>Poughkeepsie</a:t>
-            </a:r>
-          </a:p>
-          <a:p>
-            <a:pPr marL="448056" marR="0" lvl="0" indent="-384048" algn="l" defTabSz="914400" rtl="0" eaLnBrk="1" fontAlgn="auto" latinLnBrk="0" hangingPunct="1">
-              <a:lnSpc>
-                <a:spcPct val="100000"/>
-              </a:lnSpc>
-              <a:spcBef>
-                <a:spcPct val="20000"/>
-              </a:spcBef>
-              <a:spcAft>
-                <a:spcPts val="0"/>
-              </a:spcAft>
-              <a:buClr>
-                <a:schemeClr val="accent1"/>
-              </a:buClr>
-              <a:buSzPct val="80000"/>
-              <a:buFont typeface="Wingdings 2"/>
-              <a:buChar char=""/>
-              <a:tabLst/>
-              <a:defRPr/>
-            </a:pPr>
-            <a:r>
-              <a:rPr lang="en-US" sz="2000" dirty="0" smtClean="0"/>
-              <a:t>Presque Isle</a:t>
-            </a:r>
-          </a:p>
-          <a:p>
-            <a:pPr marL="448056" marR="0" lvl="0" indent="-384048" algn="l" defTabSz="914400" rtl="0" eaLnBrk="1" fontAlgn="auto" latinLnBrk="0" hangingPunct="1">
-              <a:lnSpc>
-                <a:spcPct val="100000"/>
-              </a:lnSpc>
-              <a:spcBef>
-                <a:spcPct val="20000"/>
-              </a:spcBef>
-              <a:spcAft>
-                <a:spcPts val="0"/>
-              </a:spcAft>
-              <a:buClr>
-                <a:schemeClr val="accent1"/>
-              </a:buClr>
-              <a:buSzPct val="80000"/>
-              <a:buFont typeface="Wingdings 2"/>
-              <a:buChar char=""/>
-              <a:tabLst/>
-              <a:defRPr/>
-            </a:pPr>
-            <a:r>
-              <a:rPr kumimoji="0" lang="en-US" sz="2000" b="0" i="0" u="none" strike="noStrike" kern="1200" cap="none" spc="0" normalizeH="0" dirty="0" smtClean="0">
-                <a:ln>
-                  <a:noFill/>
-                </a:ln>
-                <a:solidFill>
-                  <a:schemeClr val="tx1"/>
-                </a:solidFill>
-                <a:effectLst/>
-                <a:uLnTx/>
-                <a:uFillTx/>
-                <a:latin typeface="+mn-lt"/>
-                <a:ea typeface="+mn-ea"/>
-                <a:cs typeface="+mn-cs"/>
-              </a:rPr>
-              <a:t>Provincetown</a:t>
-            </a:r>
-          </a:p>
-          <a:p>
-            <a:pPr marL="448056" marR="0" lvl="0" indent="-384048" algn="l" defTabSz="914400" rtl="0" eaLnBrk="1" fontAlgn="auto" latinLnBrk="0" hangingPunct="1">
-              <a:lnSpc>
-                <a:spcPct val="100000"/>
-              </a:lnSpc>
-              <a:spcBef>
-                <a:spcPct val="20000"/>
-              </a:spcBef>
-              <a:spcAft>
-                <a:spcPts val="0"/>
-              </a:spcAft>
-              <a:buClr>
-                <a:schemeClr val="accent1"/>
-              </a:buClr>
-              <a:buSzPct val="80000"/>
-              <a:buFont typeface="Wingdings 2"/>
-              <a:buChar char=""/>
-              <a:tabLst/>
-              <a:defRPr/>
-            </a:pPr>
-            <a:r>
-              <a:rPr lang="en-US" sz="2000" dirty="0" smtClean="0"/>
-              <a:t>Reading </a:t>
-            </a:r>
-          </a:p>
-          <a:p>
-            <a:pPr marL="448056" marR="0" lvl="0" indent="-384048" algn="l" defTabSz="914400" rtl="0" eaLnBrk="1" fontAlgn="auto" latinLnBrk="0" hangingPunct="1">
-              <a:lnSpc>
-                <a:spcPct val="100000"/>
-              </a:lnSpc>
-              <a:spcBef>
-                <a:spcPct val="20000"/>
-              </a:spcBef>
-              <a:spcAft>
-                <a:spcPts val="0"/>
-              </a:spcAft>
-              <a:buClr>
-                <a:schemeClr val="accent1"/>
-              </a:buClr>
-              <a:buSzPct val="80000"/>
-              <a:buFont typeface="Wingdings 2"/>
-              <a:buChar char=""/>
-              <a:tabLst/>
-              <a:defRPr/>
-            </a:pPr>
-            <a:r>
-              <a:rPr kumimoji="0" lang="en-US" sz="2000" b="0" i="0" u="none" strike="noStrike" kern="1200" cap="none" spc="0" normalizeH="0" dirty="0" smtClean="0">
-                <a:ln>
-                  <a:noFill/>
-                </a:ln>
-                <a:solidFill>
-                  <a:schemeClr val="tx1"/>
-                </a:solidFill>
-                <a:effectLst/>
-                <a:uLnTx/>
-                <a:uFillTx/>
-                <a:latin typeface="+mn-lt"/>
-                <a:ea typeface="+mn-ea"/>
-                <a:cs typeface="+mn-cs"/>
-              </a:rPr>
-              <a:t>Rockland</a:t>
-            </a:r>
-          </a:p>
-          <a:p>
-            <a:pPr marL="448056" marR="0" lvl="0" indent="-384048" algn="l" defTabSz="914400" rtl="0" eaLnBrk="1" fontAlgn="auto" latinLnBrk="0" hangingPunct="1">
-              <a:lnSpc>
-                <a:spcPct val="100000"/>
-              </a:lnSpc>
-              <a:spcBef>
-                <a:spcPct val="20000"/>
-              </a:spcBef>
-              <a:spcAft>
-                <a:spcPts val="0"/>
-              </a:spcAft>
-              <a:buClr>
-                <a:schemeClr val="accent1"/>
-              </a:buClr>
-              <a:buSzPct val="80000"/>
-              <a:buFont typeface="Wingdings 2"/>
-              <a:buChar char=""/>
-              <a:tabLst/>
-              <a:defRPr/>
-            </a:pPr>
-            <a:r>
-              <a:rPr lang="en-US" sz="2000" dirty="0" smtClean="0"/>
-              <a:t>Rutland</a:t>
-            </a:r>
-          </a:p>
-          <a:p>
-            <a:pPr marL="448056" marR="0" lvl="0" indent="-384048" algn="l" defTabSz="914400" rtl="0" eaLnBrk="1" fontAlgn="auto" latinLnBrk="0" hangingPunct="1">
-              <a:lnSpc>
-                <a:spcPct val="100000"/>
-              </a:lnSpc>
-              <a:spcBef>
-                <a:spcPct val="20000"/>
-              </a:spcBef>
-              <a:spcAft>
-                <a:spcPts val="0"/>
-              </a:spcAft>
-              <a:buClr>
-                <a:schemeClr val="accent1"/>
-              </a:buClr>
-              <a:buSzPct val="80000"/>
-              <a:buFont typeface="Wingdings 2"/>
-              <a:buChar char=""/>
-              <a:tabLst/>
-              <a:defRPr/>
-            </a:pPr>
-            <a:r>
-              <a:rPr kumimoji="0" lang="en-US" sz="2000" b="0" i="0" u="none" strike="noStrike" kern="1200" cap="none" spc="0" normalizeH="0" dirty="0" smtClean="0">
-                <a:ln>
-                  <a:noFill/>
-                </a:ln>
-                <a:solidFill>
-                  <a:schemeClr val="tx1"/>
-                </a:solidFill>
-                <a:effectLst/>
-                <a:uLnTx/>
-                <a:uFillTx/>
-                <a:latin typeface="+mn-lt"/>
-                <a:ea typeface="+mn-ea"/>
-                <a:cs typeface="+mn-cs"/>
-              </a:rPr>
-              <a:t>Utica</a:t>
-            </a:r>
-          </a:p>
-          <a:p>
-            <a:pPr marL="448056" marR="0" lvl="0" indent="-384048" algn="l" defTabSz="914400" rtl="0" eaLnBrk="1" fontAlgn="auto" latinLnBrk="0" hangingPunct="1">
-              <a:lnSpc>
-                <a:spcPct val="100000"/>
-              </a:lnSpc>
-              <a:spcBef>
-                <a:spcPct val="20000"/>
-              </a:spcBef>
-              <a:spcAft>
-                <a:spcPts val="0"/>
-              </a:spcAft>
-              <a:buClr>
-                <a:schemeClr val="accent1"/>
-              </a:buClr>
-              <a:buSzPct val="80000"/>
-              <a:buFont typeface="Wingdings 2"/>
-              <a:buChar char=""/>
-              <a:tabLst/>
-              <a:defRPr/>
-            </a:pPr>
-            <a:r>
-              <a:rPr lang="en-US" sz="2000" dirty="0" smtClean="0"/>
-              <a:t>Windsor Locks</a:t>
-            </a:r>
-          </a:p>
-          <a:p>
-            <a:pPr marL="448056" marR="0" lvl="0" indent="-384048" algn="l" defTabSz="914400" rtl="0" eaLnBrk="1" fontAlgn="auto" latinLnBrk="0" hangingPunct="1">
-              <a:lnSpc>
-                <a:spcPct val="100000"/>
-              </a:lnSpc>
-              <a:spcBef>
-                <a:spcPct val="20000"/>
-              </a:spcBef>
-              <a:spcAft>
-                <a:spcPts val="0"/>
-              </a:spcAft>
-              <a:buClr>
-                <a:schemeClr val="accent1"/>
-              </a:buClr>
-              <a:buSzPct val="80000"/>
-              <a:buFont typeface="Wingdings 2"/>
-              <a:buChar char=""/>
-              <a:tabLst/>
-              <a:defRPr/>
-            </a:pPr>
-            <a:r>
-              <a:rPr kumimoji="0" lang="en-US" sz="2000" b="0" i="0" u="none" strike="noStrike" kern="1200" cap="none" spc="0" normalizeH="0" dirty="0" smtClean="0">
-                <a:ln>
-                  <a:noFill/>
-                </a:ln>
-                <a:solidFill>
-                  <a:schemeClr val="tx1"/>
-                </a:solidFill>
-                <a:effectLst/>
-                <a:uLnTx/>
-                <a:uFillTx/>
-                <a:latin typeface="+mn-lt"/>
-                <a:ea typeface="+mn-ea"/>
-                <a:cs typeface="+mn-cs"/>
-              </a:rPr>
-              <a:t>Amsterdam</a:t>
-            </a:r>
-          </a:p>
-          <a:p>
-            <a:pPr marL="448056" marR="0" lvl="0" indent="-384048" algn="l" defTabSz="914400" rtl="0" eaLnBrk="1" fontAlgn="auto" latinLnBrk="0" hangingPunct="1">
-              <a:lnSpc>
-                <a:spcPct val="100000"/>
-              </a:lnSpc>
-              <a:spcBef>
-                <a:spcPct val="20000"/>
-              </a:spcBef>
-              <a:spcAft>
-                <a:spcPts val="0"/>
-              </a:spcAft>
-              <a:buClr>
-                <a:schemeClr val="accent1"/>
-              </a:buClr>
-              <a:buSzPct val="80000"/>
-              <a:buFont typeface="Wingdings 2"/>
-              <a:buChar char=""/>
-              <a:tabLst/>
-              <a:defRPr/>
-            </a:pPr>
-            <a:r>
-              <a:rPr lang="en-US" sz="2000" dirty="0" smtClean="0"/>
-              <a:t>Brattleboro</a:t>
-            </a:r>
-          </a:p>
-          <a:p>
-            <a:pPr marL="448056" marR="0" lvl="0" indent="-384048" algn="l" defTabSz="914400" rtl="0" eaLnBrk="1" fontAlgn="auto" latinLnBrk="0" hangingPunct="1">
-              <a:lnSpc>
-                <a:spcPct val="100000"/>
-              </a:lnSpc>
-              <a:spcBef>
-                <a:spcPct val="20000"/>
-              </a:spcBef>
-              <a:spcAft>
-                <a:spcPts val="0"/>
-              </a:spcAft>
-              <a:buClr>
-                <a:schemeClr val="accent1"/>
-              </a:buClr>
-              <a:buSzPct val="80000"/>
-              <a:buFont typeface="Wingdings 2"/>
-              <a:buChar char=""/>
-              <a:tabLst/>
-              <a:defRPr/>
-            </a:pPr>
-            <a:r>
-              <a:rPr kumimoji="0" lang="en-US" sz="2000" b="0" i="0" u="none" strike="noStrike" kern="1200" cap="none" spc="0" normalizeH="0" dirty="0" smtClean="0">
-                <a:ln>
-                  <a:noFill/>
-                </a:ln>
-                <a:solidFill>
-                  <a:schemeClr val="tx1"/>
-                </a:solidFill>
-                <a:effectLst/>
-                <a:uLnTx/>
-                <a:uFillTx/>
-                <a:latin typeface="+mn-lt"/>
-                <a:ea typeface="+mn-ea"/>
-                <a:cs typeface="+mn-cs"/>
-              </a:rPr>
-              <a:t>Newark Airport</a:t>
-            </a:r>
-          </a:p>
-          <a:p>
-            <a:pPr marL="448056" marR="0" lvl="0" indent="-384048" algn="l" defTabSz="914400" rtl="0" eaLnBrk="1" fontAlgn="auto" latinLnBrk="0" hangingPunct="1">
-              <a:lnSpc>
-                <a:spcPct val="100000"/>
-              </a:lnSpc>
-              <a:spcBef>
-                <a:spcPct val="20000"/>
-              </a:spcBef>
-              <a:spcAft>
-                <a:spcPts val="0"/>
-              </a:spcAft>
-              <a:buClr>
-                <a:schemeClr val="accent1"/>
-              </a:buClr>
-              <a:buSzPct val="80000"/>
-              <a:buFont typeface="Wingdings 2"/>
-              <a:buChar char=""/>
-              <a:tabLst/>
-              <a:defRPr/>
-            </a:pPr>
-            <a:endParaRPr kumimoji="0" lang="en-US" sz="2000" b="0" i="0" u="none" strike="noStrike" kern="1200" cap="none" spc="0" normalizeH="0" baseline="0" noProof="0" dirty="0">
-              <a:ln>
-                <a:noFill/>
-              </a:ln>
-              <a:solidFill>
-                <a:schemeClr val="tx1"/>
-              </a:solidFill>
-              <a:effectLst/>
-              <a:uLnTx/>
-              <a:uFillTx/>
-              <a:latin typeface="+mn-lt"/>
-              <a:ea typeface="+mn-ea"/>
-              <a:cs typeface="+mn-cs"/>
-            </a:endParaRPr>
-          </a:p>
-        </p:txBody>
-      </p:sp>
+      </p:pic>
+      <p:pic>
+        <p:nvPicPr>
+          <p:cNvPr id="8" name="Picture 7"/>
+          <p:cNvPicPr>
+            <a:picLocks noChangeAspect="1"/>
+          </p:cNvPicPr>
+          <p:nvPr/>
+        </p:nvPicPr>
+        <p:blipFill>
+          <a:blip r:embed="rId5"/>
+          <a:stretch>
+            <a:fillRect/>
+          </a:stretch>
+        </p:blipFill>
+        <p:spPr>
+          <a:xfrm>
+            <a:off x="5429063" y="267494"/>
+            <a:ext cx="3665721" cy="1250545"/>
+          </a:xfrm>
+          <a:prstGeom prst="rect">
+            <a:avLst/>
+          </a:prstGeom>
+        </p:spPr>
+      </p:pic>
+      <p:pic>
+        <p:nvPicPr>
+          <p:cNvPr id="9" name="Picture 8"/>
+          <p:cNvPicPr>
+            <a:picLocks noChangeAspect="1"/>
+          </p:cNvPicPr>
+          <p:nvPr/>
+        </p:nvPicPr>
+        <p:blipFill>
+          <a:blip r:embed="rId6"/>
+          <a:stretch>
+            <a:fillRect/>
+          </a:stretch>
+        </p:blipFill>
+        <p:spPr>
+          <a:xfrm>
+            <a:off x="5067274" y="4370713"/>
+            <a:ext cx="1250699" cy="1180313"/>
+          </a:xfrm>
+          <a:prstGeom prst="rect">
+            <a:avLst/>
+          </a:prstGeom>
+        </p:spPr>
+      </p:pic>
+      <p:pic>
+        <p:nvPicPr>
+          <p:cNvPr id="10" name="Picture 9"/>
+          <p:cNvPicPr>
+            <a:picLocks noChangeAspect="1"/>
+          </p:cNvPicPr>
+          <p:nvPr/>
+        </p:nvPicPr>
+        <p:blipFill>
+          <a:blip r:embed="rId7"/>
+          <a:stretch>
+            <a:fillRect/>
+          </a:stretch>
+        </p:blipFill>
+        <p:spPr>
+          <a:xfrm>
+            <a:off x="6409777" y="4370713"/>
+            <a:ext cx="2685007" cy="897303"/>
+          </a:xfrm>
+          <a:prstGeom prst="rect">
+            <a:avLst/>
+          </a:prstGeom>
+        </p:spPr>
+      </p:pic>
+      <p:pic>
+        <p:nvPicPr>
+          <p:cNvPr id="11" name="Picture 10"/>
+          <p:cNvPicPr>
+            <a:picLocks noChangeAspect="1"/>
+          </p:cNvPicPr>
+          <p:nvPr/>
+        </p:nvPicPr>
+        <p:blipFill>
+          <a:blip r:embed="rId8"/>
+          <a:stretch>
+            <a:fillRect/>
+          </a:stretch>
+        </p:blipFill>
+        <p:spPr>
+          <a:xfrm>
+            <a:off x="6020100" y="1796423"/>
+            <a:ext cx="2412636" cy="914681"/>
+          </a:xfrm>
+          <a:prstGeom prst="rect">
+            <a:avLst/>
+          </a:prstGeom>
+        </p:spPr>
+      </p:pic>
+      <p:pic>
+        <p:nvPicPr>
+          <p:cNvPr id="12" name="Picture 11"/>
+          <p:cNvPicPr>
+            <a:picLocks noChangeAspect="1"/>
+          </p:cNvPicPr>
+          <p:nvPr/>
+        </p:nvPicPr>
+        <p:blipFill>
+          <a:blip r:embed="rId9"/>
+          <a:stretch>
+            <a:fillRect/>
+          </a:stretch>
+        </p:blipFill>
+        <p:spPr>
+          <a:xfrm>
+            <a:off x="7226418" y="3011157"/>
+            <a:ext cx="1573751" cy="1180313"/>
+          </a:xfrm>
+          <a:prstGeom prst="rect">
+            <a:avLst/>
+          </a:prstGeom>
+        </p:spPr>
+      </p:pic>
+      <p:pic>
+        <p:nvPicPr>
+          <p:cNvPr id="13" name="Picture 12"/>
+          <p:cNvPicPr>
+            <a:picLocks noChangeAspect="1"/>
+          </p:cNvPicPr>
+          <p:nvPr/>
+        </p:nvPicPr>
+        <p:blipFill>
+          <a:blip r:embed="rId10"/>
+          <a:stretch>
+            <a:fillRect/>
+          </a:stretch>
+        </p:blipFill>
+        <p:spPr>
+          <a:xfrm>
+            <a:off x="4743332" y="5943319"/>
+            <a:ext cx="2451197" cy="760297"/>
+          </a:xfrm>
+          <a:prstGeom prst="rect">
+            <a:avLst/>
+          </a:prstGeom>
+        </p:spPr>
+      </p:pic>
+      <p:pic>
+        <p:nvPicPr>
+          <p:cNvPr id="14" name="Picture 13"/>
+          <p:cNvPicPr>
+            <a:picLocks noChangeAspect="1"/>
+          </p:cNvPicPr>
+          <p:nvPr/>
+        </p:nvPicPr>
+        <p:blipFill>
+          <a:blip r:embed="rId11"/>
+          <a:stretch>
+            <a:fillRect/>
+          </a:stretch>
+        </p:blipFill>
+        <p:spPr>
+          <a:xfrm>
+            <a:off x="5067274" y="2921448"/>
+            <a:ext cx="1600226" cy="1270021"/>
+          </a:xfrm>
+          <a:prstGeom prst="rect">
+            <a:avLst/>
+          </a:prstGeom>
+        </p:spPr>
+      </p:pic>
+      <p:pic>
+        <p:nvPicPr>
+          <p:cNvPr id="15" name="Picture 14"/>
+          <p:cNvPicPr>
+            <a:picLocks noChangeAspect="1"/>
+          </p:cNvPicPr>
+          <p:nvPr/>
+        </p:nvPicPr>
+        <p:blipFill>
+          <a:blip r:embed="rId12"/>
+          <a:stretch>
+            <a:fillRect/>
+          </a:stretch>
+        </p:blipFill>
+        <p:spPr>
+          <a:xfrm>
+            <a:off x="7354884" y="5545791"/>
+            <a:ext cx="1739900" cy="1157825"/>
+          </a:xfrm>
+          <a:prstGeom prst="rect">
+            <a:avLst/>
+          </a:prstGeom>
+        </p:spPr>
+      </p:pic>
     </p:spTree>
   </p:cSld>
   <p:clrMapOvr>
@@ -7651,8 +5859,8 @@
         </p:nvSpPr>
         <p:spPr>
           <a:xfrm>
-            <a:off x="457200" y="63023"/>
-            <a:ext cx="8229600" cy="1399032"/>
+            <a:off x="457200" y="0"/>
+            <a:ext cx="8229600" cy="1219200"/>
           </a:xfrm>
         </p:spPr>
         <p:txBody>
@@ -7661,7 +5869,7 @@
           <a:p>
             <a:r>
               <a:rPr lang="en-US" dirty="0" smtClean="0"/>
-              <a:t>Functionality</a:t>
+              <a:t>Cities that we serve</a:t>
             </a:r>
             <a:endParaRPr lang="en-US" dirty="0"/>
           </a:p>
@@ -7679,47 +5887,2052 @@
         </p:nvSpPr>
         <p:spPr>
           <a:xfrm>
-            <a:off x="457200" y="1462055"/>
-            <a:ext cx="8229600" cy="4992753"/>
-          </a:xfrm>
-        </p:spPr>
-        <p:txBody>
-          <a:bodyPr/>
+            <a:off x="0" y="1219200"/>
+            <a:ext cx="2540000" cy="5537200"/>
+          </a:xfrm>
+        </p:spPr>
+        <p:txBody>
+          <a:bodyPr>
+            <a:normAutofit fontScale="85000" lnSpcReduction="20000"/>
+          </a:bodyPr>
           <a:lstStyle/>
           <a:p>
             <a:r>
-              <a:rPr lang="en-US" dirty="0" smtClean="0"/>
-              <a:t>Drop down menu for cities in the northeast</a:t>
-            </a:r>
-          </a:p>
-          <a:p>
-            <a:r>
-              <a:rPr lang="en-US" dirty="0" smtClean="0"/>
-              <a:t>Enter time and date preferences</a:t>
-            </a:r>
-          </a:p>
-          <a:p>
-            <a:r>
-              <a:rPr lang="en-US" dirty="0" smtClean="0"/>
-              <a:t>Sort results by cheapest prices, fastest elapsed time, by arrival time or by departure time</a:t>
-            </a:r>
-          </a:p>
-          <a:p>
-            <a:r>
-              <a:rPr lang="en-US" dirty="0" smtClean="0"/>
-              <a:t>Links to </a:t>
-            </a:r>
-            <a:r>
-              <a:rPr lang="en-US" dirty="0" smtClean="0"/>
-              <a:t>book reservations</a:t>
-            </a:r>
-          </a:p>
-          <a:p>
-            <a:r>
-              <a:rPr lang="en-US" dirty="0" smtClean="0"/>
-              <a:t>Maps to display routes</a:t>
-            </a:r>
-            <a:endParaRPr lang="en-US" dirty="0"/>
+              <a:rPr lang="en-US" sz="2000" dirty="0" smtClean="0"/>
+              <a:t>New York</a:t>
+            </a:r>
+          </a:p>
+          <a:p>
+            <a:r>
+              <a:rPr lang="en-US" sz="2000" dirty="0" smtClean="0"/>
+              <a:t>Albany</a:t>
+            </a:r>
+          </a:p>
+          <a:p>
+            <a:r>
+              <a:rPr lang="en-US" sz="2000" dirty="0" smtClean="0"/>
+              <a:t>Amherst</a:t>
+            </a:r>
+          </a:p>
+          <a:p>
+            <a:r>
+              <a:rPr lang="en-US" sz="2000" dirty="0" smtClean="0"/>
+              <a:t>Baltimore</a:t>
+            </a:r>
+          </a:p>
+          <a:p>
+            <a:r>
+              <a:rPr lang="en-US" sz="2000" dirty="0" smtClean="0"/>
+              <a:t>Binghamton</a:t>
+            </a:r>
+          </a:p>
+          <a:p>
+            <a:r>
+              <a:rPr lang="en-US" sz="2000" dirty="0" smtClean="0"/>
+              <a:t>Boston</a:t>
+            </a:r>
+          </a:p>
+          <a:p>
+            <a:r>
+              <a:rPr lang="en-US" sz="2000" dirty="0" smtClean="0"/>
+              <a:t>Buffalo</a:t>
+            </a:r>
+          </a:p>
+          <a:p>
+            <a:r>
+              <a:rPr lang="en-US" sz="2000" dirty="0" smtClean="0"/>
+              <a:t>Buffalo Airport</a:t>
+            </a:r>
+          </a:p>
+          <a:p>
+            <a:r>
+              <a:rPr lang="en-US" sz="2000" dirty="0" smtClean="0"/>
+              <a:t>Burlington</a:t>
+            </a:r>
+          </a:p>
+          <a:p>
+            <a:r>
+              <a:rPr lang="en-US" sz="2000" dirty="0" smtClean="0"/>
+              <a:t>New Brunswick</a:t>
+            </a:r>
+          </a:p>
+          <a:p>
+            <a:r>
+              <a:rPr lang="en-US" sz="2000" dirty="0" smtClean="0"/>
+              <a:t>New Haven</a:t>
+            </a:r>
+          </a:p>
+          <a:p>
+            <a:r>
+              <a:rPr lang="en-US" sz="2000" dirty="0" smtClean="0"/>
+              <a:t>Fair Haven</a:t>
+            </a:r>
+          </a:p>
+          <a:p>
+            <a:r>
+              <a:rPr lang="en-US" sz="2000" dirty="0" smtClean="0"/>
+              <a:t>Harrisburg</a:t>
+            </a:r>
+          </a:p>
+          <a:p>
+            <a:r>
+              <a:rPr lang="en-US" sz="2000" dirty="0" smtClean="0"/>
+              <a:t>Harford</a:t>
+            </a:r>
+          </a:p>
+          <a:p>
+            <a:r>
+              <a:rPr lang="en-US" sz="2000" dirty="0" smtClean="0"/>
+              <a:t>Rochester</a:t>
+            </a:r>
+          </a:p>
+          <a:p>
+            <a:r>
+              <a:rPr lang="en-US" sz="2000" dirty="0" smtClean="0"/>
+              <a:t>Salisbury</a:t>
+            </a:r>
+          </a:p>
+          <a:p>
+            <a:r>
+              <a:rPr lang="en-US" sz="2000" dirty="0" smtClean="0"/>
+              <a:t>Watertown</a:t>
+            </a:r>
+          </a:p>
+          <a:p>
+            <a:r>
+              <a:rPr lang="en-US" sz="2000" dirty="0" smtClean="0"/>
+              <a:t>Worcester</a:t>
+            </a:r>
+          </a:p>
+          <a:p>
+            <a:r>
+              <a:rPr lang="en-US" sz="2000" dirty="0" smtClean="0"/>
+              <a:t>Belfast</a:t>
+            </a:r>
+          </a:p>
+          <a:p>
+            <a:r>
+              <a:rPr lang="en-US" sz="2000" dirty="0" smtClean="0"/>
+              <a:t>Bridgeport</a:t>
+            </a:r>
+          </a:p>
+          <a:p>
+            <a:r>
+              <a:rPr lang="en-US" sz="2000" dirty="0" smtClean="0"/>
+              <a:t>Philadelphia</a:t>
+            </a:r>
+          </a:p>
+          <a:p>
+            <a:endParaRPr lang="en-US" sz="2000" dirty="0" smtClean="0"/>
+          </a:p>
+          <a:p>
+            <a:endParaRPr lang="en-US" sz="2000" dirty="0"/>
+          </a:p>
+        </p:txBody>
+      </p:sp>
+      <p:sp>
+        <p:nvSpPr>
+          <p:cNvPr id="4" name="Content Placeholder 2"/>
+          <p:cNvSpPr txBox="1">
+            <a:spLocks/>
+          </p:cNvSpPr>
+          <p:nvPr/>
+        </p:nvSpPr>
+        <p:spPr>
+          <a:xfrm>
+            <a:off x="2266950" y="1219200"/>
+            <a:ext cx="2628900" cy="5638800"/>
+          </a:xfrm>
+          <a:prstGeom prst="rect">
+            <a:avLst/>
+          </a:prstGeom>
+        </p:spPr>
+        <p:txBody>
+          <a:bodyPr vert="horz" anchor="t">
+            <a:normAutofit fontScale="85000" lnSpcReduction="20000"/>
+          </a:bodyPr>
+          <a:lstStyle/>
+          <a:p>
+            <a:pPr marL="448056" marR="0" lvl="0" indent="-384048" algn="l" defTabSz="914400" rtl="0" eaLnBrk="1" fontAlgn="auto" latinLnBrk="0" hangingPunct="1">
+              <a:lnSpc>
+                <a:spcPct val="100000"/>
+              </a:lnSpc>
+              <a:spcBef>
+                <a:spcPct val="20000"/>
+              </a:spcBef>
+              <a:spcAft>
+                <a:spcPts val="0"/>
+              </a:spcAft>
+              <a:buClr>
+                <a:schemeClr val="accent1"/>
+              </a:buClr>
+              <a:buSzPct val="80000"/>
+              <a:buFont typeface="Wingdings 2"/>
+              <a:buChar char=""/>
+              <a:tabLst/>
+              <a:defRPr/>
+            </a:pPr>
+            <a:r>
+              <a:rPr kumimoji="0" lang="en-US" sz="2000" b="0" i="0" u="none" strike="noStrike" kern="1200" cap="none" spc="0" normalizeH="0" baseline="0" noProof="0" dirty="0" smtClean="0">
+                <a:ln>
+                  <a:noFill/>
+                </a:ln>
+                <a:solidFill>
+                  <a:schemeClr val="tx1"/>
+                </a:solidFill>
+                <a:effectLst/>
+                <a:uLnTx/>
+                <a:uFillTx/>
+                <a:latin typeface="+mn-lt"/>
+                <a:ea typeface="+mn-ea"/>
+                <a:cs typeface="+mn-cs"/>
+              </a:rPr>
+              <a:t>Secaucus</a:t>
+            </a:r>
+          </a:p>
+          <a:p>
+            <a:pPr marL="448056" marR="0" lvl="0" indent="-384048" algn="l" defTabSz="914400" rtl="0" eaLnBrk="1" fontAlgn="auto" latinLnBrk="0" hangingPunct="1">
+              <a:lnSpc>
+                <a:spcPct val="100000"/>
+              </a:lnSpc>
+              <a:spcBef>
+                <a:spcPct val="20000"/>
+              </a:spcBef>
+              <a:spcAft>
+                <a:spcPts val="0"/>
+              </a:spcAft>
+              <a:buClr>
+                <a:schemeClr val="accent1"/>
+              </a:buClr>
+              <a:buSzPct val="80000"/>
+              <a:buFont typeface="Wingdings 2"/>
+              <a:buChar char=""/>
+              <a:tabLst/>
+              <a:defRPr/>
+            </a:pPr>
+            <a:r>
+              <a:rPr lang="en-US" sz="2000" dirty="0" smtClean="0"/>
+              <a:t>State College</a:t>
+            </a:r>
+          </a:p>
+          <a:p>
+            <a:pPr marL="448056" marR="0" lvl="0" indent="-384048" algn="l" defTabSz="914400" rtl="0" eaLnBrk="1" fontAlgn="auto" latinLnBrk="0" hangingPunct="1">
+              <a:lnSpc>
+                <a:spcPct val="100000"/>
+              </a:lnSpc>
+              <a:spcBef>
+                <a:spcPct val="20000"/>
+              </a:spcBef>
+              <a:spcAft>
+                <a:spcPts val="0"/>
+              </a:spcAft>
+              <a:buClr>
+                <a:schemeClr val="accent1"/>
+              </a:buClr>
+              <a:buSzPct val="80000"/>
+              <a:buFont typeface="Wingdings 2"/>
+              <a:buChar char=""/>
+              <a:tabLst/>
+              <a:defRPr/>
+            </a:pPr>
+            <a:r>
+              <a:rPr kumimoji="0" lang="en-US" sz="2000" b="0" i="0" u="none" strike="noStrike" kern="1200" cap="none" spc="0" normalizeH="0" baseline="0" noProof="0" dirty="0" smtClean="0">
+                <a:ln>
+                  <a:noFill/>
+                </a:ln>
+                <a:solidFill>
+                  <a:schemeClr val="tx1"/>
+                </a:solidFill>
+                <a:effectLst/>
+                <a:uLnTx/>
+                <a:uFillTx/>
+                <a:latin typeface="+mn-lt"/>
+                <a:ea typeface="+mn-ea"/>
+                <a:cs typeface="+mn-cs"/>
+              </a:rPr>
+              <a:t>Storrs</a:t>
+            </a:r>
+          </a:p>
+          <a:p>
+            <a:pPr marL="448056" marR="0" lvl="0" indent="-384048" algn="l" defTabSz="914400" rtl="0" eaLnBrk="1" fontAlgn="auto" latinLnBrk="0" hangingPunct="1">
+              <a:lnSpc>
+                <a:spcPct val="100000"/>
+              </a:lnSpc>
+              <a:spcBef>
+                <a:spcPct val="20000"/>
+              </a:spcBef>
+              <a:spcAft>
+                <a:spcPts val="0"/>
+              </a:spcAft>
+              <a:buClr>
+                <a:schemeClr val="accent1"/>
+              </a:buClr>
+              <a:buSzPct val="80000"/>
+              <a:buFont typeface="Wingdings 2"/>
+              <a:buChar char=""/>
+              <a:tabLst/>
+              <a:defRPr/>
+            </a:pPr>
+            <a:r>
+              <a:rPr lang="en-US" sz="2000" dirty="0" smtClean="0"/>
+              <a:t>Syracuse</a:t>
+            </a:r>
+          </a:p>
+          <a:p>
+            <a:pPr marL="448056" marR="0" lvl="0" indent="-384048" algn="l" defTabSz="914400" rtl="0" eaLnBrk="1" fontAlgn="auto" latinLnBrk="0" hangingPunct="1">
+              <a:lnSpc>
+                <a:spcPct val="100000"/>
+              </a:lnSpc>
+              <a:spcBef>
+                <a:spcPct val="20000"/>
+              </a:spcBef>
+              <a:spcAft>
+                <a:spcPts val="0"/>
+              </a:spcAft>
+              <a:buClr>
+                <a:schemeClr val="accent1"/>
+              </a:buClr>
+              <a:buSzPct val="80000"/>
+              <a:buFont typeface="Wingdings 2"/>
+              <a:buChar char=""/>
+              <a:tabLst/>
+              <a:defRPr/>
+            </a:pPr>
+            <a:r>
+              <a:rPr kumimoji="0" lang="en-US" sz="2000" b="0" i="0" u="none" strike="noStrike" kern="1200" cap="none" spc="0" normalizeH="0" baseline="0" noProof="0" dirty="0" smtClean="0">
+                <a:ln>
+                  <a:noFill/>
+                </a:ln>
+                <a:solidFill>
+                  <a:schemeClr val="tx1"/>
+                </a:solidFill>
+                <a:effectLst/>
+                <a:uLnTx/>
+                <a:uFillTx/>
+                <a:latin typeface="+mn-lt"/>
+                <a:ea typeface="+mn-ea"/>
+                <a:cs typeface="+mn-cs"/>
+              </a:rPr>
+              <a:t>Washington,</a:t>
+            </a:r>
+            <a:r>
+              <a:rPr kumimoji="0" lang="en-US" sz="2000" b="0" i="0" u="none" strike="noStrike" kern="1200" cap="none" spc="0" normalizeH="0" noProof="0" dirty="0" smtClean="0">
+                <a:ln>
+                  <a:noFill/>
+                </a:ln>
+                <a:solidFill>
+                  <a:schemeClr val="tx1"/>
+                </a:solidFill>
+                <a:effectLst/>
+                <a:uLnTx/>
+                <a:uFillTx/>
+                <a:latin typeface="+mn-lt"/>
+                <a:ea typeface="+mn-ea"/>
+                <a:cs typeface="+mn-cs"/>
+              </a:rPr>
+              <a:t> DC</a:t>
+            </a:r>
+          </a:p>
+          <a:p>
+            <a:pPr marL="448056" marR="0" lvl="0" indent="-384048" algn="l" defTabSz="914400" rtl="0" eaLnBrk="1" fontAlgn="auto" latinLnBrk="0" hangingPunct="1">
+              <a:lnSpc>
+                <a:spcPct val="100000"/>
+              </a:lnSpc>
+              <a:spcBef>
+                <a:spcPct val="20000"/>
+              </a:spcBef>
+              <a:spcAft>
+                <a:spcPts val="0"/>
+              </a:spcAft>
+              <a:buClr>
+                <a:schemeClr val="accent1"/>
+              </a:buClr>
+              <a:buSzPct val="80000"/>
+              <a:buFont typeface="Wingdings 2"/>
+              <a:buChar char=""/>
+              <a:tabLst/>
+              <a:defRPr/>
+            </a:pPr>
+            <a:r>
+              <a:rPr lang="en-US" sz="2000" baseline="0" dirty="0" smtClean="0"/>
+              <a:t>Allentown</a:t>
+            </a:r>
+          </a:p>
+          <a:p>
+            <a:pPr marL="448056" marR="0" lvl="0" indent="-384048" algn="l" defTabSz="914400" rtl="0" eaLnBrk="1" fontAlgn="auto" latinLnBrk="0" hangingPunct="1">
+              <a:lnSpc>
+                <a:spcPct val="100000"/>
+              </a:lnSpc>
+              <a:spcBef>
+                <a:spcPct val="20000"/>
+              </a:spcBef>
+              <a:spcAft>
+                <a:spcPts val="0"/>
+              </a:spcAft>
+              <a:buClr>
+                <a:schemeClr val="accent1"/>
+              </a:buClr>
+              <a:buSzPct val="80000"/>
+              <a:buFont typeface="Wingdings 2"/>
+              <a:buChar char=""/>
+              <a:tabLst/>
+              <a:defRPr/>
+            </a:pPr>
+            <a:r>
+              <a:rPr kumimoji="0" lang="en-US" sz="2000" b="0" i="0" u="none" strike="noStrike" kern="1200" cap="none" spc="0" normalizeH="0" noProof="0" dirty="0" smtClean="0">
+                <a:ln>
+                  <a:noFill/>
+                </a:ln>
+                <a:solidFill>
+                  <a:schemeClr val="tx1"/>
+                </a:solidFill>
+                <a:effectLst/>
+                <a:uLnTx/>
+                <a:uFillTx/>
+                <a:latin typeface="+mn-lt"/>
+                <a:ea typeface="+mn-ea"/>
+                <a:cs typeface="+mn-cs"/>
+              </a:rPr>
+              <a:t>Altoona</a:t>
+            </a:r>
+          </a:p>
+          <a:p>
+            <a:pPr marL="448056" marR="0" lvl="0" indent="-384048" algn="l" defTabSz="914400" rtl="0" eaLnBrk="1" fontAlgn="auto" latinLnBrk="0" hangingPunct="1">
+              <a:lnSpc>
+                <a:spcPct val="100000"/>
+              </a:lnSpc>
+              <a:spcBef>
+                <a:spcPct val="20000"/>
+              </a:spcBef>
+              <a:spcAft>
+                <a:spcPts val="0"/>
+              </a:spcAft>
+              <a:buClr>
+                <a:schemeClr val="accent1"/>
+              </a:buClr>
+              <a:buSzPct val="80000"/>
+              <a:buFont typeface="Wingdings 2"/>
+              <a:buChar char=""/>
+              <a:tabLst/>
+              <a:defRPr/>
+            </a:pPr>
+            <a:r>
+              <a:rPr lang="en-US" sz="2000" baseline="0" dirty="0" smtClean="0"/>
+              <a:t>Atlantic City</a:t>
+            </a:r>
+          </a:p>
+          <a:p>
+            <a:pPr marL="448056" marR="0" lvl="0" indent="-384048" algn="l" defTabSz="914400" rtl="0" eaLnBrk="1" fontAlgn="auto" latinLnBrk="0" hangingPunct="1">
+              <a:lnSpc>
+                <a:spcPct val="100000"/>
+              </a:lnSpc>
+              <a:spcBef>
+                <a:spcPct val="20000"/>
+              </a:spcBef>
+              <a:spcAft>
+                <a:spcPts val="0"/>
+              </a:spcAft>
+              <a:buClr>
+                <a:schemeClr val="accent1"/>
+              </a:buClr>
+              <a:buSzPct val="80000"/>
+              <a:buFont typeface="Wingdings 2"/>
+              <a:buChar char=""/>
+              <a:tabLst/>
+              <a:defRPr/>
+            </a:pPr>
+            <a:r>
+              <a:rPr kumimoji="0" lang="en-US" sz="2000" b="0" i="0" u="none" strike="noStrike" kern="1200" cap="none" spc="0" normalizeH="0" noProof="0" dirty="0" smtClean="0">
+                <a:ln>
+                  <a:noFill/>
+                </a:ln>
+                <a:solidFill>
+                  <a:schemeClr val="tx1"/>
+                </a:solidFill>
+                <a:effectLst/>
+                <a:uLnTx/>
+                <a:uFillTx/>
+                <a:latin typeface="+mn-lt"/>
+                <a:ea typeface="+mn-ea"/>
+                <a:cs typeface="+mn-cs"/>
+              </a:rPr>
+              <a:t>Bangor</a:t>
+            </a:r>
+          </a:p>
+          <a:p>
+            <a:pPr marL="448056" marR="0" lvl="0" indent="-384048" algn="l" defTabSz="914400" rtl="0" eaLnBrk="1" fontAlgn="auto" latinLnBrk="0" hangingPunct="1">
+              <a:lnSpc>
+                <a:spcPct val="100000"/>
+              </a:lnSpc>
+              <a:spcBef>
+                <a:spcPct val="20000"/>
+              </a:spcBef>
+              <a:spcAft>
+                <a:spcPts val="0"/>
+              </a:spcAft>
+              <a:buClr>
+                <a:schemeClr val="accent1"/>
+              </a:buClr>
+              <a:buSzPct val="80000"/>
+              <a:buFont typeface="Wingdings 2"/>
+              <a:buChar char=""/>
+              <a:tabLst/>
+              <a:defRPr/>
+            </a:pPr>
+            <a:r>
+              <a:rPr lang="en-US" sz="2000" baseline="0" dirty="0" smtClean="0"/>
+              <a:t>Bar Harbor</a:t>
+            </a:r>
+          </a:p>
+          <a:p>
+            <a:pPr marL="448056" marR="0" lvl="0" indent="-384048" algn="l" defTabSz="914400" rtl="0" eaLnBrk="1" fontAlgn="auto" latinLnBrk="0" hangingPunct="1">
+              <a:lnSpc>
+                <a:spcPct val="100000"/>
+              </a:lnSpc>
+              <a:spcBef>
+                <a:spcPct val="20000"/>
+              </a:spcBef>
+              <a:spcAft>
+                <a:spcPts val="0"/>
+              </a:spcAft>
+              <a:buClr>
+                <a:schemeClr val="accent1"/>
+              </a:buClr>
+              <a:buSzPct val="80000"/>
+              <a:buFont typeface="Wingdings 2"/>
+              <a:buChar char=""/>
+              <a:tabLst/>
+              <a:defRPr/>
+            </a:pPr>
+            <a:r>
+              <a:rPr kumimoji="0" lang="en-US" sz="2000" b="0" i="0" u="none" strike="noStrike" kern="1200" cap="none" spc="0" normalizeH="0" noProof="0" dirty="0" smtClean="0">
+                <a:ln>
+                  <a:noFill/>
+                </a:ln>
+                <a:solidFill>
+                  <a:schemeClr val="tx1"/>
+                </a:solidFill>
+                <a:effectLst/>
+                <a:uLnTx/>
+                <a:uFillTx/>
+                <a:latin typeface="+mn-lt"/>
+                <a:ea typeface="+mn-ea"/>
+                <a:cs typeface="+mn-cs"/>
+              </a:rPr>
+              <a:t>Bedford</a:t>
+            </a:r>
+          </a:p>
+          <a:p>
+            <a:pPr marL="448056" marR="0" lvl="0" indent="-384048" algn="l" defTabSz="914400" rtl="0" eaLnBrk="1" fontAlgn="auto" latinLnBrk="0" hangingPunct="1">
+              <a:lnSpc>
+                <a:spcPct val="100000"/>
+              </a:lnSpc>
+              <a:spcBef>
+                <a:spcPct val="20000"/>
+              </a:spcBef>
+              <a:spcAft>
+                <a:spcPts val="0"/>
+              </a:spcAft>
+              <a:buClr>
+                <a:schemeClr val="accent1"/>
+              </a:buClr>
+              <a:buSzPct val="80000"/>
+              <a:buFont typeface="Wingdings 2"/>
+              <a:buChar char=""/>
+              <a:tabLst/>
+              <a:defRPr/>
+            </a:pPr>
+            <a:r>
+              <a:rPr lang="en-US" sz="2000" baseline="0" dirty="0" smtClean="0"/>
+              <a:t>Block</a:t>
+            </a:r>
+            <a:r>
+              <a:rPr lang="en-US" sz="2000" dirty="0" smtClean="0"/>
+              <a:t> Island</a:t>
+            </a:r>
+          </a:p>
+          <a:p>
+            <a:pPr marL="448056" marR="0" lvl="0" indent="-384048" algn="l" defTabSz="914400" rtl="0" eaLnBrk="1" fontAlgn="auto" latinLnBrk="0" hangingPunct="1">
+              <a:lnSpc>
+                <a:spcPct val="100000"/>
+              </a:lnSpc>
+              <a:spcBef>
+                <a:spcPct val="20000"/>
+              </a:spcBef>
+              <a:spcAft>
+                <a:spcPts val="0"/>
+              </a:spcAft>
+              <a:buClr>
+                <a:schemeClr val="accent1"/>
+              </a:buClr>
+              <a:buSzPct val="80000"/>
+              <a:buFont typeface="Wingdings 2"/>
+              <a:buChar char=""/>
+              <a:tabLst/>
+              <a:defRPr/>
+            </a:pPr>
+            <a:r>
+              <a:rPr kumimoji="0" lang="en-US" sz="2000" b="0" i="0" u="none" strike="noStrike" kern="1200" cap="none" spc="0" normalizeH="0" baseline="0" noProof="0" dirty="0" smtClean="0">
+                <a:ln>
+                  <a:noFill/>
+                </a:ln>
+                <a:solidFill>
+                  <a:schemeClr val="tx1"/>
+                </a:solidFill>
+                <a:effectLst/>
+                <a:uLnTx/>
+                <a:uFillTx/>
+                <a:latin typeface="+mn-lt"/>
+                <a:ea typeface="+mn-ea"/>
+                <a:cs typeface="+mn-cs"/>
+              </a:rPr>
+              <a:t>Bradford</a:t>
+            </a:r>
+          </a:p>
+          <a:p>
+            <a:pPr marL="448056" marR="0" lvl="0" indent="-384048" algn="l" defTabSz="914400" rtl="0" eaLnBrk="1" fontAlgn="auto" latinLnBrk="0" hangingPunct="1">
+              <a:lnSpc>
+                <a:spcPct val="100000"/>
+              </a:lnSpc>
+              <a:spcBef>
+                <a:spcPct val="20000"/>
+              </a:spcBef>
+              <a:spcAft>
+                <a:spcPts val="0"/>
+              </a:spcAft>
+              <a:buClr>
+                <a:schemeClr val="accent1"/>
+              </a:buClr>
+              <a:buSzPct val="80000"/>
+              <a:buFont typeface="Wingdings 2"/>
+              <a:buChar char=""/>
+              <a:tabLst/>
+              <a:defRPr/>
+            </a:pPr>
+            <a:r>
+              <a:rPr lang="en-US" sz="2000" dirty="0" smtClean="0"/>
+              <a:t>Cumberland</a:t>
+            </a:r>
+          </a:p>
+          <a:p>
+            <a:pPr marL="448056" marR="0" lvl="0" indent="-384048" algn="l" defTabSz="914400" rtl="0" eaLnBrk="1" fontAlgn="auto" latinLnBrk="0" hangingPunct="1">
+              <a:lnSpc>
+                <a:spcPct val="100000"/>
+              </a:lnSpc>
+              <a:spcBef>
+                <a:spcPct val="20000"/>
+              </a:spcBef>
+              <a:spcAft>
+                <a:spcPts val="0"/>
+              </a:spcAft>
+              <a:buClr>
+                <a:schemeClr val="accent1"/>
+              </a:buClr>
+              <a:buSzPct val="80000"/>
+              <a:buFont typeface="Wingdings 2"/>
+              <a:buChar char=""/>
+              <a:tabLst/>
+              <a:defRPr/>
+            </a:pPr>
+            <a:r>
+              <a:rPr kumimoji="0" lang="en-US" sz="2000" b="0" i="0" u="none" strike="noStrike" kern="1200" cap="none" spc="0" normalizeH="0" baseline="0" noProof="0" dirty="0" smtClean="0">
+                <a:ln>
+                  <a:noFill/>
+                </a:ln>
+                <a:solidFill>
+                  <a:schemeClr val="tx1"/>
+                </a:solidFill>
+                <a:effectLst/>
+                <a:uLnTx/>
+                <a:uFillTx/>
+                <a:latin typeface="+mn-lt"/>
+                <a:ea typeface="+mn-ea"/>
+                <a:cs typeface="+mn-cs"/>
+              </a:rPr>
+              <a:t>Dubois</a:t>
+            </a:r>
+          </a:p>
+          <a:p>
+            <a:pPr marL="448056" marR="0" lvl="0" indent="-384048" algn="l" defTabSz="914400" rtl="0" eaLnBrk="1" fontAlgn="auto" latinLnBrk="0" hangingPunct="1">
+              <a:lnSpc>
+                <a:spcPct val="100000"/>
+              </a:lnSpc>
+              <a:spcBef>
+                <a:spcPct val="20000"/>
+              </a:spcBef>
+              <a:spcAft>
+                <a:spcPts val="0"/>
+              </a:spcAft>
+              <a:buClr>
+                <a:schemeClr val="accent1"/>
+              </a:buClr>
+              <a:buSzPct val="80000"/>
+              <a:buFont typeface="Wingdings 2"/>
+              <a:buChar char=""/>
+              <a:tabLst/>
+              <a:defRPr/>
+            </a:pPr>
+            <a:r>
+              <a:rPr lang="en-US" sz="2000" dirty="0" smtClean="0"/>
+              <a:t>Saranac Lake</a:t>
+            </a:r>
+          </a:p>
+          <a:p>
+            <a:pPr marL="448056" marR="0" lvl="0" indent="-384048" algn="l" defTabSz="914400" rtl="0" eaLnBrk="1" fontAlgn="auto" latinLnBrk="0" hangingPunct="1">
+              <a:lnSpc>
+                <a:spcPct val="100000"/>
+              </a:lnSpc>
+              <a:spcBef>
+                <a:spcPct val="20000"/>
+              </a:spcBef>
+              <a:spcAft>
+                <a:spcPts val="0"/>
+              </a:spcAft>
+              <a:buClr>
+                <a:schemeClr val="accent1"/>
+              </a:buClr>
+              <a:buSzPct val="80000"/>
+              <a:buFont typeface="Wingdings 2"/>
+              <a:buChar char=""/>
+              <a:tabLst/>
+              <a:defRPr/>
+            </a:pPr>
+            <a:r>
+              <a:rPr kumimoji="0" lang="en-US" sz="2000" b="0" i="0" u="none" strike="noStrike" kern="1200" cap="none" spc="0" normalizeH="0" baseline="0" noProof="0" dirty="0" smtClean="0">
+                <a:ln>
+                  <a:noFill/>
+                </a:ln>
+                <a:solidFill>
+                  <a:schemeClr val="tx1"/>
+                </a:solidFill>
+                <a:effectLst/>
+                <a:uLnTx/>
+                <a:uFillTx/>
+                <a:latin typeface="+mn-lt"/>
+                <a:ea typeface="+mn-ea"/>
+                <a:cs typeface="+mn-cs"/>
+              </a:rPr>
+              <a:t>Westerly</a:t>
+            </a:r>
+          </a:p>
+          <a:p>
+            <a:pPr marL="448056" marR="0" lvl="0" indent="-384048" algn="l" defTabSz="914400" rtl="0" eaLnBrk="1" fontAlgn="auto" latinLnBrk="0" hangingPunct="1">
+              <a:lnSpc>
+                <a:spcPct val="100000"/>
+              </a:lnSpc>
+              <a:spcBef>
+                <a:spcPct val="20000"/>
+              </a:spcBef>
+              <a:spcAft>
+                <a:spcPts val="0"/>
+              </a:spcAft>
+              <a:buClr>
+                <a:schemeClr val="accent1"/>
+              </a:buClr>
+              <a:buSzPct val="80000"/>
+              <a:buFont typeface="Wingdings 2"/>
+              <a:buChar char=""/>
+              <a:tabLst/>
+              <a:defRPr/>
+            </a:pPr>
+            <a:r>
+              <a:rPr lang="en-US" sz="2000" dirty="0" smtClean="0"/>
+              <a:t>Princeton</a:t>
+            </a:r>
+          </a:p>
+          <a:p>
+            <a:pPr marL="448056" marR="0" lvl="0" indent="-384048" algn="l" defTabSz="914400" rtl="0" eaLnBrk="1" fontAlgn="auto" latinLnBrk="0" hangingPunct="1">
+              <a:lnSpc>
+                <a:spcPct val="100000"/>
+              </a:lnSpc>
+              <a:spcBef>
+                <a:spcPct val="20000"/>
+              </a:spcBef>
+              <a:spcAft>
+                <a:spcPts val="0"/>
+              </a:spcAft>
+              <a:buClr>
+                <a:schemeClr val="accent1"/>
+              </a:buClr>
+              <a:buSzPct val="80000"/>
+              <a:buFont typeface="Wingdings 2"/>
+              <a:buChar char=""/>
+              <a:tabLst/>
+              <a:defRPr/>
+            </a:pPr>
+            <a:r>
+              <a:rPr kumimoji="0" lang="en-US" sz="2000" b="0" i="0" u="none" strike="noStrike" kern="1200" cap="none" spc="0" normalizeH="0" baseline="0" noProof="0" dirty="0" smtClean="0">
+                <a:ln>
+                  <a:noFill/>
+                </a:ln>
+                <a:solidFill>
+                  <a:schemeClr val="tx1"/>
+                </a:solidFill>
+                <a:effectLst/>
+                <a:uLnTx/>
+                <a:uFillTx/>
+                <a:latin typeface="+mn-lt"/>
+                <a:ea typeface="+mn-ea"/>
+                <a:cs typeface="+mn-cs"/>
+              </a:rPr>
+              <a:t>Berlin</a:t>
+            </a:r>
+          </a:p>
+          <a:p>
+            <a:pPr marL="448056" marR="0" lvl="0" indent="-384048" algn="l" defTabSz="914400" rtl="0" eaLnBrk="1" fontAlgn="auto" latinLnBrk="0" hangingPunct="1">
+              <a:lnSpc>
+                <a:spcPct val="100000"/>
+              </a:lnSpc>
+              <a:spcBef>
+                <a:spcPct val="20000"/>
+              </a:spcBef>
+              <a:spcAft>
+                <a:spcPts val="0"/>
+              </a:spcAft>
+              <a:buClr>
+                <a:schemeClr val="accent1"/>
+              </a:buClr>
+              <a:buSzPct val="80000"/>
+              <a:buFont typeface="Wingdings 2"/>
+              <a:buChar char=""/>
+              <a:tabLst/>
+              <a:defRPr/>
+            </a:pPr>
+            <a:r>
+              <a:rPr lang="en-US" sz="2000" dirty="0" smtClean="0"/>
+              <a:t>Concord</a:t>
+            </a:r>
+          </a:p>
+          <a:p>
+            <a:pPr marL="448056" marR="0" lvl="0" indent="-384048" algn="l" defTabSz="914400" rtl="0" eaLnBrk="1" fontAlgn="auto" latinLnBrk="0" hangingPunct="1">
+              <a:lnSpc>
+                <a:spcPct val="100000"/>
+              </a:lnSpc>
+              <a:spcBef>
+                <a:spcPct val="20000"/>
+              </a:spcBef>
+              <a:spcAft>
+                <a:spcPts val="0"/>
+              </a:spcAft>
+              <a:buClr>
+                <a:schemeClr val="accent1"/>
+              </a:buClr>
+              <a:buSzPct val="80000"/>
+              <a:buFont typeface="Wingdings 2"/>
+              <a:buChar char=""/>
+              <a:tabLst/>
+              <a:defRPr/>
+            </a:pPr>
+            <a:r>
+              <a:rPr kumimoji="0" lang="en-US" sz="2000" b="0" i="0" u="none" strike="noStrike" kern="1200" cap="none" spc="0" normalizeH="0" baseline="0" noProof="0" dirty="0" smtClean="0">
+                <a:ln>
+                  <a:noFill/>
+                </a:ln>
+                <a:solidFill>
+                  <a:schemeClr val="tx1"/>
+                </a:solidFill>
+                <a:effectLst/>
+                <a:uLnTx/>
+                <a:uFillTx/>
+                <a:latin typeface="+mn-lt"/>
+                <a:ea typeface="+mn-ea"/>
+                <a:cs typeface="+mn-cs"/>
+              </a:rPr>
+              <a:t>Providence</a:t>
+            </a:r>
+          </a:p>
+        </p:txBody>
+      </p:sp>
+      <p:sp>
+        <p:nvSpPr>
+          <p:cNvPr id="5" name="Content Placeholder 2"/>
+          <p:cNvSpPr txBox="1">
+            <a:spLocks/>
+          </p:cNvSpPr>
+          <p:nvPr/>
+        </p:nvSpPr>
+        <p:spPr>
+          <a:xfrm>
+            <a:off x="4743450" y="1219200"/>
+            <a:ext cx="2266950" cy="5537200"/>
+          </a:xfrm>
+          <a:prstGeom prst="rect">
+            <a:avLst/>
+          </a:prstGeom>
+        </p:spPr>
+        <p:txBody>
+          <a:bodyPr vert="horz" anchor="t">
+            <a:normAutofit fontScale="85000" lnSpcReduction="20000"/>
+          </a:bodyPr>
+          <a:lstStyle/>
+          <a:p>
+            <a:pPr marL="448056" marR="0" lvl="0" indent="-384048" algn="l" defTabSz="914400" rtl="0" eaLnBrk="1" fontAlgn="auto" latinLnBrk="0" hangingPunct="1">
+              <a:lnSpc>
+                <a:spcPct val="100000"/>
+              </a:lnSpc>
+              <a:spcBef>
+                <a:spcPct val="20000"/>
+              </a:spcBef>
+              <a:spcAft>
+                <a:spcPts val="0"/>
+              </a:spcAft>
+              <a:buClr>
+                <a:schemeClr val="accent1"/>
+              </a:buClr>
+              <a:buSzPct val="80000"/>
+              <a:buFont typeface="Wingdings 2"/>
+              <a:buChar char=""/>
+              <a:tabLst/>
+              <a:defRPr/>
+            </a:pPr>
+            <a:r>
+              <a:rPr lang="en-US" sz="2000" dirty="0" smtClean="0"/>
+              <a:t>Easton</a:t>
+            </a:r>
+          </a:p>
+          <a:p>
+            <a:pPr marL="448056" marR="0" lvl="0" indent="-384048" algn="l" defTabSz="914400" rtl="0" eaLnBrk="1" fontAlgn="auto" latinLnBrk="0" hangingPunct="1">
+              <a:lnSpc>
+                <a:spcPct val="100000"/>
+              </a:lnSpc>
+              <a:spcBef>
+                <a:spcPct val="20000"/>
+              </a:spcBef>
+              <a:spcAft>
+                <a:spcPts val="0"/>
+              </a:spcAft>
+              <a:buClr>
+                <a:schemeClr val="accent1"/>
+              </a:buClr>
+              <a:buSzPct val="80000"/>
+              <a:buFont typeface="Wingdings 2"/>
+              <a:buChar char=""/>
+              <a:tabLst/>
+              <a:defRPr/>
+            </a:pPr>
+            <a:r>
+              <a:rPr kumimoji="0" lang="en-US" sz="2000" b="0" i="0" u="none" strike="noStrike" kern="1200" cap="none" spc="0" normalizeH="0" baseline="0" noProof="0" dirty="0" smtClean="0">
+                <a:ln>
+                  <a:noFill/>
+                </a:ln>
+                <a:solidFill>
+                  <a:schemeClr val="tx1"/>
+                </a:solidFill>
+                <a:effectLst/>
+                <a:uLnTx/>
+                <a:uFillTx/>
+                <a:latin typeface="+mn-lt"/>
+                <a:ea typeface="+mn-ea"/>
+                <a:cs typeface="+mn-cs"/>
+              </a:rPr>
+              <a:t>Endicott</a:t>
+            </a:r>
+          </a:p>
+          <a:p>
+            <a:pPr marL="448056" marR="0" lvl="0" indent="-384048" algn="l" defTabSz="914400" rtl="0" eaLnBrk="1" fontAlgn="auto" latinLnBrk="0" hangingPunct="1">
+              <a:lnSpc>
+                <a:spcPct val="100000"/>
+              </a:lnSpc>
+              <a:spcBef>
+                <a:spcPct val="20000"/>
+              </a:spcBef>
+              <a:spcAft>
+                <a:spcPts val="0"/>
+              </a:spcAft>
+              <a:buClr>
+                <a:schemeClr val="accent1"/>
+              </a:buClr>
+              <a:buSzPct val="80000"/>
+              <a:buFont typeface="Wingdings 2"/>
+              <a:buChar char=""/>
+              <a:tabLst/>
+              <a:defRPr/>
+            </a:pPr>
+            <a:r>
+              <a:rPr lang="en-US" sz="2000" dirty="0" smtClean="0"/>
+              <a:t>Erie</a:t>
+            </a:r>
+          </a:p>
+          <a:p>
+            <a:pPr marL="448056" marR="0" lvl="0" indent="-384048" algn="l" defTabSz="914400" rtl="0" eaLnBrk="1" fontAlgn="auto" latinLnBrk="0" hangingPunct="1">
+              <a:lnSpc>
+                <a:spcPct val="100000"/>
+              </a:lnSpc>
+              <a:spcBef>
+                <a:spcPct val="20000"/>
+              </a:spcBef>
+              <a:spcAft>
+                <a:spcPts val="0"/>
+              </a:spcAft>
+              <a:buClr>
+                <a:schemeClr val="accent1"/>
+              </a:buClr>
+              <a:buSzPct val="80000"/>
+              <a:buFont typeface="Wingdings 2"/>
+              <a:buChar char=""/>
+              <a:tabLst/>
+              <a:defRPr/>
+            </a:pPr>
+            <a:r>
+              <a:rPr lang="en-US" sz="2000" dirty="0" smtClean="0"/>
+              <a:t>Franklin</a:t>
+            </a:r>
+          </a:p>
+          <a:p>
+            <a:pPr marL="448056" marR="0" lvl="0" indent="-384048" algn="l" defTabSz="914400" rtl="0" eaLnBrk="1" fontAlgn="auto" latinLnBrk="0" hangingPunct="1">
+              <a:lnSpc>
+                <a:spcPct val="100000"/>
+              </a:lnSpc>
+              <a:spcBef>
+                <a:spcPct val="20000"/>
+              </a:spcBef>
+              <a:spcAft>
+                <a:spcPts val="0"/>
+              </a:spcAft>
+              <a:buClr>
+                <a:schemeClr val="accent1"/>
+              </a:buClr>
+              <a:buSzPct val="80000"/>
+              <a:buFont typeface="Wingdings 2"/>
+              <a:buChar char=""/>
+              <a:tabLst/>
+              <a:defRPr/>
+            </a:pPr>
+            <a:r>
+              <a:rPr lang="en-US" sz="2000" dirty="0" smtClean="0"/>
+              <a:t>Hagerstown</a:t>
+            </a:r>
+          </a:p>
+          <a:p>
+            <a:pPr marL="448056" marR="0" lvl="0" indent="-384048" algn="l" defTabSz="914400" rtl="0" eaLnBrk="1" fontAlgn="auto" latinLnBrk="0" hangingPunct="1">
+              <a:lnSpc>
+                <a:spcPct val="100000"/>
+              </a:lnSpc>
+              <a:spcBef>
+                <a:spcPct val="20000"/>
+              </a:spcBef>
+              <a:spcAft>
+                <a:spcPts val="0"/>
+              </a:spcAft>
+              <a:buClr>
+                <a:schemeClr val="accent1"/>
+              </a:buClr>
+              <a:buSzPct val="80000"/>
+              <a:buFont typeface="Wingdings 2"/>
+              <a:buChar char=""/>
+              <a:tabLst/>
+              <a:defRPr/>
+            </a:pPr>
+            <a:r>
+              <a:rPr lang="en-US" sz="2000" dirty="0" smtClean="0"/>
+              <a:t>Hanover</a:t>
+            </a:r>
+          </a:p>
+          <a:p>
+            <a:pPr marL="448056" marR="0" lvl="0" indent="-384048" algn="l" defTabSz="914400" rtl="0" eaLnBrk="1" fontAlgn="auto" latinLnBrk="0" hangingPunct="1">
+              <a:lnSpc>
+                <a:spcPct val="100000"/>
+              </a:lnSpc>
+              <a:spcBef>
+                <a:spcPct val="20000"/>
+              </a:spcBef>
+              <a:spcAft>
+                <a:spcPts val="0"/>
+              </a:spcAft>
+              <a:buClr>
+                <a:schemeClr val="accent1"/>
+              </a:buClr>
+              <a:buSzPct val="80000"/>
+              <a:buFont typeface="Wingdings 2"/>
+              <a:buChar char=""/>
+              <a:tabLst/>
+              <a:defRPr/>
+            </a:pPr>
+            <a:r>
+              <a:rPr lang="en-US" sz="2000" dirty="0" smtClean="0"/>
+              <a:t>Hyannis</a:t>
+            </a:r>
+          </a:p>
+          <a:p>
+            <a:pPr marL="448056" marR="0" lvl="0" indent="-384048" algn="l" defTabSz="914400" rtl="0" eaLnBrk="1" fontAlgn="auto" latinLnBrk="0" hangingPunct="1">
+              <a:lnSpc>
+                <a:spcPct val="100000"/>
+              </a:lnSpc>
+              <a:spcBef>
+                <a:spcPct val="20000"/>
+              </a:spcBef>
+              <a:spcAft>
+                <a:spcPts val="0"/>
+              </a:spcAft>
+              <a:buClr>
+                <a:schemeClr val="accent1"/>
+              </a:buClr>
+              <a:buSzPct val="80000"/>
+              <a:buFont typeface="Wingdings 2"/>
+              <a:buChar char=""/>
+              <a:tabLst/>
+              <a:defRPr/>
+            </a:pPr>
+            <a:r>
+              <a:rPr lang="en-US" sz="2000" dirty="0" smtClean="0"/>
+              <a:t>Islip </a:t>
+            </a:r>
+          </a:p>
+          <a:p>
+            <a:pPr marL="448056" marR="0" lvl="0" indent="-384048" algn="l" defTabSz="914400" rtl="0" eaLnBrk="1" fontAlgn="auto" latinLnBrk="0" hangingPunct="1">
+              <a:lnSpc>
+                <a:spcPct val="100000"/>
+              </a:lnSpc>
+              <a:spcBef>
+                <a:spcPct val="20000"/>
+              </a:spcBef>
+              <a:spcAft>
+                <a:spcPts val="0"/>
+              </a:spcAft>
+              <a:buClr>
+                <a:schemeClr val="accent1"/>
+              </a:buClr>
+              <a:buSzPct val="80000"/>
+              <a:buFont typeface="Wingdings 2"/>
+              <a:buChar char=""/>
+              <a:tabLst/>
+              <a:defRPr/>
+            </a:pPr>
+            <a:r>
+              <a:rPr lang="en-US" sz="2000" dirty="0" smtClean="0"/>
+              <a:t>Ithaca</a:t>
+            </a:r>
+          </a:p>
+          <a:p>
+            <a:pPr marL="448056" marR="0" lvl="0" indent="-384048" algn="l" defTabSz="914400" rtl="0" eaLnBrk="1" fontAlgn="auto" latinLnBrk="0" hangingPunct="1">
+              <a:lnSpc>
+                <a:spcPct val="100000"/>
+              </a:lnSpc>
+              <a:spcBef>
+                <a:spcPct val="20000"/>
+              </a:spcBef>
+              <a:spcAft>
+                <a:spcPts val="0"/>
+              </a:spcAft>
+              <a:buClr>
+                <a:schemeClr val="accent1"/>
+              </a:buClr>
+              <a:buSzPct val="80000"/>
+              <a:buFont typeface="Wingdings 2"/>
+              <a:buChar char=""/>
+              <a:tabLst/>
+              <a:defRPr/>
+            </a:pPr>
+            <a:r>
+              <a:rPr lang="en-US" sz="2000" dirty="0" smtClean="0"/>
+              <a:t>Jamestown</a:t>
+            </a:r>
+          </a:p>
+          <a:p>
+            <a:pPr marL="448056" marR="0" lvl="0" indent="-384048" algn="l" defTabSz="914400" rtl="0" eaLnBrk="1" fontAlgn="auto" latinLnBrk="0" hangingPunct="1">
+              <a:lnSpc>
+                <a:spcPct val="100000"/>
+              </a:lnSpc>
+              <a:spcBef>
+                <a:spcPct val="20000"/>
+              </a:spcBef>
+              <a:spcAft>
+                <a:spcPts val="0"/>
+              </a:spcAft>
+              <a:buClr>
+                <a:schemeClr val="accent1"/>
+              </a:buClr>
+              <a:buSzPct val="80000"/>
+              <a:buFont typeface="Wingdings 2"/>
+              <a:buChar char=""/>
+              <a:tabLst/>
+              <a:defRPr/>
+            </a:pPr>
+            <a:r>
+              <a:rPr lang="en-US" sz="2000" dirty="0" smtClean="0"/>
+              <a:t>Johnstown</a:t>
+            </a:r>
+          </a:p>
+          <a:p>
+            <a:pPr marL="448056" marR="0" lvl="0" indent="-384048" algn="l" defTabSz="914400" rtl="0" eaLnBrk="1" fontAlgn="auto" latinLnBrk="0" hangingPunct="1">
+              <a:lnSpc>
+                <a:spcPct val="100000"/>
+              </a:lnSpc>
+              <a:spcBef>
+                <a:spcPct val="20000"/>
+              </a:spcBef>
+              <a:spcAft>
+                <a:spcPts val="0"/>
+              </a:spcAft>
+              <a:buClr>
+                <a:schemeClr val="accent1"/>
+              </a:buClr>
+              <a:buSzPct val="80000"/>
+              <a:buFont typeface="Wingdings 2"/>
+              <a:buChar char=""/>
+              <a:tabLst/>
+              <a:defRPr/>
+            </a:pPr>
+            <a:r>
+              <a:rPr lang="en-US" sz="2000" dirty="0" smtClean="0"/>
+              <a:t>Keene</a:t>
+            </a:r>
+          </a:p>
+          <a:p>
+            <a:pPr marL="448056" marR="0" lvl="0" indent="-384048" algn="l" defTabSz="914400" rtl="0" eaLnBrk="1" fontAlgn="auto" latinLnBrk="0" hangingPunct="1">
+              <a:lnSpc>
+                <a:spcPct val="100000"/>
+              </a:lnSpc>
+              <a:spcBef>
+                <a:spcPct val="20000"/>
+              </a:spcBef>
+              <a:spcAft>
+                <a:spcPts val="0"/>
+              </a:spcAft>
+              <a:buClr>
+                <a:schemeClr val="accent1"/>
+              </a:buClr>
+              <a:buSzPct val="80000"/>
+              <a:buFont typeface="Wingdings 2"/>
+              <a:buChar char=""/>
+              <a:tabLst/>
+              <a:defRPr/>
+            </a:pPr>
+            <a:r>
+              <a:rPr lang="en-US" sz="2000" dirty="0" smtClean="0"/>
+              <a:t>Lancaster</a:t>
+            </a:r>
+          </a:p>
+          <a:p>
+            <a:pPr marL="448056" marR="0" lvl="0" indent="-384048" algn="l" defTabSz="914400" rtl="0" eaLnBrk="1" fontAlgn="auto" latinLnBrk="0" hangingPunct="1">
+              <a:lnSpc>
+                <a:spcPct val="100000"/>
+              </a:lnSpc>
+              <a:spcBef>
+                <a:spcPct val="20000"/>
+              </a:spcBef>
+              <a:spcAft>
+                <a:spcPts val="0"/>
+              </a:spcAft>
+              <a:buClr>
+                <a:schemeClr val="accent1"/>
+              </a:buClr>
+              <a:buSzPct val="80000"/>
+              <a:buFont typeface="Wingdings 2"/>
+              <a:buChar char=""/>
+              <a:tabLst/>
+              <a:defRPr/>
+            </a:pPr>
+            <a:r>
+              <a:rPr lang="en-US" sz="2000" dirty="0" smtClean="0"/>
+              <a:t>Latrobe</a:t>
+            </a:r>
+          </a:p>
+          <a:p>
+            <a:pPr marL="448056" marR="0" lvl="0" indent="-384048" algn="l" defTabSz="914400" rtl="0" eaLnBrk="1" fontAlgn="auto" latinLnBrk="0" hangingPunct="1">
+              <a:lnSpc>
+                <a:spcPct val="100000"/>
+              </a:lnSpc>
+              <a:spcBef>
+                <a:spcPct val="20000"/>
+              </a:spcBef>
+              <a:spcAft>
+                <a:spcPts val="0"/>
+              </a:spcAft>
+              <a:buClr>
+                <a:schemeClr val="accent1"/>
+              </a:buClr>
+              <a:buSzPct val="80000"/>
+              <a:buFont typeface="Wingdings 2"/>
+              <a:buChar char=""/>
+              <a:tabLst/>
+              <a:defRPr/>
+            </a:pPr>
+            <a:r>
+              <a:rPr lang="en-US" sz="2000" dirty="0" smtClean="0"/>
+              <a:t>Manchester</a:t>
+            </a:r>
+          </a:p>
+          <a:p>
+            <a:pPr marL="448056" marR="0" lvl="0" indent="-384048" algn="l" defTabSz="914400" rtl="0" eaLnBrk="1" fontAlgn="auto" latinLnBrk="0" hangingPunct="1">
+              <a:lnSpc>
+                <a:spcPct val="100000"/>
+              </a:lnSpc>
+              <a:spcBef>
+                <a:spcPct val="20000"/>
+              </a:spcBef>
+              <a:spcAft>
+                <a:spcPts val="0"/>
+              </a:spcAft>
+              <a:buClr>
+                <a:schemeClr val="accent1"/>
+              </a:buClr>
+              <a:buSzPct val="80000"/>
+              <a:buFont typeface="Wingdings 2"/>
+              <a:buChar char=""/>
+              <a:tabLst/>
+              <a:defRPr/>
+            </a:pPr>
+            <a:r>
+              <a:rPr lang="en-US" sz="2000" dirty="0" smtClean="0"/>
+              <a:t>Trenton</a:t>
+            </a:r>
+          </a:p>
+          <a:p>
+            <a:pPr marL="448056" marR="0" lvl="0" indent="-384048" algn="l" defTabSz="914400" rtl="0" eaLnBrk="1" fontAlgn="auto" latinLnBrk="0" hangingPunct="1">
+              <a:lnSpc>
+                <a:spcPct val="100000"/>
+              </a:lnSpc>
+              <a:spcBef>
+                <a:spcPct val="20000"/>
+              </a:spcBef>
+              <a:spcAft>
+                <a:spcPts val="0"/>
+              </a:spcAft>
+              <a:buClr>
+                <a:schemeClr val="accent1"/>
+              </a:buClr>
+              <a:buSzPct val="80000"/>
+              <a:buFont typeface="Wingdings 2"/>
+              <a:buChar char=""/>
+              <a:tabLst/>
+              <a:defRPr/>
+            </a:pPr>
+            <a:r>
+              <a:rPr lang="en-US" sz="2000" dirty="0" smtClean="0"/>
+              <a:t>Williamsport</a:t>
+            </a:r>
+          </a:p>
+          <a:p>
+            <a:pPr marL="448056" marR="0" lvl="0" indent="-384048" algn="l" defTabSz="914400" rtl="0" eaLnBrk="1" fontAlgn="auto" latinLnBrk="0" hangingPunct="1">
+              <a:lnSpc>
+                <a:spcPct val="100000"/>
+              </a:lnSpc>
+              <a:spcBef>
+                <a:spcPct val="20000"/>
+              </a:spcBef>
+              <a:spcAft>
+                <a:spcPts val="0"/>
+              </a:spcAft>
+              <a:buClr>
+                <a:schemeClr val="accent1"/>
+              </a:buClr>
+              <a:buSzPct val="80000"/>
+              <a:buFont typeface="Wingdings 2"/>
+              <a:buChar char=""/>
+              <a:tabLst/>
+              <a:defRPr/>
+            </a:pPr>
+            <a:r>
+              <a:rPr lang="en-US" sz="2000" dirty="0" smtClean="0"/>
+              <a:t>Princeton Junction</a:t>
+            </a:r>
+          </a:p>
+          <a:p>
+            <a:pPr marL="448056" marR="0" lvl="0" indent="-384048" algn="l" defTabSz="914400" rtl="0" eaLnBrk="1" fontAlgn="auto" latinLnBrk="0" hangingPunct="1">
+              <a:lnSpc>
+                <a:spcPct val="100000"/>
+              </a:lnSpc>
+              <a:spcBef>
+                <a:spcPct val="20000"/>
+              </a:spcBef>
+              <a:spcAft>
+                <a:spcPts val="0"/>
+              </a:spcAft>
+              <a:buClr>
+                <a:schemeClr val="accent1"/>
+              </a:buClr>
+              <a:buSzPct val="80000"/>
+              <a:buFont typeface="Wingdings 2"/>
+              <a:buChar char=""/>
+              <a:tabLst/>
+              <a:defRPr/>
+            </a:pPr>
+            <a:r>
+              <a:rPr lang="en-US" sz="2000" dirty="0" smtClean="0"/>
+              <a:t>Newark</a:t>
+            </a:r>
+          </a:p>
+        </p:txBody>
+      </p:sp>
+      <p:sp>
+        <p:nvSpPr>
+          <p:cNvPr id="6" name="Content Placeholder 2"/>
+          <p:cNvSpPr txBox="1">
+            <a:spLocks/>
+          </p:cNvSpPr>
+          <p:nvPr/>
+        </p:nvSpPr>
+        <p:spPr>
+          <a:xfrm>
+            <a:off x="6654800" y="1219200"/>
+            <a:ext cx="2489200" cy="5537200"/>
+          </a:xfrm>
+          <a:prstGeom prst="rect">
+            <a:avLst/>
+          </a:prstGeom>
+        </p:spPr>
+        <p:txBody>
+          <a:bodyPr vert="horz" anchor="t">
+            <a:normAutofit fontScale="85000" lnSpcReduction="20000"/>
+          </a:bodyPr>
+          <a:lstStyle/>
+          <a:p>
+            <a:pPr marL="448056" marR="0" lvl="0" indent="-384048" algn="l" defTabSz="914400" rtl="0" eaLnBrk="1" fontAlgn="auto" latinLnBrk="0" hangingPunct="1">
+              <a:lnSpc>
+                <a:spcPct val="100000"/>
+              </a:lnSpc>
+              <a:spcBef>
+                <a:spcPct val="20000"/>
+              </a:spcBef>
+              <a:spcAft>
+                <a:spcPts val="0"/>
+              </a:spcAft>
+              <a:buClr>
+                <a:schemeClr val="accent1"/>
+              </a:buClr>
+              <a:buSzPct val="80000"/>
+              <a:buFont typeface="Wingdings 2"/>
+              <a:buChar char=""/>
+              <a:tabLst/>
+              <a:defRPr/>
+            </a:pPr>
+            <a:r>
+              <a:rPr kumimoji="0" lang="en-US" sz="2000" b="0" i="0" u="none" strike="noStrike" kern="1200" cap="none" spc="0" normalizeH="0" baseline="0" noProof="0" dirty="0" smtClean="0">
+                <a:ln>
+                  <a:noFill/>
+                </a:ln>
+                <a:solidFill>
+                  <a:schemeClr val="tx1"/>
+                </a:solidFill>
+                <a:effectLst/>
+                <a:uLnTx/>
+                <a:uFillTx/>
+                <a:latin typeface="+mn-lt"/>
+                <a:ea typeface="+mn-ea"/>
+                <a:cs typeface="+mn-cs"/>
+              </a:rPr>
+              <a:t>Martha’s Vineyard</a:t>
+            </a:r>
+          </a:p>
+          <a:p>
+            <a:pPr marL="448056" marR="0" lvl="0" indent="-384048" algn="l" defTabSz="914400" rtl="0" eaLnBrk="1" fontAlgn="auto" latinLnBrk="0" hangingPunct="1">
+              <a:lnSpc>
+                <a:spcPct val="100000"/>
+              </a:lnSpc>
+              <a:spcBef>
+                <a:spcPct val="20000"/>
+              </a:spcBef>
+              <a:spcAft>
+                <a:spcPts val="0"/>
+              </a:spcAft>
+              <a:buClr>
+                <a:schemeClr val="accent1"/>
+              </a:buClr>
+              <a:buSzPct val="80000"/>
+              <a:buFont typeface="Wingdings 2"/>
+              <a:buChar char=""/>
+              <a:tabLst/>
+              <a:defRPr/>
+            </a:pPr>
+            <a:r>
+              <a:rPr lang="en-US" sz="2000" noProof="0" dirty="0" smtClean="0"/>
+              <a:t>Massena</a:t>
+            </a:r>
+          </a:p>
+          <a:p>
+            <a:pPr marL="448056" marR="0" lvl="0" indent="-384048" algn="l" defTabSz="914400" rtl="0" eaLnBrk="1" fontAlgn="auto" latinLnBrk="0" hangingPunct="1">
+              <a:lnSpc>
+                <a:spcPct val="100000"/>
+              </a:lnSpc>
+              <a:spcBef>
+                <a:spcPct val="20000"/>
+              </a:spcBef>
+              <a:spcAft>
+                <a:spcPts val="0"/>
+              </a:spcAft>
+              <a:buClr>
+                <a:schemeClr val="accent1"/>
+              </a:buClr>
+              <a:buSzPct val="80000"/>
+              <a:buFont typeface="Wingdings 2"/>
+              <a:buChar char=""/>
+              <a:tabLst/>
+              <a:defRPr/>
+            </a:pPr>
+            <a:r>
+              <a:rPr kumimoji="0" lang="en-US" sz="2000" b="0" i="0" u="none" strike="noStrike" kern="1200" cap="none" spc="0" normalizeH="0" baseline="0" dirty="0" smtClean="0">
+                <a:ln>
+                  <a:noFill/>
+                </a:ln>
+                <a:solidFill>
+                  <a:schemeClr val="tx1"/>
+                </a:solidFill>
+                <a:effectLst/>
+                <a:uLnTx/>
+                <a:uFillTx/>
+                <a:latin typeface="+mn-lt"/>
+                <a:ea typeface="+mn-ea"/>
+                <a:cs typeface="+mn-cs"/>
+              </a:rPr>
+              <a:t>Nantucket</a:t>
+            </a:r>
+          </a:p>
+          <a:p>
+            <a:pPr marL="448056" marR="0" lvl="0" indent="-384048" algn="l" defTabSz="914400" rtl="0" eaLnBrk="1" fontAlgn="auto" latinLnBrk="0" hangingPunct="1">
+              <a:lnSpc>
+                <a:spcPct val="100000"/>
+              </a:lnSpc>
+              <a:spcBef>
+                <a:spcPct val="20000"/>
+              </a:spcBef>
+              <a:spcAft>
+                <a:spcPts val="0"/>
+              </a:spcAft>
+              <a:buClr>
+                <a:schemeClr val="accent1"/>
+              </a:buClr>
+              <a:buSzPct val="80000"/>
+              <a:buFont typeface="Wingdings 2"/>
+              <a:buChar char=""/>
+              <a:tabLst/>
+              <a:defRPr/>
+            </a:pPr>
+            <a:r>
+              <a:rPr lang="en-US" sz="2000" noProof="0" dirty="0" smtClean="0"/>
+              <a:t>Newburgh</a:t>
+            </a:r>
+          </a:p>
+          <a:p>
+            <a:pPr marL="448056" marR="0" lvl="0" indent="-384048" algn="l" defTabSz="914400" rtl="0" eaLnBrk="1" fontAlgn="auto" latinLnBrk="0" hangingPunct="1">
+              <a:lnSpc>
+                <a:spcPct val="100000"/>
+              </a:lnSpc>
+              <a:spcBef>
+                <a:spcPct val="20000"/>
+              </a:spcBef>
+              <a:spcAft>
+                <a:spcPts val="0"/>
+              </a:spcAft>
+              <a:buClr>
+                <a:schemeClr val="accent1"/>
+              </a:buClr>
+              <a:buSzPct val="80000"/>
+              <a:buFont typeface="Wingdings 2"/>
+              <a:buChar char=""/>
+              <a:tabLst/>
+              <a:defRPr/>
+            </a:pPr>
+            <a:r>
+              <a:rPr kumimoji="0" lang="en-US" sz="2000" b="0" i="0" u="none" strike="noStrike" kern="1200" cap="none" spc="0" normalizeH="0" baseline="0" dirty="0" smtClean="0">
+                <a:ln>
+                  <a:noFill/>
+                </a:ln>
+                <a:solidFill>
+                  <a:schemeClr val="tx1"/>
+                </a:solidFill>
+                <a:effectLst/>
+                <a:uLnTx/>
+                <a:uFillTx/>
+                <a:latin typeface="+mn-lt"/>
+                <a:ea typeface="+mn-ea"/>
+                <a:cs typeface="+mn-cs"/>
+              </a:rPr>
+              <a:t>Stewart</a:t>
+            </a:r>
+            <a:r>
+              <a:rPr kumimoji="0" lang="en-US" sz="2000" b="0" i="0" u="none" strike="noStrike" kern="1200" cap="none" spc="0" normalizeH="0" dirty="0" smtClean="0">
+                <a:ln>
+                  <a:noFill/>
+                </a:ln>
+                <a:solidFill>
+                  <a:schemeClr val="tx1"/>
+                </a:solidFill>
+                <a:effectLst/>
+                <a:uLnTx/>
+                <a:uFillTx/>
+                <a:latin typeface="+mn-lt"/>
+                <a:ea typeface="+mn-ea"/>
+                <a:cs typeface="+mn-cs"/>
+              </a:rPr>
+              <a:t> Field</a:t>
+            </a:r>
+          </a:p>
+          <a:p>
+            <a:pPr marL="448056" marR="0" lvl="0" indent="-384048" algn="l" defTabSz="914400" rtl="0" eaLnBrk="1" fontAlgn="auto" latinLnBrk="0" hangingPunct="1">
+              <a:lnSpc>
+                <a:spcPct val="100000"/>
+              </a:lnSpc>
+              <a:spcBef>
+                <a:spcPct val="20000"/>
+              </a:spcBef>
+              <a:spcAft>
+                <a:spcPts val="0"/>
+              </a:spcAft>
+              <a:buClr>
+                <a:schemeClr val="accent1"/>
+              </a:buClr>
+              <a:buSzPct val="80000"/>
+              <a:buFont typeface="Wingdings 2"/>
+              <a:buChar char=""/>
+              <a:tabLst/>
+              <a:defRPr/>
+            </a:pPr>
+            <a:r>
+              <a:rPr lang="en-US" sz="2000" baseline="0" noProof="0" dirty="0" smtClean="0"/>
+              <a:t>Ogdensburg</a:t>
+            </a:r>
+          </a:p>
+          <a:p>
+            <a:pPr marL="448056" marR="0" lvl="0" indent="-384048" algn="l" defTabSz="914400" rtl="0" eaLnBrk="1" fontAlgn="auto" latinLnBrk="0" hangingPunct="1">
+              <a:lnSpc>
+                <a:spcPct val="100000"/>
+              </a:lnSpc>
+              <a:spcBef>
+                <a:spcPct val="20000"/>
+              </a:spcBef>
+              <a:spcAft>
+                <a:spcPts val="0"/>
+              </a:spcAft>
+              <a:buClr>
+                <a:schemeClr val="accent1"/>
+              </a:buClr>
+              <a:buSzPct val="80000"/>
+              <a:buFont typeface="Wingdings 2"/>
+              <a:buChar char=""/>
+              <a:tabLst/>
+              <a:defRPr/>
+            </a:pPr>
+            <a:r>
+              <a:rPr kumimoji="0" lang="en-US" sz="2000" b="0" i="0" u="none" strike="noStrike" kern="1200" cap="none" spc="0" normalizeH="0" dirty="0" smtClean="0">
+                <a:ln>
+                  <a:noFill/>
+                </a:ln>
+                <a:solidFill>
+                  <a:schemeClr val="tx1"/>
+                </a:solidFill>
+                <a:effectLst/>
+                <a:uLnTx/>
+                <a:uFillTx/>
+                <a:latin typeface="+mn-lt"/>
+                <a:ea typeface="+mn-ea"/>
+                <a:cs typeface="+mn-cs"/>
+              </a:rPr>
+              <a:t>Plattsburgh</a:t>
+            </a:r>
+          </a:p>
+          <a:p>
+            <a:pPr marL="448056" marR="0" lvl="0" indent="-384048" algn="l" defTabSz="914400" rtl="0" eaLnBrk="1" fontAlgn="auto" latinLnBrk="0" hangingPunct="1">
+              <a:lnSpc>
+                <a:spcPct val="100000"/>
+              </a:lnSpc>
+              <a:spcBef>
+                <a:spcPct val="20000"/>
+              </a:spcBef>
+              <a:spcAft>
+                <a:spcPts val="0"/>
+              </a:spcAft>
+              <a:buClr>
+                <a:schemeClr val="accent1"/>
+              </a:buClr>
+              <a:buSzPct val="80000"/>
+              <a:buFont typeface="Wingdings 2"/>
+              <a:buChar char=""/>
+              <a:tabLst/>
+              <a:defRPr/>
+            </a:pPr>
+            <a:r>
+              <a:rPr lang="en-US" sz="2000" baseline="0" noProof="0" dirty="0" smtClean="0"/>
+              <a:t>Portland</a:t>
+            </a:r>
+          </a:p>
+          <a:p>
+            <a:pPr marL="448056" marR="0" lvl="0" indent="-384048" algn="l" defTabSz="914400" rtl="0" eaLnBrk="1" fontAlgn="auto" latinLnBrk="0" hangingPunct="1">
+              <a:lnSpc>
+                <a:spcPct val="100000"/>
+              </a:lnSpc>
+              <a:spcBef>
+                <a:spcPct val="20000"/>
+              </a:spcBef>
+              <a:spcAft>
+                <a:spcPts val="0"/>
+              </a:spcAft>
+              <a:buClr>
+                <a:schemeClr val="accent1"/>
+              </a:buClr>
+              <a:buSzPct val="80000"/>
+              <a:buFont typeface="Wingdings 2"/>
+              <a:buChar char=""/>
+              <a:tabLst/>
+              <a:defRPr/>
+            </a:pPr>
+            <a:r>
+              <a:rPr kumimoji="0" lang="en-US" sz="2000" b="0" i="0" u="none" strike="noStrike" kern="1200" cap="none" spc="0" normalizeH="0" dirty="0" smtClean="0">
+                <a:ln>
+                  <a:noFill/>
+                </a:ln>
+                <a:solidFill>
+                  <a:schemeClr val="tx1"/>
+                </a:solidFill>
+                <a:effectLst/>
+                <a:uLnTx/>
+                <a:uFillTx/>
+                <a:latin typeface="+mn-lt"/>
+                <a:ea typeface="+mn-ea"/>
+                <a:cs typeface="+mn-cs"/>
+              </a:rPr>
+              <a:t>Poughkeepsie</a:t>
+            </a:r>
+          </a:p>
+          <a:p>
+            <a:pPr marL="448056" marR="0" lvl="0" indent="-384048" algn="l" defTabSz="914400" rtl="0" eaLnBrk="1" fontAlgn="auto" latinLnBrk="0" hangingPunct="1">
+              <a:lnSpc>
+                <a:spcPct val="100000"/>
+              </a:lnSpc>
+              <a:spcBef>
+                <a:spcPct val="20000"/>
+              </a:spcBef>
+              <a:spcAft>
+                <a:spcPts val="0"/>
+              </a:spcAft>
+              <a:buClr>
+                <a:schemeClr val="accent1"/>
+              </a:buClr>
+              <a:buSzPct val="80000"/>
+              <a:buFont typeface="Wingdings 2"/>
+              <a:buChar char=""/>
+              <a:tabLst/>
+              <a:defRPr/>
+            </a:pPr>
+            <a:r>
+              <a:rPr lang="en-US" sz="2000" dirty="0" smtClean="0"/>
+              <a:t>Presque Isle</a:t>
+            </a:r>
+          </a:p>
+          <a:p>
+            <a:pPr marL="448056" marR="0" lvl="0" indent="-384048" algn="l" defTabSz="914400" rtl="0" eaLnBrk="1" fontAlgn="auto" latinLnBrk="0" hangingPunct="1">
+              <a:lnSpc>
+                <a:spcPct val="100000"/>
+              </a:lnSpc>
+              <a:spcBef>
+                <a:spcPct val="20000"/>
+              </a:spcBef>
+              <a:spcAft>
+                <a:spcPts val="0"/>
+              </a:spcAft>
+              <a:buClr>
+                <a:schemeClr val="accent1"/>
+              </a:buClr>
+              <a:buSzPct val="80000"/>
+              <a:buFont typeface="Wingdings 2"/>
+              <a:buChar char=""/>
+              <a:tabLst/>
+              <a:defRPr/>
+            </a:pPr>
+            <a:r>
+              <a:rPr kumimoji="0" lang="en-US" sz="2000" b="0" i="0" u="none" strike="noStrike" kern="1200" cap="none" spc="0" normalizeH="0" dirty="0" smtClean="0">
+                <a:ln>
+                  <a:noFill/>
+                </a:ln>
+                <a:solidFill>
+                  <a:schemeClr val="tx1"/>
+                </a:solidFill>
+                <a:effectLst/>
+                <a:uLnTx/>
+                <a:uFillTx/>
+                <a:latin typeface="+mn-lt"/>
+                <a:ea typeface="+mn-ea"/>
+                <a:cs typeface="+mn-cs"/>
+              </a:rPr>
+              <a:t>Provincetown</a:t>
+            </a:r>
+          </a:p>
+          <a:p>
+            <a:pPr marL="448056" marR="0" lvl="0" indent="-384048" algn="l" defTabSz="914400" rtl="0" eaLnBrk="1" fontAlgn="auto" latinLnBrk="0" hangingPunct="1">
+              <a:lnSpc>
+                <a:spcPct val="100000"/>
+              </a:lnSpc>
+              <a:spcBef>
+                <a:spcPct val="20000"/>
+              </a:spcBef>
+              <a:spcAft>
+                <a:spcPts val="0"/>
+              </a:spcAft>
+              <a:buClr>
+                <a:schemeClr val="accent1"/>
+              </a:buClr>
+              <a:buSzPct val="80000"/>
+              <a:buFont typeface="Wingdings 2"/>
+              <a:buChar char=""/>
+              <a:tabLst/>
+              <a:defRPr/>
+            </a:pPr>
+            <a:r>
+              <a:rPr lang="en-US" sz="2000" dirty="0" smtClean="0"/>
+              <a:t>Reading </a:t>
+            </a:r>
+          </a:p>
+          <a:p>
+            <a:pPr marL="448056" marR="0" lvl="0" indent="-384048" algn="l" defTabSz="914400" rtl="0" eaLnBrk="1" fontAlgn="auto" latinLnBrk="0" hangingPunct="1">
+              <a:lnSpc>
+                <a:spcPct val="100000"/>
+              </a:lnSpc>
+              <a:spcBef>
+                <a:spcPct val="20000"/>
+              </a:spcBef>
+              <a:spcAft>
+                <a:spcPts val="0"/>
+              </a:spcAft>
+              <a:buClr>
+                <a:schemeClr val="accent1"/>
+              </a:buClr>
+              <a:buSzPct val="80000"/>
+              <a:buFont typeface="Wingdings 2"/>
+              <a:buChar char=""/>
+              <a:tabLst/>
+              <a:defRPr/>
+            </a:pPr>
+            <a:r>
+              <a:rPr kumimoji="0" lang="en-US" sz="2000" b="0" i="0" u="none" strike="noStrike" kern="1200" cap="none" spc="0" normalizeH="0" dirty="0" smtClean="0">
+                <a:ln>
+                  <a:noFill/>
+                </a:ln>
+                <a:solidFill>
+                  <a:schemeClr val="tx1"/>
+                </a:solidFill>
+                <a:effectLst/>
+                <a:uLnTx/>
+                <a:uFillTx/>
+                <a:latin typeface="+mn-lt"/>
+                <a:ea typeface="+mn-ea"/>
+                <a:cs typeface="+mn-cs"/>
+              </a:rPr>
+              <a:t>Rockland</a:t>
+            </a:r>
+          </a:p>
+          <a:p>
+            <a:pPr marL="448056" marR="0" lvl="0" indent="-384048" algn="l" defTabSz="914400" rtl="0" eaLnBrk="1" fontAlgn="auto" latinLnBrk="0" hangingPunct="1">
+              <a:lnSpc>
+                <a:spcPct val="100000"/>
+              </a:lnSpc>
+              <a:spcBef>
+                <a:spcPct val="20000"/>
+              </a:spcBef>
+              <a:spcAft>
+                <a:spcPts val="0"/>
+              </a:spcAft>
+              <a:buClr>
+                <a:schemeClr val="accent1"/>
+              </a:buClr>
+              <a:buSzPct val="80000"/>
+              <a:buFont typeface="Wingdings 2"/>
+              <a:buChar char=""/>
+              <a:tabLst/>
+              <a:defRPr/>
+            </a:pPr>
+            <a:r>
+              <a:rPr lang="en-US" sz="2000" dirty="0" smtClean="0"/>
+              <a:t>Rutland</a:t>
+            </a:r>
+          </a:p>
+          <a:p>
+            <a:pPr marL="448056" marR="0" lvl="0" indent="-384048" algn="l" defTabSz="914400" rtl="0" eaLnBrk="1" fontAlgn="auto" latinLnBrk="0" hangingPunct="1">
+              <a:lnSpc>
+                <a:spcPct val="100000"/>
+              </a:lnSpc>
+              <a:spcBef>
+                <a:spcPct val="20000"/>
+              </a:spcBef>
+              <a:spcAft>
+                <a:spcPts val="0"/>
+              </a:spcAft>
+              <a:buClr>
+                <a:schemeClr val="accent1"/>
+              </a:buClr>
+              <a:buSzPct val="80000"/>
+              <a:buFont typeface="Wingdings 2"/>
+              <a:buChar char=""/>
+              <a:tabLst/>
+              <a:defRPr/>
+            </a:pPr>
+            <a:r>
+              <a:rPr kumimoji="0" lang="en-US" sz="2000" b="0" i="0" u="none" strike="noStrike" kern="1200" cap="none" spc="0" normalizeH="0" dirty="0" smtClean="0">
+                <a:ln>
+                  <a:noFill/>
+                </a:ln>
+                <a:solidFill>
+                  <a:schemeClr val="tx1"/>
+                </a:solidFill>
+                <a:effectLst/>
+                <a:uLnTx/>
+                <a:uFillTx/>
+                <a:latin typeface="+mn-lt"/>
+                <a:ea typeface="+mn-ea"/>
+                <a:cs typeface="+mn-cs"/>
+              </a:rPr>
+              <a:t>Utica</a:t>
+            </a:r>
+          </a:p>
+          <a:p>
+            <a:pPr marL="448056" marR="0" lvl="0" indent="-384048" algn="l" defTabSz="914400" rtl="0" eaLnBrk="1" fontAlgn="auto" latinLnBrk="0" hangingPunct="1">
+              <a:lnSpc>
+                <a:spcPct val="100000"/>
+              </a:lnSpc>
+              <a:spcBef>
+                <a:spcPct val="20000"/>
+              </a:spcBef>
+              <a:spcAft>
+                <a:spcPts val="0"/>
+              </a:spcAft>
+              <a:buClr>
+                <a:schemeClr val="accent1"/>
+              </a:buClr>
+              <a:buSzPct val="80000"/>
+              <a:buFont typeface="Wingdings 2"/>
+              <a:buChar char=""/>
+              <a:tabLst/>
+              <a:defRPr/>
+            </a:pPr>
+            <a:r>
+              <a:rPr lang="en-US" sz="2000" dirty="0" smtClean="0"/>
+              <a:t>Windsor Locks</a:t>
+            </a:r>
+          </a:p>
+          <a:p>
+            <a:pPr marL="448056" marR="0" lvl="0" indent="-384048" algn="l" defTabSz="914400" rtl="0" eaLnBrk="1" fontAlgn="auto" latinLnBrk="0" hangingPunct="1">
+              <a:lnSpc>
+                <a:spcPct val="100000"/>
+              </a:lnSpc>
+              <a:spcBef>
+                <a:spcPct val="20000"/>
+              </a:spcBef>
+              <a:spcAft>
+                <a:spcPts val="0"/>
+              </a:spcAft>
+              <a:buClr>
+                <a:schemeClr val="accent1"/>
+              </a:buClr>
+              <a:buSzPct val="80000"/>
+              <a:buFont typeface="Wingdings 2"/>
+              <a:buChar char=""/>
+              <a:tabLst/>
+              <a:defRPr/>
+            </a:pPr>
+            <a:r>
+              <a:rPr kumimoji="0" lang="en-US" sz="2000" b="0" i="0" u="none" strike="noStrike" kern="1200" cap="none" spc="0" normalizeH="0" dirty="0" smtClean="0">
+                <a:ln>
+                  <a:noFill/>
+                </a:ln>
+                <a:solidFill>
+                  <a:schemeClr val="tx1"/>
+                </a:solidFill>
+                <a:effectLst/>
+                <a:uLnTx/>
+                <a:uFillTx/>
+                <a:latin typeface="+mn-lt"/>
+                <a:ea typeface="+mn-ea"/>
+                <a:cs typeface="+mn-cs"/>
+              </a:rPr>
+              <a:t>Amsterdam</a:t>
+            </a:r>
+          </a:p>
+          <a:p>
+            <a:pPr marL="448056" marR="0" lvl="0" indent="-384048" algn="l" defTabSz="914400" rtl="0" eaLnBrk="1" fontAlgn="auto" latinLnBrk="0" hangingPunct="1">
+              <a:lnSpc>
+                <a:spcPct val="100000"/>
+              </a:lnSpc>
+              <a:spcBef>
+                <a:spcPct val="20000"/>
+              </a:spcBef>
+              <a:spcAft>
+                <a:spcPts val="0"/>
+              </a:spcAft>
+              <a:buClr>
+                <a:schemeClr val="accent1"/>
+              </a:buClr>
+              <a:buSzPct val="80000"/>
+              <a:buFont typeface="Wingdings 2"/>
+              <a:buChar char=""/>
+              <a:tabLst/>
+              <a:defRPr/>
+            </a:pPr>
+            <a:r>
+              <a:rPr lang="en-US" sz="2000" dirty="0" smtClean="0"/>
+              <a:t>Brattleboro</a:t>
+            </a:r>
+          </a:p>
+          <a:p>
+            <a:pPr marL="448056" marR="0" lvl="0" indent="-384048" algn="l" defTabSz="914400" rtl="0" eaLnBrk="1" fontAlgn="auto" latinLnBrk="0" hangingPunct="1">
+              <a:lnSpc>
+                <a:spcPct val="100000"/>
+              </a:lnSpc>
+              <a:spcBef>
+                <a:spcPct val="20000"/>
+              </a:spcBef>
+              <a:spcAft>
+                <a:spcPts val="0"/>
+              </a:spcAft>
+              <a:buClr>
+                <a:schemeClr val="accent1"/>
+              </a:buClr>
+              <a:buSzPct val="80000"/>
+              <a:buFont typeface="Wingdings 2"/>
+              <a:buChar char=""/>
+              <a:tabLst/>
+              <a:defRPr/>
+            </a:pPr>
+            <a:r>
+              <a:rPr kumimoji="0" lang="en-US" sz="2000" b="0" i="0" u="none" strike="noStrike" kern="1200" cap="none" spc="0" normalizeH="0" dirty="0" smtClean="0">
+                <a:ln>
+                  <a:noFill/>
+                </a:ln>
+                <a:solidFill>
+                  <a:schemeClr val="tx1"/>
+                </a:solidFill>
+                <a:effectLst/>
+                <a:uLnTx/>
+                <a:uFillTx/>
+                <a:latin typeface="+mn-lt"/>
+                <a:ea typeface="+mn-ea"/>
+                <a:cs typeface="+mn-cs"/>
+              </a:rPr>
+              <a:t>Newark Airport</a:t>
+            </a:r>
+          </a:p>
+          <a:p>
+            <a:pPr marL="448056" marR="0" lvl="0" indent="-384048" algn="l" defTabSz="914400" rtl="0" eaLnBrk="1" fontAlgn="auto" latinLnBrk="0" hangingPunct="1">
+              <a:lnSpc>
+                <a:spcPct val="100000"/>
+              </a:lnSpc>
+              <a:spcBef>
+                <a:spcPct val="20000"/>
+              </a:spcBef>
+              <a:spcAft>
+                <a:spcPts val="0"/>
+              </a:spcAft>
+              <a:buClr>
+                <a:schemeClr val="accent1"/>
+              </a:buClr>
+              <a:buSzPct val="80000"/>
+              <a:buFont typeface="Wingdings 2"/>
+              <a:buChar char=""/>
+              <a:tabLst/>
+              <a:defRPr/>
+            </a:pPr>
+            <a:endParaRPr kumimoji="0" lang="en-US" sz="2000" b="0" i="0" u="none" strike="noStrike" kern="1200" cap="none" spc="0" normalizeH="0" baseline="0" noProof="0" dirty="0">
+              <a:ln>
+                <a:noFill/>
+              </a:ln>
+              <a:solidFill>
+                <a:schemeClr val="tx1"/>
+              </a:solidFill>
+              <a:effectLst/>
+              <a:uLnTx/>
+              <a:uFillTx/>
+              <a:latin typeface="+mn-lt"/>
+              <a:ea typeface="+mn-ea"/>
+              <a:cs typeface="+mn-cs"/>
+            </a:endParaRPr>
           </a:p>
         </p:txBody>
       </p:sp>
@@ -7770,7 +7983,7 @@
         </p:nvSpPr>
         <p:spPr>
           <a:xfrm>
-            <a:off x="457200" y="1666526"/>
+            <a:off x="457200" y="63023"/>
             <a:ext cx="8229600" cy="1399032"/>
           </a:xfrm>
         </p:spPr>
@@ -7778,12 +7991,63 @@
           <a:bodyPr/>
           <a:lstStyle/>
           <a:p>
-            <a:pPr algn="ctr"/>
-            <a:r>
-              <a:rPr lang="en-US" sz="8000" dirty="0" smtClean="0"/>
-              <a:t>Demo</a:t>
-            </a:r>
-            <a:endParaRPr lang="en-US" sz="8000" dirty="0"/>
+            <a:r>
+              <a:rPr lang="en-US" dirty="0" smtClean="0"/>
+              <a:t>Functionality</a:t>
+            </a:r>
+            <a:endParaRPr lang="en-US" dirty="0"/>
+          </a:p>
+        </p:txBody>
+      </p:sp>
+      <p:sp>
+        <p:nvSpPr>
+          <p:cNvPr id="3" name="Content Placeholder 2"/>
+          <p:cNvSpPr>
+            <a:spLocks noGrp="1"/>
+          </p:cNvSpPr>
+          <p:nvPr>
+            <p:ph idx="1"/>
+          </p:nvPr>
+        </p:nvSpPr>
+        <p:spPr>
+          <a:xfrm>
+            <a:off x="457200" y="1462055"/>
+            <a:ext cx="8229600" cy="4992753"/>
+          </a:xfrm>
+        </p:spPr>
+        <p:txBody>
+          <a:bodyPr/>
+          <a:lstStyle/>
+          <a:p>
+            <a:r>
+              <a:rPr lang="en-US" dirty="0" smtClean="0"/>
+              <a:t>Drop down menu for cities in the northeast</a:t>
+            </a:r>
+          </a:p>
+          <a:p>
+            <a:r>
+              <a:rPr lang="en-US" dirty="0" smtClean="0"/>
+              <a:t>Enter time and date preferences</a:t>
+            </a:r>
+          </a:p>
+          <a:p>
+            <a:r>
+              <a:rPr lang="en-US" dirty="0" smtClean="0"/>
+              <a:t>Sort results by cheapest prices, fastest elapsed time, by arrival time or by departure time</a:t>
+            </a:r>
+          </a:p>
+          <a:p>
+            <a:r>
+              <a:rPr lang="en-US" dirty="0" smtClean="0"/>
+              <a:t>Links to book reservations</a:t>
+            </a:r>
+          </a:p>
+          <a:p>
+            <a:r>
+              <a:rPr lang="en-US" dirty="0" smtClean="0"/>
+              <a:t>Maps to display routes</a:t>
+            </a:r>
+            <a:endParaRPr lang="en-US" dirty="0"/>
           </a:p>
         </p:txBody>
       </p:sp>
@@ -7832,187 +8096,25 @@
             <p:ph type="title"/>
           </p:nvPr>
         </p:nvSpPr>
-        <p:spPr/>
+        <p:spPr>
+          <a:xfrm>
+            <a:off x="457200" y="1666526"/>
+            <a:ext cx="8229600" cy="1399032"/>
+          </a:xfrm>
+        </p:spPr>
         <p:txBody>
           <a:bodyPr/>
           <a:lstStyle/>
           <a:p>
-            <a:r>
-              <a:rPr lang="en-US" dirty="0" smtClean="0"/>
-              <a:t>Back-end</a:t>
-            </a:r>
-            <a:endParaRPr lang="en-US" dirty="0"/>
-          </a:p>
-        </p:txBody>
-      </p:sp>
-      <p:pic>
-        <p:nvPicPr>
-          <p:cNvPr id="4" name="Picture 3"/>
-          <p:cNvPicPr>
-            <a:picLocks noChangeAspect="1"/>
-          </p:cNvPicPr>
-          <p:nvPr/>
-        </p:nvPicPr>
-        <p:blipFill>
-          <a:blip r:embed="rId2"/>
-          <a:stretch>
-            <a:fillRect/>
-          </a:stretch>
-        </p:blipFill>
-        <p:spPr>
-          <a:xfrm>
-            <a:off x="184757" y="3588674"/>
-            <a:ext cx="3434743" cy="1262500"/>
-          </a:xfrm>
-          <a:prstGeom prst="rect">
-            <a:avLst/>
-          </a:prstGeom>
-        </p:spPr>
-      </p:pic>
-      <p:pic>
-        <p:nvPicPr>
-          <p:cNvPr id="5" name="Picture 4"/>
-          <p:cNvPicPr>
-            <a:picLocks noChangeAspect="1"/>
-          </p:cNvPicPr>
-          <p:nvPr/>
-        </p:nvPicPr>
-        <p:blipFill>
-          <a:blip r:embed="rId3"/>
-          <a:stretch>
-            <a:fillRect/>
-          </a:stretch>
-        </p:blipFill>
-        <p:spPr>
-          <a:xfrm>
-            <a:off x="184757" y="5134280"/>
-            <a:ext cx="4038600" cy="1255784"/>
-          </a:xfrm>
-          <a:prstGeom prst="rect">
-            <a:avLst/>
-          </a:prstGeom>
-        </p:spPr>
-      </p:pic>
-      <p:pic>
-        <p:nvPicPr>
-          <p:cNvPr id="7" name="Picture 6"/>
-          <p:cNvPicPr>
-            <a:picLocks noChangeAspect="1"/>
-          </p:cNvPicPr>
-          <p:nvPr/>
-        </p:nvPicPr>
-        <p:blipFill>
-          <a:blip r:embed="rId4"/>
-          <a:stretch>
-            <a:fillRect/>
-          </a:stretch>
-        </p:blipFill>
-        <p:spPr>
-          <a:xfrm>
-            <a:off x="6129746" y="267495"/>
-            <a:ext cx="2912653" cy="1981032"/>
-          </a:xfrm>
-          <a:prstGeom prst="rect">
-            <a:avLst/>
-          </a:prstGeom>
-        </p:spPr>
-      </p:pic>
-      <p:pic>
-        <p:nvPicPr>
-          <p:cNvPr id="8" name="Picture 7"/>
-          <p:cNvPicPr>
-            <a:picLocks noChangeAspect="1"/>
-          </p:cNvPicPr>
-          <p:nvPr/>
-        </p:nvPicPr>
-        <p:blipFill>
-          <a:blip r:embed="rId5"/>
-          <a:stretch>
-            <a:fillRect/>
-          </a:stretch>
-        </p:blipFill>
-        <p:spPr>
-          <a:xfrm>
-            <a:off x="6129745" y="2400881"/>
-            <a:ext cx="2912653" cy="1213605"/>
-          </a:xfrm>
-          <a:prstGeom prst="rect">
-            <a:avLst/>
-          </a:prstGeom>
-        </p:spPr>
-      </p:pic>
-      <p:pic>
-        <p:nvPicPr>
-          <p:cNvPr id="9" name="Picture 8"/>
-          <p:cNvPicPr>
-            <a:picLocks noChangeAspect="1"/>
-          </p:cNvPicPr>
-          <p:nvPr/>
-        </p:nvPicPr>
-        <p:blipFill>
-          <a:blip r:embed="rId6"/>
-          <a:stretch>
-            <a:fillRect/>
-          </a:stretch>
-        </p:blipFill>
-        <p:spPr>
-          <a:xfrm>
-            <a:off x="457200" y="1555027"/>
-            <a:ext cx="5238750" cy="1143594"/>
-          </a:xfrm>
-          <a:prstGeom prst="rect">
-            <a:avLst/>
-          </a:prstGeom>
-        </p:spPr>
-      </p:pic>
-      <p:pic>
-        <p:nvPicPr>
-          <p:cNvPr id="10" name="Picture 9"/>
-          <p:cNvPicPr>
-            <a:picLocks noChangeAspect="1"/>
-          </p:cNvPicPr>
-          <p:nvPr/>
-        </p:nvPicPr>
-        <p:blipFill>
-          <a:blip r:embed="rId7"/>
-          <a:stretch>
-            <a:fillRect/>
-          </a:stretch>
-        </p:blipFill>
-        <p:spPr>
-          <a:xfrm>
-            <a:off x="3958948" y="3019444"/>
-            <a:ext cx="1908452" cy="1831730"/>
-          </a:xfrm>
-          <a:prstGeom prst="rect">
-            <a:avLst/>
-          </a:prstGeom>
-        </p:spPr>
-      </p:pic>
-      <p:pic>
-        <p:nvPicPr>
-          <p:cNvPr id="11" name="Picture 10"/>
-          <p:cNvPicPr>
-            <a:picLocks noChangeAspect="1"/>
-          </p:cNvPicPr>
-          <p:nvPr/>
-        </p:nvPicPr>
-        <p:blipFill>
-          <a:blip r:embed="rId8"/>
-          <a:stretch>
-            <a:fillRect/>
-          </a:stretch>
-        </p:blipFill>
-        <p:spPr>
-          <a:xfrm>
-            <a:off x="4396712" y="4956158"/>
-            <a:ext cx="4290088" cy="1673015"/>
-          </a:xfrm>
-          <a:prstGeom prst="rect">
-            <a:avLst/>
-          </a:prstGeom>
-        </p:spPr>
-      </p:pic>
+            <a:pPr algn="ctr"/>
+            <a:r>
+              <a:rPr lang="en-US" sz="8000" dirty="0" smtClean="0"/>
+              <a:t>Demo</a:t>
+            </a:r>
+            <a:endParaRPr lang="en-US" sz="8000" dirty="0"/>
+          </a:p>
+        </p:txBody>
+      </p:sp>
     </p:spTree>
   </p:cSld>
   <p:clrMapOvr>
